--- a/Manuscript/Figures/AURC_EFFCI06.pptx
+++ b/Manuscript/Figures/AURC_EFFCI06.pptx
@@ -2,12 +2,12 @@
 <file path=ppt/presentation.xml><?xml version="1.0" encoding="utf-8"?>
 <p:presentation xmlns:a="http://schemas.openxmlformats.org/drawingml/2006/main" xmlns:r="http://schemas.openxmlformats.org/officeDocument/2006/relationships" xmlns:p="http://schemas.openxmlformats.org/presentationml/2006/main" saveSubsetFonts="1">
   <p:sldMasterIdLst>
-    <p:sldMasterId id="2147483708" r:id="rId1"/>
+    <p:sldMasterId id="2147483720" r:id="rId1"/>
   </p:sldMasterIdLst>
   <p:sldIdLst>
     <p:sldId id="259" r:id="rId2"/>
   </p:sldIdLst>
-  <p:sldSz cx="6119813" cy="9906000"/>
+  <p:sldSz cx="6119813" cy="5400675"/>
   <p:notesSz cx="6858000" cy="9144000"/>
   <p:defaultTextStyle>
     <a:defPPr>
@@ -115,7 +115,7 @@
 <file path=ppt/revisionInfo.xml><?xml version="1.0" encoding="utf-8"?>
 <p1510:revInfo xmlns:a="http://schemas.openxmlformats.org/drawingml/2006/main" xmlns:r="http://schemas.openxmlformats.org/officeDocument/2006/relationships" xmlns:p1510="http://schemas.microsoft.com/office/powerpoint/2015/10/main">
   <p1510:revLst>
-    <p1510:client id="{24727C51-081D-4FF1-A77A-49BB58B5CFDB}" v="23" dt="2022-01-14T13:27:00.284"/>
+    <p1510:client id="{AEACF5B8-E1B8-484D-AA65-19A39BABB57B}" v="29" dt="2022-01-18T16:34:11.502"/>
   </p1510:revLst>
 </p1510:revInfo>
 </file>
@@ -123,299 +123,60 @@
 <file path=ppt/changesInfos/changesInfo1.xml><?xml version="1.0" encoding="utf-8"?>
 <pc:chgInfo xmlns:a="http://schemas.openxmlformats.org/drawingml/2006/main" xmlns:r="http://schemas.openxmlformats.org/officeDocument/2006/relationships" xmlns:ac="http://schemas.microsoft.com/office/drawing/2013/main/command" xmlns:pc="http://schemas.microsoft.com/office/powerpoint/2013/main/command">
   <pc:docChgLst>
-    <pc:chgData name="Fatima Pillosu" userId="a6295d4dc9e22643" providerId="LiveId" clId="{24727C51-081D-4FF1-A77A-49BB58B5CFDB}"/>
-    <pc:docChg chg="undo custSel delSld modSld">
-      <pc:chgData name="Fatima Pillosu" userId="a6295d4dc9e22643" providerId="LiveId" clId="{24727C51-081D-4FF1-A77A-49BB58B5CFDB}" dt="2022-01-14T13:27:12.116" v="286" actId="1035"/>
+    <pc:chgData name="Fatima Pillosu" userId="a6295d4dc9e22643" providerId="LiveId" clId="{AEACF5B8-E1B8-484D-AA65-19A39BABB57B}"/>
+    <pc:docChg chg="undo redo custSel delSld modSld">
+      <pc:chgData name="Fatima Pillosu" userId="a6295d4dc9e22643" providerId="LiveId" clId="{AEACF5B8-E1B8-484D-AA65-19A39BABB57B}" dt="2022-01-18T16:39:47.242" v="560" actId="167"/>
       <pc:docMkLst>
         <pc:docMk/>
       </pc:docMkLst>
-      <pc:sldChg chg="del">
-        <pc:chgData name="Fatima Pillosu" userId="a6295d4dc9e22643" providerId="LiveId" clId="{24727C51-081D-4FF1-A77A-49BB58B5CFDB}" dt="2022-01-14T10:41:36.608" v="0" actId="47"/>
-        <pc:sldMkLst>
-          <pc:docMk/>
-          <pc:sldMk cId="820257480" sldId="258"/>
-        </pc:sldMkLst>
-      </pc:sldChg>
       <pc:sldChg chg="addSp delSp modSp mod">
-        <pc:chgData name="Fatima Pillosu" userId="a6295d4dc9e22643" providerId="LiveId" clId="{24727C51-081D-4FF1-A77A-49BB58B5CFDB}" dt="2022-01-14T13:27:12.116" v="286" actId="1035"/>
+        <pc:chgData name="Fatima Pillosu" userId="a6295d4dc9e22643" providerId="LiveId" clId="{AEACF5B8-E1B8-484D-AA65-19A39BABB57B}" dt="2022-01-18T16:39:47.242" v="560" actId="167"/>
         <pc:sldMkLst>
           <pc:docMk/>
           <pc:sldMk cId="1489261767" sldId="259"/>
         </pc:sldMkLst>
-        <pc:spChg chg="add del">
-          <ac:chgData name="Fatima Pillosu" userId="a6295d4dc9e22643" providerId="LiveId" clId="{24727C51-081D-4FF1-A77A-49BB58B5CFDB}" dt="2022-01-14T10:42:33.543" v="38" actId="478"/>
+        <pc:spChg chg="add del mod">
+          <ac:chgData name="Fatima Pillosu" userId="a6295d4dc9e22643" providerId="LiveId" clId="{AEACF5B8-E1B8-484D-AA65-19A39BABB57B}" dt="2022-01-18T15:31:43.230" v="51" actId="478"/>
           <ac:spMkLst>
             <pc:docMk/>
             <pc:sldMk cId="1489261767" sldId="259"/>
-            <ac:spMk id="2" creationId="{EC18BA08-4D7D-4DCB-8388-C2741E590A28}"/>
+            <ac:spMk id="2" creationId="{BA426686-676A-4B01-A8F6-DBC5B37C7072}"/>
           </ac:spMkLst>
         </pc:spChg>
         <pc:spChg chg="add del mod">
-          <ac:chgData name="Fatima Pillosu" userId="a6295d4dc9e22643" providerId="LiveId" clId="{24727C51-081D-4FF1-A77A-49BB58B5CFDB}" dt="2022-01-14T11:13:29.620" v="115" actId="478"/>
+          <ac:chgData name="Fatima Pillosu" userId="a6295d4dc9e22643" providerId="LiveId" clId="{AEACF5B8-E1B8-484D-AA65-19A39BABB57B}" dt="2022-01-18T15:40:17.283" v="201" actId="478"/>
           <ac:spMkLst>
             <pc:docMk/>
             <pc:sldMk cId="1489261767" sldId="259"/>
-            <ac:spMk id="26" creationId="{772E4142-FF65-4513-80B5-C8D59EF0991C}"/>
+            <ac:spMk id="3" creationId="{8DE753F3-CA1C-4E16-8AE8-FC7E76D9B42F}"/>
           </ac:spMkLst>
         </pc:spChg>
-        <pc:spChg chg="add del mod">
-          <ac:chgData name="Fatima Pillosu" userId="a6295d4dc9e22643" providerId="LiveId" clId="{24727C51-081D-4FF1-A77A-49BB58B5CFDB}" dt="2022-01-14T11:13:34.059" v="119" actId="478"/>
+        <pc:spChg chg="add del">
+          <ac:chgData name="Fatima Pillosu" userId="a6295d4dc9e22643" providerId="LiveId" clId="{AEACF5B8-E1B8-484D-AA65-19A39BABB57B}" dt="2022-01-18T15:49:46.992" v="350" actId="478"/>
           <ac:spMkLst>
             <pc:docMk/>
             <pc:sldMk cId="1489261767" sldId="259"/>
-            <ac:spMk id="27" creationId="{E2381AFA-1588-483A-8F0E-C4E7BCC1C736}"/>
+            <ac:spMk id="4" creationId="{6658AA8B-9FBA-437F-A3A9-6BE46CFC77E0}"/>
           </ac:spMkLst>
         </pc:spChg>
-        <pc:spChg chg="add del mod">
-          <ac:chgData name="Fatima Pillosu" userId="a6295d4dc9e22643" providerId="LiveId" clId="{24727C51-081D-4FF1-A77A-49BB58B5CFDB}" dt="2022-01-14T11:13:35.203" v="120" actId="478"/>
+        <pc:spChg chg="add mod ord">
+          <ac:chgData name="Fatima Pillosu" userId="a6295d4dc9e22643" providerId="LiveId" clId="{AEACF5B8-E1B8-484D-AA65-19A39BABB57B}" dt="2022-01-18T16:39:47.242" v="560" actId="167"/>
           <ac:spMkLst>
             <pc:docMk/>
             <pc:sldMk cId="1489261767" sldId="259"/>
-            <ac:spMk id="28" creationId="{5EC73343-E06F-4EA6-B7F5-35EEDA378ECF}"/>
-          </ac:spMkLst>
-        </pc:spChg>
-        <pc:spChg chg="add del mod">
-          <ac:chgData name="Fatima Pillosu" userId="a6295d4dc9e22643" providerId="LiveId" clId="{24727C51-081D-4FF1-A77A-49BB58B5CFDB}" dt="2022-01-14T11:13:41.960" v="125" actId="478"/>
-          <ac:spMkLst>
-            <pc:docMk/>
-            <pc:sldMk cId="1489261767" sldId="259"/>
-            <ac:spMk id="29" creationId="{941F6F7B-E056-46C9-9251-8E28BCB877F7}"/>
-          </ac:spMkLst>
-        </pc:spChg>
-        <pc:spChg chg="add del mod">
-          <ac:chgData name="Fatima Pillosu" userId="a6295d4dc9e22643" providerId="LiveId" clId="{24727C51-081D-4FF1-A77A-49BB58B5CFDB}" dt="2022-01-14T11:13:44.106" v="127" actId="478"/>
-          <ac:spMkLst>
-            <pc:docMk/>
-            <pc:sldMk cId="1489261767" sldId="259"/>
-            <ac:spMk id="30" creationId="{27A8064E-C70E-4B7A-A534-898CF019A607}"/>
-          </ac:spMkLst>
-        </pc:spChg>
-        <pc:spChg chg="add del mod">
-          <ac:chgData name="Fatima Pillosu" userId="a6295d4dc9e22643" providerId="LiveId" clId="{24727C51-081D-4FF1-A77A-49BB58B5CFDB}" dt="2022-01-14T11:13:30.528" v="116" actId="478"/>
-          <ac:spMkLst>
-            <pc:docMk/>
-            <pc:sldMk cId="1489261767" sldId="259"/>
-            <ac:spMk id="31" creationId="{5BB1B43F-5E4D-48BF-885B-C839E34BD7FA}"/>
-          </ac:spMkLst>
-        </pc:spChg>
-        <pc:spChg chg="add del mod">
-          <ac:chgData name="Fatima Pillosu" userId="a6295d4dc9e22643" providerId="LiveId" clId="{24727C51-081D-4FF1-A77A-49BB58B5CFDB}" dt="2022-01-14T11:13:33.121" v="118" actId="478"/>
-          <ac:spMkLst>
-            <pc:docMk/>
-            <pc:sldMk cId="1489261767" sldId="259"/>
-            <ac:spMk id="32" creationId="{3B3678BE-AEC1-4099-B1D1-BA73766C2433}"/>
-          </ac:spMkLst>
-        </pc:spChg>
-        <pc:spChg chg="add del mod">
-          <ac:chgData name="Fatima Pillosu" userId="a6295d4dc9e22643" providerId="LiveId" clId="{24727C51-081D-4FF1-A77A-49BB58B5CFDB}" dt="2022-01-14T11:13:38.890" v="123" actId="478"/>
-          <ac:spMkLst>
-            <pc:docMk/>
-            <pc:sldMk cId="1489261767" sldId="259"/>
-            <ac:spMk id="33" creationId="{2ADD0881-E706-46EB-9014-A850472AF128}"/>
+            <ac:spMk id="10" creationId="{2D225424-BB11-4468-B2E7-0EC0AA14DDE6}"/>
           </ac:spMkLst>
         </pc:spChg>
         <pc:spChg chg="del mod">
-          <ac:chgData name="Fatima Pillosu" userId="a6295d4dc9e22643" providerId="LiveId" clId="{24727C51-081D-4FF1-A77A-49BB58B5CFDB}" dt="2022-01-14T10:42:35.692" v="39" actId="21"/>
+          <ac:chgData name="Fatima Pillosu" userId="a6295d4dc9e22643" providerId="LiveId" clId="{AEACF5B8-E1B8-484D-AA65-19A39BABB57B}" dt="2022-01-18T15:49:48.420" v="351" actId="21"/>
           <ac:spMkLst>
             <pc:docMk/>
             <pc:sldMk cId="1489261767" sldId="259"/>
-            <ac:spMk id="34" creationId="{195715B0-7977-4ACC-8EBA-0275DA8629BA}"/>
-          </ac:spMkLst>
-        </pc:spChg>
-        <pc:spChg chg="add del mod">
-          <ac:chgData name="Fatima Pillosu" userId="a6295d4dc9e22643" providerId="LiveId" clId="{24727C51-081D-4FF1-A77A-49BB58B5CFDB}" dt="2022-01-14T11:13:40.715" v="124" actId="478"/>
-          <ac:spMkLst>
-            <pc:docMk/>
-            <pc:sldMk cId="1489261767" sldId="259"/>
-            <ac:spMk id="34" creationId="{34929E98-9394-441E-B4F4-DF36955B7562}"/>
-          </ac:spMkLst>
-        </pc:spChg>
-        <pc:spChg chg="add del mod">
-          <ac:chgData name="Fatima Pillosu" userId="a6295d4dc9e22643" providerId="LiveId" clId="{24727C51-081D-4FF1-A77A-49BB58B5CFDB}" dt="2022-01-14T11:13:43.067" v="126" actId="478"/>
-          <ac:spMkLst>
-            <pc:docMk/>
-            <pc:sldMk cId="1489261767" sldId="259"/>
-            <ac:spMk id="35" creationId="{3BF4A457-591B-4E0C-9D0F-A4ACDE0B588C}"/>
+            <ac:spMk id="46" creationId="{24EEA0CD-1073-4AFF-9F6D-2C151D749401}"/>
           </ac:spMkLst>
         </pc:spChg>
         <pc:spChg chg="del mod">
-          <ac:chgData name="Fatima Pillosu" userId="a6295d4dc9e22643" providerId="LiveId" clId="{24727C51-081D-4FF1-A77A-49BB58B5CFDB}" dt="2022-01-14T10:42:35.692" v="39" actId="21"/>
-          <ac:spMkLst>
-            <pc:docMk/>
-            <pc:sldMk cId="1489261767" sldId="259"/>
-            <ac:spMk id="35" creationId="{EF80B7F3-AFF6-4632-8DB1-050EDF9521F0}"/>
-          </ac:spMkLst>
-        </pc:spChg>
-        <pc:spChg chg="add del mod">
-          <ac:chgData name="Fatima Pillosu" userId="a6295d4dc9e22643" providerId="LiveId" clId="{24727C51-081D-4FF1-A77A-49BB58B5CFDB}" dt="2022-01-14T11:13:47.913" v="129"/>
-          <ac:spMkLst>
-            <pc:docMk/>
-            <pc:sldMk cId="1489261767" sldId="259"/>
-            <ac:spMk id="36" creationId="{263728E8-71CC-4195-8D89-2A81B77F6169}"/>
-          </ac:spMkLst>
-        </pc:spChg>
-        <pc:spChg chg="del mod">
-          <ac:chgData name="Fatima Pillosu" userId="a6295d4dc9e22643" providerId="LiveId" clId="{24727C51-081D-4FF1-A77A-49BB58B5CFDB}" dt="2022-01-14T10:42:35.692" v="39" actId="21"/>
-          <ac:spMkLst>
-            <pc:docMk/>
-            <pc:sldMk cId="1489261767" sldId="259"/>
-            <ac:spMk id="36" creationId="{97A6A1D6-451A-4E91-A6AA-8F0A840FB689}"/>
-          </ac:spMkLst>
-        </pc:spChg>
-        <pc:spChg chg="add del mod">
-          <ac:chgData name="Fatima Pillosu" userId="a6295d4dc9e22643" providerId="LiveId" clId="{24727C51-081D-4FF1-A77A-49BB58B5CFDB}" dt="2022-01-14T11:13:47.913" v="129"/>
-          <ac:spMkLst>
-            <pc:docMk/>
-            <pc:sldMk cId="1489261767" sldId="259"/>
-            <ac:spMk id="37" creationId="{4EAAB8F9-EDB8-4CB5-AFA9-A237AEA9F110}"/>
-          </ac:spMkLst>
-        </pc:spChg>
-        <pc:spChg chg="del mod">
-          <ac:chgData name="Fatima Pillosu" userId="a6295d4dc9e22643" providerId="LiveId" clId="{24727C51-081D-4FF1-A77A-49BB58B5CFDB}" dt="2022-01-14T10:42:35.692" v="39" actId="21"/>
-          <ac:spMkLst>
-            <pc:docMk/>
-            <pc:sldMk cId="1489261767" sldId="259"/>
-            <ac:spMk id="37" creationId="{5CBA4AE0-8D65-4AE0-A94A-E30C7602FCF1}"/>
-          </ac:spMkLst>
-        </pc:spChg>
-        <pc:spChg chg="add del mod">
-          <ac:chgData name="Fatima Pillosu" userId="a6295d4dc9e22643" providerId="LiveId" clId="{24727C51-081D-4FF1-A77A-49BB58B5CFDB}" dt="2022-01-14T11:13:47.913" v="129"/>
-          <ac:spMkLst>
-            <pc:docMk/>
-            <pc:sldMk cId="1489261767" sldId="259"/>
-            <ac:spMk id="38" creationId="{86B6591B-B7B6-4F41-9892-021542BA38E5}"/>
-          </ac:spMkLst>
-        </pc:spChg>
-        <pc:spChg chg="del mod">
-          <ac:chgData name="Fatima Pillosu" userId="a6295d4dc9e22643" providerId="LiveId" clId="{24727C51-081D-4FF1-A77A-49BB58B5CFDB}" dt="2022-01-14T10:42:35.692" v="39" actId="21"/>
-          <ac:spMkLst>
-            <pc:docMk/>
-            <pc:sldMk cId="1489261767" sldId="259"/>
-            <ac:spMk id="39" creationId="{2B24AD89-7733-4100-84B0-BF78A0853CDA}"/>
-          </ac:spMkLst>
-        </pc:spChg>
-        <pc:spChg chg="add del mod">
-          <ac:chgData name="Fatima Pillosu" userId="a6295d4dc9e22643" providerId="LiveId" clId="{24727C51-081D-4FF1-A77A-49BB58B5CFDB}" dt="2022-01-14T11:13:47.913" v="129"/>
-          <ac:spMkLst>
-            <pc:docMk/>
-            <pc:sldMk cId="1489261767" sldId="259"/>
-            <ac:spMk id="39" creationId="{5A4397F8-2A0C-42B4-9573-CA38C56C3AE5}"/>
-          </ac:spMkLst>
-        </pc:spChg>
-        <pc:spChg chg="add del mod">
-          <ac:chgData name="Fatima Pillosu" userId="a6295d4dc9e22643" providerId="LiveId" clId="{24727C51-081D-4FF1-A77A-49BB58B5CFDB}" dt="2022-01-14T11:13:47.913" v="129"/>
-          <ac:spMkLst>
-            <pc:docMk/>
-            <pc:sldMk cId="1489261767" sldId="259"/>
-            <ac:spMk id="40" creationId="{B38A7D97-9FA1-4288-9ECE-8FBAA92F3DD5}"/>
-          </ac:spMkLst>
-        </pc:spChg>
-        <pc:spChg chg="del mod">
-          <ac:chgData name="Fatima Pillosu" userId="a6295d4dc9e22643" providerId="LiveId" clId="{24727C51-081D-4FF1-A77A-49BB58B5CFDB}" dt="2022-01-14T10:42:35.692" v="39" actId="21"/>
-          <ac:spMkLst>
-            <pc:docMk/>
-            <pc:sldMk cId="1489261767" sldId="259"/>
-            <ac:spMk id="40" creationId="{DC7E810C-931E-4C72-867A-91F06A51E10F}"/>
-          </ac:spMkLst>
-        </pc:spChg>
-        <pc:spChg chg="del mod">
-          <ac:chgData name="Fatima Pillosu" userId="a6295d4dc9e22643" providerId="LiveId" clId="{24727C51-081D-4FF1-A77A-49BB58B5CFDB}" dt="2022-01-14T10:42:35.692" v="39" actId="21"/>
-          <ac:spMkLst>
-            <pc:docMk/>
-            <pc:sldMk cId="1489261767" sldId="259"/>
-            <ac:spMk id="41" creationId="{89C4AACF-0136-442C-9C03-4BACD6425D51}"/>
-          </ac:spMkLst>
-        </pc:spChg>
-        <pc:spChg chg="add del mod">
-          <ac:chgData name="Fatima Pillosu" userId="a6295d4dc9e22643" providerId="LiveId" clId="{24727C51-081D-4FF1-A77A-49BB58B5CFDB}" dt="2022-01-14T11:13:47.913" v="129"/>
-          <ac:spMkLst>
-            <pc:docMk/>
-            <pc:sldMk cId="1489261767" sldId="259"/>
-            <ac:spMk id="41" creationId="{966CBCF0-58FE-43E5-97F7-C450258CAF72}"/>
-          </ac:spMkLst>
-        </pc:spChg>
-        <pc:spChg chg="add del mod">
-          <ac:chgData name="Fatima Pillosu" userId="a6295d4dc9e22643" providerId="LiveId" clId="{24727C51-081D-4FF1-A77A-49BB58B5CFDB}" dt="2022-01-14T13:12:21.490" v="183" actId="478"/>
-          <ac:spMkLst>
-            <pc:docMk/>
-            <pc:sldMk cId="1489261767" sldId="259"/>
-            <ac:spMk id="41" creationId="{A9FC505F-0423-4DDD-9ED6-2CF08F481BC4}"/>
-          </ac:spMkLst>
-        </pc:spChg>
-        <pc:spChg chg="del mod">
-          <ac:chgData name="Fatima Pillosu" userId="a6295d4dc9e22643" providerId="LiveId" clId="{24727C51-081D-4FF1-A77A-49BB58B5CFDB}" dt="2022-01-14T10:42:35.692" v="39" actId="21"/>
-          <ac:spMkLst>
-            <pc:docMk/>
-            <pc:sldMk cId="1489261767" sldId="259"/>
-            <ac:spMk id="42" creationId="{02695C5C-AC05-45DA-B554-5C6328E6BCE7}"/>
-          </ac:spMkLst>
-        </pc:spChg>
-        <pc:spChg chg="add del mod">
-          <ac:chgData name="Fatima Pillosu" userId="a6295d4dc9e22643" providerId="LiveId" clId="{24727C51-081D-4FF1-A77A-49BB58B5CFDB}" dt="2022-01-14T11:13:47.913" v="129"/>
-          <ac:spMkLst>
-            <pc:docMk/>
-            <pc:sldMk cId="1489261767" sldId="259"/>
-            <ac:spMk id="42" creationId="{3D06C947-D282-425E-84DB-9E01716934EC}"/>
-          </ac:spMkLst>
-        </pc:spChg>
-        <pc:spChg chg="add del mod">
-          <ac:chgData name="Fatima Pillosu" userId="a6295d4dc9e22643" providerId="LiveId" clId="{24727C51-081D-4FF1-A77A-49BB58B5CFDB}" dt="2022-01-14T13:13:39.785" v="190" actId="478"/>
-          <ac:spMkLst>
-            <pc:docMk/>
-            <pc:sldMk cId="1489261767" sldId="259"/>
-            <ac:spMk id="42" creationId="{5FEFB1F6-EC30-4848-B0FA-7144FFC40088}"/>
-          </ac:spMkLst>
-        </pc:spChg>
-        <pc:spChg chg="add del mod">
-          <ac:chgData name="Fatima Pillosu" userId="a6295d4dc9e22643" providerId="LiveId" clId="{24727C51-081D-4FF1-A77A-49BB58B5CFDB}" dt="2022-01-14T11:13:47.913" v="129"/>
-          <ac:spMkLst>
-            <pc:docMk/>
-            <pc:sldMk cId="1489261767" sldId="259"/>
-            <ac:spMk id="43" creationId="{4CE535FF-DDB2-4189-8AEE-E8D3E1473563}"/>
-          </ac:spMkLst>
-        </pc:spChg>
-        <pc:spChg chg="add del mod">
-          <ac:chgData name="Fatima Pillosu" userId="a6295d4dc9e22643" providerId="LiveId" clId="{24727C51-081D-4FF1-A77A-49BB58B5CFDB}" dt="2022-01-14T11:13:47.913" v="129"/>
-          <ac:spMkLst>
-            <pc:docMk/>
-            <pc:sldMk cId="1489261767" sldId="259"/>
-            <ac:spMk id="44" creationId="{9DC71D96-FB71-4FFB-A9FD-4B3F5468F93D}"/>
-          </ac:spMkLst>
-        </pc:spChg>
-        <pc:spChg chg="add del mod">
-          <ac:chgData name="Fatima Pillosu" userId="a6295d4dc9e22643" providerId="LiveId" clId="{24727C51-081D-4FF1-A77A-49BB58B5CFDB}" dt="2022-01-14T11:13:47.913" v="129"/>
-          <ac:spMkLst>
-            <pc:docMk/>
-            <pc:sldMk cId="1489261767" sldId="259"/>
-            <ac:spMk id="45" creationId="{E8379150-C40E-41E3-B6C4-3FEA402BE3D6}"/>
-          </ac:spMkLst>
-        </pc:spChg>
-        <pc:spChg chg="add mod">
-          <ac:chgData name="Fatima Pillosu" userId="a6295d4dc9e22643" providerId="LiveId" clId="{24727C51-081D-4FF1-A77A-49BB58B5CFDB}" dt="2022-01-14T13:27:00.284" v="278"/>
-          <ac:spMkLst>
-            <pc:docMk/>
-            <pc:sldMk cId="1489261767" sldId="259"/>
-            <ac:spMk id="46" creationId="{24EEA0CD-1073-4AFF-9F6D-2C151D749401}"/>
-          </ac:spMkLst>
-        </pc:spChg>
-        <pc:spChg chg="add del mod">
-          <ac:chgData name="Fatima Pillosu" userId="a6295d4dc9e22643" providerId="LiveId" clId="{24727C51-081D-4FF1-A77A-49BB58B5CFDB}" dt="2022-01-14T11:54:13.181" v="176" actId="21"/>
-          <ac:spMkLst>
-            <pc:docMk/>
-            <pc:sldMk cId="1489261767" sldId="259"/>
-            <ac:spMk id="46" creationId="{D3FA1F7A-4F4B-49CA-9D6F-58F266D5E670}"/>
-          </ac:spMkLst>
-        </pc:spChg>
-        <pc:spChg chg="add del mod">
-          <ac:chgData name="Fatima Pillosu" userId="a6295d4dc9e22643" providerId="LiveId" clId="{24727C51-081D-4FF1-A77A-49BB58B5CFDB}" dt="2022-01-14T11:54:13.181" v="176" actId="21"/>
-          <ac:spMkLst>
-            <pc:docMk/>
-            <pc:sldMk cId="1489261767" sldId="259"/>
-            <ac:spMk id="47" creationId="{3074D7AB-CE12-4E81-BBF9-5101D7D27D7F}"/>
-          </ac:spMkLst>
-        </pc:spChg>
-        <pc:spChg chg="add mod">
-          <ac:chgData name="Fatima Pillosu" userId="a6295d4dc9e22643" providerId="LiveId" clId="{24727C51-081D-4FF1-A77A-49BB58B5CFDB}" dt="2022-01-14T13:27:00.284" v="278"/>
+          <ac:chgData name="Fatima Pillosu" userId="a6295d4dc9e22643" providerId="LiveId" clId="{AEACF5B8-E1B8-484D-AA65-19A39BABB57B}" dt="2022-01-18T15:49:48.420" v="351" actId="21"/>
           <ac:spMkLst>
             <pc:docMk/>
             <pc:sldMk cId="1489261767" sldId="259"/>
@@ -423,1555 +184,667 @@
           </ac:spMkLst>
         </pc:spChg>
         <pc:spChg chg="del mod">
-          <ac:chgData name="Fatima Pillosu" userId="a6295d4dc9e22643" providerId="LiveId" clId="{24727C51-081D-4FF1-A77A-49BB58B5CFDB}" dt="2022-01-14T10:42:35.692" v="39" actId="21"/>
+          <ac:chgData name="Fatima Pillosu" userId="a6295d4dc9e22643" providerId="LiveId" clId="{AEACF5B8-E1B8-484D-AA65-19A39BABB57B}" dt="2022-01-18T15:49:48.420" v="351" actId="21"/>
           <ac:spMkLst>
             <pc:docMk/>
             <pc:sldMk cId="1489261767" sldId="259"/>
-            <ac:spMk id="48" creationId="{09DD8E0F-261B-4311-AE75-9AAD7E8FDF6D}"/>
+            <ac:spMk id="48" creationId="{58DC642A-BD3B-4DE7-ABEE-664EDC4FD036}"/>
+          </ac:spMkLst>
+        </pc:spChg>
+        <pc:spChg chg="del mod">
+          <ac:chgData name="Fatima Pillosu" userId="a6295d4dc9e22643" providerId="LiveId" clId="{AEACF5B8-E1B8-484D-AA65-19A39BABB57B}" dt="2022-01-18T15:49:48.420" v="351" actId="21"/>
+          <ac:spMkLst>
+            <pc:docMk/>
+            <pc:sldMk cId="1489261767" sldId="259"/>
+            <ac:spMk id="49" creationId="{4D02AB7E-55D6-4658-8800-876CA24C69F9}"/>
+          </ac:spMkLst>
+        </pc:spChg>
+        <pc:spChg chg="del mod">
+          <ac:chgData name="Fatima Pillosu" userId="a6295d4dc9e22643" providerId="LiveId" clId="{AEACF5B8-E1B8-484D-AA65-19A39BABB57B}" dt="2022-01-18T15:49:48.420" v="351" actId="21"/>
+          <ac:spMkLst>
+            <pc:docMk/>
+            <pc:sldMk cId="1489261767" sldId="259"/>
+            <ac:spMk id="50" creationId="{8192AFA7-13CE-414F-A4A4-C860A6DBD8B6}"/>
+          </ac:spMkLst>
+        </pc:spChg>
+        <pc:spChg chg="del mod">
+          <ac:chgData name="Fatima Pillosu" userId="a6295d4dc9e22643" providerId="LiveId" clId="{AEACF5B8-E1B8-484D-AA65-19A39BABB57B}" dt="2022-01-18T15:49:48.420" v="351" actId="21"/>
+          <ac:spMkLst>
+            <pc:docMk/>
+            <pc:sldMk cId="1489261767" sldId="259"/>
+            <ac:spMk id="51" creationId="{3FF77760-6E95-43B2-B505-0A00B562DB66}"/>
           </ac:spMkLst>
         </pc:spChg>
         <pc:spChg chg="add del mod">
-          <ac:chgData name="Fatima Pillosu" userId="a6295d4dc9e22643" providerId="LiveId" clId="{24727C51-081D-4FF1-A77A-49BB58B5CFDB}" dt="2022-01-14T11:54:13.181" v="176" actId="21"/>
+          <ac:chgData name="Fatima Pillosu" userId="a6295d4dc9e22643" providerId="LiveId" clId="{AEACF5B8-E1B8-484D-AA65-19A39BABB57B}" dt="2022-01-18T15:31:41.078" v="50" actId="478"/>
           <ac:spMkLst>
             <pc:docMk/>
             <pc:sldMk cId="1489261767" sldId="259"/>
-            <ac:spMk id="48" creationId="{BC751BE0-FC97-43E5-A6C4-71C2EAB15CDB}"/>
+            <ac:spMk id="52" creationId="{4C9694E7-12E7-4718-AB1C-57879CFA72F7}"/>
           </ac:spMkLst>
         </pc:spChg>
         <pc:spChg chg="add del mod">
-          <ac:chgData name="Fatima Pillosu" userId="a6295d4dc9e22643" providerId="LiveId" clId="{24727C51-081D-4FF1-A77A-49BB58B5CFDB}" dt="2022-01-14T11:54:13.181" v="176" actId="21"/>
+          <ac:chgData name="Fatima Pillosu" userId="a6295d4dc9e22643" providerId="LiveId" clId="{AEACF5B8-E1B8-484D-AA65-19A39BABB57B}" dt="2022-01-18T15:40:15.499" v="200" actId="478"/>
           <ac:spMkLst>
             <pc:docMk/>
             <pc:sldMk cId="1489261767" sldId="259"/>
-            <ac:spMk id="49" creationId="{C05F6DC4-5A08-48AB-B578-9BE4ABB3D529}"/>
+            <ac:spMk id="53" creationId="{8E6B7210-CDA0-4A11-8E31-01F4BD36E5A7}"/>
+          </ac:spMkLst>
+        </pc:spChg>
+        <pc:spChg chg="add del mod">
+          <ac:chgData name="Fatima Pillosu" userId="a6295d4dc9e22643" providerId="LiveId" clId="{AEACF5B8-E1B8-484D-AA65-19A39BABB57B}" dt="2022-01-18T15:49:48.420" v="351" actId="21"/>
+          <ac:spMkLst>
+            <pc:docMk/>
+            <pc:sldMk cId="1489261767" sldId="259"/>
+            <ac:spMk id="54" creationId="{BD0DFE1E-EF31-46D8-98C4-0D84A943904B}"/>
+          </ac:spMkLst>
+        </pc:spChg>
+        <pc:spChg chg="add mod">
+          <ac:chgData name="Fatima Pillosu" userId="a6295d4dc9e22643" providerId="LiveId" clId="{AEACF5B8-E1B8-484D-AA65-19A39BABB57B}" dt="2022-01-18T15:50:12.137" v="356" actId="1036"/>
+          <ac:spMkLst>
+            <pc:docMk/>
+            <pc:sldMk cId="1489261767" sldId="259"/>
+            <ac:spMk id="59" creationId="{EDB8C1D3-804C-4636-B781-F3F8431A369B}"/>
+          </ac:spMkLst>
+        </pc:spChg>
+        <pc:spChg chg="add mod">
+          <ac:chgData name="Fatima Pillosu" userId="a6295d4dc9e22643" providerId="LiveId" clId="{AEACF5B8-E1B8-484D-AA65-19A39BABB57B}" dt="2022-01-18T16:31:17.211" v="507" actId="1036"/>
+          <ac:spMkLst>
+            <pc:docMk/>
+            <pc:sldMk cId="1489261767" sldId="259"/>
+            <ac:spMk id="65" creationId="{F18080BF-6CBD-40CC-BE8F-E0BB18CBE701}"/>
+          </ac:spMkLst>
+        </pc:spChg>
+        <pc:spChg chg="add mod">
+          <ac:chgData name="Fatima Pillosu" userId="a6295d4dc9e22643" providerId="LiveId" clId="{AEACF5B8-E1B8-484D-AA65-19A39BABB57B}" dt="2022-01-18T15:50:12.137" v="356" actId="1036"/>
+          <ac:spMkLst>
+            <pc:docMk/>
+            <pc:sldMk cId="1489261767" sldId="259"/>
+            <ac:spMk id="67" creationId="{589ABFA2-7EBB-4EB0-AA6D-EF1322D81885}"/>
           </ac:spMkLst>
         </pc:spChg>
         <pc:spChg chg="del mod">
-          <ac:chgData name="Fatima Pillosu" userId="a6295d4dc9e22643" providerId="LiveId" clId="{24727C51-081D-4FF1-A77A-49BB58B5CFDB}" dt="2022-01-14T10:42:35.692" v="39" actId="21"/>
+          <ac:chgData name="Fatima Pillosu" userId="a6295d4dc9e22643" providerId="LiveId" clId="{AEACF5B8-E1B8-484D-AA65-19A39BABB57B}" dt="2022-01-18T15:49:48.420" v="351" actId="21"/>
           <ac:spMkLst>
             <pc:docMk/>
             <pc:sldMk cId="1489261767" sldId="259"/>
-            <ac:spMk id="49" creationId="{D7C59C75-46A3-410F-A4C3-791A58DD8449}"/>
+            <ac:spMk id="68" creationId="{7622A09C-9CF6-482F-B646-EAE2672AADAB}"/>
+          </ac:spMkLst>
+        </pc:spChg>
+        <pc:spChg chg="add mod">
+          <ac:chgData name="Fatima Pillosu" userId="a6295d4dc9e22643" providerId="LiveId" clId="{AEACF5B8-E1B8-484D-AA65-19A39BABB57B}" dt="2022-01-18T15:50:12.137" v="356" actId="1036"/>
+          <ac:spMkLst>
+            <pc:docMk/>
+            <pc:sldMk cId="1489261767" sldId="259"/>
+            <ac:spMk id="69" creationId="{B2688E76-5FD0-4F52-A97A-E43BF1D1D85D}"/>
+          </ac:spMkLst>
+        </pc:spChg>
+        <pc:spChg chg="add mod">
+          <ac:chgData name="Fatima Pillosu" userId="a6295d4dc9e22643" providerId="LiveId" clId="{AEACF5B8-E1B8-484D-AA65-19A39BABB57B}" dt="2022-01-18T15:50:12.137" v="356" actId="1036"/>
+          <ac:spMkLst>
+            <pc:docMk/>
+            <pc:sldMk cId="1489261767" sldId="259"/>
+            <ac:spMk id="80" creationId="{F2BAF33B-DE08-4DD0-B840-EEA28E79E85B}"/>
+          </ac:spMkLst>
+        </pc:spChg>
+        <pc:spChg chg="add mod">
+          <ac:chgData name="Fatima Pillosu" userId="a6295d4dc9e22643" providerId="LiveId" clId="{AEACF5B8-E1B8-484D-AA65-19A39BABB57B}" dt="2022-01-18T15:50:12.137" v="356" actId="1036"/>
+          <ac:spMkLst>
+            <pc:docMk/>
+            <pc:sldMk cId="1489261767" sldId="259"/>
+            <ac:spMk id="83" creationId="{E87050D7-461D-4FA8-AAAA-B2927D17BF36}"/>
+          </ac:spMkLst>
+        </pc:spChg>
+        <pc:spChg chg="add mod">
+          <ac:chgData name="Fatima Pillosu" userId="a6295d4dc9e22643" providerId="LiveId" clId="{AEACF5B8-E1B8-484D-AA65-19A39BABB57B}" dt="2022-01-18T15:50:12.137" v="356" actId="1036"/>
+          <ac:spMkLst>
+            <pc:docMk/>
+            <pc:sldMk cId="1489261767" sldId="259"/>
+            <ac:spMk id="84" creationId="{DCA229DB-8991-4C74-A0F1-F0C1F1931148}"/>
+          </ac:spMkLst>
+        </pc:spChg>
+        <pc:spChg chg="add mod">
+          <ac:chgData name="Fatima Pillosu" userId="a6295d4dc9e22643" providerId="LiveId" clId="{AEACF5B8-E1B8-484D-AA65-19A39BABB57B}" dt="2022-01-18T15:50:12.137" v="356" actId="1036"/>
+          <ac:spMkLst>
+            <pc:docMk/>
+            <pc:sldMk cId="1489261767" sldId="259"/>
+            <ac:spMk id="85" creationId="{0249158A-4189-483C-8D72-5DD69FC3D3B2}"/>
+          </ac:spMkLst>
+        </pc:spChg>
+        <pc:spChg chg="add mod">
+          <ac:chgData name="Fatima Pillosu" userId="a6295d4dc9e22643" providerId="LiveId" clId="{AEACF5B8-E1B8-484D-AA65-19A39BABB57B}" dt="2022-01-18T15:50:12.137" v="356" actId="1036"/>
+          <ac:spMkLst>
+            <pc:docMk/>
+            <pc:sldMk cId="1489261767" sldId="259"/>
+            <ac:spMk id="86" creationId="{9E48FFDA-5009-456E-AB67-6011D65FD542}"/>
+          </ac:spMkLst>
+        </pc:spChg>
+        <pc:spChg chg="add mod">
+          <ac:chgData name="Fatima Pillosu" userId="a6295d4dc9e22643" providerId="LiveId" clId="{AEACF5B8-E1B8-484D-AA65-19A39BABB57B}" dt="2022-01-18T15:50:12.137" v="356" actId="1036"/>
+          <ac:spMkLst>
+            <pc:docMk/>
+            <pc:sldMk cId="1489261767" sldId="259"/>
+            <ac:spMk id="87" creationId="{AA154F77-0799-4142-A090-A67AAC423B5D}"/>
+          </ac:spMkLst>
+        </pc:spChg>
+        <pc:spChg chg="add mod ord">
+          <ac:chgData name="Fatima Pillosu" userId="a6295d4dc9e22643" providerId="LiveId" clId="{AEACF5B8-E1B8-484D-AA65-19A39BABB57B}" dt="2022-01-18T16:34:01.054" v="538" actId="166"/>
+          <ac:spMkLst>
+            <pc:docMk/>
+            <pc:sldMk cId="1489261767" sldId="259"/>
+            <ac:spMk id="88" creationId="{6B46E34C-7AEE-46D7-9232-D2BE0C957E6E}"/>
+          </ac:spMkLst>
+        </pc:spChg>
+        <pc:spChg chg="add mod">
+          <ac:chgData name="Fatima Pillosu" userId="a6295d4dc9e22643" providerId="LiveId" clId="{AEACF5B8-E1B8-484D-AA65-19A39BABB57B}" dt="2022-01-18T15:50:12.137" v="356" actId="1036"/>
+          <ac:spMkLst>
+            <pc:docMk/>
+            <pc:sldMk cId="1489261767" sldId="259"/>
+            <ac:spMk id="89" creationId="{B39140BE-A13C-4AE0-A6FD-6EE6FEB5AC74}"/>
+          </ac:spMkLst>
+        </pc:spChg>
+        <pc:spChg chg="add del mod">
+          <ac:chgData name="Fatima Pillosu" userId="a6295d4dc9e22643" providerId="LiveId" clId="{AEACF5B8-E1B8-484D-AA65-19A39BABB57B}" dt="2022-01-18T16:31:47.695" v="514" actId="478"/>
+          <ac:spMkLst>
+            <pc:docMk/>
+            <pc:sldMk cId="1489261767" sldId="259"/>
+            <ac:spMk id="122" creationId="{2F7C763A-07EF-4B45-9716-3857550CF6EF}"/>
+          </ac:spMkLst>
+        </pc:spChg>
+        <pc:spChg chg="add mod">
+          <ac:chgData name="Fatima Pillosu" userId="a6295d4dc9e22643" providerId="LiveId" clId="{AEACF5B8-E1B8-484D-AA65-19A39BABB57B}" dt="2022-01-18T16:35:38.650" v="556" actId="14100"/>
+          <ac:spMkLst>
+            <pc:docMk/>
+            <pc:sldMk cId="1489261767" sldId="259"/>
+            <ac:spMk id="134" creationId="{7E134258-FBD3-4275-B9A4-D69865C2A1A2}"/>
           </ac:spMkLst>
         </pc:spChg>
         <pc:spChg chg="del mod">
-          <ac:chgData name="Fatima Pillosu" userId="a6295d4dc9e22643" providerId="LiveId" clId="{24727C51-081D-4FF1-A77A-49BB58B5CFDB}" dt="2022-01-14T10:42:35.692" v="39" actId="21"/>
+          <ac:chgData name="Fatima Pillosu" userId="a6295d4dc9e22643" providerId="LiveId" clId="{AEACF5B8-E1B8-484D-AA65-19A39BABB57B}" dt="2022-01-18T15:49:48.420" v="351" actId="21"/>
           <ac:spMkLst>
             <pc:docMk/>
             <pc:sldMk cId="1489261767" sldId="259"/>
-            <ac:spMk id="50" creationId="{36D59E36-D805-404E-AA35-4B0AD347A1F1}"/>
-          </ac:spMkLst>
-        </pc:spChg>
-        <pc:spChg chg="add del mod">
-          <ac:chgData name="Fatima Pillosu" userId="a6295d4dc9e22643" providerId="LiveId" clId="{24727C51-081D-4FF1-A77A-49BB58B5CFDB}" dt="2022-01-14T11:54:13.181" v="176" actId="21"/>
-          <ac:spMkLst>
-            <pc:docMk/>
-            <pc:sldMk cId="1489261767" sldId="259"/>
-            <ac:spMk id="50" creationId="{B790E85E-797A-4EC5-8CC3-0B70733B5791}"/>
-          </ac:spMkLst>
-        </pc:spChg>
-        <pc:spChg chg="add del mod">
-          <ac:chgData name="Fatima Pillosu" userId="a6295d4dc9e22643" providerId="LiveId" clId="{24727C51-081D-4FF1-A77A-49BB58B5CFDB}" dt="2022-01-14T11:54:13.181" v="176" actId="21"/>
-          <ac:spMkLst>
-            <pc:docMk/>
-            <pc:sldMk cId="1489261767" sldId="259"/>
-            <ac:spMk id="51" creationId="{038E88B9-381C-4B5D-91F6-9F87D8A13F7F}"/>
+            <ac:spMk id="148" creationId="{3BD2F6FD-0DAE-445C-AB3F-8233884245D8}"/>
           </ac:spMkLst>
         </pc:spChg>
         <pc:spChg chg="del mod">
-          <ac:chgData name="Fatima Pillosu" userId="a6295d4dc9e22643" providerId="LiveId" clId="{24727C51-081D-4FF1-A77A-49BB58B5CFDB}" dt="2022-01-14T10:42:35.692" v="39" actId="21"/>
+          <ac:chgData name="Fatima Pillosu" userId="a6295d4dc9e22643" providerId="LiveId" clId="{AEACF5B8-E1B8-484D-AA65-19A39BABB57B}" dt="2022-01-18T15:49:48.420" v="351" actId="21"/>
           <ac:spMkLst>
             <pc:docMk/>
             <pc:sldMk cId="1489261767" sldId="259"/>
-            <ac:spMk id="51" creationId="{11B622D3-0934-46CF-BE14-C1EF472614BE}"/>
+            <ac:spMk id="149" creationId="{2F227396-6189-4DEE-B534-C292519764B7}"/>
           </ac:spMkLst>
         </pc:spChg>
         <pc:spChg chg="del mod">
-          <ac:chgData name="Fatima Pillosu" userId="a6295d4dc9e22643" providerId="LiveId" clId="{24727C51-081D-4FF1-A77A-49BB58B5CFDB}" dt="2022-01-14T10:42:35.692" v="39" actId="21"/>
+          <ac:chgData name="Fatima Pillosu" userId="a6295d4dc9e22643" providerId="LiveId" clId="{AEACF5B8-E1B8-484D-AA65-19A39BABB57B}" dt="2022-01-18T15:49:48.420" v="351" actId="21"/>
           <ac:spMkLst>
             <pc:docMk/>
             <pc:sldMk cId="1489261767" sldId="259"/>
-            <ac:spMk id="52" creationId="{2C88714D-8307-4F85-B4D9-94C170F14B04}"/>
-          </ac:spMkLst>
-        </pc:spChg>
-        <pc:spChg chg="add del mod">
-          <ac:chgData name="Fatima Pillosu" userId="a6295d4dc9e22643" providerId="LiveId" clId="{24727C51-081D-4FF1-A77A-49BB58B5CFDB}" dt="2022-01-14T11:54:13.181" v="176" actId="21"/>
-          <ac:spMkLst>
-            <pc:docMk/>
-            <pc:sldMk cId="1489261767" sldId="259"/>
-            <ac:spMk id="52" creationId="{B03BEB2B-B6F3-4B68-939C-4010876CC1CC}"/>
+            <ac:spMk id="151" creationId="{A1B9E3BB-BF8E-4B32-883C-5705161AE0E0}"/>
           </ac:spMkLst>
         </pc:spChg>
         <pc:spChg chg="del mod">
-          <ac:chgData name="Fatima Pillosu" userId="a6295d4dc9e22643" providerId="LiveId" clId="{24727C51-081D-4FF1-A77A-49BB58B5CFDB}" dt="2022-01-14T10:42:35.692" v="39" actId="21"/>
-          <ac:spMkLst>
-            <pc:docMk/>
-            <pc:sldMk cId="1489261767" sldId="259"/>
-            <ac:spMk id="53" creationId="{1D0AD45B-FC5E-404C-8204-D1E5E8DE24ED}"/>
-          </ac:spMkLst>
-        </pc:spChg>
-        <pc:spChg chg="add del mod">
-          <ac:chgData name="Fatima Pillosu" userId="a6295d4dc9e22643" providerId="LiveId" clId="{24727C51-081D-4FF1-A77A-49BB58B5CFDB}" dt="2022-01-14T11:54:13.181" v="176" actId="21"/>
-          <ac:spMkLst>
-            <pc:docMk/>
-            <pc:sldMk cId="1489261767" sldId="259"/>
-            <ac:spMk id="53" creationId="{92F55E31-4E67-46D4-B2C1-0253F5282EE1}"/>
-          </ac:spMkLst>
-        </pc:spChg>
-        <pc:spChg chg="add del mod">
-          <ac:chgData name="Fatima Pillosu" userId="a6295d4dc9e22643" providerId="LiveId" clId="{24727C51-081D-4FF1-A77A-49BB58B5CFDB}" dt="2022-01-14T11:54:13.181" v="176" actId="21"/>
-          <ac:spMkLst>
-            <pc:docMk/>
-            <pc:sldMk cId="1489261767" sldId="259"/>
-            <ac:spMk id="54" creationId="{68A59CEA-5D7B-4744-A21B-8FA54029C1EA}"/>
-          </ac:spMkLst>
-        </pc:spChg>
-        <pc:spChg chg="add del mod">
-          <ac:chgData name="Fatima Pillosu" userId="a6295d4dc9e22643" providerId="LiveId" clId="{24727C51-081D-4FF1-A77A-49BB58B5CFDB}" dt="2022-01-14T11:54:13.181" v="176" actId="21"/>
-          <ac:spMkLst>
-            <pc:docMk/>
-            <pc:sldMk cId="1489261767" sldId="259"/>
-            <ac:spMk id="55" creationId="{37E9E85E-684C-4396-BC32-E94593CA6872}"/>
-          </ac:spMkLst>
-        </pc:spChg>
-        <pc:spChg chg="add del mod">
-          <ac:chgData name="Fatima Pillosu" userId="a6295d4dc9e22643" providerId="LiveId" clId="{24727C51-081D-4FF1-A77A-49BB58B5CFDB}" dt="2022-01-14T13:12:19.636" v="182" actId="478"/>
-          <ac:spMkLst>
-            <pc:docMk/>
-            <pc:sldMk cId="1489261767" sldId="259"/>
-            <ac:spMk id="58" creationId="{2328C5CF-4EC5-47A7-9F16-DDEB60889D81}"/>
-          </ac:spMkLst>
-        </pc:spChg>
-        <pc:spChg chg="add del mod">
-          <ac:chgData name="Fatima Pillosu" userId="a6295d4dc9e22643" providerId="LiveId" clId="{24727C51-081D-4FF1-A77A-49BB58B5CFDB}" dt="2022-01-14T13:13:38.032" v="189" actId="478"/>
-          <ac:spMkLst>
-            <pc:docMk/>
-            <pc:sldMk cId="1489261767" sldId="259"/>
-            <ac:spMk id="59" creationId="{5A54A0DF-EFB1-4E9E-BB42-E3C41EABF52A}"/>
-          </ac:spMkLst>
-        </pc:spChg>
-        <pc:spChg chg="add mod">
-          <ac:chgData name="Fatima Pillosu" userId="a6295d4dc9e22643" providerId="LiveId" clId="{24727C51-081D-4FF1-A77A-49BB58B5CFDB}" dt="2022-01-14T13:27:12.116" v="286" actId="1035"/>
-          <ac:spMkLst>
-            <pc:docMk/>
-            <pc:sldMk cId="1489261767" sldId="259"/>
-            <ac:spMk id="60" creationId="{481D39BB-23B1-429B-A50B-61F6095848DC}"/>
-          </ac:spMkLst>
-        </pc:spChg>
-        <pc:spChg chg="add del mod">
-          <ac:chgData name="Fatima Pillosu" userId="a6295d4dc9e22643" providerId="LiveId" clId="{24727C51-081D-4FF1-A77A-49BB58B5CFDB}" dt="2022-01-14T13:12:26.805" v="184" actId="478"/>
-          <ac:spMkLst>
-            <pc:docMk/>
-            <pc:sldMk cId="1489261767" sldId="259"/>
-            <ac:spMk id="61" creationId="{CAFF0EEC-7C9B-49AF-BC0C-2F0A7A1F5275}"/>
-          </ac:spMkLst>
-        </pc:spChg>
-        <pc:spChg chg="add mod ord">
-          <ac:chgData name="Fatima Pillosu" userId="a6295d4dc9e22643" providerId="LiveId" clId="{24727C51-081D-4FF1-A77A-49BB58B5CFDB}" dt="2022-01-14T13:27:12.116" v="286" actId="1035"/>
-          <ac:spMkLst>
-            <pc:docMk/>
-            <pc:sldMk cId="1489261767" sldId="259"/>
-            <ac:spMk id="62" creationId="{7EC4EFFA-2500-4AEB-9B5D-53ECFAD343DA}"/>
-          </ac:spMkLst>
-        </pc:spChg>
-        <pc:spChg chg="add del mod">
-          <ac:chgData name="Fatima Pillosu" userId="a6295d4dc9e22643" providerId="LiveId" clId="{24727C51-081D-4FF1-A77A-49BB58B5CFDB}" dt="2022-01-14T13:12:26.805" v="184" actId="478"/>
-          <ac:spMkLst>
-            <pc:docMk/>
-            <pc:sldMk cId="1489261767" sldId="259"/>
-            <ac:spMk id="63" creationId="{306E3323-FD42-49EB-B53A-F785F4C0067A}"/>
-          </ac:spMkLst>
-        </pc:spChg>
-        <pc:spChg chg="add mod ord">
-          <ac:chgData name="Fatima Pillosu" userId="a6295d4dc9e22643" providerId="LiveId" clId="{24727C51-081D-4FF1-A77A-49BB58B5CFDB}" dt="2022-01-14T13:27:12.116" v="286" actId="1035"/>
-          <ac:spMkLst>
-            <pc:docMk/>
-            <pc:sldMk cId="1489261767" sldId="259"/>
-            <ac:spMk id="64" creationId="{83135FCE-A4C5-436C-A4DE-05D730B54A05}"/>
-          </ac:spMkLst>
-        </pc:spChg>
-        <pc:spChg chg="add del mod">
-          <ac:chgData name="Fatima Pillosu" userId="a6295d4dc9e22643" providerId="LiveId" clId="{24727C51-081D-4FF1-A77A-49BB58B5CFDB}" dt="2022-01-14T13:12:26.805" v="184" actId="478"/>
-          <ac:spMkLst>
-            <pc:docMk/>
-            <pc:sldMk cId="1489261767" sldId="259"/>
-            <ac:spMk id="65" creationId="{7ED512C2-14EF-42C7-A6D4-46DC4E9F4C05}"/>
-          </ac:spMkLst>
-        </pc:spChg>
-        <pc:spChg chg="add mod ord">
-          <ac:chgData name="Fatima Pillosu" userId="a6295d4dc9e22643" providerId="LiveId" clId="{24727C51-081D-4FF1-A77A-49BB58B5CFDB}" dt="2022-01-14T13:27:12.116" v="286" actId="1035"/>
-          <ac:spMkLst>
-            <pc:docMk/>
-            <pc:sldMk cId="1489261767" sldId="259"/>
-            <ac:spMk id="66" creationId="{AD0F7F4A-4C1E-43B9-8ADD-385A666A581A}"/>
-          </ac:spMkLst>
-        </pc:spChg>
-        <pc:spChg chg="add del mod">
-          <ac:chgData name="Fatima Pillosu" userId="a6295d4dc9e22643" providerId="LiveId" clId="{24727C51-081D-4FF1-A77A-49BB58B5CFDB}" dt="2022-01-14T13:12:26.805" v="184" actId="478"/>
-          <ac:spMkLst>
-            <pc:docMk/>
-            <pc:sldMk cId="1489261767" sldId="259"/>
-            <ac:spMk id="67" creationId="{35036EA3-B768-461F-AF85-4EECCD4E6FC8}"/>
-          </ac:spMkLst>
-        </pc:spChg>
-        <pc:spChg chg="add mod ord">
-          <ac:chgData name="Fatima Pillosu" userId="a6295d4dc9e22643" providerId="LiveId" clId="{24727C51-081D-4FF1-A77A-49BB58B5CFDB}" dt="2022-01-14T13:27:12.116" v="286" actId="1035"/>
-          <ac:spMkLst>
-            <pc:docMk/>
-            <pc:sldMk cId="1489261767" sldId="259"/>
-            <ac:spMk id="68" creationId="{7622A09C-9CF6-482F-B646-EAE2672AADAB}"/>
-          </ac:spMkLst>
-        </pc:spChg>
-        <pc:spChg chg="add del mod">
-          <ac:chgData name="Fatima Pillosu" userId="a6295d4dc9e22643" providerId="LiveId" clId="{24727C51-081D-4FF1-A77A-49BB58B5CFDB}" dt="2022-01-14T13:12:26.805" v="184" actId="478"/>
-          <ac:spMkLst>
-            <pc:docMk/>
-            <pc:sldMk cId="1489261767" sldId="259"/>
-            <ac:spMk id="69" creationId="{689398F8-E65C-42DB-923D-290A74C70839}"/>
-          </ac:spMkLst>
-        </pc:spChg>
-        <pc:spChg chg="add mod ord">
-          <ac:chgData name="Fatima Pillosu" userId="a6295d4dc9e22643" providerId="LiveId" clId="{24727C51-081D-4FF1-A77A-49BB58B5CFDB}" dt="2022-01-14T13:27:12.116" v="286" actId="1035"/>
-          <ac:spMkLst>
-            <pc:docMk/>
-            <pc:sldMk cId="1489261767" sldId="259"/>
-            <ac:spMk id="70" creationId="{453E8BA3-25A6-48BC-853F-07D7221A16F4}"/>
-          </ac:spMkLst>
-        </pc:spChg>
-        <pc:spChg chg="add mod ord">
-          <ac:chgData name="Fatima Pillosu" userId="a6295d4dc9e22643" providerId="LiveId" clId="{24727C51-081D-4FF1-A77A-49BB58B5CFDB}" dt="2022-01-14T13:27:12.116" v="286" actId="1035"/>
-          <ac:spMkLst>
-            <pc:docMk/>
-            <pc:sldMk cId="1489261767" sldId="259"/>
-            <ac:spMk id="71" creationId="{5D381014-7EE5-48CD-8EA1-C165B5252CE9}"/>
-          </ac:spMkLst>
-        </pc:spChg>
-        <pc:spChg chg="add mod ord">
-          <ac:chgData name="Fatima Pillosu" userId="a6295d4dc9e22643" providerId="LiveId" clId="{24727C51-081D-4FF1-A77A-49BB58B5CFDB}" dt="2022-01-14T13:27:12.116" v="286" actId="1035"/>
-          <ac:spMkLst>
-            <pc:docMk/>
-            <pc:sldMk cId="1489261767" sldId="259"/>
-            <ac:spMk id="72" creationId="{B8EBF44E-80DB-4BAC-AD98-C710C1917444}"/>
-          </ac:spMkLst>
-        </pc:spChg>
-        <pc:spChg chg="add mod ord">
-          <ac:chgData name="Fatima Pillosu" userId="a6295d4dc9e22643" providerId="LiveId" clId="{24727C51-081D-4FF1-A77A-49BB58B5CFDB}" dt="2022-01-14T13:27:12.116" v="286" actId="1035"/>
-          <ac:spMkLst>
-            <pc:docMk/>
-            <pc:sldMk cId="1489261767" sldId="259"/>
-            <ac:spMk id="73" creationId="{C5D1ADA5-898B-464C-94E1-9492191B9001}"/>
-          </ac:spMkLst>
-        </pc:spChg>
-        <pc:spChg chg="add mod">
-          <ac:chgData name="Fatima Pillosu" userId="a6295d4dc9e22643" providerId="LiveId" clId="{24727C51-081D-4FF1-A77A-49BB58B5CFDB}" dt="2022-01-14T13:27:12.116" v="286" actId="1035"/>
-          <ac:spMkLst>
-            <pc:docMk/>
-            <pc:sldMk cId="1489261767" sldId="259"/>
-            <ac:spMk id="74" creationId="{1E3337B6-358F-4462-8677-8A291948B148}"/>
-          </ac:spMkLst>
-        </pc:spChg>
-        <pc:spChg chg="add mod ord">
-          <ac:chgData name="Fatima Pillosu" userId="a6295d4dc9e22643" providerId="LiveId" clId="{24727C51-081D-4FF1-A77A-49BB58B5CFDB}" dt="2022-01-14T13:27:12.116" v="286" actId="1035"/>
-          <ac:spMkLst>
-            <pc:docMk/>
-            <pc:sldMk cId="1489261767" sldId="259"/>
-            <ac:spMk id="75" creationId="{B461C0C3-1220-4076-9A38-E3BAFE214F82}"/>
-          </ac:spMkLst>
-        </pc:spChg>
-        <pc:spChg chg="add mod ord">
-          <ac:chgData name="Fatima Pillosu" userId="a6295d4dc9e22643" providerId="LiveId" clId="{24727C51-081D-4FF1-A77A-49BB58B5CFDB}" dt="2022-01-14T13:27:12.116" v="286" actId="1035"/>
-          <ac:spMkLst>
-            <pc:docMk/>
-            <pc:sldMk cId="1489261767" sldId="259"/>
-            <ac:spMk id="76" creationId="{55FDBC3C-9705-46F9-BB21-AFED95138B19}"/>
-          </ac:spMkLst>
-        </pc:spChg>
-        <pc:spChg chg="add mod ord">
-          <ac:chgData name="Fatima Pillosu" userId="a6295d4dc9e22643" providerId="LiveId" clId="{24727C51-081D-4FF1-A77A-49BB58B5CFDB}" dt="2022-01-14T13:27:12.116" v="286" actId="1035"/>
-          <ac:spMkLst>
-            <pc:docMk/>
-            <pc:sldMk cId="1489261767" sldId="259"/>
-            <ac:spMk id="77" creationId="{0A357D06-8E91-401C-A9F8-1ED4ABA92009}"/>
-          </ac:spMkLst>
-        </pc:spChg>
-        <pc:spChg chg="add mod ord">
-          <ac:chgData name="Fatima Pillosu" userId="a6295d4dc9e22643" providerId="LiveId" clId="{24727C51-081D-4FF1-A77A-49BB58B5CFDB}" dt="2022-01-14T13:27:12.116" v="286" actId="1035"/>
-          <ac:spMkLst>
-            <pc:docMk/>
-            <pc:sldMk cId="1489261767" sldId="259"/>
-            <ac:spMk id="78" creationId="{78E4853D-24B2-49E2-AE62-E7287F112057}"/>
-          </ac:spMkLst>
-        </pc:spChg>
-        <pc:spChg chg="add mod">
-          <ac:chgData name="Fatima Pillosu" userId="a6295d4dc9e22643" providerId="LiveId" clId="{24727C51-081D-4FF1-A77A-49BB58B5CFDB}" dt="2022-01-14T13:27:12.116" v="286" actId="1035"/>
-          <ac:spMkLst>
-            <pc:docMk/>
-            <pc:sldMk cId="1489261767" sldId="259"/>
-            <ac:spMk id="79" creationId="{BFD9639D-3D47-4DFF-B4A1-EE3432EC3CE2}"/>
-          </ac:spMkLst>
-        </pc:spChg>
-        <pc:spChg chg="add del mod">
-          <ac:chgData name="Fatima Pillosu" userId="a6295d4dc9e22643" providerId="LiveId" clId="{24727C51-081D-4FF1-A77A-49BB58B5CFDB}" dt="2022-01-14T13:11:54.532" v="179"/>
-          <ac:spMkLst>
-            <pc:docMk/>
-            <pc:sldMk cId="1489261767" sldId="259"/>
-            <ac:spMk id="80" creationId="{8942521E-527E-4840-9A0B-E81DA7C466F5}"/>
-          </ac:spMkLst>
-        </pc:spChg>
-        <pc:spChg chg="add del mod">
-          <ac:chgData name="Fatima Pillosu" userId="a6295d4dc9e22643" providerId="LiveId" clId="{24727C51-081D-4FF1-A77A-49BB58B5CFDB}" dt="2022-01-14T13:11:54.532" v="179"/>
-          <ac:spMkLst>
-            <pc:docMk/>
-            <pc:sldMk cId="1489261767" sldId="259"/>
-            <ac:spMk id="81" creationId="{930E991E-7C3D-4950-9132-6E4EF683F304}"/>
-          </ac:spMkLst>
-        </pc:spChg>
-        <pc:spChg chg="add del mod">
-          <ac:chgData name="Fatima Pillosu" userId="a6295d4dc9e22643" providerId="LiveId" clId="{24727C51-081D-4FF1-A77A-49BB58B5CFDB}" dt="2022-01-14T13:11:54.532" v="179"/>
-          <ac:spMkLst>
-            <pc:docMk/>
-            <pc:sldMk cId="1489261767" sldId="259"/>
-            <ac:spMk id="82" creationId="{4D94F962-F86E-4050-96E9-A589FBB32FC1}"/>
-          </ac:spMkLst>
-        </pc:spChg>
-        <pc:spChg chg="add del mod">
-          <ac:chgData name="Fatima Pillosu" userId="a6295d4dc9e22643" providerId="LiveId" clId="{24727C51-081D-4FF1-A77A-49BB58B5CFDB}" dt="2022-01-14T10:43:10.533" v="41" actId="21"/>
-          <ac:spMkLst>
-            <pc:docMk/>
-            <pc:sldMk cId="1489261767" sldId="259"/>
-            <ac:spMk id="82" creationId="{54881D7F-1411-4066-BB5E-EF455FE6168C}"/>
-          </ac:spMkLst>
-        </pc:spChg>
-        <pc:spChg chg="add del mod">
-          <ac:chgData name="Fatima Pillosu" userId="a6295d4dc9e22643" providerId="LiveId" clId="{24727C51-081D-4FF1-A77A-49BB58B5CFDB}" dt="2022-01-14T13:11:54.532" v="179"/>
-          <ac:spMkLst>
-            <pc:docMk/>
-            <pc:sldMk cId="1489261767" sldId="259"/>
-            <ac:spMk id="83" creationId="{45A97929-309A-4CFA-998B-3BF5B273F72D}"/>
-          </ac:spMkLst>
-        </pc:spChg>
-        <pc:spChg chg="add del mod">
-          <ac:chgData name="Fatima Pillosu" userId="a6295d4dc9e22643" providerId="LiveId" clId="{24727C51-081D-4FF1-A77A-49BB58B5CFDB}" dt="2022-01-14T10:43:10.533" v="41" actId="21"/>
-          <ac:spMkLst>
-            <pc:docMk/>
-            <pc:sldMk cId="1489261767" sldId="259"/>
-            <ac:spMk id="83" creationId="{DF9A8561-F033-476C-BDA2-EB503E49A8EF}"/>
-          </ac:spMkLst>
-        </pc:spChg>
-        <pc:spChg chg="add del mod">
-          <ac:chgData name="Fatima Pillosu" userId="a6295d4dc9e22643" providerId="LiveId" clId="{24727C51-081D-4FF1-A77A-49BB58B5CFDB}" dt="2022-01-14T13:11:54.532" v="179"/>
-          <ac:spMkLst>
-            <pc:docMk/>
-            <pc:sldMk cId="1489261767" sldId="259"/>
-            <ac:spMk id="84" creationId="{2C327CEE-479C-4F7C-996D-BDBD1953285F}"/>
-          </ac:spMkLst>
-        </pc:spChg>
-        <pc:spChg chg="add del mod">
-          <ac:chgData name="Fatima Pillosu" userId="a6295d4dc9e22643" providerId="LiveId" clId="{24727C51-081D-4FF1-A77A-49BB58B5CFDB}" dt="2022-01-14T10:43:10.533" v="41" actId="21"/>
-          <ac:spMkLst>
-            <pc:docMk/>
-            <pc:sldMk cId="1489261767" sldId="259"/>
-            <ac:spMk id="84" creationId="{50A2C4C6-6CDA-46EC-9ED0-BF0FA1154920}"/>
-          </ac:spMkLst>
-        </pc:spChg>
-        <pc:spChg chg="add del mod">
-          <ac:chgData name="Fatima Pillosu" userId="a6295d4dc9e22643" providerId="LiveId" clId="{24727C51-081D-4FF1-A77A-49BB58B5CFDB}" dt="2022-01-14T10:43:10.533" v="41" actId="21"/>
-          <ac:spMkLst>
-            <pc:docMk/>
-            <pc:sldMk cId="1489261767" sldId="259"/>
-            <ac:spMk id="85" creationId="{0010D4EB-3013-4CE7-AFF4-BB274EE96D75}"/>
-          </ac:spMkLst>
-        </pc:spChg>
-        <pc:spChg chg="add del mod">
-          <ac:chgData name="Fatima Pillosu" userId="a6295d4dc9e22643" providerId="LiveId" clId="{24727C51-081D-4FF1-A77A-49BB58B5CFDB}" dt="2022-01-14T13:11:54.532" v="179"/>
-          <ac:spMkLst>
-            <pc:docMk/>
-            <pc:sldMk cId="1489261767" sldId="259"/>
-            <ac:spMk id="85" creationId="{E530B792-1BBD-4288-AD34-861A023C9646}"/>
-          </ac:spMkLst>
-        </pc:spChg>
-        <pc:spChg chg="add del mod">
-          <ac:chgData name="Fatima Pillosu" userId="a6295d4dc9e22643" providerId="LiveId" clId="{24727C51-081D-4FF1-A77A-49BB58B5CFDB}" dt="2022-01-14T13:11:54.532" v="179"/>
-          <ac:spMkLst>
-            <pc:docMk/>
-            <pc:sldMk cId="1489261767" sldId="259"/>
-            <ac:spMk id="86" creationId="{14D78556-ED93-49FF-8D09-E84FA029A422}"/>
-          </ac:spMkLst>
-        </pc:spChg>
-        <pc:spChg chg="add del mod">
-          <ac:chgData name="Fatima Pillosu" userId="a6295d4dc9e22643" providerId="LiveId" clId="{24727C51-081D-4FF1-A77A-49BB58B5CFDB}" dt="2022-01-14T10:43:10.533" v="41" actId="21"/>
-          <ac:spMkLst>
-            <pc:docMk/>
-            <pc:sldMk cId="1489261767" sldId="259"/>
-            <ac:spMk id="86" creationId="{67EA89F9-384D-47CD-9554-9FBFD52D2CA5}"/>
-          </ac:spMkLst>
-        </pc:spChg>
-        <pc:spChg chg="add del mod">
-          <ac:chgData name="Fatima Pillosu" userId="a6295d4dc9e22643" providerId="LiveId" clId="{24727C51-081D-4FF1-A77A-49BB58B5CFDB}" dt="2022-01-14T13:11:54.532" v="179"/>
-          <ac:spMkLst>
-            <pc:docMk/>
-            <pc:sldMk cId="1489261767" sldId="259"/>
-            <ac:spMk id="87" creationId="{1834F84D-2296-4C08-A409-260D457FC842}"/>
-          </ac:spMkLst>
-        </pc:spChg>
-        <pc:spChg chg="add del mod">
-          <ac:chgData name="Fatima Pillosu" userId="a6295d4dc9e22643" providerId="LiveId" clId="{24727C51-081D-4FF1-A77A-49BB58B5CFDB}" dt="2022-01-14T10:43:10.533" v="41" actId="21"/>
-          <ac:spMkLst>
-            <pc:docMk/>
-            <pc:sldMk cId="1489261767" sldId="259"/>
-            <ac:spMk id="87" creationId="{C07D22B6-7054-4AE7-A0BE-654DA8146C8F}"/>
-          </ac:spMkLst>
-        </pc:spChg>
-        <pc:spChg chg="add del mod">
-          <ac:chgData name="Fatima Pillosu" userId="a6295d4dc9e22643" providerId="LiveId" clId="{24727C51-081D-4FF1-A77A-49BB58B5CFDB}" dt="2022-01-14T10:43:10.533" v="41" actId="21"/>
-          <ac:spMkLst>
-            <pc:docMk/>
-            <pc:sldMk cId="1489261767" sldId="259"/>
-            <ac:spMk id="88" creationId="{791F3271-BF14-4546-AC5C-C6C60759B769}"/>
-          </ac:spMkLst>
-        </pc:spChg>
-        <pc:spChg chg="add del mod">
-          <ac:chgData name="Fatima Pillosu" userId="a6295d4dc9e22643" providerId="LiveId" clId="{24727C51-081D-4FF1-A77A-49BB58B5CFDB}" dt="2022-01-14T13:11:54.532" v="179"/>
-          <ac:spMkLst>
-            <pc:docMk/>
-            <pc:sldMk cId="1489261767" sldId="259"/>
-            <ac:spMk id="88" creationId="{F202CFCE-1BB4-4D95-9FB8-BD4BE04059C0}"/>
-          </ac:spMkLst>
-        </pc:spChg>
-        <pc:spChg chg="add del mod">
-          <ac:chgData name="Fatima Pillosu" userId="a6295d4dc9e22643" providerId="LiveId" clId="{24727C51-081D-4FF1-A77A-49BB58B5CFDB}" dt="2022-01-14T13:11:54.532" v="179"/>
-          <ac:spMkLst>
-            <pc:docMk/>
-            <pc:sldMk cId="1489261767" sldId="259"/>
-            <ac:spMk id="89" creationId="{0E2634BB-8BDB-41E5-9DF3-5C0AB59403D2}"/>
-          </ac:spMkLst>
-        </pc:spChg>
-        <pc:spChg chg="add del mod">
-          <ac:chgData name="Fatima Pillosu" userId="a6295d4dc9e22643" providerId="LiveId" clId="{24727C51-081D-4FF1-A77A-49BB58B5CFDB}" dt="2022-01-14T10:43:10.533" v="41" actId="21"/>
-          <ac:spMkLst>
-            <pc:docMk/>
-            <pc:sldMk cId="1489261767" sldId="259"/>
-            <ac:spMk id="89" creationId="{21DBB2C5-0E2B-4895-90F5-8AC6F7721A46}"/>
-          </ac:spMkLst>
-        </pc:spChg>
-        <pc:spChg chg="add del mod">
-          <ac:chgData name="Fatima Pillosu" userId="a6295d4dc9e22643" providerId="LiveId" clId="{24727C51-081D-4FF1-A77A-49BB58B5CFDB}" dt="2022-01-14T13:12:07.237" v="181"/>
-          <ac:spMkLst>
-            <pc:docMk/>
-            <pc:sldMk cId="1489261767" sldId="259"/>
-            <ac:spMk id="90" creationId="{7882F08A-30B5-4945-90D9-F51864BA979D}"/>
-          </ac:spMkLst>
-        </pc:spChg>
-        <pc:spChg chg="add del mod">
-          <ac:chgData name="Fatima Pillosu" userId="a6295d4dc9e22643" providerId="LiveId" clId="{24727C51-081D-4FF1-A77A-49BB58B5CFDB}" dt="2022-01-14T10:43:10.533" v="41" actId="21"/>
-          <ac:spMkLst>
-            <pc:docMk/>
-            <pc:sldMk cId="1489261767" sldId="259"/>
-            <ac:spMk id="90" creationId="{C8518243-8906-4D76-AB91-BBBD2F9B3769}"/>
-          </ac:spMkLst>
-        </pc:spChg>
-        <pc:spChg chg="add del mod">
-          <ac:chgData name="Fatima Pillosu" userId="a6295d4dc9e22643" providerId="LiveId" clId="{24727C51-081D-4FF1-A77A-49BB58B5CFDB}" dt="2022-01-14T13:12:07.237" v="181"/>
-          <ac:spMkLst>
-            <pc:docMk/>
-            <pc:sldMk cId="1489261767" sldId="259"/>
-            <ac:spMk id="91" creationId="{26CD7382-E573-4861-B448-F6CB990937EE}"/>
-          </ac:spMkLst>
-        </pc:spChg>
-        <pc:spChg chg="add del mod">
-          <ac:chgData name="Fatima Pillosu" userId="a6295d4dc9e22643" providerId="LiveId" clId="{24727C51-081D-4FF1-A77A-49BB58B5CFDB}" dt="2022-01-14T10:43:10.533" v="41" actId="21"/>
-          <ac:spMkLst>
-            <pc:docMk/>
-            <pc:sldMk cId="1489261767" sldId="259"/>
-            <ac:spMk id="91" creationId="{A57F3F61-CAED-4AD5-90B7-B12F276BAF66}"/>
-          </ac:spMkLst>
-        </pc:spChg>
-        <pc:spChg chg="add del mod">
-          <ac:chgData name="Fatima Pillosu" userId="a6295d4dc9e22643" providerId="LiveId" clId="{24727C51-081D-4FF1-A77A-49BB58B5CFDB}" dt="2022-01-14T13:12:07.237" v="181"/>
-          <ac:spMkLst>
-            <pc:docMk/>
-            <pc:sldMk cId="1489261767" sldId="259"/>
-            <ac:spMk id="92" creationId="{531BB5B6-DC90-4BAC-84F7-2B64FC9EABC4}"/>
-          </ac:spMkLst>
-        </pc:spChg>
-        <pc:spChg chg="add del mod">
-          <ac:chgData name="Fatima Pillosu" userId="a6295d4dc9e22643" providerId="LiveId" clId="{24727C51-081D-4FF1-A77A-49BB58B5CFDB}" dt="2022-01-14T10:43:10.533" v="41" actId="21"/>
-          <ac:spMkLst>
-            <pc:docMk/>
-            <pc:sldMk cId="1489261767" sldId="259"/>
-            <ac:spMk id="92" creationId="{E3FE4089-CFED-4578-B4EC-3CAF42B5E4AA}"/>
-          </ac:spMkLst>
-        </pc:spChg>
-        <pc:spChg chg="add del mod">
-          <ac:chgData name="Fatima Pillosu" userId="a6295d4dc9e22643" providerId="LiveId" clId="{24727C51-081D-4FF1-A77A-49BB58B5CFDB}" dt="2022-01-14T10:43:10.533" v="41" actId="21"/>
-          <ac:spMkLst>
-            <pc:docMk/>
-            <pc:sldMk cId="1489261767" sldId="259"/>
-            <ac:spMk id="93" creationId="{6CCA7EB6-D6C3-40FA-BF47-B37857E8D4CC}"/>
-          </ac:spMkLst>
-        </pc:spChg>
-        <pc:spChg chg="add del mod">
-          <ac:chgData name="Fatima Pillosu" userId="a6295d4dc9e22643" providerId="LiveId" clId="{24727C51-081D-4FF1-A77A-49BB58B5CFDB}" dt="2022-01-14T13:12:07.237" v="181"/>
-          <ac:spMkLst>
-            <pc:docMk/>
-            <pc:sldMk cId="1489261767" sldId="259"/>
-            <ac:spMk id="93" creationId="{DF5DDE5E-F967-4C71-9805-066B7778951F}"/>
-          </ac:spMkLst>
-        </pc:spChg>
-        <pc:spChg chg="add del mod">
-          <ac:chgData name="Fatima Pillosu" userId="a6295d4dc9e22643" providerId="LiveId" clId="{24727C51-081D-4FF1-A77A-49BB58B5CFDB}" dt="2022-01-14T13:12:07.237" v="181"/>
-          <ac:spMkLst>
-            <pc:docMk/>
-            <pc:sldMk cId="1489261767" sldId="259"/>
-            <ac:spMk id="94" creationId="{524D4841-A83B-4ED6-91E1-8F6F09616D86}"/>
-          </ac:spMkLst>
-        </pc:spChg>
-        <pc:spChg chg="add del mod">
-          <ac:chgData name="Fatima Pillosu" userId="a6295d4dc9e22643" providerId="LiveId" clId="{24727C51-081D-4FF1-A77A-49BB58B5CFDB}" dt="2022-01-14T10:43:10.533" v="41" actId="21"/>
-          <ac:spMkLst>
-            <pc:docMk/>
-            <pc:sldMk cId="1489261767" sldId="259"/>
-            <ac:spMk id="94" creationId="{81D24EE9-75C8-42B9-9550-7E24FB542DF4}"/>
-          </ac:spMkLst>
-        </pc:spChg>
-        <pc:spChg chg="add del mod">
-          <ac:chgData name="Fatima Pillosu" userId="a6295d4dc9e22643" providerId="LiveId" clId="{24727C51-081D-4FF1-A77A-49BB58B5CFDB}" dt="2022-01-14T10:43:10.533" v="41" actId="21"/>
-          <ac:spMkLst>
-            <pc:docMk/>
-            <pc:sldMk cId="1489261767" sldId="259"/>
-            <ac:spMk id="95" creationId="{AA4ACE95-5FDB-42BF-BA5A-27D861D40205}"/>
-          </ac:spMkLst>
-        </pc:spChg>
-        <pc:spChg chg="add del mod">
-          <ac:chgData name="Fatima Pillosu" userId="a6295d4dc9e22643" providerId="LiveId" clId="{24727C51-081D-4FF1-A77A-49BB58B5CFDB}" dt="2022-01-14T13:12:07.237" v="181"/>
-          <ac:spMkLst>
-            <pc:docMk/>
-            <pc:sldMk cId="1489261767" sldId="259"/>
-            <ac:spMk id="95" creationId="{C61BDC77-FC69-4139-84FA-25315CC67202}"/>
-          </ac:spMkLst>
-        </pc:spChg>
-        <pc:spChg chg="add del mod">
-          <ac:chgData name="Fatima Pillosu" userId="a6295d4dc9e22643" providerId="LiveId" clId="{24727C51-081D-4FF1-A77A-49BB58B5CFDB}" dt="2022-01-14T13:12:07.237" v="181"/>
-          <ac:spMkLst>
-            <pc:docMk/>
-            <pc:sldMk cId="1489261767" sldId="259"/>
-            <ac:spMk id="96" creationId="{B8BA4DF4-037B-4721-98CB-5988AB947DA5}"/>
-          </ac:spMkLst>
-        </pc:spChg>
-        <pc:spChg chg="add del mod">
-          <ac:chgData name="Fatima Pillosu" userId="a6295d4dc9e22643" providerId="LiveId" clId="{24727C51-081D-4FF1-A77A-49BB58B5CFDB}" dt="2022-01-14T13:12:07.237" v="181"/>
-          <ac:spMkLst>
-            <pc:docMk/>
-            <pc:sldMk cId="1489261767" sldId="259"/>
-            <ac:spMk id="97" creationId="{5C7C981C-E8F4-4AEC-B194-5C0B50700DB6}"/>
-          </ac:spMkLst>
-        </pc:spChg>
-        <pc:spChg chg="add del mod">
-          <ac:chgData name="Fatima Pillosu" userId="a6295d4dc9e22643" providerId="LiveId" clId="{24727C51-081D-4FF1-A77A-49BB58B5CFDB}" dt="2022-01-14T13:12:07.237" v="181"/>
-          <ac:spMkLst>
-            <pc:docMk/>
-            <pc:sldMk cId="1489261767" sldId="259"/>
-            <ac:spMk id="98" creationId="{C42E4B00-5179-48F0-9708-459C7D739569}"/>
-          </ac:spMkLst>
-        </pc:spChg>
-        <pc:spChg chg="add del mod">
-          <ac:chgData name="Fatima Pillosu" userId="a6295d4dc9e22643" providerId="LiveId" clId="{24727C51-081D-4FF1-A77A-49BB58B5CFDB}" dt="2022-01-14T13:12:07.237" v="181"/>
-          <ac:spMkLst>
-            <pc:docMk/>
-            <pc:sldMk cId="1489261767" sldId="259"/>
-            <ac:spMk id="99" creationId="{B963652B-974C-48B8-B6D0-722CCDD84737}"/>
-          </ac:spMkLst>
-        </pc:spChg>
-        <pc:spChg chg="add del mod">
-          <ac:chgData name="Fatima Pillosu" userId="a6295d4dc9e22643" providerId="LiveId" clId="{24727C51-081D-4FF1-A77A-49BB58B5CFDB}" dt="2022-01-14T13:12:48.476" v="186"/>
-          <ac:spMkLst>
-            <pc:docMk/>
-            <pc:sldMk cId="1489261767" sldId="259"/>
-            <ac:spMk id="100" creationId="{6510CB0C-BD2D-417E-91B8-CED316E40956}"/>
-          </ac:spMkLst>
-        </pc:spChg>
-        <pc:spChg chg="add del mod">
-          <ac:chgData name="Fatima Pillosu" userId="a6295d4dc9e22643" providerId="LiveId" clId="{24727C51-081D-4FF1-A77A-49BB58B5CFDB}" dt="2022-01-14T13:12:48.476" v="186"/>
-          <ac:spMkLst>
-            <pc:docMk/>
-            <pc:sldMk cId="1489261767" sldId="259"/>
-            <ac:spMk id="101" creationId="{63C8972F-0B2E-45A9-9EC4-93AAF68B88A0}"/>
-          </ac:spMkLst>
-        </pc:spChg>
-        <pc:spChg chg="add del mod">
-          <ac:chgData name="Fatima Pillosu" userId="a6295d4dc9e22643" providerId="LiveId" clId="{24727C51-081D-4FF1-A77A-49BB58B5CFDB}" dt="2022-01-14T13:12:48.476" v="186"/>
-          <ac:spMkLst>
-            <pc:docMk/>
-            <pc:sldMk cId="1489261767" sldId="259"/>
-            <ac:spMk id="102" creationId="{61174E29-476C-489B-BFFC-79DFC5F428F6}"/>
-          </ac:spMkLst>
-        </pc:spChg>
-        <pc:spChg chg="add del mod">
-          <ac:chgData name="Fatima Pillosu" userId="a6295d4dc9e22643" providerId="LiveId" clId="{24727C51-081D-4FF1-A77A-49BB58B5CFDB}" dt="2022-01-14T13:12:48.476" v="186"/>
-          <ac:spMkLst>
-            <pc:docMk/>
-            <pc:sldMk cId="1489261767" sldId="259"/>
-            <ac:spMk id="103" creationId="{C32CFB4D-828D-4A63-BA23-36754D2FD027}"/>
-          </ac:spMkLst>
-        </pc:spChg>
-        <pc:spChg chg="add del mod">
-          <ac:chgData name="Fatima Pillosu" userId="a6295d4dc9e22643" providerId="LiveId" clId="{24727C51-081D-4FF1-A77A-49BB58B5CFDB}" dt="2022-01-14T13:12:48.476" v="186"/>
-          <ac:spMkLst>
-            <pc:docMk/>
-            <pc:sldMk cId="1489261767" sldId="259"/>
-            <ac:spMk id="104" creationId="{EECCDDB1-515B-4B56-A840-4FAAD04E23F1}"/>
-          </ac:spMkLst>
-        </pc:spChg>
-        <pc:spChg chg="add del mod">
-          <ac:chgData name="Fatima Pillosu" userId="a6295d4dc9e22643" providerId="LiveId" clId="{24727C51-081D-4FF1-A77A-49BB58B5CFDB}" dt="2022-01-14T13:12:48.476" v="186"/>
-          <ac:spMkLst>
-            <pc:docMk/>
-            <pc:sldMk cId="1489261767" sldId="259"/>
-            <ac:spMk id="105" creationId="{1C74D7F0-43EA-450E-BEDB-E297FDEEBA42}"/>
-          </ac:spMkLst>
-        </pc:spChg>
-        <pc:spChg chg="add del mod">
-          <ac:chgData name="Fatima Pillosu" userId="a6295d4dc9e22643" providerId="LiveId" clId="{24727C51-081D-4FF1-A77A-49BB58B5CFDB}" dt="2022-01-14T13:12:48.476" v="186"/>
-          <ac:spMkLst>
-            <pc:docMk/>
-            <pc:sldMk cId="1489261767" sldId="259"/>
-            <ac:spMk id="106" creationId="{002FA012-3AE1-42E2-9EAE-0849CDAAEF59}"/>
-          </ac:spMkLst>
-        </pc:spChg>
-        <pc:spChg chg="add del mod">
-          <ac:chgData name="Fatima Pillosu" userId="a6295d4dc9e22643" providerId="LiveId" clId="{24727C51-081D-4FF1-A77A-49BB58B5CFDB}" dt="2022-01-14T10:44:16.904" v="43" actId="21"/>
-          <ac:spMkLst>
-            <pc:docMk/>
-            <pc:sldMk cId="1489261767" sldId="259"/>
-            <ac:spMk id="106" creationId="{82C91470-D744-42DC-AD65-B13EB82097C6}"/>
-          </ac:spMkLst>
-        </pc:spChg>
-        <pc:spChg chg="add del mod">
-          <ac:chgData name="Fatima Pillosu" userId="a6295d4dc9e22643" providerId="LiveId" clId="{24727C51-081D-4FF1-A77A-49BB58B5CFDB}" dt="2022-01-14T13:12:48.476" v="186"/>
-          <ac:spMkLst>
-            <pc:docMk/>
-            <pc:sldMk cId="1489261767" sldId="259"/>
-            <ac:spMk id="107" creationId="{4AC1398F-A960-45F3-8B22-D143E8FCA858}"/>
-          </ac:spMkLst>
-        </pc:spChg>
-        <pc:spChg chg="add del mod">
-          <ac:chgData name="Fatima Pillosu" userId="a6295d4dc9e22643" providerId="LiveId" clId="{24727C51-081D-4FF1-A77A-49BB58B5CFDB}" dt="2022-01-14T10:44:16.904" v="43" actId="21"/>
-          <ac:spMkLst>
-            <pc:docMk/>
-            <pc:sldMk cId="1489261767" sldId="259"/>
-            <ac:spMk id="107" creationId="{9EC7781C-F652-4FEB-BF2B-9EBA6B304DC4}"/>
-          </ac:spMkLst>
-        </pc:spChg>
-        <pc:spChg chg="add del mod">
-          <ac:chgData name="Fatima Pillosu" userId="a6295d4dc9e22643" providerId="LiveId" clId="{24727C51-081D-4FF1-A77A-49BB58B5CFDB}" dt="2022-01-14T13:12:48.476" v="186"/>
-          <ac:spMkLst>
-            <pc:docMk/>
-            <pc:sldMk cId="1489261767" sldId="259"/>
-            <ac:spMk id="108" creationId="{A8B98A8C-0BF3-4F8C-9FA1-86FDF2619EED}"/>
-          </ac:spMkLst>
-        </pc:spChg>
-        <pc:spChg chg="add del mod">
-          <ac:chgData name="Fatima Pillosu" userId="a6295d4dc9e22643" providerId="LiveId" clId="{24727C51-081D-4FF1-A77A-49BB58B5CFDB}" dt="2022-01-14T10:44:16.904" v="43" actId="21"/>
-          <ac:spMkLst>
-            <pc:docMk/>
-            <pc:sldMk cId="1489261767" sldId="259"/>
-            <ac:spMk id="108" creationId="{EC0AD405-4FA9-4851-A51E-9BE8E4F9632A}"/>
-          </ac:spMkLst>
-        </pc:spChg>
-        <pc:spChg chg="add del mod">
-          <ac:chgData name="Fatima Pillosu" userId="a6295d4dc9e22643" providerId="LiveId" clId="{24727C51-081D-4FF1-A77A-49BB58B5CFDB}" dt="2022-01-14T10:44:16.904" v="43" actId="21"/>
-          <ac:spMkLst>
-            <pc:docMk/>
-            <pc:sldMk cId="1489261767" sldId="259"/>
-            <ac:spMk id="109" creationId="{1EF747E3-796C-41CB-92F8-B2BF7A5AFAF4}"/>
-          </ac:spMkLst>
-        </pc:spChg>
-        <pc:spChg chg="add del mod">
-          <ac:chgData name="Fatima Pillosu" userId="a6295d4dc9e22643" providerId="LiveId" clId="{24727C51-081D-4FF1-A77A-49BB58B5CFDB}" dt="2022-01-14T13:12:48.476" v="186"/>
-          <ac:spMkLst>
-            <pc:docMk/>
-            <pc:sldMk cId="1489261767" sldId="259"/>
-            <ac:spMk id="109" creationId="{865752DE-2E55-466C-879F-632314004D0F}"/>
-          </ac:spMkLst>
-        </pc:spChg>
-        <pc:spChg chg="add del mod">
-          <ac:chgData name="Fatima Pillosu" userId="a6295d4dc9e22643" providerId="LiveId" clId="{24727C51-081D-4FF1-A77A-49BB58B5CFDB}" dt="2022-01-14T10:44:16.904" v="43" actId="21"/>
-          <ac:spMkLst>
-            <pc:docMk/>
-            <pc:sldMk cId="1489261767" sldId="259"/>
-            <ac:spMk id="110" creationId="{2A60321D-8227-40D6-8C7F-D6A369C720BA}"/>
-          </ac:spMkLst>
-        </pc:spChg>
-        <pc:spChg chg="add del mod">
-          <ac:chgData name="Fatima Pillosu" userId="a6295d4dc9e22643" providerId="LiveId" clId="{24727C51-081D-4FF1-A77A-49BB58B5CFDB}" dt="2022-01-14T13:13:33.511" v="188"/>
-          <ac:spMkLst>
-            <pc:docMk/>
-            <pc:sldMk cId="1489261767" sldId="259"/>
-            <ac:spMk id="110" creationId="{3670B9B3-9C2A-4126-BEB6-2F03B6B4A012}"/>
-          </ac:spMkLst>
-        </pc:spChg>
-        <pc:spChg chg="add del mod">
-          <ac:chgData name="Fatima Pillosu" userId="a6295d4dc9e22643" providerId="LiveId" clId="{24727C51-081D-4FF1-A77A-49BB58B5CFDB}" dt="2022-01-14T13:13:33.511" v="188"/>
-          <ac:spMkLst>
-            <pc:docMk/>
-            <pc:sldMk cId="1489261767" sldId="259"/>
-            <ac:spMk id="111" creationId="{9D49D525-5086-44A5-8B79-BEDD432939C1}"/>
-          </ac:spMkLst>
-        </pc:spChg>
-        <pc:spChg chg="add del mod">
-          <ac:chgData name="Fatima Pillosu" userId="a6295d4dc9e22643" providerId="LiveId" clId="{24727C51-081D-4FF1-A77A-49BB58B5CFDB}" dt="2022-01-14T10:44:16.904" v="43" actId="21"/>
-          <ac:spMkLst>
-            <pc:docMk/>
-            <pc:sldMk cId="1489261767" sldId="259"/>
-            <ac:spMk id="111" creationId="{D5BE6B17-507F-4F7A-9E05-B5C7C1AA7A45}"/>
-          </ac:spMkLst>
-        </pc:spChg>
-        <pc:spChg chg="add del mod">
-          <ac:chgData name="Fatima Pillosu" userId="a6295d4dc9e22643" providerId="LiveId" clId="{24727C51-081D-4FF1-A77A-49BB58B5CFDB}" dt="2022-01-14T10:44:16.904" v="43" actId="21"/>
-          <ac:spMkLst>
-            <pc:docMk/>
-            <pc:sldMk cId="1489261767" sldId="259"/>
-            <ac:spMk id="112" creationId="{81F669E5-FD77-4042-8364-EFB200AB6FB9}"/>
-          </ac:spMkLst>
-        </pc:spChg>
-        <pc:spChg chg="add del mod">
-          <ac:chgData name="Fatima Pillosu" userId="a6295d4dc9e22643" providerId="LiveId" clId="{24727C51-081D-4FF1-A77A-49BB58B5CFDB}" dt="2022-01-14T13:13:33.511" v="188"/>
-          <ac:spMkLst>
-            <pc:docMk/>
-            <pc:sldMk cId="1489261767" sldId="259"/>
-            <ac:spMk id="112" creationId="{9F2A53B0-4701-4E14-8839-74A34969259F}"/>
-          </ac:spMkLst>
-        </pc:spChg>
-        <pc:spChg chg="add del mod">
-          <ac:chgData name="Fatima Pillosu" userId="a6295d4dc9e22643" providerId="LiveId" clId="{24727C51-081D-4FF1-A77A-49BB58B5CFDB}" dt="2022-01-14T13:13:33.511" v="188"/>
-          <ac:spMkLst>
-            <pc:docMk/>
-            <pc:sldMk cId="1489261767" sldId="259"/>
-            <ac:spMk id="113" creationId="{111AA2D9-D31F-4A58-BAEA-2A814B17B1B7}"/>
-          </ac:spMkLst>
-        </pc:spChg>
-        <pc:spChg chg="add del mod">
-          <ac:chgData name="Fatima Pillosu" userId="a6295d4dc9e22643" providerId="LiveId" clId="{24727C51-081D-4FF1-A77A-49BB58B5CFDB}" dt="2022-01-14T10:44:16.904" v="43" actId="21"/>
-          <ac:spMkLst>
-            <pc:docMk/>
-            <pc:sldMk cId="1489261767" sldId="259"/>
-            <ac:spMk id="113" creationId="{798B8A33-EF55-4433-B322-F786E1394C14}"/>
-          </ac:spMkLst>
-        </pc:spChg>
-        <pc:spChg chg="add del mod">
-          <ac:chgData name="Fatima Pillosu" userId="a6295d4dc9e22643" providerId="LiveId" clId="{24727C51-081D-4FF1-A77A-49BB58B5CFDB}" dt="2022-01-14T10:44:16.904" v="43" actId="21"/>
-          <ac:spMkLst>
-            <pc:docMk/>
-            <pc:sldMk cId="1489261767" sldId="259"/>
-            <ac:spMk id="114" creationId="{9BA34723-C5E3-44AB-AC14-8650CBCD9601}"/>
-          </ac:spMkLst>
-        </pc:spChg>
-        <pc:spChg chg="add del mod">
-          <ac:chgData name="Fatima Pillosu" userId="a6295d4dc9e22643" providerId="LiveId" clId="{24727C51-081D-4FF1-A77A-49BB58B5CFDB}" dt="2022-01-14T13:13:33.511" v="188"/>
-          <ac:spMkLst>
-            <pc:docMk/>
-            <pc:sldMk cId="1489261767" sldId="259"/>
-            <ac:spMk id="114" creationId="{DE93D915-F599-41E0-A6F1-642931C89B2C}"/>
-          </ac:spMkLst>
-        </pc:spChg>
-        <pc:spChg chg="add del mod">
-          <ac:chgData name="Fatima Pillosu" userId="a6295d4dc9e22643" providerId="LiveId" clId="{24727C51-081D-4FF1-A77A-49BB58B5CFDB}" dt="2022-01-14T10:44:16.904" v="43" actId="21"/>
-          <ac:spMkLst>
-            <pc:docMk/>
-            <pc:sldMk cId="1489261767" sldId="259"/>
-            <ac:spMk id="115" creationId="{C960C7D8-6DD5-40B9-BBAA-8342E2D6D023}"/>
-          </ac:spMkLst>
-        </pc:spChg>
-        <pc:spChg chg="add del mod">
-          <ac:chgData name="Fatima Pillosu" userId="a6295d4dc9e22643" providerId="LiveId" clId="{24727C51-081D-4FF1-A77A-49BB58B5CFDB}" dt="2022-01-14T13:13:33.511" v="188"/>
-          <ac:spMkLst>
-            <pc:docMk/>
-            <pc:sldMk cId="1489261767" sldId="259"/>
-            <ac:spMk id="115" creationId="{CDDDB327-9A89-4A3F-9925-AEA02FA17B3A}"/>
-          </ac:spMkLst>
-        </pc:spChg>
-        <pc:spChg chg="add del mod">
-          <ac:chgData name="Fatima Pillosu" userId="a6295d4dc9e22643" providerId="LiveId" clId="{24727C51-081D-4FF1-A77A-49BB58B5CFDB}" dt="2022-01-14T13:13:33.511" v="188"/>
-          <ac:spMkLst>
-            <pc:docMk/>
-            <pc:sldMk cId="1489261767" sldId="259"/>
-            <ac:spMk id="116" creationId="{5551E67A-08E3-44DA-8748-606A9BBF2DAF}"/>
-          </ac:spMkLst>
-        </pc:spChg>
-        <pc:spChg chg="add del mod">
-          <ac:chgData name="Fatima Pillosu" userId="a6295d4dc9e22643" providerId="LiveId" clId="{24727C51-081D-4FF1-A77A-49BB58B5CFDB}" dt="2022-01-14T10:44:16.904" v="43" actId="21"/>
-          <ac:spMkLst>
-            <pc:docMk/>
-            <pc:sldMk cId="1489261767" sldId="259"/>
-            <ac:spMk id="116" creationId="{DCE19CB9-B68C-4C38-8D10-2166CA06B3F4}"/>
-          </ac:spMkLst>
-        </pc:spChg>
-        <pc:spChg chg="add del mod">
-          <ac:chgData name="Fatima Pillosu" userId="a6295d4dc9e22643" providerId="LiveId" clId="{24727C51-081D-4FF1-A77A-49BB58B5CFDB}" dt="2022-01-14T10:44:16.904" v="43" actId="21"/>
-          <ac:spMkLst>
-            <pc:docMk/>
-            <pc:sldMk cId="1489261767" sldId="259"/>
-            <ac:spMk id="117" creationId="{7108765F-B71C-400B-B6D8-429D307B129B}"/>
-          </ac:spMkLst>
-        </pc:spChg>
-        <pc:spChg chg="add del mod">
-          <ac:chgData name="Fatima Pillosu" userId="a6295d4dc9e22643" providerId="LiveId" clId="{24727C51-081D-4FF1-A77A-49BB58B5CFDB}" dt="2022-01-14T13:13:33.511" v="188"/>
-          <ac:spMkLst>
-            <pc:docMk/>
-            <pc:sldMk cId="1489261767" sldId="259"/>
-            <ac:spMk id="117" creationId="{A4BD0F53-8027-46C0-8DD6-621C67D949B2}"/>
-          </ac:spMkLst>
-        </pc:spChg>
-        <pc:spChg chg="add del mod">
-          <ac:chgData name="Fatima Pillosu" userId="a6295d4dc9e22643" providerId="LiveId" clId="{24727C51-081D-4FF1-A77A-49BB58B5CFDB}" dt="2022-01-14T10:44:16.904" v="43" actId="21"/>
-          <ac:spMkLst>
-            <pc:docMk/>
-            <pc:sldMk cId="1489261767" sldId="259"/>
-            <ac:spMk id="118" creationId="{145A4D49-4828-4D55-8D20-C95F6D66686F}"/>
-          </ac:spMkLst>
-        </pc:spChg>
-        <pc:spChg chg="add del mod">
-          <ac:chgData name="Fatima Pillosu" userId="a6295d4dc9e22643" providerId="LiveId" clId="{24727C51-081D-4FF1-A77A-49BB58B5CFDB}" dt="2022-01-14T13:13:33.511" v="188"/>
-          <ac:spMkLst>
-            <pc:docMk/>
-            <pc:sldMk cId="1489261767" sldId="259"/>
-            <ac:spMk id="118" creationId="{75AC023B-04B0-40CD-8955-3ACB37C21D9E}"/>
-          </ac:spMkLst>
-        </pc:spChg>
-        <pc:spChg chg="add del mod">
-          <ac:chgData name="Fatima Pillosu" userId="a6295d4dc9e22643" providerId="LiveId" clId="{24727C51-081D-4FF1-A77A-49BB58B5CFDB}" dt="2022-01-14T10:44:16.904" v="43" actId="21"/>
-          <ac:spMkLst>
-            <pc:docMk/>
-            <pc:sldMk cId="1489261767" sldId="259"/>
-            <ac:spMk id="119" creationId="{94E011A2-916A-4DDF-B097-93C571363256}"/>
-          </ac:spMkLst>
-        </pc:spChg>
-        <pc:spChg chg="add del mod">
-          <ac:chgData name="Fatima Pillosu" userId="a6295d4dc9e22643" providerId="LiveId" clId="{24727C51-081D-4FF1-A77A-49BB58B5CFDB}" dt="2022-01-14T13:13:33.511" v="188"/>
-          <ac:spMkLst>
-            <pc:docMk/>
-            <pc:sldMk cId="1489261767" sldId="259"/>
-            <ac:spMk id="119" creationId="{D1E60B99-F03D-4855-82F8-249244B4AF3B}"/>
-          </ac:spMkLst>
-        </pc:spChg>
-        <pc:spChg chg="add del mod">
-          <ac:chgData name="Fatima Pillosu" userId="a6295d4dc9e22643" providerId="LiveId" clId="{24727C51-081D-4FF1-A77A-49BB58B5CFDB}" dt="2022-01-14T11:54:13.181" v="176" actId="21"/>
-          <ac:spMkLst>
-            <pc:docMk/>
-            <pc:sldMk cId="1489261767" sldId="259"/>
-            <ac:spMk id="130" creationId="{B8C33E45-E56F-454A-8700-F4C68F21DC13}"/>
-          </ac:spMkLst>
-        </pc:spChg>
-        <pc:spChg chg="add del mod ord">
-          <ac:chgData name="Fatima Pillosu" userId="a6295d4dc9e22643" providerId="LiveId" clId="{24727C51-081D-4FF1-A77A-49BB58B5CFDB}" dt="2022-01-14T11:54:13.181" v="176" actId="21"/>
-          <ac:spMkLst>
-            <pc:docMk/>
-            <pc:sldMk cId="1489261767" sldId="259"/>
-            <ac:spMk id="131" creationId="{01B646C7-E98C-4259-89A2-3878690F662D}"/>
-          </ac:spMkLst>
-        </pc:spChg>
-        <pc:spChg chg="add del mod">
-          <ac:chgData name="Fatima Pillosu" userId="a6295d4dc9e22643" providerId="LiveId" clId="{24727C51-081D-4FF1-A77A-49BB58B5CFDB}" dt="2022-01-14T11:54:13.181" v="176" actId="21"/>
-          <ac:spMkLst>
-            <pc:docMk/>
-            <pc:sldMk cId="1489261767" sldId="259"/>
-            <ac:spMk id="132" creationId="{2E430833-979F-41C0-9272-2A00D2AF048E}"/>
-          </ac:spMkLst>
-        </pc:spChg>
-        <pc:spChg chg="add del mod ord">
-          <ac:chgData name="Fatima Pillosu" userId="a6295d4dc9e22643" providerId="LiveId" clId="{24727C51-081D-4FF1-A77A-49BB58B5CFDB}" dt="2022-01-14T11:54:13.181" v="176" actId="21"/>
-          <ac:spMkLst>
-            <pc:docMk/>
-            <pc:sldMk cId="1489261767" sldId="259"/>
-            <ac:spMk id="133" creationId="{AB58EC16-83C7-4633-8587-AF963659D6F1}"/>
-          </ac:spMkLst>
-        </pc:spChg>
-        <pc:spChg chg="add del mod">
-          <ac:chgData name="Fatima Pillosu" userId="a6295d4dc9e22643" providerId="LiveId" clId="{24727C51-081D-4FF1-A77A-49BB58B5CFDB}" dt="2022-01-14T11:54:13.181" v="176" actId="21"/>
-          <ac:spMkLst>
-            <pc:docMk/>
-            <pc:sldMk cId="1489261767" sldId="259"/>
-            <ac:spMk id="134" creationId="{D180CC02-F73C-4A15-83F6-3A70C069C6FC}"/>
-          </ac:spMkLst>
-        </pc:spChg>
-        <pc:spChg chg="add del mod">
-          <ac:chgData name="Fatima Pillosu" userId="a6295d4dc9e22643" providerId="LiveId" clId="{24727C51-081D-4FF1-A77A-49BB58B5CFDB}" dt="2022-01-14T11:54:13.181" v="176" actId="21"/>
-          <ac:spMkLst>
-            <pc:docMk/>
-            <pc:sldMk cId="1489261767" sldId="259"/>
-            <ac:spMk id="135" creationId="{FB4E5806-D254-4651-819C-17CF12847421}"/>
-          </ac:spMkLst>
-        </pc:spChg>
-        <pc:spChg chg="add del mod">
-          <ac:chgData name="Fatima Pillosu" userId="a6295d4dc9e22643" providerId="LiveId" clId="{24727C51-081D-4FF1-A77A-49BB58B5CFDB}" dt="2022-01-14T11:54:13.181" v="176" actId="21"/>
-          <ac:spMkLst>
-            <pc:docMk/>
-            <pc:sldMk cId="1489261767" sldId="259"/>
-            <ac:spMk id="136" creationId="{3F6E3196-77BA-468F-8629-C8DF269DA24E}"/>
-          </ac:spMkLst>
-        </pc:spChg>
-        <pc:spChg chg="add del mod">
-          <ac:chgData name="Fatima Pillosu" userId="a6295d4dc9e22643" providerId="LiveId" clId="{24727C51-081D-4FF1-A77A-49BB58B5CFDB}" dt="2022-01-14T11:54:13.181" v="176" actId="21"/>
-          <ac:spMkLst>
-            <pc:docMk/>
-            <pc:sldMk cId="1489261767" sldId="259"/>
-            <ac:spMk id="137" creationId="{920F11E2-AEA8-4D90-B4A3-CAD4CAAFC312}"/>
-          </ac:spMkLst>
-        </pc:spChg>
-        <pc:spChg chg="add del mod">
-          <ac:chgData name="Fatima Pillosu" userId="a6295d4dc9e22643" providerId="LiveId" clId="{24727C51-081D-4FF1-A77A-49BB58B5CFDB}" dt="2022-01-14T11:54:13.181" v="176" actId="21"/>
-          <ac:spMkLst>
-            <pc:docMk/>
-            <pc:sldMk cId="1489261767" sldId="259"/>
-            <ac:spMk id="138" creationId="{3FE6854A-3874-4F01-BD15-6B56303F3617}"/>
-          </ac:spMkLst>
-        </pc:spChg>
-        <pc:spChg chg="add del mod">
-          <ac:chgData name="Fatima Pillosu" userId="a6295d4dc9e22643" providerId="LiveId" clId="{24727C51-081D-4FF1-A77A-49BB58B5CFDB}" dt="2022-01-14T11:54:13.181" v="176" actId="21"/>
-          <ac:spMkLst>
-            <pc:docMk/>
-            <pc:sldMk cId="1489261767" sldId="259"/>
-            <ac:spMk id="139" creationId="{7E6CE41F-A4EE-454E-B7EA-D1263A6E02C8}"/>
-          </ac:spMkLst>
-        </pc:spChg>
-        <pc:spChg chg="add del mod">
-          <ac:chgData name="Fatima Pillosu" userId="a6295d4dc9e22643" providerId="LiveId" clId="{24727C51-081D-4FF1-A77A-49BB58B5CFDB}" dt="2022-01-14T11:54:13.181" v="176" actId="21"/>
-          <ac:spMkLst>
-            <pc:docMk/>
-            <pc:sldMk cId="1489261767" sldId="259"/>
-            <ac:spMk id="140" creationId="{850205CC-57B5-4505-9368-B196D2EEFF1E}"/>
-          </ac:spMkLst>
-        </pc:spChg>
-        <pc:spChg chg="add del mod">
-          <ac:chgData name="Fatima Pillosu" userId="a6295d4dc9e22643" providerId="LiveId" clId="{24727C51-081D-4FF1-A77A-49BB58B5CFDB}" dt="2022-01-14T11:54:13.181" v="176" actId="21"/>
-          <ac:spMkLst>
-            <pc:docMk/>
-            <pc:sldMk cId="1489261767" sldId="259"/>
-            <ac:spMk id="141" creationId="{6A5AE265-30AE-4534-970B-43B1DB096AAE}"/>
-          </ac:spMkLst>
-        </pc:spChg>
-        <pc:spChg chg="add del mod">
-          <ac:chgData name="Fatima Pillosu" userId="a6295d4dc9e22643" providerId="LiveId" clId="{24727C51-081D-4FF1-A77A-49BB58B5CFDB}" dt="2022-01-14T11:54:13.181" v="176" actId="21"/>
-          <ac:spMkLst>
-            <pc:docMk/>
-            <pc:sldMk cId="1489261767" sldId="259"/>
-            <ac:spMk id="142" creationId="{9C872063-5639-46F5-8BAE-DB05014100DE}"/>
-          </ac:spMkLst>
-        </pc:spChg>
-        <pc:spChg chg="add del mod">
-          <ac:chgData name="Fatima Pillosu" userId="a6295d4dc9e22643" providerId="LiveId" clId="{24727C51-081D-4FF1-A77A-49BB58B5CFDB}" dt="2022-01-14T11:54:13.181" v="176" actId="21"/>
-          <ac:spMkLst>
-            <pc:docMk/>
-            <pc:sldMk cId="1489261767" sldId="259"/>
-            <ac:spMk id="143" creationId="{FC80BECC-F83C-4368-A657-CFACD2FC9665}"/>
-          </ac:spMkLst>
-        </pc:spChg>
-        <pc:spChg chg="add del mod">
-          <ac:chgData name="Fatima Pillosu" userId="a6295d4dc9e22643" providerId="LiveId" clId="{24727C51-081D-4FF1-A77A-49BB58B5CFDB}" dt="2022-01-14T13:13:33.511" v="188"/>
-          <ac:spMkLst>
-            <pc:docMk/>
-            <pc:sldMk cId="1489261767" sldId="259"/>
-            <ac:spMk id="144" creationId="{B55F8731-3812-43F8-B5BA-C3003D465AFB}"/>
-          </ac:spMkLst>
-        </pc:spChg>
-        <pc:spChg chg="add del mod">
-          <ac:chgData name="Fatima Pillosu" userId="a6295d4dc9e22643" providerId="LiveId" clId="{24727C51-081D-4FF1-A77A-49BB58B5CFDB}" dt="2022-01-14T10:44:52.048" v="47" actId="478"/>
-          <ac:spMkLst>
-            <pc:docMk/>
-            <pc:sldMk cId="1489261767" sldId="259"/>
-            <ac:spMk id="144" creationId="{C6D62663-1990-443F-A460-48D2AE39B8C6}"/>
-          </ac:spMkLst>
-        </pc:spChg>
-        <pc:spChg chg="add del mod">
-          <ac:chgData name="Fatima Pillosu" userId="a6295d4dc9e22643" providerId="LiveId" clId="{24727C51-081D-4FF1-A77A-49BB58B5CFDB}" dt="2022-01-14T10:44:52.048" v="47" actId="478"/>
-          <ac:spMkLst>
-            <pc:docMk/>
-            <pc:sldMk cId="1489261767" sldId="259"/>
-            <ac:spMk id="145" creationId="{43D2A182-4C6B-4FBC-BA87-2F36493F0717}"/>
-          </ac:spMkLst>
-        </pc:spChg>
-        <pc:spChg chg="add del mod">
-          <ac:chgData name="Fatima Pillosu" userId="a6295d4dc9e22643" providerId="LiveId" clId="{24727C51-081D-4FF1-A77A-49BB58B5CFDB}" dt="2022-01-14T13:13:33.511" v="188"/>
-          <ac:spMkLst>
-            <pc:docMk/>
-            <pc:sldMk cId="1489261767" sldId="259"/>
-            <ac:spMk id="145" creationId="{9CF61FF6-DF16-45D9-B6F9-4CD9CA2614AC}"/>
-          </ac:spMkLst>
-        </pc:spChg>
-        <pc:spChg chg="add del mod">
-          <ac:chgData name="Fatima Pillosu" userId="a6295d4dc9e22643" providerId="LiveId" clId="{24727C51-081D-4FF1-A77A-49BB58B5CFDB}" dt="2022-01-14T10:44:52.048" v="47" actId="478"/>
-          <ac:spMkLst>
-            <pc:docMk/>
-            <pc:sldMk cId="1489261767" sldId="259"/>
-            <ac:spMk id="146" creationId="{680C241E-D59A-487F-9EC4-EF1412DA1581}"/>
-          </ac:spMkLst>
-        </pc:spChg>
-        <pc:spChg chg="add del mod">
-          <ac:chgData name="Fatima Pillosu" userId="a6295d4dc9e22643" providerId="LiveId" clId="{24727C51-081D-4FF1-A77A-49BB58B5CFDB}" dt="2022-01-14T13:13:33.511" v="188"/>
-          <ac:spMkLst>
-            <pc:docMk/>
-            <pc:sldMk cId="1489261767" sldId="259"/>
-            <ac:spMk id="146" creationId="{72D6FCEF-47E5-4389-9AA4-67564BE8C0FE}"/>
-          </ac:spMkLst>
-        </pc:spChg>
-        <pc:spChg chg="add del mod">
-          <ac:chgData name="Fatima Pillosu" userId="a6295d4dc9e22643" providerId="LiveId" clId="{24727C51-081D-4FF1-A77A-49BB58B5CFDB}" dt="2022-01-14T10:44:52.048" v="47" actId="478"/>
-          <ac:spMkLst>
-            <pc:docMk/>
-            <pc:sldMk cId="1489261767" sldId="259"/>
-            <ac:spMk id="147" creationId="{3903298F-018F-4958-9DB2-23334FADB5BC}"/>
-          </ac:spMkLst>
-        </pc:spChg>
-        <pc:spChg chg="add del mod">
-          <ac:chgData name="Fatima Pillosu" userId="a6295d4dc9e22643" providerId="LiveId" clId="{24727C51-081D-4FF1-A77A-49BB58B5CFDB}" dt="2022-01-14T13:13:33.511" v="188"/>
-          <ac:spMkLst>
-            <pc:docMk/>
-            <pc:sldMk cId="1489261767" sldId="259"/>
-            <ac:spMk id="147" creationId="{F36B048D-EB46-456B-B4EB-01879DF6CBFD}"/>
-          </ac:spMkLst>
-        </pc:spChg>
-        <pc:spChg chg="add mod ord">
-          <ac:chgData name="Fatima Pillosu" userId="a6295d4dc9e22643" providerId="LiveId" clId="{24727C51-081D-4FF1-A77A-49BB58B5CFDB}" dt="2022-01-14T13:27:12.116" v="286" actId="1035"/>
-          <ac:spMkLst>
-            <pc:docMk/>
-            <pc:sldMk cId="1489261767" sldId="259"/>
-            <ac:spMk id="148" creationId="{3BD2F6FD-0DAE-445C-AB3F-8233884245D8}"/>
-          </ac:spMkLst>
-        </pc:spChg>
-        <pc:spChg chg="add del mod">
-          <ac:chgData name="Fatima Pillosu" userId="a6295d4dc9e22643" providerId="LiveId" clId="{24727C51-081D-4FF1-A77A-49BB58B5CFDB}" dt="2022-01-14T10:44:52.048" v="47" actId="478"/>
-          <ac:spMkLst>
-            <pc:docMk/>
-            <pc:sldMk cId="1489261767" sldId="259"/>
-            <ac:spMk id="148" creationId="{C05DC2C9-CE9E-4715-BD7E-6B6BE8910130}"/>
-          </ac:spMkLst>
-        </pc:spChg>
-        <pc:spChg chg="add mod ord">
-          <ac:chgData name="Fatima Pillosu" userId="a6295d4dc9e22643" providerId="LiveId" clId="{24727C51-081D-4FF1-A77A-49BB58B5CFDB}" dt="2022-01-14T13:27:12.116" v="286" actId="1035"/>
-          <ac:spMkLst>
-            <pc:docMk/>
-            <pc:sldMk cId="1489261767" sldId="259"/>
-            <ac:spMk id="149" creationId="{2F227396-6189-4DEE-B534-C292519764B7}"/>
-          </ac:spMkLst>
-        </pc:spChg>
-        <pc:spChg chg="add mod">
-          <ac:chgData name="Fatima Pillosu" userId="a6295d4dc9e22643" providerId="LiveId" clId="{24727C51-081D-4FF1-A77A-49BB58B5CFDB}" dt="2022-01-14T13:27:12.116" v="286" actId="1035"/>
-          <ac:spMkLst>
-            <pc:docMk/>
-            <pc:sldMk cId="1489261767" sldId="259"/>
-            <ac:spMk id="150" creationId="{7F79A14D-E840-49FE-A988-278F27138980}"/>
-          </ac:spMkLst>
-        </pc:spChg>
-        <pc:spChg chg="add mod">
-          <ac:chgData name="Fatima Pillosu" userId="a6295d4dc9e22643" providerId="LiveId" clId="{24727C51-081D-4FF1-A77A-49BB58B5CFDB}" dt="2022-01-14T13:27:12.116" v="286" actId="1035"/>
-          <ac:spMkLst>
-            <pc:docMk/>
-            <pc:sldMk cId="1489261767" sldId="259"/>
-            <ac:spMk id="151" creationId="{A1B9E3BB-BF8E-4B32-883C-5705161AE0E0}"/>
-          </ac:spMkLst>
-        </pc:spChg>
-        <pc:spChg chg="add mod">
-          <ac:chgData name="Fatima Pillosu" userId="a6295d4dc9e22643" providerId="LiveId" clId="{24727C51-081D-4FF1-A77A-49BB58B5CFDB}" dt="2022-01-14T13:27:12.116" v="286" actId="1035"/>
-          <ac:spMkLst>
-            <pc:docMk/>
-            <pc:sldMk cId="1489261767" sldId="259"/>
-            <ac:spMk id="152" creationId="{BD8C6BFB-87A3-41EA-A677-220C59170F94}"/>
-          </ac:spMkLst>
-        </pc:spChg>
-        <pc:spChg chg="add mod ord">
-          <ac:chgData name="Fatima Pillosu" userId="a6295d4dc9e22643" providerId="LiveId" clId="{24727C51-081D-4FF1-A77A-49BB58B5CFDB}" dt="2022-01-14T13:27:12.116" v="286" actId="1035"/>
-          <ac:spMkLst>
-            <pc:docMk/>
-            <pc:sldMk cId="1489261767" sldId="259"/>
-            <ac:spMk id="153" creationId="{CF098D90-29C3-4FEA-96AF-6B5014DAAB0A}"/>
-          </ac:spMkLst>
-        </pc:spChg>
-        <pc:spChg chg="add mod ord">
-          <ac:chgData name="Fatima Pillosu" userId="a6295d4dc9e22643" providerId="LiveId" clId="{24727C51-081D-4FF1-A77A-49BB58B5CFDB}" dt="2022-01-14T13:27:12.116" v="286" actId="1035"/>
-          <ac:spMkLst>
-            <pc:docMk/>
-            <pc:sldMk cId="1489261767" sldId="259"/>
-            <ac:spMk id="154" creationId="{A908867F-7804-4417-B118-50D4AC3E90B5}"/>
-          </ac:spMkLst>
-        </pc:spChg>
-        <pc:spChg chg="add mod ord">
-          <ac:chgData name="Fatima Pillosu" userId="a6295d4dc9e22643" providerId="LiveId" clId="{24727C51-081D-4FF1-A77A-49BB58B5CFDB}" dt="2022-01-14T13:27:12.116" v="286" actId="1035"/>
-          <ac:spMkLst>
-            <pc:docMk/>
-            <pc:sldMk cId="1489261767" sldId="259"/>
-            <ac:spMk id="155" creationId="{BDEAE71A-FBEC-46FF-9973-830AE617C797}"/>
-          </ac:spMkLst>
-        </pc:spChg>
-        <pc:spChg chg="add mod ord">
-          <ac:chgData name="Fatima Pillosu" userId="a6295d4dc9e22643" providerId="LiveId" clId="{24727C51-081D-4FF1-A77A-49BB58B5CFDB}" dt="2022-01-14T13:27:12.116" v="286" actId="1035"/>
-          <ac:spMkLst>
-            <pc:docMk/>
-            <pc:sldMk cId="1489261767" sldId="259"/>
-            <ac:spMk id="156" creationId="{55ABE292-53C1-4013-813F-2C322C8CA559}"/>
-          </ac:spMkLst>
-        </pc:spChg>
-        <pc:spChg chg="add mod">
-          <ac:chgData name="Fatima Pillosu" userId="a6295d4dc9e22643" providerId="LiveId" clId="{24727C51-081D-4FF1-A77A-49BB58B5CFDB}" dt="2022-01-14T13:27:12.116" v="286" actId="1035"/>
-          <ac:spMkLst>
-            <pc:docMk/>
-            <pc:sldMk cId="1489261767" sldId="259"/>
-            <ac:spMk id="157" creationId="{9E1738E7-1752-4CC6-860E-B190539750CD}"/>
-          </ac:spMkLst>
-        </pc:spChg>
-        <pc:spChg chg="add mod ord">
-          <ac:chgData name="Fatima Pillosu" userId="a6295d4dc9e22643" providerId="LiveId" clId="{24727C51-081D-4FF1-A77A-49BB58B5CFDB}" dt="2022-01-14T13:27:12.116" v="286" actId="1035"/>
-          <ac:spMkLst>
-            <pc:docMk/>
-            <pc:sldMk cId="1489261767" sldId="259"/>
-            <ac:spMk id="158" creationId="{983B6590-4C69-422C-9C55-E58389B320CC}"/>
-          </ac:spMkLst>
-        </pc:spChg>
-        <pc:spChg chg="add mod ord">
-          <ac:chgData name="Fatima Pillosu" userId="a6295d4dc9e22643" providerId="LiveId" clId="{24727C51-081D-4FF1-A77A-49BB58B5CFDB}" dt="2022-01-14T13:27:12.116" v="286" actId="1035"/>
-          <ac:spMkLst>
-            <pc:docMk/>
-            <pc:sldMk cId="1489261767" sldId="259"/>
-            <ac:spMk id="159" creationId="{02B434B0-D5CE-42E1-820A-B6D2EB4CE750}"/>
-          </ac:spMkLst>
-        </pc:spChg>
-        <pc:spChg chg="add mod ord">
-          <ac:chgData name="Fatima Pillosu" userId="a6295d4dc9e22643" providerId="LiveId" clId="{24727C51-081D-4FF1-A77A-49BB58B5CFDB}" dt="2022-01-14T13:27:12.116" v="286" actId="1035"/>
-          <ac:spMkLst>
-            <pc:docMk/>
-            <pc:sldMk cId="1489261767" sldId="259"/>
-            <ac:spMk id="160" creationId="{3618D459-0643-4D17-A659-AEC6968BA840}"/>
-          </ac:spMkLst>
-        </pc:spChg>
-        <pc:spChg chg="add mod ord">
-          <ac:chgData name="Fatima Pillosu" userId="a6295d4dc9e22643" providerId="LiveId" clId="{24727C51-081D-4FF1-A77A-49BB58B5CFDB}" dt="2022-01-14T13:27:12.116" v="286" actId="1035"/>
+          <ac:chgData name="Fatima Pillosu" userId="a6295d4dc9e22643" providerId="LiveId" clId="{AEACF5B8-E1B8-484D-AA65-19A39BABB57B}" dt="2022-01-18T15:49:48.420" v="351" actId="21"/>
           <ac:spMkLst>
             <pc:docMk/>
             <pc:sldMk cId="1489261767" sldId="259"/>
             <ac:spMk id="161" creationId="{91D08E8B-4E44-4400-9BC5-3BD9EF49592E}"/>
           </ac:spMkLst>
         </pc:spChg>
-        <pc:picChg chg="add mod ord">
-          <ac:chgData name="Fatima Pillosu" userId="a6295d4dc9e22643" providerId="LiveId" clId="{24727C51-081D-4FF1-A77A-49BB58B5CFDB}" dt="2022-01-14T13:27:12.116" v="286" actId="1035"/>
+        <pc:picChg chg="del mod">
+          <ac:chgData name="Fatima Pillosu" userId="a6295d4dc9e22643" providerId="LiveId" clId="{AEACF5B8-E1B8-484D-AA65-19A39BABB57B}" dt="2022-01-18T15:49:48.420" v="351" actId="21"/>
           <ac:picMkLst>
             <pc:docMk/>
             <pc:sldMk cId="1489261767" sldId="259"/>
             <ac:picMk id="36" creationId="{E3BAE6B7-934F-46B2-9CDC-899AFCC5F23C}"/>
           </ac:picMkLst>
         </pc:picChg>
-        <pc:picChg chg="add mod ord">
-          <ac:chgData name="Fatima Pillosu" userId="a6295d4dc9e22643" providerId="LiveId" clId="{24727C51-081D-4FF1-A77A-49BB58B5CFDB}" dt="2022-01-14T13:27:12.116" v="286" actId="1035"/>
+        <pc:picChg chg="del mod">
+          <ac:chgData name="Fatima Pillosu" userId="a6295d4dc9e22643" providerId="LiveId" clId="{AEACF5B8-E1B8-484D-AA65-19A39BABB57B}" dt="2022-01-18T15:49:48.420" v="351" actId="21"/>
           <ac:picMkLst>
             <pc:docMk/>
             <pc:sldMk cId="1489261767" sldId="259"/>
-            <ac:picMk id="37" creationId="{7116EED6-5344-40BE-9AB8-618CB6AB3F9D}"/>
+            <ac:picMk id="40" creationId="{96101202-83FB-4AF4-BCE9-1055B821E5AE}"/>
           </ac:picMkLst>
         </pc:picChg>
-        <pc:picChg chg="add mod ord">
-          <ac:chgData name="Fatima Pillosu" userId="a6295d4dc9e22643" providerId="LiveId" clId="{24727C51-081D-4FF1-A77A-49BB58B5CFDB}" dt="2022-01-14T13:27:12.116" v="286" actId="1035"/>
+        <pc:picChg chg="del mod">
+          <ac:chgData name="Fatima Pillosu" userId="a6295d4dc9e22643" providerId="LiveId" clId="{AEACF5B8-E1B8-484D-AA65-19A39BABB57B}" dt="2022-01-18T15:49:48.420" v="351" actId="21"/>
           <ac:picMkLst>
             <pc:docMk/>
             <pc:sldMk cId="1489261767" sldId="259"/>
-            <ac:picMk id="38" creationId="{C87A7049-6DDB-44A6-BCFD-266AB04B5523}"/>
-          </ac:picMkLst>
-        </pc:picChg>
-        <pc:picChg chg="add mod ord">
-          <ac:chgData name="Fatima Pillosu" userId="a6295d4dc9e22643" providerId="LiveId" clId="{24727C51-081D-4FF1-A77A-49BB58B5CFDB}" dt="2022-01-14T13:27:12.116" v="286" actId="1035"/>
-          <ac:picMkLst>
-            <pc:docMk/>
-            <pc:sldMk cId="1489261767" sldId="259"/>
-            <ac:picMk id="39" creationId="{DC89BBDB-247E-44B5-B8F9-41203C32AEDE}"/>
+            <ac:picMk id="43" creationId="{D218246B-01E4-4C08-9D41-DB884FC7028F}"/>
           </ac:picMkLst>
         </pc:picChg>
         <pc:picChg chg="add mod">
-          <ac:chgData name="Fatima Pillosu" userId="a6295d4dc9e22643" providerId="LiveId" clId="{24727C51-081D-4FF1-A77A-49BB58B5CFDB}" dt="2022-01-14T13:27:12.116" v="286" actId="1035"/>
+          <ac:chgData name="Fatima Pillosu" userId="a6295d4dc9e22643" providerId="LiveId" clId="{AEACF5B8-E1B8-484D-AA65-19A39BABB57B}" dt="2022-01-18T15:50:12.137" v="356" actId="1036"/>
           <ac:picMkLst>
             <pc:docMk/>
             <pc:sldMk cId="1489261767" sldId="259"/>
-            <ac:picMk id="40" creationId="{96101202-83FB-4AF4-BCE9-1055B821E5AE}"/>
-          </ac:picMkLst>
-        </pc:picChg>
-        <pc:picChg chg="add mod ord">
-          <ac:chgData name="Fatima Pillosu" userId="a6295d4dc9e22643" providerId="LiveId" clId="{24727C51-081D-4FF1-A77A-49BB58B5CFDB}" dt="2022-01-14T13:27:12.116" v="286" actId="1035"/>
-          <ac:picMkLst>
-            <pc:docMk/>
-            <pc:sldMk cId="1489261767" sldId="259"/>
-            <ac:picMk id="43" creationId="{D218246B-01E4-4C08-9D41-DB884FC7028F}"/>
-          </ac:picMkLst>
-        </pc:picChg>
-        <pc:picChg chg="add mod ord">
-          <ac:chgData name="Fatima Pillosu" userId="a6295d4dc9e22643" providerId="LiveId" clId="{24727C51-081D-4FF1-A77A-49BB58B5CFDB}" dt="2022-01-14T13:27:12.116" v="286" actId="1035"/>
-          <ac:picMkLst>
-            <pc:docMk/>
-            <pc:sldMk cId="1489261767" sldId="259"/>
-            <ac:picMk id="44" creationId="{9CE4351D-6543-43CE-9628-91DF36C5CC2E}"/>
-          </ac:picMkLst>
-        </pc:picChg>
-        <pc:picChg chg="add mod ord">
-          <ac:chgData name="Fatima Pillosu" userId="a6295d4dc9e22643" providerId="LiveId" clId="{24727C51-081D-4FF1-A77A-49BB58B5CFDB}" dt="2022-01-14T13:27:12.116" v="286" actId="1035"/>
-          <ac:picMkLst>
-            <pc:docMk/>
-            <pc:sldMk cId="1489261767" sldId="259"/>
-            <ac:picMk id="45" creationId="{ECFD028B-2838-4131-B502-3001768FA4D8}"/>
+            <ac:picMk id="55" creationId="{249B8000-1A10-4146-8DE7-F408D67A99D2}"/>
           </ac:picMkLst>
         </pc:picChg>
         <pc:picChg chg="del mod">
-          <ac:chgData name="Fatima Pillosu" userId="a6295d4dc9e22643" providerId="LiveId" clId="{24727C51-081D-4FF1-A77A-49BB58B5CFDB}" dt="2022-01-14T10:42:35.692" v="39" actId="21"/>
+          <ac:chgData name="Fatima Pillosu" userId="a6295d4dc9e22643" providerId="LiveId" clId="{AEACF5B8-E1B8-484D-AA65-19A39BABB57B}" dt="2022-01-18T15:49:48.420" v="351" actId="21"/>
           <ac:picMkLst>
             <pc:docMk/>
             <pc:sldMk cId="1489261767" sldId="259"/>
-            <ac:picMk id="54" creationId="{8C4744E2-555D-4174-B2C1-8E7CEB198E18}"/>
-          </ac:picMkLst>
-        </pc:picChg>
-        <pc:picChg chg="del mod">
-          <ac:chgData name="Fatima Pillosu" userId="a6295d4dc9e22643" providerId="LiveId" clId="{24727C51-081D-4FF1-A77A-49BB58B5CFDB}" dt="2022-01-14T10:42:35.692" v="39" actId="21"/>
-          <ac:picMkLst>
-            <pc:docMk/>
-            <pc:sldMk cId="1489261767" sldId="259"/>
-            <ac:picMk id="55" creationId="{867C5492-295E-40DD-A579-34EBD27EF4A8}"/>
-          </ac:picMkLst>
-        </pc:picChg>
-        <pc:picChg chg="add mod ord">
-          <ac:chgData name="Fatima Pillosu" userId="a6295d4dc9e22643" providerId="LiveId" clId="{24727C51-081D-4FF1-A77A-49BB58B5CFDB}" dt="2022-01-14T13:27:12.116" v="286" actId="1035"/>
-          <ac:picMkLst>
-            <pc:docMk/>
-            <pc:sldMk cId="1489261767" sldId="259"/>
-            <ac:picMk id="56" creationId="{5CDE82BD-9EF2-4FD9-A53D-20EC0D7A9836}"/>
-          </ac:picMkLst>
-        </pc:picChg>
-        <pc:picChg chg="del mod">
-          <ac:chgData name="Fatima Pillosu" userId="a6295d4dc9e22643" providerId="LiveId" clId="{24727C51-081D-4FF1-A77A-49BB58B5CFDB}" dt="2022-01-14T10:42:35.692" v="39" actId="21"/>
-          <ac:picMkLst>
-            <pc:docMk/>
-            <pc:sldMk cId="1489261767" sldId="259"/>
-            <ac:picMk id="56" creationId="{9E77B5AA-1CA5-4735-B89C-AE0C98B4A8A4}"/>
+            <ac:picMk id="57" creationId="{38C701DB-1B3C-44A2-B715-7645338A51AD}"/>
           </ac:picMkLst>
         </pc:picChg>
         <pc:picChg chg="add mod">
-          <ac:chgData name="Fatima Pillosu" userId="a6295d4dc9e22643" providerId="LiveId" clId="{24727C51-081D-4FF1-A77A-49BB58B5CFDB}" dt="2022-01-14T13:27:12.116" v="286" actId="1035"/>
+          <ac:chgData name="Fatima Pillosu" userId="a6295d4dc9e22643" providerId="LiveId" clId="{AEACF5B8-E1B8-484D-AA65-19A39BABB57B}" dt="2022-01-18T15:50:12.137" v="356" actId="1036"/>
           <ac:picMkLst>
             <pc:docMk/>
             <pc:sldMk cId="1489261767" sldId="259"/>
-            <ac:picMk id="57" creationId="{38C701DB-1B3C-44A2-B715-7645338A51AD}"/>
+            <ac:picMk id="58" creationId="{6BDD4B2C-0287-4AB0-9F5C-4E24A08845F8}"/>
           </ac:picMkLst>
         </pc:picChg>
-        <pc:picChg chg="del mod">
-          <ac:chgData name="Fatima Pillosu" userId="a6295d4dc9e22643" providerId="LiveId" clId="{24727C51-081D-4FF1-A77A-49BB58B5CFDB}" dt="2022-01-14T10:42:35.692" v="39" actId="21"/>
+        <pc:picChg chg="add mod">
+          <ac:chgData name="Fatima Pillosu" userId="a6295d4dc9e22643" providerId="LiveId" clId="{AEACF5B8-E1B8-484D-AA65-19A39BABB57B}" dt="2022-01-18T15:50:12.137" v="356" actId="1036"/>
           <ac:picMkLst>
             <pc:docMk/>
             <pc:sldMk cId="1489261767" sldId="259"/>
-            <ac:picMk id="57" creationId="{5C5833C4-940E-46A6-AA4F-A0533109741B}"/>
+            <ac:picMk id="61" creationId="{15681698-39BD-4815-B989-535604F83C98}"/>
           </ac:picMkLst>
         </pc:picChg>
-        <pc:picChg chg="del mod">
-          <ac:chgData name="Fatima Pillosu" userId="a6295d4dc9e22643" providerId="LiveId" clId="{24727C51-081D-4FF1-A77A-49BB58B5CFDB}" dt="2022-01-14T10:42:35.692" v="39" actId="21"/>
+        <pc:picChg chg="add mod">
+          <ac:chgData name="Fatima Pillosu" userId="a6295d4dc9e22643" providerId="LiveId" clId="{AEACF5B8-E1B8-484D-AA65-19A39BABB57B}" dt="2022-01-18T15:50:12.137" v="356" actId="1036"/>
           <ac:picMkLst>
             <pc:docMk/>
             <pc:sldMk cId="1489261767" sldId="259"/>
-            <ac:picMk id="66" creationId="{55F95CD3-3D24-40C0-B594-48EA99FF3315}"/>
+            <ac:picMk id="63" creationId="{4DD3E83D-337D-4121-B885-C1D11F89E5B1}"/>
           </ac:picMkLst>
         </pc:picChg>
-        <pc:picChg chg="del mod">
-          <ac:chgData name="Fatima Pillosu" userId="a6295d4dc9e22643" providerId="LiveId" clId="{24727C51-081D-4FF1-A77A-49BB58B5CFDB}" dt="2022-01-14T10:42:35.692" v="39" actId="21"/>
-          <ac:picMkLst>
-            <pc:docMk/>
-            <pc:sldMk cId="1489261767" sldId="259"/>
-            <ac:picMk id="67" creationId="{0D171ED3-90CB-40AE-91CA-91E3BA032434}"/>
-          </ac:picMkLst>
-        </pc:picChg>
-        <pc:picChg chg="del mod">
-          <ac:chgData name="Fatima Pillosu" userId="a6295d4dc9e22643" providerId="LiveId" clId="{24727C51-081D-4FF1-A77A-49BB58B5CFDB}" dt="2022-01-14T10:42:35.692" v="39" actId="21"/>
-          <ac:picMkLst>
-            <pc:docMk/>
-            <pc:sldMk cId="1489261767" sldId="259"/>
-            <ac:picMk id="68" creationId="{2EFC441F-D808-4379-9A57-8D5640425404}"/>
-          </ac:picMkLst>
-        </pc:picChg>
-        <pc:picChg chg="del mod">
-          <ac:chgData name="Fatima Pillosu" userId="a6295d4dc9e22643" providerId="LiveId" clId="{24727C51-081D-4FF1-A77A-49BB58B5CFDB}" dt="2022-01-14T10:42:35.692" v="39" actId="21"/>
-          <ac:picMkLst>
-            <pc:docMk/>
-            <pc:sldMk cId="1489261767" sldId="259"/>
-            <ac:picMk id="69" creationId="{EDAA9902-7447-4A0B-B193-D140D2BB304B}"/>
-          </ac:picMkLst>
-        </pc:picChg>
-        <pc:picChg chg="del mod">
-          <ac:chgData name="Fatima Pillosu" userId="a6295d4dc9e22643" providerId="LiveId" clId="{24727C51-081D-4FF1-A77A-49BB58B5CFDB}" dt="2022-01-14T10:42:35.692" v="39" actId="21"/>
-          <ac:picMkLst>
-            <pc:docMk/>
-            <pc:sldMk cId="1489261767" sldId="259"/>
-            <ac:picMk id="70" creationId="{AEA2D1C3-279E-497C-ADDB-06C3ED8288C1}"/>
-          </ac:picMkLst>
-        </pc:picChg>
-        <pc:picChg chg="del mod">
-          <ac:chgData name="Fatima Pillosu" userId="a6295d4dc9e22643" providerId="LiveId" clId="{24727C51-081D-4FF1-A77A-49BB58B5CFDB}" dt="2022-01-14T10:42:35.692" v="39" actId="21"/>
-          <ac:picMkLst>
-            <pc:docMk/>
-            <pc:sldMk cId="1489261767" sldId="259"/>
-            <ac:picMk id="71" creationId="{AEFE0A32-4AC4-453B-914A-3CF747700446}"/>
-          </ac:picMkLst>
-        </pc:picChg>
-        <pc:picChg chg="add del mod">
-          <ac:chgData name="Fatima Pillosu" userId="a6295d4dc9e22643" providerId="LiveId" clId="{24727C51-081D-4FF1-A77A-49BB58B5CFDB}" dt="2022-01-14T10:43:10.533" v="41" actId="21"/>
-          <ac:picMkLst>
-            <pc:docMk/>
-            <pc:sldMk cId="1489261767" sldId="259"/>
-            <ac:picMk id="72" creationId="{9786F24B-A714-46F8-AE24-C5D0A4DE27FF}"/>
-          </ac:picMkLst>
-        </pc:picChg>
-        <pc:picChg chg="add del mod">
-          <ac:chgData name="Fatima Pillosu" userId="a6295d4dc9e22643" providerId="LiveId" clId="{24727C51-081D-4FF1-A77A-49BB58B5CFDB}" dt="2022-01-14T10:43:10.533" v="41" actId="21"/>
-          <ac:picMkLst>
-            <pc:docMk/>
-            <pc:sldMk cId="1489261767" sldId="259"/>
-            <ac:picMk id="73" creationId="{5F9C12FF-38DB-4E15-8F22-D53D38969967}"/>
-          </ac:picMkLst>
-        </pc:picChg>
-        <pc:picChg chg="add del mod">
-          <ac:chgData name="Fatima Pillosu" userId="a6295d4dc9e22643" providerId="LiveId" clId="{24727C51-081D-4FF1-A77A-49BB58B5CFDB}" dt="2022-01-14T10:43:10.533" v="41" actId="21"/>
-          <ac:picMkLst>
-            <pc:docMk/>
-            <pc:sldMk cId="1489261767" sldId="259"/>
-            <ac:picMk id="74" creationId="{E47FF6E1-A3E3-483F-9BAA-62DD8C1D8921}"/>
-          </ac:picMkLst>
-        </pc:picChg>
-        <pc:picChg chg="add del mod">
-          <ac:chgData name="Fatima Pillosu" userId="a6295d4dc9e22643" providerId="LiveId" clId="{24727C51-081D-4FF1-A77A-49BB58B5CFDB}" dt="2022-01-14T10:43:10.533" v="41" actId="21"/>
-          <ac:picMkLst>
-            <pc:docMk/>
-            <pc:sldMk cId="1489261767" sldId="259"/>
-            <ac:picMk id="75" creationId="{253F838A-989C-435D-803D-266D094079AB}"/>
-          </ac:picMkLst>
-        </pc:picChg>
-        <pc:picChg chg="add del mod">
-          <ac:chgData name="Fatima Pillosu" userId="a6295d4dc9e22643" providerId="LiveId" clId="{24727C51-081D-4FF1-A77A-49BB58B5CFDB}" dt="2022-01-14T10:43:10.533" v="41" actId="21"/>
-          <ac:picMkLst>
-            <pc:docMk/>
-            <pc:sldMk cId="1489261767" sldId="259"/>
-            <ac:picMk id="76" creationId="{BBB717C5-2550-413E-B74E-55A47123A7D8}"/>
-          </ac:picMkLst>
-        </pc:picChg>
-        <pc:picChg chg="add del mod">
-          <ac:chgData name="Fatima Pillosu" userId="a6295d4dc9e22643" providerId="LiveId" clId="{24727C51-081D-4FF1-A77A-49BB58B5CFDB}" dt="2022-01-14T10:43:10.533" v="41" actId="21"/>
-          <ac:picMkLst>
-            <pc:docMk/>
-            <pc:sldMk cId="1489261767" sldId="259"/>
-            <ac:picMk id="77" creationId="{0A50BB9D-C4D0-43BA-B77D-CBB662F79EF2}"/>
-          </ac:picMkLst>
-        </pc:picChg>
-        <pc:picChg chg="add del mod">
-          <ac:chgData name="Fatima Pillosu" userId="a6295d4dc9e22643" providerId="LiveId" clId="{24727C51-081D-4FF1-A77A-49BB58B5CFDB}" dt="2022-01-14T10:43:10.533" v="41" actId="21"/>
-          <ac:picMkLst>
-            <pc:docMk/>
-            <pc:sldMk cId="1489261767" sldId="259"/>
-            <ac:picMk id="78" creationId="{2EC2513B-7807-44BB-A4D0-5D923D7D58C7}"/>
-          </ac:picMkLst>
-        </pc:picChg>
-        <pc:picChg chg="add del mod">
-          <ac:chgData name="Fatima Pillosu" userId="a6295d4dc9e22643" providerId="LiveId" clId="{24727C51-081D-4FF1-A77A-49BB58B5CFDB}" dt="2022-01-14T10:43:10.533" v="41" actId="21"/>
-          <ac:picMkLst>
-            <pc:docMk/>
-            <pc:sldMk cId="1489261767" sldId="259"/>
-            <ac:picMk id="79" creationId="{A43FFF9F-77FA-425D-92C8-88D740A66E1C}"/>
-          </ac:picMkLst>
-        </pc:picChg>
-        <pc:picChg chg="add del mod">
-          <ac:chgData name="Fatima Pillosu" userId="a6295d4dc9e22643" providerId="LiveId" clId="{24727C51-081D-4FF1-A77A-49BB58B5CFDB}" dt="2022-01-14T10:43:10.533" v="41" actId="21"/>
-          <ac:picMkLst>
-            <pc:docMk/>
-            <pc:sldMk cId="1489261767" sldId="259"/>
-            <ac:picMk id="80" creationId="{B968E8C4-E78C-44CE-8865-E4599293D3D8}"/>
-          </ac:picMkLst>
-        </pc:picChg>
-        <pc:picChg chg="add del mod">
-          <ac:chgData name="Fatima Pillosu" userId="a6295d4dc9e22643" providerId="LiveId" clId="{24727C51-081D-4FF1-A77A-49BB58B5CFDB}" dt="2022-01-14T10:43:10.533" v="41" actId="21"/>
-          <ac:picMkLst>
-            <pc:docMk/>
-            <pc:sldMk cId="1489261767" sldId="259"/>
-            <ac:picMk id="81" creationId="{41707211-789D-419C-9376-9028882CC320}"/>
-          </ac:picMkLst>
-        </pc:picChg>
-        <pc:picChg chg="add del mod">
-          <ac:chgData name="Fatima Pillosu" userId="a6295d4dc9e22643" providerId="LiveId" clId="{24727C51-081D-4FF1-A77A-49BB58B5CFDB}" dt="2022-01-14T10:44:16.904" v="43" actId="21"/>
-          <ac:picMkLst>
-            <pc:docMk/>
-            <pc:sldMk cId="1489261767" sldId="259"/>
-            <ac:picMk id="96" creationId="{929B5B7F-C513-430F-A50A-91324B29EDBC}"/>
-          </ac:picMkLst>
-        </pc:picChg>
-        <pc:picChg chg="add del mod">
-          <ac:chgData name="Fatima Pillosu" userId="a6295d4dc9e22643" providerId="LiveId" clId="{24727C51-081D-4FF1-A77A-49BB58B5CFDB}" dt="2022-01-14T10:44:16.904" v="43" actId="21"/>
-          <ac:picMkLst>
-            <pc:docMk/>
-            <pc:sldMk cId="1489261767" sldId="259"/>
-            <ac:picMk id="97" creationId="{C5BFC42D-39DC-4079-B8F8-02B0C5355A34}"/>
-          </ac:picMkLst>
-        </pc:picChg>
-        <pc:picChg chg="add del mod">
-          <ac:chgData name="Fatima Pillosu" userId="a6295d4dc9e22643" providerId="LiveId" clId="{24727C51-081D-4FF1-A77A-49BB58B5CFDB}" dt="2022-01-14T10:44:16.904" v="43" actId="21"/>
-          <ac:picMkLst>
-            <pc:docMk/>
-            <pc:sldMk cId="1489261767" sldId="259"/>
-            <ac:picMk id="98" creationId="{5B0EBAF3-08EF-4547-83E8-E630CD3CA3B6}"/>
-          </ac:picMkLst>
-        </pc:picChg>
-        <pc:picChg chg="add del mod">
-          <ac:chgData name="Fatima Pillosu" userId="a6295d4dc9e22643" providerId="LiveId" clId="{24727C51-081D-4FF1-A77A-49BB58B5CFDB}" dt="2022-01-14T10:44:16.904" v="43" actId="21"/>
-          <ac:picMkLst>
-            <pc:docMk/>
-            <pc:sldMk cId="1489261767" sldId="259"/>
-            <ac:picMk id="99" creationId="{3DCE4193-FE5C-4486-AC37-72A174018555}"/>
-          </ac:picMkLst>
-        </pc:picChg>
-        <pc:picChg chg="add del mod">
-          <ac:chgData name="Fatima Pillosu" userId="a6295d4dc9e22643" providerId="LiveId" clId="{24727C51-081D-4FF1-A77A-49BB58B5CFDB}" dt="2022-01-14T10:44:16.904" v="43" actId="21"/>
-          <ac:picMkLst>
-            <pc:docMk/>
-            <pc:sldMk cId="1489261767" sldId="259"/>
-            <ac:picMk id="100" creationId="{E9B7B083-B73B-404B-A059-04EE87D20EB8}"/>
-          </ac:picMkLst>
-        </pc:picChg>
-        <pc:picChg chg="add del mod">
-          <ac:chgData name="Fatima Pillosu" userId="a6295d4dc9e22643" providerId="LiveId" clId="{24727C51-081D-4FF1-A77A-49BB58B5CFDB}" dt="2022-01-14T10:44:16.904" v="43" actId="21"/>
-          <ac:picMkLst>
-            <pc:docMk/>
-            <pc:sldMk cId="1489261767" sldId="259"/>
-            <ac:picMk id="101" creationId="{A94A1D3B-E7AC-42CC-84D5-E9686F066FA9}"/>
-          </ac:picMkLst>
-        </pc:picChg>
-        <pc:picChg chg="add del mod">
-          <ac:chgData name="Fatima Pillosu" userId="a6295d4dc9e22643" providerId="LiveId" clId="{24727C51-081D-4FF1-A77A-49BB58B5CFDB}" dt="2022-01-14T10:44:16.904" v="43" actId="21"/>
-          <ac:picMkLst>
-            <pc:docMk/>
-            <pc:sldMk cId="1489261767" sldId="259"/>
-            <ac:picMk id="102" creationId="{ED0AEF6D-EEDC-4913-BE90-B5ACCBA9C11B}"/>
-          </ac:picMkLst>
-        </pc:picChg>
-        <pc:picChg chg="add del mod">
-          <ac:chgData name="Fatima Pillosu" userId="a6295d4dc9e22643" providerId="LiveId" clId="{24727C51-081D-4FF1-A77A-49BB58B5CFDB}" dt="2022-01-14T10:44:16.904" v="43" actId="21"/>
-          <ac:picMkLst>
-            <pc:docMk/>
-            <pc:sldMk cId="1489261767" sldId="259"/>
-            <ac:picMk id="103" creationId="{1D642B2B-4A48-4F37-8395-36DC32DC96A4}"/>
-          </ac:picMkLst>
-        </pc:picChg>
-        <pc:picChg chg="add del mod">
-          <ac:chgData name="Fatima Pillosu" userId="a6295d4dc9e22643" providerId="LiveId" clId="{24727C51-081D-4FF1-A77A-49BB58B5CFDB}" dt="2022-01-14T10:44:16.904" v="43" actId="21"/>
-          <ac:picMkLst>
-            <pc:docMk/>
-            <pc:sldMk cId="1489261767" sldId="259"/>
-            <ac:picMk id="104" creationId="{28E8A0F8-435F-44AD-8171-F0CE06549962}"/>
-          </ac:picMkLst>
-        </pc:picChg>
-        <pc:picChg chg="add del mod">
-          <ac:chgData name="Fatima Pillosu" userId="a6295d4dc9e22643" providerId="LiveId" clId="{24727C51-081D-4FF1-A77A-49BB58B5CFDB}" dt="2022-01-14T10:44:16.904" v="43" actId="21"/>
-          <ac:picMkLst>
-            <pc:docMk/>
-            <pc:sldMk cId="1489261767" sldId="259"/>
-            <ac:picMk id="105" creationId="{05F4AA2E-F1B0-40F7-830E-75E388FE33EA}"/>
-          </ac:picMkLst>
-        </pc:picChg>
-        <pc:picChg chg="add del mod">
-          <ac:chgData name="Fatima Pillosu" userId="a6295d4dc9e22643" providerId="LiveId" clId="{24727C51-081D-4FF1-A77A-49BB58B5CFDB}" dt="2022-01-14T11:54:13.181" v="176" actId="21"/>
-          <ac:picMkLst>
-            <pc:docMk/>
-            <pc:sldMk cId="1489261767" sldId="259"/>
-            <ac:picMk id="120" creationId="{E954EBCB-E271-4326-BB54-0D55F5A80CD7}"/>
-          </ac:picMkLst>
-        </pc:picChg>
-        <pc:picChg chg="add del mod ord">
-          <ac:chgData name="Fatima Pillosu" userId="a6295d4dc9e22643" providerId="LiveId" clId="{24727C51-081D-4FF1-A77A-49BB58B5CFDB}" dt="2022-01-14T11:54:13.181" v="176" actId="21"/>
-          <ac:picMkLst>
-            <pc:docMk/>
-            <pc:sldMk cId="1489261767" sldId="259"/>
-            <ac:picMk id="121" creationId="{514D0B07-843F-43D2-92C2-E82BEFED16E6}"/>
-          </ac:picMkLst>
-        </pc:picChg>
-        <pc:picChg chg="add del mod">
-          <ac:chgData name="Fatima Pillosu" userId="a6295d4dc9e22643" providerId="LiveId" clId="{24727C51-081D-4FF1-A77A-49BB58B5CFDB}" dt="2022-01-14T11:54:13.181" v="176" actId="21"/>
-          <ac:picMkLst>
-            <pc:docMk/>
-            <pc:sldMk cId="1489261767" sldId="259"/>
-            <ac:picMk id="122" creationId="{711AECC0-8FE8-44B5-9EB8-CA42AEC27519}"/>
-          </ac:picMkLst>
-        </pc:picChg>
-        <pc:picChg chg="add del mod ord">
-          <ac:chgData name="Fatima Pillosu" userId="a6295d4dc9e22643" providerId="LiveId" clId="{24727C51-081D-4FF1-A77A-49BB58B5CFDB}" dt="2022-01-14T11:54:13.181" v="176" actId="21"/>
-          <ac:picMkLst>
-            <pc:docMk/>
-            <pc:sldMk cId="1489261767" sldId="259"/>
-            <ac:picMk id="123" creationId="{8723CE37-8E27-4ADF-AF03-46B950550769}"/>
-          </ac:picMkLst>
-        </pc:picChg>
-        <pc:picChg chg="add del mod">
-          <ac:chgData name="Fatima Pillosu" userId="a6295d4dc9e22643" providerId="LiveId" clId="{24727C51-081D-4FF1-A77A-49BB58B5CFDB}" dt="2022-01-14T11:54:13.181" v="176" actId="21"/>
-          <ac:picMkLst>
-            <pc:docMk/>
-            <pc:sldMk cId="1489261767" sldId="259"/>
-            <ac:picMk id="124" creationId="{540B9C4F-F32D-47B0-BA71-6933493BD14B}"/>
-          </ac:picMkLst>
-        </pc:picChg>
-        <pc:picChg chg="add del mod ord">
-          <ac:chgData name="Fatima Pillosu" userId="a6295d4dc9e22643" providerId="LiveId" clId="{24727C51-081D-4FF1-A77A-49BB58B5CFDB}" dt="2022-01-14T11:54:13.181" v="176" actId="21"/>
-          <ac:picMkLst>
-            <pc:docMk/>
-            <pc:sldMk cId="1489261767" sldId="259"/>
-            <ac:picMk id="125" creationId="{37A4958E-DB17-4300-B4AD-5DA572B378AA}"/>
-          </ac:picMkLst>
-        </pc:picChg>
-        <pc:picChg chg="add del mod">
-          <ac:chgData name="Fatima Pillosu" userId="a6295d4dc9e22643" providerId="LiveId" clId="{24727C51-081D-4FF1-A77A-49BB58B5CFDB}" dt="2022-01-14T11:54:13.181" v="176" actId="21"/>
-          <ac:picMkLst>
-            <pc:docMk/>
-            <pc:sldMk cId="1489261767" sldId="259"/>
-            <ac:picMk id="126" creationId="{D3AB7DD9-0D5E-4210-A95A-C72098B2A522}"/>
-          </ac:picMkLst>
-        </pc:picChg>
-        <pc:picChg chg="add del mod ord">
-          <ac:chgData name="Fatima Pillosu" userId="a6295d4dc9e22643" providerId="LiveId" clId="{24727C51-081D-4FF1-A77A-49BB58B5CFDB}" dt="2022-01-14T11:54:13.181" v="176" actId="21"/>
-          <ac:picMkLst>
-            <pc:docMk/>
-            <pc:sldMk cId="1489261767" sldId="259"/>
-            <ac:picMk id="127" creationId="{94C46750-4E2F-4F18-954B-C48C103D2EF9}"/>
-          </ac:picMkLst>
-        </pc:picChg>
-        <pc:picChg chg="add del mod">
-          <ac:chgData name="Fatima Pillosu" userId="a6295d4dc9e22643" providerId="LiveId" clId="{24727C51-081D-4FF1-A77A-49BB58B5CFDB}" dt="2022-01-14T11:54:13.181" v="176" actId="21"/>
-          <ac:picMkLst>
-            <pc:docMk/>
-            <pc:sldMk cId="1489261767" sldId="259"/>
-            <ac:picMk id="128" creationId="{0F3BE694-C5CF-49AB-BA75-21E53C3C925C}"/>
-          </ac:picMkLst>
-        </pc:picChg>
-        <pc:picChg chg="add del mod ord">
-          <ac:chgData name="Fatima Pillosu" userId="a6295d4dc9e22643" providerId="LiveId" clId="{24727C51-081D-4FF1-A77A-49BB58B5CFDB}" dt="2022-01-14T11:54:13.181" v="176" actId="21"/>
-          <ac:picMkLst>
-            <pc:docMk/>
-            <pc:sldMk cId="1489261767" sldId="259"/>
-            <ac:picMk id="129" creationId="{4D4EBFCA-078C-44CF-BF97-823EE1BE7C83}"/>
-          </ac:picMkLst>
-        </pc:picChg>
-        <pc:cxnChg chg="add mod">
-          <ac:chgData name="Fatima Pillosu" userId="a6295d4dc9e22643" providerId="LiveId" clId="{24727C51-081D-4FF1-A77A-49BB58B5CFDB}" dt="2022-01-14T13:27:00.284" v="278"/>
+        <pc:cxnChg chg="add del mod">
+          <ac:chgData name="Fatima Pillosu" userId="a6295d4dc9e22643" providerId="LiveId" clId="{AEACF5B8-E1B8-484D-AA65-19A39BABB57B}" dt="2022-01-18T16:23:10.179" v="427" actId="478"/>
+          <ac:cxnSpMkLst>
+            <pc:docMk/>
+            <pc:sldMk cId="1489261767" sldId="259"/>
+            <ac:cxnSpMk id="6" creationId="{8703D671-6B47-43ED-A844-42D4DFF9051A}"/>
+          </ac:cxnSpMkLst>
+        </pc:cxnChg>
+        <pc:cxnChg chg="del mod">
+          <ac:chgData name="Fatima Pillosu" userId="a6295d4dc9e22643" providerId="LiveId" clId="{AEACF5B8-E1B8-484D-AA65-19A39BABB57B}" dt="2022-01-18T15:49:48.420" v="351" actId="21"/>
           <ac:cxnSpMkLst>
             <pc:docMk/>
             <pc:sldMk cId="1489261767" sldId="259"/>
             <ac:cxnSpMk id="41" creationId="{D19E389E-66FF-49C8-8025-F8FD5E3933F7}"/>
           </ac:cxnSpMkLst>
         </pc:cxnChg>
+        <pc:cxnChg chg="del mod">
+          <ac:chgData name="Fatima Pillosu" userId="a6295d4dc9e22643" providerId="LiveId" clId="{AEACF5B8-E1B8-484D-AA65-19A39BABB57B}" dt="2022-01-18T15:49:48.420" v="351" actId="21"/>
+          <ac:cxnSpMkLst>
+            <pc:docMk/>
+            <pc:sldMk cId="1489261767" sldId="259"/>
+            <ac:cxnSpMk id="42" creationId="{BC77EBE6-E7D0-4C33-8A47-88E3B6D50B17}"/>
+          </ac:cxnSpMkLst>
+        </pc:cxnChg>
         <pc:cxnChg chg="add mod">
-          <ac:chgData name="Fatima Pillosu" userId="a6295d4dc9e22643" providerId="LiveId" clId="{24727C51-081D-4FF1-A77A-49BB58B5CFDB}" dt="2022-01-14T13:27:00.284" v="278"/>
+          <ac:chgData name="Fatima Pillosu" userId="a6295d4dc9e22643" providerId="LiveId" clId="{AEACF5B8-E1B8-484D-AA65-19A39BABB57B}" dt="2022-01-18T15:50:12.137" v="356" actId="1036"/>
           <ac:cxnSpMkLst>
             <pc:docMk/>
             <pc:sldMk cId="1489261767" sldId="259"/>
-            <ac:cxnSpMk id="42" creationId="{BC77EBE6-E7D0-4C33-8A47-88E3B6D50B17}"/>
+            <ac:cxnSpMk id="81" creationId="{377C66FD-529A-4A29-AA0C-66E0F4A85000}"/>
+          </ac:cxnSpMkLst>
+        </pc:cxnChg>
+        <pc:cxnChg chg="add mod">
+          <ac:chgData name="Fatima Pillosu" userId="a6295d4dc9e22643" providerId="LiveId" clId="{AEACF5B8-E1B8-484D-AA65-19A39BABB57B}" dt="2022-01-18T15:50:12.137" v="356" actId="1036"/>
+          <ac:cxnSpMkLst>
+            <pc:docMk/>
+            <pc:sldMk cId="1489261767" sldId="259"/>
+            <ac:cxnSpMk id="82" creationId="{090D61E3-A960-46E0-A7D3-BA34DFF9F090}"/>
+          </ac:cxnSpMkLst>
+        </pc:cxnChg>
+        <pc:cxnChg chg="add del mod ord">
+          <ac:chgData name="Fatima Pillosu" userId="a6295d4dc9e22643" providerId="LiveId" clId="{AEACF5B8-E1B8-484D-AA65-19A39BABB57B}" dt="2022-01-18T16:39:47.242" v="560" actId="167"/>
+          <ac:cxnSpMkLst>
+            <pc:docMk/>
+            <pc:sldMk cId="1489261767" sldId="259"/>
+            <ac:cxnSpMk id="90" creationId="{345F1F1F-24FA-4369-9630-5A3B8D20A985}"/>
+          </ac:cxnSpMkLst>
+        </pc:cxnChg>
+        <pc:cxnChg chg="add mod ord">
+          <ac:chgData name="Fatima Pillosu" userId="a6295d4dc9e22643" providerId="LiveId" clId="{AEACF5B8-E1B8-484D-AA65-19A39BABB57B}" dt="2022-01-18T16:39:47.242" v="560" actId="167"/>
+          <ac:cxnSpMkLst>
+            <pc:docMk/>
+            <pc:sldMk cId="1489261767" sldId="259"/>
+            <ac:cxnSpMk id="91" creationId="{52DA2BFD-9BF9-4C18-8459-5FED50E88395}"/>
+          </ac:cxnSpMkLst>
+        </pc:cxnChg>
+        <pc:cxnChg chg="add mod ord">
+          <ac:chgData name="Fatima Pillosu" userId="a6295d4dc9e22643" providerId="LiveId" clId="{AEACF5B8-E1B8-484D-AA65-19A39BABB57B}" dt="2022-01-18T16:39:47.242" v="560" actId="167"/>
+          <ac:cxnSpMkLst>
+            <pc:docMk/>
+            <pc:sldMk cId="1489261767" sldId="259"/>
+            <ac:cxnSpMk id="92" creationId="{A3E60E95-8A56-4184-B513-1C0DF77ED817}"/>
+          </ac:cxnSpMkLst>
+        </pc:cxnChg>
+        <pc:cxnChg chg="add mod ord">
+          <ac:chgData name="Fatima Pillosu" userId="a6295d4dc9e22643" providerId="LiveId" clId="{AEACF5B8-E1B8-484D-AA65-19A39BABB57B}" dt="2022-01-18T16:39:47.242" v="560" actId="167"/>
+          <ac:cxnSpMkLst>
+            <pc:docMk/>
+            <pc:sldMk cId="1489261767" sldId="259"/>
+            <ac:cxnSpMk id="93" creationId="{E0F7B734-A084-40C4-A161-F2293A25C0C6}"/>
+          </ac:cxnSpMkLst>
+        </pc:cxnChg>
+        <pc:cxnChg chg="add mod ord">
+          <ac:chgData name="Fatima Pillosu" userId="a6295d4dc9e22643" providerId="LiveId" clId="{AEACF5B8-E1B8-484D-AA65-19A39BABB57B}" dt="2022-01-18T16:39:47.242" v="560" actId="167"/>
+          <ac:cxnSpMkLst>
+            <pc:docMk/>
+            <pc:sldMk cId="1489261767" sldId="259"/>
+            <ac:cxnSpMk id="94" creationId="{FD4C843F-CBA6-4B85-8F30-AC99A328A9AD}"/>
+          </ac:cxnSpMkLst>
+        </pc:cxnChg>
+        <pc:cxnChg chg="add mod ord">
+          <ac:chgData name="Fatima Pillosu" userId="a6295d4dc9e22643" providerId="LiveId" clId="{AEACF5B8-E1B8-484D-AA65-19A39BABB57B}" dt="2022-01-18T16:39:47.242" v="560" actId="167"/>
+          <ac:cxnSpMkLst>
+            <pc:docMk/>
+            <pc:sldMk cId="1489261767" sldId="259"/>
+            <ac:cxnSpMk id="95" creationId="{7C0D8D8F-105D-4715-9519-65344A7B6C43}"/>
+          </ac:cxnSpMkLst>
+        </pc:cxnChg>
+        <pc:cxnChg chg="add mod ord">
+          <ac:chgData name="Fatima Pillosu" userId="a6295d4dc9e22643" providerId="LiveId" clId="{AEACF5B8-E1B8-484D-AA65-19A39BABB57B}" dt="2022-01-18T16:39:47.242" v="560" actId="167"/>
+          <ac:cxnSpMkLst>
+            <pc:docMk/>
+            <pc:sldMk cId="1489261767" sldId="259"/>
+            <ac:cxnSpMk id="96" creationId="{792482D7-B865-4B40-AB03-1758A58AB4EC}"/>
+          </ac:cxnSpMkLst>
+        </pc:cxnChg>
+        <pc:cxnChg chg="add mod ord">
+          <ac:chgData name="Fatima Pillosu" userId="a6295d4dc9e22643" providerId="LiveId" clId="{AEACF5B8-E1B8-484D-AA65-19A39BABB57B}" dt="2022-01-18T16:39:47.242" v="560" actId="167"/>
+          <ac:cxnSpMkLst>
+            <pc:docMk/>
+            <pc:sldMk cId="1489261767" sldId="259"/>
+            <ac:cxnSpMk id="97" creationId="{54845AC9-C388-4EEB-9596-1482E6E726C2}"/>
+          </ac:cxnSpMkLst>
+        </pc:cxnChg>
+        <pc:cxnChg chg="add mod ord">
+          <ac:chgData name="Fatima Pillosu" userId="a6295d4dc9e22643" providerId="LiveId" clId="{AEACF5B8-E1B8-484D-AA65-19A39BABB57B}" dt="2022-01-18T16:39:47.242" v="560" actId="167"/>
+          <ac:cxnSpMkLst>
+            <pc:docMk/>
+            <pc:sldMk cId="1489261767" sldId="259"/>
+            <ac:cxnSpMk id="98" creationId="{DEB542EE-EDEE-47FA-8E4A-511401D672FA}"/>
+          </ac:cxnSpMkLst>
+        </pc:cxnChg>
+        <pc:cxnChg chg="add mod ord">
+          <ac:chgData name="Fatima Pillosu" userId="a6295d4dc9e22643" providerId="LiveId" clId="{AEACF5B8-E1B8-484D-AA65-19A39BABB57B}" dt="2022-01-18T16:39:47.242" v="560" actId="167"/>
+          <ac:cxnSpMkLst>
+            <pc:docMk/>
+            <pc:sldMk cId="1489261767" sldId="259"/>
+            <ac:cxnSpMk id="99" creationId="{B174E479-DB75-4CBC-B336-7A04FB2ACFD8}"/>
+          </ac:cxnSpMkLst>
+        </pc:cxnChg>
+        <pc:cxnChg chg="add mod ord">
+          <ac:chgData name="Fatima Pillosu" userId="a6295d4dc9e22643" providerId="LiveId" clId="{AEACF5B8-E1B8-484D-AA65-19A39BABB57B}" dt="2022-01-18T16:39:47.242" v="560" actId="167"/>
+          <ac:cxnSpMkLst>
+            <pc:docMk/>
+            <pc:sldMk cId="1489261767" sldId="259"/>
+            <ac:cxnSpMk id="100" creationId="{A0110D80-B1AD-45EB-AB8D-9EC44C439428}"/>
+          </ac:cxnSpMkLst>
+        </pc:cxnChg>
+        <pc:cxnChg chg="add mod ord">
+          <ac:chgData name="Fatima Pillosu" userId="a6295d4dc9e22643" providerId="LiveId" clId="{AEACF5B8-E1B8-484D-AA65-19A39BABB57B}" dt="2022-01-18T16:39:47.242" v="560" actId="167"/>
+          <ac:cxnSpMkLst>
+            <pc:docMk/>
+            <pc:sldMk cId="1489261767" sldId="259"/>
+            <ac:cxnSpMk id="101" creationId="{0EE6CF00-665A-4C6E-AA69-E6921082FAF5}"/>
+          </ac:cxnSpMkLst>
+        </pc:cxnChg>
+        <pc:cxnChg chg="add mod ord">
+          <ac:chgData name="Fatima Pillosu" userId="a6295d4dc9e22643" providerId="LiveId" clId="{AEACF5B8-E1B8-484D-AA65-19A39BABB57B}" dt="2022-01-18T16:39:47.242" v="560" actId="167"/>
+          <ac:cxnSpMkLst>
+            <pc:docMk/>
+            <pc:sldMk cId="1489261767" sldId="259"/>
+            <ac:cxnSpMk id="102" creationId="{74117661-CEC8-4490-A850-1D55A29634D4}"/>
+          </ac:cxnSpMkLst>
+        </pc:cxnChg>
+        <pc:cxnChg chg="add mod ord">
+          <ac:chgData name="Fatima Pillosu" userId="a6295d4dc9e22643" providerId="LiveId" clId="{AEACF5B8-E1B8-484D-AA65-19A39BABB57B}" dt="2022-01-18T16:39:47.242" v="560" actId="167"/>
+          <ac:cxnSpMkLst>
+            <pc:docMk/>
+            <pc:sldMk cId="1489261767" sldId="259"/>
+            <ac:cxnSpMk id="103" creationId="{268F678A-468F-427F-BC81-0FF680BF3DA7}"/>
+          </ac:cxnSpMkLst>
+        </pc:cxnChg>
+        <pc:cxnChg chg="add mod ord">
+          <ac:chgData name="Fatima Pillosu" userId="a6295d4dc9e22643" providerId="LiveId" clId="{AEACF5B8-E1B8-484D-AA65-19A39BABB57B}" dt="2022-01-18T16:39:47.242" v="560" actId="167"/>
+          <ac:cxnSpMkLst>
+            <pc:docMk/>
+            <pc:sldMk cId="1489261767" sldId="259"/>
+            <ac:cxnSpMk id="104" creationId="{308F3207-65D8-4CEC-9682-F1F214940F9F}"/>
+          </ac:cxnSpMkLst>
+        </pc:cxnChg>
+        <pc:cxnChg chg="add mod ord">
+          <ac:chgData name="Fatima Pillosu" userId="a6295d4dc9e22643" providerId="LiveId" clId="{AEACF5B8-E1B8-484D-AA65-19A39BABB57B}" dt="2022-01-18T16:39:47.242" v="560" actId="167"/>
+          <ac:cxnSpMkLst>
+            <pc:docMk/>
+            <pc:sldMk cId="1489261767" sldId="259"/>
+            <ac:cxnSpMk id="105" creationId="{055DC60E-222B-4E21-BD96-9316959125E8}"/>
+          </ac:cxnSpMkLst>
+        </pc:cxnChg>
+        <pc:cxnChg chg="add mod ord">
+          <ac:chgData name="Fatima Pillosu" userId="a6295d4dc9e22643" providerId="LiveId" clId="{AEACF5B8-E1B8-484D-AA65-19A39BABB57B}" dt="2022-01-18T16:39:47.242" v="560" actId="167"/>
+          <ac:cxnSpMkLst>
+            <pc:docMk/>
+            <pc:sldMk cId="1489261767" sldId="259"/>
+            <ac:cxnSpMk id="106" creationId="{1BCB4E40-8502-4B95-81EC-75D5B3A48AB9}"/>
+          </ac:cxnSpMkLst>
+        </pc:cxnChg>
+        <pc:cxnChg chg="add mod ord">
+          <ac:chgData name="Fatima Pillosu" userId="a6295d4dc9e22643" providerId="LiveId" clId="{AEACF5B8-E1B8-484D-AA65-19A39BABB57B}" dt="2022-01-18T16:39:47.242" v="560" actId="167"/>
+          <ac:cxnSpMkLst>
+            <pc:docMk/>
+            <pc:sldMk cId="1489261767" sldId="259"/>
+            <ac:cxnSpMk id="107" creationId="{C280B49A-2440-4B14-AD18-466E0FD82938}"/>
+          </ac:cxnSpMkLst>
+        </pc:cxnChg>
+        <pc:cxnChg chg="add mod ord">
+          <ac:chgData name="Fatima Pillosu" userId="a6295d4dc9e22643" providerId="LiveId" clId="{AEACF5B8-E1B8-484D-AA65-19A39BABB57B}" dt="2022-01-18T16:39:47.242" v="560" actId="167"/>
+          <ac:cxnSpMkLst>
+            <pc:docMk/>
+            <pc:sldMk cId="1489261767" sldId="259"/>
+            <ac:cxnSpMk id="108" creationId="{F7724B37-1EED-496A-AD30-4D6193E5C741}"/>
+          </ac:cxnSpMkLst>
+        </pc:cxnChg>
+        <pc:cxnChg chg="add mod ord">
+          <ac:chgData name="Fatima Pillosu" userId="a6295d4dc9e22643" providerId="LiveId" clId="{AEACF5B8-E1B8-484D-AA65-19A39BABB57B}" dt="2022-01-18T16:39:47.242" v="560" actId="167"/>
+          <ac:cxnSpMkLst>
+            <pc:docMk/>
+            <pc:sldMk cId="1489261767" sldId="259"/>
+            <ac:cxnSpMk id="109" creationId="{0A736758-5AC6-49AC-8C0D-113BE604462C}"/>
+          </ac:cxnSpMkLst>
+        </pc:cxnChg>
+        <pc:cxnChg chg="add mod ord">
+          <ac:chgData name="Fatima Pillosu" userId="a6295d4dc9e22643" providerId="LiveId" clId="{AEACF5B8-E1B8-484D-AA65-19A39BABB57B}" dt="2022-01-18T16:39:47.242" v="560" actId="167"/>
+          <ac:cxnSpMkLst>
+            <pc:docMk/>
+            <pc:sldMk cId="1489261767" sldId="259"/>
+            <ac:cxnSpMk id="110" creationId="{254FDB97-6209-4A63-9C0B-D77D22DB2301}"/>
+          </ac:cxnSpMkLst>
+        </pc:cxnChg>
+        <pc:cxnChg chg="add mod ord">
+          <ac:chgData name="Fatima Pillosu" userId="a6295d4dc9e22643" providerId="LiveId" clId="{AEACF5B8-E1B8-484D-AA65-19A39BABB57B}" dt="2022-01-18T16:39:47.242" v="560" actId="167"/>
+          <ac:cxnSpMkLst>
+            <pc:docMk/>
+            <pc:sldMk cId="1489261767" sldId="259"/>
+            <ac:cxnSpMk id="111" creationId="{9E9ECBA3-A02B-430E-872F-9BF13F214215}"/>
+          </ac:cxnSpMkLst>
+        </pc:cxnChg>
+        <pc:cxnChg chg="add mod ord">
+          <ac:chgData name="Fatima Pillosu" userId="a6295d4dc9e22643" providerId="LiveId" clId="{AEACF5B8-E1B8-484D-AA65-19A39BABB57B}" dt="2022-01-18T16:39:47.242" v="560" actId="167"/>
+          <ac:cxnSpMkLst>
+            <pc:docMk/>
+            <pc:sldMk cId="1489261767" sldId="259"/>
+            <ac:cxnSpMk id="112" creationId="{C365EFD3-7C0F-430A-996A-DDEE151103A2}"/>
+          </ac:cxnSpMkLst>
+        </pc:cxnChg>
+        <pc:cxnChg chg="add mod ord">
+          <ac:chgData name="Fatima Pillosu" userId="a6295d4dc9e22643" providerId="LiveId" clId="{AEACF5B8-E1B8-484D-AA65-19A39BABB57B}" dt="2022-01-18T16:39:47.242" v="560" actId="167"/>
+          <ac:cxnSpMkLst>
+            <pc:docMk/>
+            <pc:sldMk cId="1489261767" sldId="259"/>
+            <ac:cxnSpMk id="113" creationId="{67FC9C21-CF99-4A03-87A2-CB94F23282CD}"/>
+          </ac:cxnSpMkLst>
+        </pc:cxnChg>
+        <pc:cxnChg chg="add mod ord">
+          <ac:chgData name="Fatima Pillosu" userId="a6295d4dc9e22643" providerId="LiveId" clId="{AEACF5B8-E1B8-484D-AA65-19A39BABB57B}" dt="2022-01-18T16:39:47.242" v="560" actId="167"/>
+          <ac:cxnSpMkLst>
+            <pc:docMk/>
+            <pc:sldMk cId="1489261767" sldId="259"/>
+            <ac:cxnSpMk id="114" creationId="{E03E486F-3A32-4C9E-9AC4-A09AB0F561FF}"/>
+          </ac:cxnSpMkLst>
+        </pc:cxnChg>
+        <pc:cxnChg chg="add mod ord">
+          <ac:chgData name="Fatima Pillosu" userId="a6295d4dc9e22643" providerId="LiveId" clId="{AEACF5B8-E1B8-484D-AA65-19A39BABB57B}" dt="2022-01-18T16:39:47.242" v="560" actId="167"/>
+          <ac:cxnSpMkLst>
+            <pc:docMk/>
+            <pc:sldMk cId="1489261767" sldId="259"/>
+            <ac:cxnSpMk id="115" creationId="{C39EEBFE-4D1E-4DFA-8F52-37FAB367DBD7}"/>
+          </ac:cxnSpMkLst>
+        </pc:cxnChg>
+        <pc:cxnChg chg="add mod ord">
+          <ac:chgData name="Fatima Pillosu" userId="a6295d4dc9e22643" providerId="LiveId" clId="{AEACF5B8-E1B8-484D-AA65-19A39BABB57B}" dt="2022-01-18T16:39:47.242" v="560" actId="167"/>
+          <ac:cxnSpMkLst>
+            <pc:docMk/>
+            <pc:sldMk cId="1489261767" sldId="259"/>
+            <ac:cxnSpMk id="116" creationId="{316DCD4D-D2DF-45EC-9FA6-268E4BF01DC4}"/>
+          </ac:cxnSpMkLst>
+        </pc:cxnChg>
+        <pc:cxnChg chg="add mod ord">
+          <ac:chgData name="Fatima Pillosu" userId="a6295d4dc9e22643" providerId="LiveId" clId="{AEACF5B8-E1B8-484D-AA65-19A39BABB57B}" dt="2022-01-18T16:39:47.242" v="560" actId="167"/>
+          <ac:cxnSpMkLst>
+            <pc:docMk/>
+            <pc:sldMk cId="1489261767" sldId="259"/>
+            <ac:cxnSpMk id="117" creationId="{EAEEC749-7FD3-43C0-9724-9B405773272E}"/>
+          </ac:cxnSpMkLst>
+        </pc:cxnChg>
+        <pc:cxnChg chg="add mod ord">
+          <ac:chgData name="Fatima Pillosu" userId="a6295d4dc9e22643" providerId="LiveId" clId="{AEACF5B8-E1B8-484D-AA65-19A39BABB57B}" dt="2022-01-18T16:39:47.242" v="560" actId="167"/>
+          <ac:cxnSpMkLst>
+            <pc:docMk/>
+            <pc:sldMk cId="1489261767" sldId="259"/>
+            <ac:cxnSpMk id="118" creationId="{ACA9747F-D152-4E65-8A14-2951383A9672}"/>
+          </ac:cxnSpMkLst>
+        </pc:cxnChg>
+        <pc:cxnChg chg="add mod ord">
+          <ac:chgData name="Fatima Pillosu" userId="a6295d4dc9e22643" providerId="LiveId" clId="{AEACF5B8-E1B8-484D-AA65-19A39BABB57B}" dt="2022-01-18T16:39:47.242" v="560" actId="167"/>
+          <ac:cxnSpMkLst>
+            <pc:docMk/>
+            <pc:sldMk cId="1489261767" sldId="259"/>
+            <ac:cxnSpMk id="119" creationId="{29CA71A9-3042-4E56-8B2A-6A1E0E9A1B8B}"/>
+          </ac:cxnSpMkLst>
+        </pc:cxnChg>
+        <pc:cxnChg chg="add mod ord">
+          <ac:chgData name="Fatima Pillosu" userId="a6295d4dc9e22643" providerId="LiveId" clId="{AEACF5B8-E1B8-484D-AA65-19A39BABB57B}" dt="2022-01-18T16:39:47.242" v="560" actId="167"/>
+          <ac:cxnSpMkLst>
+            <pc:docMk/>
+            <pc:sldMk cId="1489261767" sldId="259"/>
+            <ac:cxnSpMk id="120" creationId="{513EE874-16CD-47BE-900D-105A02CC04CE}"/>
+          </ac:cxnSpMkLst>
+        </pc:cxnChg>
+        <pc:cxnChg chg="add mod ord">
+          <ac:chgData name="Fatima Pillosu" userId="a6295d4dc9e22643" providerId="LiveId" clId="{AEACF5B8-E1B8-484D-AA65-19A39BABB57B}" dt="2022-01-18T16:39:47.242" v="560" actId="167"/>
+          <ac:cxnSpMkLst>
+            <pc:docMk/>
+            <pc:sldMk cId="1489261767" sldId="259"/>
+            <ac:cxnSpMk id="121" creationId="{3004E992-93FD-4AD1-90E7-783FB341BCAA}"/>
+          </ac:cxnSpMkLst>
+        </pc:cxnChg>
+        <pc:cxnChg chg="add mod ord">
+          <ac:chgData name="Fatima Pillosu" userId="a6295d4dc9e22643" providerId="LiveId" clId="{AEACF5B8-E1B8-484D-AA65-19A39BABB57B}" dt="2022-01-18T16:39:47.242" v="560" actId="167"/>
+          <ac:cxnSpMkLst>
+            <pc:docMk/>
+            <pc:sldMk cId="1489261767" sldId="259"/>
+            <ac:cxnSpMk id="123" creationId="{4FDFC4D7-0D9C-45A8-B987-9402A73D9013}"/>
+          </ac:cxnSpMkLst>
+        </pc:cxnChg>
+        <pc:cxnChg chg="add mod ord">
+          <ac:chgData name="Fatima Pillosu" userId="a6295d4dc9e22643" providerId="LiveId" clId="{AEACF5B8-E1B8-484D-AA65-19A39BABB57B}" dt="2022-01-18T16:39:47.242" v="560" actId="167"/>
+          <ac:cxnSpMkLst>
+            <pc:docMk/>
+            <pc:sldMk cId="1489261767" sldId="259"/>
+            <ac:cxnSpMk id="124" creationId="{DC61E9BE-7D5F-47B6-805E-1DA10895EDB6}"/>
+          </ac:cxnSpMkLst>
+        </pc:cxnChg>
+        <pc:cxnChg chg="add mod ord">
+          <ac:chgData name="Fatima Pillosu" userId="a6295d4dc9e22643" providerId="LiveId" clId="{AEACF5B8-E1B8-484D-AA65-19A39BABB57B}" dt="2022-01-18T16:39:47.242" v="560" actId="167"/>
+          <ac:cxnSpMkLst>
+            <pc:docMk/>
+            <pc:sldMk cId="1489261767" sldId="259"/>
+            <ac:cxnSpMk id="125" creationId="{B4818C73-50B7-4001-ABEB-E7ECAA88AF8C}"/>
+          </ac:cxnSpMkLst>
+        </pc:cxnChg>
+        <pc:cxnChg chg="add mod ord">
+          <ac:chgData name="Fatima Pillosu" userId="a6295d4dc9e22643" providerId="LiveId" clId="{AEACF5B8-E1B8-484D-AA65-19A39BABB57B}" dt="2022-01-18T16:39:47.242" v="560" actId="167"/>
+          <ac:cxnSpMkLst>
+            <pc:docMk/>
+            <pc:sldMk cId="1489261767" sldId="259"/>
+            <ac:cxnSpMk id="126" creationId="{D6EDD5C8-3336-4EA3-BD8D-9C243DDB7FBD}"/>
+          </ac:cxnSpMkLst>
+        </pc:cxnChg>
+        <pc:cxnChg chg="add mod ord">
+          <ac:chgData name="Fatima Pillosu" userId="a6295d4dc9e22643" providerId="LiveId" clId="{AEACF5B8-E1B8-484D-AA65-19A39BABB57B}" dt="2022-01-18T16:39:47.242" v="560" actId="167"/>
+          <ac:cxnSpMkLst>
+            <pc:docMk/>
+            <pc:sldMk cId="1489261767" sldId="259"/>
+            <ac:cxnSpMk id="127" creationId="{69A33F02-114D-49FA-9DC0-E92B504966D4}"/>
+          </ac:cxnSpMkLst>
+        </pc:cxnChg>
+        <pc:cxnChg chg="add mod ord">
+          <ac:chgData name="Fatima Pillosu" userId="a6295d4dc9e22643" providerId="LiveId" clId="{AEACF5B8-E1B8-484D-AA65-19A39BABB57B}" dt="2022-01-18T16:39:47.242" v="560" actId="167"/>
+          <ac:cxnSpMkLst>
+            <pc:docMk/>
+            <pc:sldMk cId="1489261767" sldId="259"/>
+            <ac:cxnSpMk id="128" creationId="{8301B603-9482-4ED2-8F83-76DE781BCBA1}"/>
+          </ac:cxnSpMkLst>
+        </pc:cxnChg>
+        <pc:cxnChg chg="add mod ord">
+          <ac:chgData name="Fatima Pillosu" userId="a6295d4dc9e22643" providerId="LiveId" clId="{AEACF5B8-E1B8-484D-AA65-19A39BABB57B}" dt="2022-01-18T16:39:47.242" v="560" actId="167"/>
+          <ac:cxnSpMkLst>
+            <pc:docMk/>
+            <pc:sldMk cId="1489261767" sldId="259"/>
+            <ac:cxnSpMk id="129" creationId="{720985E9-3FD9-4AC5-A937-A35B5C0EE3DD}"/>
+          </ac:cxnSpMkLst>
+        </pc:cxnChg>
+        <pc:cxnChg chg="add mod ord">
+          <ac:chgData name="Fatima Pillosu" userId="a6295d4dc9e22643" providerId="LiveId" clId="{AEACF5B8-E1B8-484D-AA65-19A39BABB57B}" dt="2022-01-18T16:39:47.242" v="560" actId="167"/>
+          <ac:cxnSpMkLst>
+            <pc:docMk/>
+            <pc:sldMk cId="1489261767" sldId="259"/>
+            <ac:cxnSpMk id="130" creationId="{C271842B-5A19-4B4B-8CA9-3BEF69DE3995}"/>
+          </ac:cxnSpMkLst>
+        </pc:cxnChg>
+        <pc:cxnChg chg="add mod ord">
+          <ac:chgData name="Fatima Pillosu" userId="a6295d4dc9e22643" providerId="LiveId" clId="{AEACF5B8-E1B8-484D-AA65-19A39BABB57B}" dt="2022-01-18T16:39:47.242" v="560" actId="167"/>
+          <ac:cxnSpMkLst>
+            <pc:docMk/>
+            <pc:sldMk cId="1489261767" sldId="259"/>
+            <ac:cxnSpMk id="131" creationId="{3B78EF68-0462-4676-8BE2-F578098E6645}"/>
+          </ac:cxnSpMkLst>
+        </pc:cxnChg>
+        <pc:cxnChg chg="add mod ord">
+          <ac:chgData name="Fatima Pillosu" userId="a6295d4dc9e22643" providerId="LiveId" clId="{AEACF5B8-E1B8-484D-AA65-19A39BABB57B}" dt="2022-01-18T16:39:47.242" v="560" actId="167"/>
+          <ac:cxnSpMkLst>
+            <pc:docMk/>
+            <pc:sldMk cId="1489261767" sldId="259"/>
+            <ac:cxnSpMk id="132" creationId="{34D9085C-5EF4-4A1C-810A-D63FD9359E76}"/>
+          </ac:cxnSpMkLst>
+        </pc:cxnChg>
+        <pc:cxnChg chg="add mod">
+          <ac:chgData name="Fatima Pillosu" userId="a6295d4dc9e22643" providerId="LiveId" clId="{AEACF5B8-E1B8-484D-AA65-19A39BABB57B}" dt="2022-01-18T16:33:54.301" v="537" actId="1582"/>
+          <ac:cxnSpMkLst>
+            <pc:docMk/>
+            <pc:sldMk cId="1489261767" sldId="259"/>
+            <ac:cxnSpMk id="133" creationId="{918D9089-A0F9-4716-8941-1A5174365348}"/>
           </ac:cxnSpMkLst>
         </pc:cxnChg>
       </pc:sldChg>
       <pc:sldChg chg="del">
-        <pc:chgData name="Fatima Pillosu" userId="a6295d4dc9e22643" providerId="LiveId" clId="{24727C51-081D-4FF1-A77A-49BB58B5CFDB}" dt="2022-01-14T10:41:37.796" v="1" actId="47"/>
+        <pc:chgData name="Fatima Pillosu" userId="a6295d4dc9e22643" providerId="LiveId" clId="{AEACF5B8-E1B8-484D-AA65-19A39BABB57B}" dt="2022-01-18T15:23:47.476" v="0" actId="47"/>
         <pc:sldMkLst>
           <pc:docMk/>
-          <pc:sldMk cId="296574157" sldId="260"/>
+          <pc:sldMk cId="3036955875" sldId="260"/>
         </pc:sldMkLst>
       </pc:sldChg>
     </pc:docChg>
@@ -2008,8 +881,8 @@
         </p:nvSpPr>
         <p:spPr>
           <a:xfrm>
-            <a:off x="458986" y="1621191"/>
-            <a:ext cx="5201841" cy="3448756"/>
+            <a:off x="458986" y="883861"/>
+            <a:ext cx="5201841" cy="1880235"/>
           </a:xfrm>
         </p:spPr>
         <p:txBody>
@@ -2040,8 +913,8 @@
         </p:nvSpPr>
         <p:spPr>
           <a:xfrm>
-            <a:off x="764977" y="5202944"/>
-            <a:ext cx="4589860" cy="2391656"/>
+            <a:off x="764977" y="2836605"/>
+            <a:ext cx="4589860" cy="1303913"/>
           </a:xfrm>
         </p:spPr>
         <p:txBody>
@@ -2110,7 +983,7 @@
           <a:p>
             <a:fld id="{30CAAFB8-EE70-486E-B3AB-0D048359C07E}" type="datetimeFigureOut">
               <a:rPr lang="en-GB" smtClean="0"/>
-              <a:t>14/01/2022</a:t>
+              <a:t>18/01/2022</a:t>
             </a:fld>
             <a:endParaRPr lang="en-GB"/>
           </a:p>
@@ -2161,7 +1034,7 @@
     </p:spTree>
     <p:extLst>
       <p:ext uri="{BB962C8B-B14F-4D97-AF65-F5344CB8AC3E}">
-        <p14:creationId xmlns:p14="http://schemas.microsoft.com/office/powerpoint/2010/main" val="2029969094"/>
+        <p14:creationId xmlns:p14="http://schemas.microsoft.com/office/powerpoint/2010/main" val="508718368"/>
       </p:ext>
     </p:extLst>
   </p:cSld>
@@ -2280,7 +1153,7 @@
           <a:p>
             <a:fld id="{30CAAFB8-EE70-486E-B3AB-0D048359C07E}" type="datetimeFigureOut">
               <a:rPr lang="en-GB" smtClean="0"/>
-              <a:t>14/01/2022</a:t>
+              <a:t>18/01/2022</a:t>
             </a:fld>
             <a:endParaRPr lang="en-GB"/>
           </a:p>
@@ -2331,7 +1204,7 @@
     </p:spTree>
     <p:extLst>
       <p:ext uri="{BB962C8B-B14F-4D97-AF65-F5344CB8AC3E}">
-        <p14:creationId xmlns:p14="http://schemas.microsoft.com/office/powerpoint/2010/main" val="125900549"/>
+        <p14:creationId xmlns:p14="http://schemas.microsoft.com/office/powerpoint/2010/main" val="1723259764"/>
       </p:ext>
     </p:extLst>
   </p:cSld>
@@ -2370,8 +1243,8 @@
         </p:nvSpPr>
         <p:spPr>
           <a:xfrm>
-            <a:off x="4379491" y="527403"/>
-            <a:ext cx="1319585" cy="8394877"/>
+            <a:off x="4379491" y="287536"/>
+            <a:ext cx="1319585" cy="4576822"/>
           </a:xfrm>
         </p:spPr>
         <p:txBody>
@@ -2398,8 +1271,8 @@
         </p:nvSpPr>
         <p:spPr>
           <a:xfrm>
-            <a:off x="420738" y="527403"/>
-            <a:ext cx="3882256" cy="8394877"/>
+            <a:off x="420738" y="287536"/>
+            <a:ext cx="3882256" cy="4576822"/>
           </a:xfrm>
         </p:spPr>
         <p:txBody>
@@ -2460,7 +1333,7 @@
           <a:p>
             <a:fld id="{30CAAFB8-EE70-486E-B3AB-0D048359C07E}" type="datetimeFigureOut">
               <a:rPr lang="en-GB" smtClean="0"/>
-              <a:t>14/01/2022</a:t>
+              <a:t>18/01/2022</a:t>
             </a:fld>
             <a:endParaRPr lang="en-GB"/>
           </a:p>
@@ -2511,7 +1384,7 @@
     </p:spTree>
     <p:extLst>
       <p:ext uri="{BB962C8B-B14F-4D97-AF65-F5344CB8AC3E}">
-        <p14:creationId xmlns:p14="http://schemas.microsoft.com/office/powerpoint/2010/main" val="485524911"/>
+        <p14:creationId xmlns:p14="http://schemas.microsoft.com/office/powerpoint/2010/main" val="430152431"/>
       </p:ext>
     </p:extLst>
   </p:cSld>
@@ -2630,7 +1503,7 @@
           <a:p>
             <a:fld id="{30CAAFB8-EE70-486E-B3AB-0D048359C07E}" type="datetimeFigureOut">
               <a:rPr lang="en-GB" smtClean="0"/>
-              <a:t>14/01/2022</a:t>
+              <a:t>18/01/2022</a:t>
             </a:fld>
             <a:endParaRPr lang="en-GB"/>
           </a:p>
@@ -2681,7 +1554,7 @@
     </p:spTree>
     <p:extLst>
       <p:ext uri="{BB962C8B-B14F-4D97-AF65-F5344CB8AC3E}">
-        <p14:creationId xmlns:p14="http://schemas.microsoft.com/office/powerpoint/2010/main" val="4052019619"/>
+        <p14:creationId xmlns:p14="http://schemas.microsoft.com/office/powerpoint/2010/main" val="3435827141"/>
       </p:ext>
     </p:extLst>
   </p:cSld>
@@ -2720,8 +1593,8 @@
         </p:nvSpPr>
         <p:spPr>
           <a:xfrm>
-            <a:off x="417550" y="2469624"/>
-            <a:ext cx="5278339" cy="4120620"/>
+            <a:off x="417550" y="1346420"/>
+            <a:ext cx="5278339" cy="2246530"/>
           </a:xfrm>
         </p:spPr>
         <p:txBody>
@@ -2752,8 +1625,8 @@
         </p:nvSpPr>
         <p:spPr>
           <a:xfrm>
-            <a:off x="417550" y="6629226"/>
-            <a:ext cx="5278339" cy="2166937"/>
+            <a:off x="417550" y="3614203"/>
+            <a:ext cx="5278339" cy="1181397"/>
           </a:xfrm>
         </p:spPr>
         <p:txBody>
@@ -2874,7 +1747,7 @@
           <a:p>
             <a:fld id="{30CAAFB8-EE70-486E-B3AB-0D048359C07E}" type="datetimeFigureOut">
               <a:rPr lang="en-GB" smtClean="0"/>
-              <a:t>14/01/2022</a:t>
+              <a:t>18/01/2022</a:t>
             </a:fld>
             <a:endParaRPr lang="en-GB"/>
           </a:p>
@@ -2925,7 +1798,7 @@
     </p:spTree>
     <p:extLst>
       <p:ext uri="{BB962C8B-B14F-4D97-AF65-F5344CB8AC3E}">
-        <p14:creationId xmlns:p14="http://schemas.microsoft.com/office/powerpoint/2010/main" val="3828897401"/>
+        <p14:creationId xmlns:p14="http://schemas.microsoft.com/office/powerpoint/2010/main" val="2114362559"/>
       </p:ext>
     </p:extLst>
   </p:cSld>
@@ -2987,8 +1860,8 @@
         </p:nvSpPr>
         <p:spPr>
           <a:xfrm>
-            <a:off x="420737" y="2637014"/>
-            <a:ext cx="2600921" cy="6285266"/>
+            <a:off x="420737" y="1437680"/>
+            <a:ext cx="2600921" cy="3426679"/>
           </a:xfrm>
         </p:spPr>
         <p:txBody>
@@ -3044,8 +1917,8 @@
         </p:nvSpPr>
         <p:spPr>
           <a:xfrm>
-            <a:off x="3098155" y="2637014"/>
-            <a:ext cx="2600921" cy="6285266"/>
+            <a:off x="3098155" y="1437680"/>
+            <a:ext cx="2600921" cy="3426679"/>
           </a:xfrm>
         </p:spPr>
         <p:txBody>
@@ -3106,7 +1979,7 @@
           <a:p>
             <a:fld id="{30CAAFB8-EE70-486E-B3AB-0D048359C07E}" type="datetimeFigureOut">
               <a:rPr lang="en-GB" smtClean="0"/>
-              <a:t>14/01/2022</a:t>
+              <a:t>18/01/2022</a:t>
             </a:fld>
             <a:endParaRPr lang="en-GB"/>
           </a:p>
@@ -3157,7 +2030,7 @@
     </p:spTree>
     <p:extLst>
       <p:ext uri="{BB962C8B-B14F-4D97-AF65-F5344CB8AC3E}">
-        <p14:creationId xmlns:p14="http://schemas.microsoft.com/office/powerpoint/2010/main" val="84158146"/>
+        <p14:creationId xmlns:p14="http://schemas.microsoft.com/office/powerpoint/2010/main" val="3109397535"/>
       </p:ext>
     </p:extLst>
   </p:cSld>
@@ -3196,8 +2069,8 @@
         </p:nvSpPr>
         <p:spPr>
           <a:xfrm>
-            <a:off x="421534" y="527405"/>
-            <a:ext cx="5278339" cy="1914702"/>
+            <a:off x="421534" y="287537"/>
+            <a:ext cx="5278339" cy="1043881"/>
           </a:xfrm>
         </p:spPr>
         <p:txBody>
@@ -3224,8 +2097,8 @@
         </p:nvSpPr>
         <p:spPr>
           <a:xfrm>
-            <a:off x="421535" y="2428347"/>
-            <a:ext cx="2588967" cy="1190095"/>
+            <a:off x="421535" y="1323916"/>
+            <a:ext cx="2588967" cy="648831"/>
           </a:xfrm>
         </p:spPr>
         <p:txBody>
@@ -3289,8 +2162,8 @@
         </p:nvSpPr>
         <p:spPr>
           <a:xfrm>
-            <a:off x="421535" y="3618442"/>
-            <a:ext cx="2588967" cy="5322183"/>
+            <a:off x="421535" y="1972747"/>
+            <a:ext cx="2588967" cy="2901613"/>
           </a:xfrm>
         </p:spPr>
         <p:txBody>
@@ -3346,8 +2219,8 @@
         </p:nvSpPr>
         <p:spPr>
           <a:xfrm>
-            <a:off x="3098155" y="2428347"/>
-            <a:ext cx="2601718" cy="1190095"/>
+            <a:off x="3098155" y="1323916"/>
+            <a:ext cx="2601718" cy="648831"/>
           </a:xfrm>
         </p:spPr>
         <p:txBody>
@@ -3411,8 +2284,8 @@
         </p:nvSpPr>
         <p:spPr>
           <a:xfrm>
-            <a:off x="3098155" y="3618442"/>
-            <a:ext cx="2601718" cy="5322183"/>
+            <a:off x="3098155" y="1972747"/>
+            <a:ext cx="2601718" cy="2901613"/>
           </a:xfrm>
         </p:spPr>
         <p:txBody>
@@ -3473,7 +2346,7 @@
           <a:p>
             <a:fld id="{30CAAFB8-EE70-486E-B3AB-0D048359C07E}" type="datetimeFigureOut">
               <a:rPr lang="en-GB" smtClean="0"/>
-              <a:t>14/01/2022</a:t>
+              <a:t>18/01/2022</a:t>
             </a:fld>
             <a:endParaRPr lang="en-GB"/>
           </a:p>
@@ -3524,7 +2397,7 @@
     </p:spTree>
     <p:extLst>
       <p:ext uri="{BB962C8B-B14F-4D97-AF65-F5344CB8AC3E}">
-        <p14:creationId xmlns:p14="http://schemas.microsoft.com/office/powerpoint/2010/main" val="3122317478"/>
+        <p14:creationId xmlns:p14="http://schemas.microsoft.com/office/powerpoint/2010/main" val="770678792"/>
       </p:ext>
     </p:extLst>
   </p:cSld>
@@ -3591,7 +2464,7 @@
           <a:p>
             <a:fld id="{30CAAFB8-EE70-486E-B3AB-0D048359C07E}" type="datetimeFigureOut">
               <a:rPr lang="en-GB" smtClean="0"/>
-              <a:t>14/01/2022</a:t>
+              <a:t>18/01/2022</a:t>
             </a:fld>
             <a:endParaRPr lang="en-GB"/>
           </a:p>
@@ -3642,7 +2515,7 @@
     </p:spTree>
     <p:extLst>
       <p:ext uri="{BB962C8B-B14F-4D97-AF65-F5344CB8AC3E}">
-        <p14:creationId xmlns:p14="http://schemas.microsoft.com/office/powerpoint/2010/main" val="1559400021"/>
+        <p14:creationId xmlns:p14="http://schemas.microsoft.com/office/powerpoint/2010/main" val="681333197"/>
       </p:ext>
     </p:extLst>
   </p:cSld>
@@ -3686,7 +2559,7 @@
           <a:p>
             <a:fld id="{30CAAFB8-EE70-486E-B3AB-0D048359C07E}" type="datetimeFigureOut">
               <a:rPr lang="en-GB" smtClean="0"/>
-              <a:t>14/01/2022</a:t>
+              <a:t>18/01/2022</a:t>
             </a:fld>
             <a:endParaRPr lang="en-GB"/>
           </a:p>
@@ -3737,7 +2610,7 @@
     </p:spTree>
     <p:extLst>
       <p:ext uri="{BB962C8B-B14F-4D97-AF65-F5344CB8AC3E}">
-        <p14:creationId xmlns:p14="http://schemas.microsoft.com/office/powerpoint/2010/main" val="2706772764"/>
+        <p14:creationId xmlns:p14="http://schemas.microsoft.com/office/powerpoint/2010/main" val="3497199158"/>
       </p:ext>
     </p:extLst>
   </p:cSld>
@@ -3776,8 +2649,8 @@
         </p:nvSpPr>
         <p:spPr>
           <a:xfrm>
-            <a:off x="421534" y="660400"/>
-            <a:ext cx="1973799" cy="2311400"/>
+            <a:off x="421534" y="360045"/>
+            <a:ext cx="1973799" cy="1260158"/>
           </a:xfrm>
         </p:spPr>
         <p:txBody>
@@ -3808,8 +2681,8 @@
         </p:nvSpPr>
         <p:spPr>
           <a:xfrm>
-            <a:off x="2601718" y="1426283"/>
-            <a:ext cx="3098155" cy="7039681"/>
+            <a:off x="2601718" y="777598"/>
+            <a:ext cx="3098155" cy="3837980"/>
           </a:xfrm>
         </p:spPr>
         <p:txBody>
@@ -3893,8 +2766,8 @@
         </p:nvSpPr>
         <p:spPr>
           <a:xfrm>
-            <a:off x="421534" y="2971800"/>
-            <a:ext cx="1973799" cy="5505627"/>
+            <a:off x="421534" y="1620202"/>
+            <a:ext cx="1973799" cy="3001626"/>
           </a:xfrm>
         </p:spPr>
         <p:txBody>
@@ -3963,7 +2836,7 @@
           <a:p>
             <a:fld id="{30CAAFB8-EE70-486E-B3AB-0D048359C07E}" type="datetimeFigureOut">
               <a:rPr lang="en-GB" smtClean="0"/>
-              <a:t>14/01/2022</a:t>
+              <a:t>18/01/2022</a:t>
             </a:fld>
             <a:endParaRPr lang="en-GB"/>
           </a:p>
@@ -4014,7 +2887,7 @@
     </p:spTree>
     <p:extLst>
       <p:ext uri="{BB962C8B-B14F-4D97-AF65-F5344CB8AC3E}">
-        <p14:creationId xmlns:p14="http://schemas.microsoft.com/office/powerpoint/2010/main" val="1925035308"/>
+        <p14:creationId xmlns:p14="http://schemas.microsoft.com/office/powerpoint/2010/main" val="2043592862"/>
       </p:ext>
     </p:extLst>
   </p:cSld>
@@ -4053,8 +2926,8 @@
         </p:nvSpPr>
         <p:spPr>
           <a:xfrm>
-            <a:off x="421534" y="660400"/>
-            <a:ext cx="1973799" cy="2311400"/>
+            <a:off x="421534" y="360045"/>
+            <a:ext cx="1973799" cy="1260158"/>
           </a:xfrm>
         </p:spPr>
         <p:txBody>
@@ -4085,8 +2958,8 @@
         </p:nvSpPr>
         <p:spPr>
           <a:xfrm>
-            <a:off x="2601718" y="1426283"/>
-            <a:ext cx="3098155" cy="7039681"/>
+            <a:off x="2601718" y="777598"/>
+            <a:ext cx="3098155" cy="3837980"/>
           </a:xfrm>
         </p:spPr>
         <p:txBody>
@@ -4150,8 +3023,8 @@
         </p:nvSpPr>
         <p:spPr>
           <a:xfrm>
-            <a:off x="421534" y="2971800"/>
-            <a:ext cx="1973799" cy="5505627"/>
+            <a:off x="421534" y="1620202"/>
+            <a:ext cx="1973799" cy="3001626"/>
           </a:xfrm>
         </p:spPr>
         <p:txBody>
@@ -4220,7 +3093,7 @@
           <a:p>
             <a:fld id="{30CAAFB8-EE70-486E-B3AB-0D048359C07E}" type="datetimeFigureOut">
               <a:rPr lang="en-GB" smtClean="0"/>
-              <a:t>14/01/2022</a:t>
+              <a:t>18/01/2022</a:t>
             </a:fld>
             <a:endParaRPr lang="en-GB"/>
           </a:p>
@@ -4271,7 +3144,7 @@
     </p:spTree>
     <p:extLst>
       <p:ext uri="{BB962C8B-B14F-4D97-AF65-F5344CB8AC3E}">
-        <p14:creationId xmlns:p14="http://schemas.microsoft.com/office/powerpoint/2010/main" val="3147182460"/>
+        <p14:creationId xmlns:p14="http://schemas.microsoft.com/office/powerpoint/2010/main" val="751723612"/>
       </p:ext>
     </p:extLst>
   </p:cSld>
@@ -4315,8 +3188,8 @@
         </p:nvSpPr>
         <p:spPr>
           <a:xfrm>
-            <a:off x="420737" y="527405"/>
-            <a:ext cx="5278339" cy="1914702"/>
+            <a:off x="420737" y="287537"/>
+            <a:ext cx="5278339" cy="1043881"/>
           </a:xfrm>
           <a:prstGeom prst="rect">
             <a:avLst/>
@@ -4348,8 +3221,8 @@
         </p:nvSpPr>
         <p:spPr>
           <a:xfrm>
-            <a:off x="420737" y="2637014"/>
-            <a:ext cx="5278339" cy="6285266"/>
+            <a:off x="420737" y="1437680"/>
+            <a:ext cx="5278339" cy="3426679"/>
           </a:xfrm>
           <a:prstGeom prst="rect">
             <a:avLst/>
@@ -4410,8 +3283,8 @@
         </p:nvSpPr>
         <p:spPr>
           <a:xfrm>
-            <a:off x="420737" y="9181397"/>
-            <a:ext cx="1376958" cy="527403"/>
+            <a:off x="420737" y="5005627"/>
+            <a:ext cx="1376958" cy="287536"/>
           </a:xfrm>
           <a:prstGeom prst="rect">
             <a:avLst/>
@@ -4433,7 +3306,7 @@
           <a:p>
             <a:fld id="{30CAAFB8-EE70-486E-B3AB-0D048359C07E}" type="datetimeFigureOut">
               <a:rPr lang="en-GB" smtClean="0"/>
-              <a:t>14/01/2022</a:t>
+              <a:t>18/01/2022</a:t>
             </a:fld>
             <a:endParaRPr lang="en-GB"/>
           </a:p>
@@ -4451,8 +3324,8 @@
         </p:nvSpPr>
         <p:spPr>
           <a:xfrm>
-            <a:off x="2027188" y="9181397"/>
-            <a:ext cx="2065437" cy="527403"/>
+            <a:off x="2027188" y="5005627"/>
+            <a:ext cx="2065437" cy="287536"/>
           </a:xfrm>
           <a:prstGeom prst="rect">
             <a:avLst/>
@@ -4488,8 +3361,8 @@
         </p:nvSpPr>
         <p:spPr>
           <a:xfrm>
-            <a:off x="4322118" y="9181397"/>
-            <a:ext cx="1376958" cy="527403"/>
+            <a:off x="4322118" y="5005627"/>
+            <a:ext cx="1376958" cy="287536"/>
           </a:xfrm>
           <a:prstGeom prst="rect">
             <a:avLst/>
@@ -4520,23 +3393,23 @@
     </p:spTree>
     <p:extLst>
       <p:ext uri="{BB962C8B-B14F-4D97-AF65-F5344CB8AC3E}">
-        <p14:creationId xmlns:p14="http://schemas.microsoft.com/office/powerpoint/2010/main" val="226963090"/>
+        <p14:creationId xmlns:p14="http://schemas.microsoft.com/office/powerpoint/2010/main" val="315611099"/>
       </p:ext>
     </p:extLst>
   </p:cSld>
   <p:clrMap bg1="lt1" tx1="dk1" bg2="lt2" tx2="dk2" accent1="accent1" accent2="accent2" accent3="accent3" accent4="accent4" accent5="accent5" accent6="accent6" hlink="hlink" folHlink="folHlink"/>
   <p:sldLayoutIdLst>
-    <p:sldLayoutId id="2147483709" r:id="rId1"/>
-    <p:sldLayoutId id="2147483710" r:id="rId2"/>
-    <p:sldLayoutId id="2147483711" r:id="rId3"/>
-    <p:sldLayoutId id="2147483712" r:id="rId4"/>
-    <p:sldLayoutId id="2147483713" r:id="rId5"/>
-    <p:sldLayoutId id="2147483714" r:id="rId6"/>
-    <p:sldLayoutId id="2147483715" r:id="rId7"/>
-    <p:sldLayoutId id="2147483716" r:id="rId8"/>
-    <p:sldLayoutId id="2147483717" r:id="rId9"/>
-    <p:sldLayoutId id="2147483718" r:id="rId10"/>
-    <p:sldLayoutId id="2147483719" r:id="rId11"/>
+    <p:sldLayoutId id="2147483721" r:id="rId1"/>
+    <p:sldLayoutId id="2147483722" r:id="rId2"/>
+    <p:sldLayoutId id="2147483723" r:id="rId3"/>
+    <p:sldLayoutId id="2147483724" r:id="rId4"/>
+    <p:sldLayoutId id="2147483725" r:id="rId5"/>
+    <p:sldLayoutId id="2147483726" r:id="rId6"/>
+    <p:sldLayoutId id="2147483727" r:id="rId7"/>
+    <p:sldLayoutId id="2147483728" r:id="rId8"/>
+    <p:sldLayoutId id="2147483729" r:id="rId9"/>
+    <p:sldLayoutId id="2147483730" r:id="rId10"/>
+    <p:sldLayoutId id="2147483731" r:id="rId11"/>
   </p:sldLayoutIdLst>
   <p:txStyles>
     <p:titleStyle>
@@ -4840,10 +3713,10 @@
       </p:grpSpPr>
       <p:pic>
         <p:nvPicPr>
-          <p:cNvPr id="40" name="Picture 39" descr="Chart&#10;&#10;Description automatically generated">
+          <p:cNvPr id="55" name="Picture 54" descr="Chart&#10;&#10;Description automatically generated">
             <a:extLst>
               <a:ext uri="{FF2B5EF4-FFF2-40B4-BE49-F238E27FC236}">
-                <a16:creationId xmlns:a16="http://schemas.microsoft.com/office/drawing/2014/main" id="{96101202-83FB-4AF4-BCE9-1055B821E5AE}"/>
+                <a16:creationId xmlns:a16="http://schemas.microsoft.com/office/drawing/2014/main" id="{249B8000-1A10-4146-8DE7-F408D67A99D2}"/>
               </a:ext>
             </a:extLst>
           </p:cNvPr>
@@ -4852,7 +3725,7 @@
           </p:cNvPicPr>
           <p:nvPr/>
         </p:nvPicPr>
-        <p:blipFill>
+        <p:blipFill rotWithShape="1">
           <a:blip r:embed="rId2">
             <a:extLst>
               <a:ext uri="{28A0092B-C50C-407E-A947-70E740481C1C}">
@@ -4860,14 +3733,13 @@
               </a:ext>
             </a:extLst>
           </a:blip>
-          <a:stretch>
-            <a:fillRect/>
-          </a:stretch>
+          <a:srcRect l="6006" t="4644" r="8119"/>
+          <a:stretch/>
         </p:blipFill>
         <p:spPr>
           <a:xfrm>
-            <a:off x="3164888" y="7608353"/>
-            <a:ext cx="2520000" cy="1889280"/>
+            <a:off x="3139700" y="2798797"/>
+            <a:ext cx="2880000" cy="2397531"/>
           </a:xfrm>
           <a:prstGeom prst="rect">
             <a:avLst/>
@@ -4876,10 +3748,10 @@
       </p:pic>
       <p:pic>
         <p:nvPicPr>
-          <p:cNvPr id="57" name="Picture 56" descr="Chart&#10;&#10;Description automatically generated">
+          <p:cNvPr id="58" name="Picture 57" descr="Chart&#10;&#10;Description automatically generated">
             <a:extLst>
               <a:ext uri="{FF2B5EF4-FFF2-40B4-BE49-F238E27FC236}">
-                <a16:creationId xmlns:a16="http://schemas.microsoft.com/office/drawing/2014/main" id="{38C701DB-1B3C-44A2-B715-7645338A51AD}"/>
+                <a16:creationId xmlns:a16="http://schemas.microsoft.com/office/drawing/2014/main" id="{6BDD4B2C-0287-4AB0-9F5C-4E24A08845F8}"/>
               </a:ext>
             </a:extLst>
           </p:cNvPr>
@@ -4888,7 +3760,7 @@
           </p:cNvPicPr>
           <p:nvPr/>
         </p:nvPicPr>
-        <p:blipFill>
+        <p:blipFill rotWithShape="1">
           <a:blip r:embed="rId3">
             <a:extLst>
               <a:ext uri="{28A0092B-C50C-407E-A947-70E740481C1C}">
@@ -4896,14 +3768,13 @@
               </a:ext>
             </a:extLst>
           </a:blip>
-          <a:stretch>
-            <a:fillRect/>
-          </a:stretch>
+          <a:srcRect l="6006" t="4644" r="8119"/>
+          <a:stretch/>
         </p:blipFill>
         <p:spPr>
           <a:xfrm>
-            <a:off x="684014" y="7604551"/>
-            <a:ext cx="2520000" cy="1889280"/>
+            <a:off x="188405" y="2798797"/>
+            <a:ext cx="2880000" cy="2397531"/>
           </a:xfrm>
           <a:prstGeom prst="rect">
             <a:avLst/>
@@ -4912,10 +3783,10 @@
       </p:pic>
       <p:sp>
         <p:nvSpPr>
-          <p:cNvPr id="60" name="TextBox 59">
+          <p:cNvPr id="59" name="TextBox 58">
             <a:extLst>
               <a:ext uri="{FF2B5EF4-FFF2-40B4-BE49-F238E27FC236}">
-                <a16:creationId xmlns:a16="http://schemas.microsoft.com/office/drawing/2014/main" id="{481D39BB-23B1-429B-A50B-61F6095848DC}"/>
+                <a16:creationId xmlns:a16="http://schemas.microsoft.com/office/drawing/2014/main" id="{EDB8C1D3-804C-4636-B781-F3F8431A369B}"/>
               </a:ext>
             </a:extLst>
           </p:cNvPr>
@@ -4923,9 +3794,9 @@
           <p:nvPr/>
         </p:nvSpPr>
         <p:spPr>
-          <a:xfrm rot="16200000">
-            <a:off x="-204108" y="8429520"/>
-            <a:ext cx="1890000" cy="246221"/>
+          <a:xfrm>
+            <a:off x="3369216" y="5175973"/>
+            <a:ext cx="2650484" cy="215444"/>
           </a:xfrm>
           <a:prstGeom prst="rect">
             <a:avLst/>
@@ -4940,294 +3811,18 @@
           <a:p>
             <a:pPr algn="ctr"/>
             <a:r>
-              <a:rPr lang="en-GB" sz="1000" dirty="0"/>
-              <a:t>Area under the ROC</a:t>
-            </a:r>
-          </a:p>
-        </p:txBody>
-      </p:sp>
-      <p:sp>
-        <p:nvSpPr>
-          <p:cNvPr id="74" name="TextBox 73">
+              <a:rPr lang="en-GB" sz="800" dirty="0"/>
+              <a:t>Steps at the end of 12-h accumulation periods</a:t>
+            </a:r>
+          </a:p>
+        </p:txBody>
+      </p:sp>
+      <p:pic>
+        <p:nvPicPr>
+          <p:cNvPr id="61" name="Picture 60" descr="Chart&#10;&#10;Description automatically generated">
             <a:extLst>
               <a:ext uri="{FF2B5EF4-FFF2-40B4-BE49-F238E27FC236}">
-                <a16:creationId xmlns:a16="http://schemas.microsoft.com/office/drawing/2014/main" id="{1E3337B6-358F-4462-8677-8A291948B148}"/>
-              </a:ext>
-            </a:extLst>
-          </p:cNvPr>
-          <p:cNvSpPr txBox="1"/>
-          <p:nvPr/>
-        </p:nvSpPr>
-        <p:spPr>
-          <a:xfrm>
-            <a:off x="5228901" y="7778759"/>
-            <a:ext cx="180000" cy="215444"/>
-          </a:xfrm>
-          <a:prstGeom prst="rect">
-            <a:avLst/>
-          </a:prstGeom>
-          <a:solidFill>
-            <a:schemeClr val="bg1"/>
-          </a:solidFill>
-          <a:ln w="3175">
-            <a:solidFill>
-              <a:schemeClr val="tx1"/>
-            </a:solidFill>
-          </a:ln>
-        </p:spPr>
-        <p:txBody>
-          <a:bodyPr wrap="square" rtlCol="0">
-            <a:spAutoFit/>
-          </a:bodyPr>
-          <a:lstStyle/>
-          <a:p>
-            <a:pPr algn="ctr"/>
-            <a:r>
-              <a:rPr lang="es-ES" sz="800" b="1" dirty="0"/>
-              <a:t>j</a:t>
-            </a:r>
-            <a:endParaRPr lang="en-GB" sz="800" b="1" dirty="0"/>
-          </a:p>
-        </p:txBody>
-      </p:sp>
-      <p:sp>
-        <p:nvSpPr>
-          <p:cNvPr id="79" name="TextBox 78">
-            <a:extLst>
-              <a:ext uri="{FF2B5EF4-FFF2-40B4-BE49-F238E27FC236}">
-                <a16:creationId xmlns:a16="http://schemas.microsoft.com/office/drawing/2014/main" id="{BFD9639D-3D47-4DFF-B4A1-EE3432EC3CE2}"/>
-              </a:ext>
-            </a:extLst>
-          </p:cNvPr>
-          <p:cNvSpPr txBox="1"/>
-          <p:nvPr/>
-        </p:nvSpPr>
-        <p:spPr>
-          <a:xfrm>
-            <a:off x="2751873" y="8788694"/>
-            <a:ext cx="180000" cy="215444"/>
-          </a:xfrm>
-          <a:prstGeom prst="rect">
-            <a:avLst/>
-          </a:prstGeom>
-          <a:solidFill>
-            <a:schemeClr val="bg1"/>
-          </a:solidFill>
-          <a:ln w="3175">
-            <a:solidFill>
-              <a:schemeClr val="tx1"/>
-            </a:solidFill>
-          </a:ln>
-        </p:spPr>
-        <p:txBody>
-          <a:bodyPr wrap="square" rtlCol="0">
-            <a:spAutoFit/>
-          </a:bodyPr>
-          <a:lstStyle/>
-          <a:p>
-            <a:pPr algn="ctr"/>
-            <a:r>
-              <a:rPr lang="es-ES" sz="800" b="1" dirty="0"/>
-              <a:t>i</a:t>
-            </a:r>
-            <a:endParaRPr lang="en-GB" sz="800" b="1" dirty="0"/>
-          </a:p>
-        </p:txBody>
-      </p:sp>
-      <p:sp>
-        <p:nvSpPr>
-          <p:cNvPr id="150" name="TextBox 149">
-            <a:extLst>
-              <a:ext uri="{FF2B5EF4-FFF2-40B4-BE49-F238E27FC236}">
-                <a16:creationId xmlns:a16="http://schemas.microsoft.com/office/drawing/2014/main" id="{7F79A14D-E840-49FE-A988-278F27138980}"/>
-              </a:ext>
-            </a:extLst>
-          </p:cNvPr>
-          <p:cNvSpPr txBox="1"/>
-          <p:nvPr/>
-        </p:nvSpPr>
-        <p:spPr>
-          <a:xfrm>
-            <a:off x="617781" y="9459381"/>
-            <a:ext cx="2547107" cy="400110"/>
-          </a:xfrm>
-          <a:prstGeom prst="rect">
-            <a:avLst/>
-          </a:prstGeom>
-          <a:noFill/>
-        </p:spPr>
-        <p:txBody>
-          <a:bodyPr wrap="square" rtlCol="0">
-            <a:spAutoFit/>
-          </a:bodyPr>
-          <a:lstStyle/>
-          <a:p>
-            <a:pPr algn="ctr"/>
-            <a:r>
-              <a:rPr lang="en-GB" sz="1000" dirty="0"/>
-              <a:t>Steps at the end of</a:t>
-            </a:r>
-          </a:p>
-          <a:p>
-            <a:pPr algn="ctr"/>
-            <a:r>
-              <a:rPr lang="en-GB" sz="1000" dirty="0"/>
-              <a:t>12-h accumulation periods</a:t>
-            </a:r>
-          </a:p>
-        </p:txBody>
-      </p:sp>
-      <p:sp>
-        <p:nvSpPr>
-          <p:cNvPr id="151" name="TextBox 150">
-            <a:extLst>
-              <a:ext uri="{FF2B5EF4-FFF2-40B4-BE49-F238E27FC236}">
-                <a16:creationId xmlns:a16="http://schemas.microsoft.com/office/drawing/2014/main" id="{A1B9E3BB-BF8E-4B32-883C-5705161AE0E0}"/>
-              </a:ext>
-            </a:extLst>
-          </p:cNvPr>
-          <p:cNvSpPr txBox="1"/>
-          <p:nvPr/>
-        </p:nvSpPr>
-        <p:spPr>
-          <a:xfrm>
-            <a:off x="3164888" y="9459381"/>
-            <a:ext cx="2407922" cy="400110"/>
-          </a:xfrm>
-          <a:prstGeom prst="rect">
-            <a:avLst/>
-          </a:prstGeom>
-          <a:noFill/>
-        </p:spPr>
-        <p:txBody>
-          <a:bodyPr wrap="square" rtlCol="0">
-            <a:spAutoFit/>
-          </a:bodyPr>
-          <a:lstStyle/>
-          <a:p>
-            <a:pPr algn="ctr"/>
-            <a:r>
-              <a:rPr lang="en-GB" sz="1000" dirty="0"/>
-              <a:t>Steps at the end of</a:t>
-            </a:r>
-          </a:p>
-          <a:p>
-            <a:pPr algn="ctr"/>
-            <a:r>
-              <a:rPr lang="en-GB" sz="1000" dirty="0"/>
-              <a:t>12-h accumulation periods</a:t>
-            </a:r>
-          </a:p>
-        </p:txBody>
-      </p:sp>
-      <p:sp>
-        <p:nvSpPr>
-          <p:cNvPr id="152" name="TextBox 151">
-            <a:extLst>
-              <a:ext uri="{FF2B5EF4-FFF2-40B4-BE49-F238E27FC236}">
-                <a16:creationId xmlns:a16="http://schemas.microsoft.com/office/drawing/2014/main" id="{BD8C6BFB-87A3-41EA-A677-220C59170F94}"/>
-              </a:ext>
-            </a:extLst>
-          </p:cNvPr>
-          <p:cNvSpPr txBox="1"/>
-          <p:nvPr/>
-        </p:nvSpPr>
-        <p:spPr>
-          <a:xfrm rot="16200000">
-            <a:off x="-648606" y="8350641"/>
-            <a:ext cx="1890000" cy="461665"/>
-          </a:xfrm>
-          <a:prstGeom prst="rect">
-            <a:avLst/>
-          </a:prstGeom>
-          <a:noFill/>
-        </p:spPr>
-        <p:txBody>
-          <a:bodyPr wrap="square" rtlCol="0">
-            <a:spAutoFit/>
-          </a:bodyPr>
-          <a:lstStyle/>
-          <a:p>
-            <a:pPr algn="ctr"/>
-            <a:r>
-              <a:rPr lang="en-GB" sz="1200" b="1" dirty="0"/>
-              <a:t>99</a:t>
-            </a:r>
-            <a:r>
-              <a:rPr lang="en-GB" sz="1200" b="1" baseline="30000" dirty="0"/>
-              <a:t>th</a:t>
-            </a:r>
-            <a:r>
-              <a:rPr lang="en-GB" sz="1200" b="1" dirty="0"/>
-              <a:t> percentile</a:t>
-            </a:r>
-          </a:p>
-          <a:p>
-            <a:pPr algn="ctr"/>
-            <a:r>
-              <a:rPr lang="en-GB" sz="1200" b="1" dirty="0"/>
-              <a:t>(tp &gt;= 46.786 mm/12h)</a:t>
-            </a:r>
-          </a:p>
-        </p:txBody>
-      </p:sp>
-      <p:sp>
-        <p:nvSpPr>
-          <p:cNvPr id="157" name="TextBox 156">
-            <a:extLst>
-              <a:ext uri="{FF2B5EF4-FFF2-40B4-BE49-F238E27FC236}">
-                <a16:creationId xmlns:a16="http://schemas.microsoft.com/office/drawing/2014/main" id="{9E1738E7-1752-4CC6-860E-B190539750CD}"/>
-              </a:ext>
-            </a:extLst>
-          </p:cNvPr>
-          <p:cNvSpPr txBox="1"/>
-          <p:nvPr/>
-        </p:nvSpPr>
-        <p:spPr>
-          <a:xfrm rot="5400000">
-            <a:off x="4858643" y="8354443"/>
-            <a:ext cx="1890000" cy="461665"/>
-          </a:xfrm>
-          <a:prstGeom prst="rect">
-            <a:avLst/>
-          </a:prstGeom>
-          <a:noFill/>
-        </p:spPr>
-        <p:txBody>
-          <a:bodyPr wrap="square" rtlCol="0">
-            <a:spAutoFit/>
-          </a:bodyPr>
-          <a:lstStyle/>
-          <a:p>
-            <a:pPr algn="ctr"/>
-            <a:r>
-              <a:rPr lang="en-GB" sz="1200" b="1" dirty="0"/>
-              <a:t>99</a:t>
-            </a:r>
-            <a:r>
-              <a:rPr lang="en-GB" sz="1200" b="1" baseline="30000" dirty="0"/>
-              <a:t>th</a:t>
-            </a:r>
-            <a:r>
-              <a:rPr lang="en-GB" sz="1200" b="1" dirty="0"/>
-              <a:t> percentile</a:t>
-            </a:r>
-          </a:p>
-          <a:p>
-            <a:pPr algn="ctr"/>
-            <a:r>
-              <a:rPr lang="en-GB" sz="1200" b="1" dirty="0"/>
-              <a:t>(tp &gt;= 27.501 mm/12h)</a:t>
-            </a:r>
-          </a:p>
-        </p:txBody>
-      </p:sp>
-      <p:pic>
-        <p:nvPicPr>
-          <p:cNvPr id="39" name="Picture 38" descr="Chart, histogram&#10;&#10;Description automatically generated">
-            <a:extLst>
-              <a:ext uri="{FF2B5EF4-FFF2-40B4-BE49-F238E27FC236}">
-                <a16:creationId xmlns:a16="http://schemas.microsoft.com/office/drawing/2014/main" id="{DC89BBDB-247E-44B5-B8F9-41203C32AEDE}"/>
+                <a16:creationId xmlns:a16="http://schemas.microsoft.com/office/drawing/2014/main" id="{15681698-39BD-4815-B989-535604F83C98}"/>
               </a:ext>
             </a:extLst>
           </p:cNvPr>
@@ -5236,7 +3831,7 @@
           </p:cNvPicPr>
           <p:nvPr/>
         </p:nvPicPr>
-        <p:blipFill>
+        <p:blipFill rotWithShape="1">
           <a:blip r:embed="rId4">
             <a:extLst>
               <a:ext uri="{28A0092B-C50C-407E-A947-70E740481C1C}">
@@ -5244,14 +3839,13 @@
               </a:ext>
             </a:extLst>
           </a:blip>
-          <a:stretch>
-            <a:fillRect/>
-          </a:stretch>
+          <a:srcRect l="6006" t="4644" r="8119"/>
+          <a:stretch/>
         </p:blipFill>
         <p:spPr>
           <a:xfrm>
-            <a:off x="3164888" y="5802199"/>
-            <a:ext cx="2520000" cy="1889280"/>
+            <a:off x="3139700" y="361040"/>
+            <a:ext cx="2880000" cy="2397531"/>
           </a:xfrm>
           <a:prstGeom prst="rect">
             <a:avLst/>
@@ -5260,10 +3854,10 @@
       </p:pic>
       <p:pic>
         <p:nvPicPr>
-          <p:cNvPr id="56" name="Picture 55" descr="A picture containing text, curtain&#10;&#10;Description automatically generated">
+          <p:cNvPr id="63" name="Picture 62" descr="Chart&#10;&#10;Description automatically generated">
             <a:extLst>
               <a:ext uri="{FF2B5EF4-FFF2-40B4-BE49-F238E27FC236}">
-                <a16:creationId xmlns:a16="http://schemas.microsoft.com/office/drawing/2014/main" id="{5CDE82BD-9EF2-4FD9-A53D-20EC0D7A9836}"/>
+                <a16:creationId xmlns:a16="http://schemas.microsoft.com/office/drawing/2014/main" id="{4DD3E83D-337D-4121-B885-C1D11F89E5B1}"/>
               </a:ext>
             </a:extLst>
           </p:cNvPr>
@@ -5272,7 +3866,7 @@
           </p:cNvPicPr>
           <p:nvPr/>
         </p:nvPicPr>
-        <p:blipFill>
+        <p:blipFill rotWithShape="1">
           <a:blip r:embed="rId5">
             <a:extLst>
               <a:ext uri="{28A0092B-C50C-407E-A947-70E740481C1C}">
@@ -5280,14 +3874,13 @@
               </a:ext>
             </a:extLst>
           </a:blip>
-          <a:stretch>
-            <a:fillRect/>
-          </a:stretch>
+          <a:srcRect l="6006" t="4645" r="8118" b="-1"/>
+          <a:stretch/>
         </p:blipFill>
         <p:spPr>
           <a:xfrm>
-            <a:off x="684014" y="5798397"/>
-            <a:ext cx="2520000" cy="1889280"/>
+            <a:off x="188405" y="361040"/>
+            <a:ext cx="2880000" cy="2397531"/>
           </a:xfrm>
           <a:prstGeom prst="rect">
             <a:avLst/>
@@ -5296,10 +3889,10 @@
       </p:pic>
       <p:sp>
         <p:nvSpPr>
-          <p:cNvPr id="62" name="TextBox 61">
+          <p:cNvPr id="65" name="TextBox 64">
             <a:extLst>
               <a:ext uri="{FF2B5EF4-FFF2-40B4-BE49-F238E27FC236}">
-                <a16:creationId xmlns:a16="http://schemas.microsoft.com/office/drawing/2014/main" id="{7EC4EFFA-2500-4AEB-9B5D-53ECFAD343DA}"/>
+                <a16:creationId xmlns:a16="http://schemas.microsoft.com/office/drawing/2014/main" id="{F18080BF-6CBD-40CC-BE8F-E0BB18CBE701}"/>
               </a:ext>
             </a:extLst>
           </p:cNvPr>
@@ -5308,8 +3901,8 @@
         </p:nvSpPr>
         <p:spPr>
           <a:xfrm rot="16200000">
-            <a:off x="-204108" y="6620288"/>
-            <a:ext cx="1890000" cy="246221"/>
+            <a:off x="-13110" y="437085"/>
+            <a:ext cx="2099402" cy="2016000"/>
           </a:xfrm>
           <a:prstGeom prst="rect">
             <a:avLst/>
@@ -5324,7 +3917,7 @@
           <a:p>
             <a:pPr algn="ctr"/>
             <a:r>
-              <a:rPr lang="en-GB" sz="1000" dirty="0"/>
+              <a:rPr lang="en-GB" sz="800" dirty="0"/>
               <a:t>Area under the ROC</a:t>
             </a:r>
           </a:p>
@@ -5332,10 +3925,10 @@
       </p:sp>
       <p:sp>
         <p:nvSpPr>
-          <p:cNvPr id="73" name="TextBox 72">
+          <p:cNvPr id="67" name="TextBox 66">
             <a:extLst>
               <a:ext uri="{FF2B5EF4-FFF2-40B4-BE49-F238E27FC236}">
-                <a16:creationId xmlns:a16="http://schemas.microsoft.com/office/drawing/2014/main" id="{C5D1ADA5-898B-464C-94E1-9492191B9001}"/>
+                <a16:creationId xmlns:a16="http://schemas.microsoft.com/office/drawing/2014/main" id="{589ABFA2-7EBB-4EB0-AA6D-EF1322D81885}"/>
               </a:ext>
             </a:extLst>
           </p:cNvPr>
@@ -5344,8 +3937,80 @@
         </p:nvSpPr>
         <p:spPr>
           <a:xfrm>
-            <a:off x="5228901" y="5973558"/>
-            <a:ext cx="180000" cy="215444"/>
+            <a:off x="401383" y="204358"/>
+            <a:ext cx="2667021" cy="246221"/>
+          </a:xfrm>
+          <a:prstGeom prst="rect">
+            <a:avLst/>
+          </a:prstGeom>
+          <a:noFill/>
+        </p:spPr>
+        <p:txBody>
+          <a:bodyPr wrap="square" rtlCol="0">
+            <a:spAutoFit/>
+          </a:bodyPr>
+          <a:lstStyle/>
+          <a:p>
+            <a:pPr algn="ctr"/>
+            <a:r>
+              <a:rPr lang="en-GB" sz="1000" dirty="0"/>
+              <a:t>“La Costa”</a:t>
+            </a:r>
+          </a:p>
+        </p:txBody>
+      </p:sp>
+      <p:sp>
+        <p:nvSpPr>
+          <p:cNvPr id="69" name="TextBox 68">
+            <a:extLst>
+              <a:ext uri="{FF2B5EF4-FFF2-40B4-BE49-F238E27FC236}">
+                <a16:creationId xmlns:a16="http://schemas.microsoft.com/office/drawing/2014/main" id="{B2688E76-5FD0-4F52-A97A-E43BF1D1D85D}"/>
+              </a:ext>
+            </a:extLst>
+          </p:cNvPr>
+          <p:cNvSpPr txBox="1"/>
+          <p:nvPr/>
+        </p:nvSpPr>
+        <p:spPr>
+          <a:xfrm>
+            <a:off x="3369216" y="204358"/>
+            <a:ext cx="2650484" cy="246221"/>
+          </a:xfrm>
+          <a:prstGeom prst="rect">
+            <a:avLst/>
+          </a:prstGeom>
+          <a:noFill/>
+        </p:spPr>
+        <p:txBody>
+          <a:bodyPr wrap="square" rtlCol="0">
+            <a:spAutoFit/>
+          </a:bodyPr>
+          <a:lstStyle/>
+          <a:p>
+            <a:pPr algn="ctr"/>
+            <a:r>
+              <a:rPr lang="en-GB" sz="1000" dirty="0"/>
+              <a:t>“La Sierra”</a:t>
+            </a:r>
+          </a:p>
+        </p:txBody>
+      </p:sp>
+      <p:sp>
+        <p:nvSpPr>
+          <p:cNvPr id="80" name="TextBox 79">
+            <a:extLst>
+              <a:ext uri="{FF2B5EF4-FFF2-40B4-BE49-F238E27FC236}">
+                <a16:creationId xmlns:a16="http://schemas.microsoft.com/office/drawing/2014/main" id="{F2BAF33B-DE08-4DD0-B840-EEA28E79E85B}"/>
+              </a:ext>
+            </a:extLst>
+          </p:cNvPr>
+          <p:cNvSpPr txBox="1"/>
+          <p:nvPr/>
+        </p:nvSpPr>
+        <p:spPr>
+          <a:xfrm>
+            <a:off x="4750894" y="490985"/>
+            <a:ext cx="1152000" cy="338554"/>
           </a:xfrm>
           <a:prstGeom prst="rect">
             <a:avLst/>
@@ -5353,7 +4018,7 @@
           <a:solidFill>
             <a:schemeClr val="bg1"/>
           </a:solidFill>
-          <a:ln w="3175">
+          <a:ln>
             <a:solidFill>
               <a:schemeClr val="tx1"/>
             </a:solidFill>
@@ -5367,1131 +4032,33 @@
           <a:p>
             <a:pPr algn="ctr"/>
             <a:r>
-              <a:rPr lang="es-ES" sz="800" b="1" dirty="0"/>
-              <a:t>h</a:t>
-            </a:r>
-            <a:endParaRPr lang="en-GB" sz="800" b="1" dirty="0"/>
-          </a:p>
-        </p:txBody>
-      </p:sp>
-      <p:sp>
-        <p:nvSpPr>
-          <p:cNvPr id="78" name="TextBox 77">
+              <a:rPr lang="en-GB" sz="800" dirty="0"/>
+              <a:t>85</a:t>
+            </a:r>
+            <a:r>
+              <a:rPr lang="en-GB" sz="800" baseline="30000" dirty="0"/>
+              <a:t>th</a:t>
+            </a:r>
+            <a:r>
+              <a:rPr lang="en-GB" sz="800" dirty="0"/>
+              <a:t> percentile</a:t>
+            </a:r>
+          </a:p>
+          <a:p>
+            <a:pPr algn="ctr"/>
+            <a:r>
+              <a:rPr lang="en-GB" sz="800" dirty="0"/>
+              <a:t>(tp &gt;= 6.112 mm/12h)</a:t>
+            </a:r>
+          </a:p>
+        </p:txBody>
+      </p:sp>
+      <p:cxnSp>
+        <p:nvCxnSpPr>
+          <p:cNvPr id="81" name="Straight Connector 80">
             <a:extLst>
               <a:ext uri="{FF2B5EF4-FFF2-40B4-BE49-F238E27FC236}">
-                <a16:creationId xmlns:a16="http://schemas.microsoft.com/office/drawing/2014/main" id="{78E4853D-24B2-49E2-AE62-E7287F112057}"/>
-              </a:ext>
-            </a:extLst>
-          </p:cNvPr>
-          <p:cNvSpPr txBox="1"/>
-          <p:nvPr/>
-        </p:nvSpPr>
-        <p:spPr>
-          <a:xfrm>
-            <a:off x="2751873" y="6977296"/>
-            <a:ext cx="180000" cy="215444"/>
-          </a:xfrm>
-          <a:prstGeom prst="rect">
-            <a:avLst/>
-          </a:prstGeom>
-          <a:solidFill>
-            <a:schemeClr val="bg1"/>
-          </a:solidFill>
-          <a:ln w="3175">
-            <a:solidFill>
-              <a:schemeClr val="tx1"/>
-            </a:solidFill>
-          </a:ln>
-        </p:spPr>
-        <p:txBody>
-          <a:bodyPr wrap="square" rtlCol="0">
-            <a:spAutoFit/>
-          </a:bodyPr>
-          <a:lstStyle/>
-          <a:p>
-            <a:pPr algn="ctr"/>
-            <a:r>
-              <a:rPr lang="es-ES" sz="800" b="1" dirty="0"/>
-              <a:t>g</a:t>
-            </a:r>
-            <a:endParaRPr lang="en-GB" sz="800" b="1" dirty="0"/>
-          </a:p>
-        </p:txBody>
-      </p:sp>
-      <p:sp>
-        <p:nvSpPr>
-          <p:cNvPr id="153" name="TextBox 152">
-            <a:extLst>
-              <a:ext uri="{FF2B5EF4-FFF2-40B4-BE49-F238E27FC236}">
-                <a16:creationId xmlns:a16="http://schemas.microsoft.com/office/drawing/2014/main" id="{CF098D90-29C3-4FEA-96AF-6B5014DAAB0A}"/>
-              </a:ext>
-            </a:extLst>
-          </p:cNvPr>
-          <p:cNvSpPr txBox="1"/>
-          <p:nvPr/>
-        </p:nvSpPr>
-        <p:spPr>
-          <a:xfrm rot="16200000">
-            <a:off x="-648606" y="6545209"/>
-            <a:ext cx="1890000" cy="461665"/>
-          </a:xfrm>
-          <a:prstGeom prst="rect">
-            <a:avLst/>
-          </a:prstGeom>
-          <a:noFill/>
-        </p:spPr>
-        <p:txBody>
-          <a:bodyPr wrap="square" rtlCol="0">
-            <a:spAutoFit/>
-          </a:bodyPr>
-          <a:lstStyle/>
-          <a:p>
-            <a:pPr algn="ctr"/>
-            <a:r>
-              <a:rPr lang="en-GB" sz="1200" b="1" dirty="0"/>
-              <a:t>98</a:t>
-            </a:r>
-            <a:r>
-              <a:rPr lang="en-GB" sz="1200" b="1" baseline="30000" dirty="0"/>
-              <a:t>th</a:t>
-            </a:r>
-            <a:r>
-              <a:rPr lang="en-GB" sz="1200" b="1" dirty="0"/>
-              <a:t> percentile</a:t>
-            </a:r>
-          </a:p>
-          <a:p>
-            <a:pPr algn="ctr"/>
-            <a:r>
-              <a:rPr lang="en-GB" sz="1200" b="1" dirty="0"/>
-              <a:t>(tp &gt;= 36.011 mm/12h)</a:t>
-            </a:r>
-          </a:p>
-        </p:txBody>
-      </p:sp>
-      <p:sp>
-        <p:nvSpPr>
-          <p:cNvPr id="158" name="TextBox 157">
-            <a:extLst>
-              <a:ext uri="{FF2B5EF4-FFF2-40B4-BE49-F238E27FC236}">
-                <a16:creationId xmlns:a16="http://schemas.microsoft.com/office/drawing/2014/main" id="{983B6590-4C69-422C-9C55-E58389B320CC}"/>
-              </a:ext>
-            </a:extLst>
-          </p:cNvPr>
-          <p:cNvSpPr txBox="1"/>
-          <p:nvPr/>
-        </p:nvSpPr>
-        <p:spPr>
-          <a:xfrm rot="5400000">
-            <a:off x="4858643" y="6548289"/>
-            <a:ext cx="1890000" cy="461665"/>
-          </a:xfrm>
-          <a:prstGeom prst="rect">
-            <a:avLst/>
-          </a:prstGeom>
-          <a:noFill/>
-        </p:spPr>
-        <p:txBody>
-          <a:bodyPr wrap="square" rtlCol="0">
-            <a:spAutoFit/>
-          </a:bodyPr>
-          <a:lstStyle/>
-          <a:p>
-            <a:pPr algn="ctr"/>
-            <a:r>
-              <a:rPr lang="en-GB" sz="1200" b="1" dirty="0"/>
-              <a:t>98</a:t>
-            </a:r>
-            <a:r>
-              <a:rPr lang="en-GB" sz="1200" b="1" baseline="30000" dirty="0"/>
-              <a:t>th</a:t>
-            </a:r>
-            <a:r>
-              <a:rPr lang="en-GB" sz="1200" b="1" dirty="0"/>
-              <a:t> percentile</a:t>
-            </a:r>
-          </a:p>
-          <a:p>
-            <a:pPr algn="ctr"/>
-            <a:r>
-              <a:rPr lang="en-GB" sz="1200" b="1" dirty="0"/>
-              <a:t>(tp &gt;= 22.497 mm/12h)</a:t>
-            </a:r>
-          </a:p>
-        </p:txBody>
-      </p:sp>
-      <p:pic>
-        <p:nvPicPr>
-          <p:cNvPr id="38" name="Picture 37" descr="Chart&#10;&#10;Description automatically generated">
-            <a:extLst>
-              <a:ext uri="{FF2B5EF4-FFF2-40B4-BE49-F238E27FC236}">
-                <a16:creationId xmlns:a16="http://schemas.microsoft.com/office/drawing/2014/main" id="{C87A7049-6DDB-44A6-BCFD-266AB04B5523}"/>
-              </a:ext>
-            </a:extLst>
-          </p:cNvPr>
-          <p:cNvPicPr>
-            <a:picLocks noChangeAspect="1"/>
-          </p:cNvPicPr>
-          <p:nvPr/>
-        </p:nvPicPr>
-        <p:blipFill>
-          <a:blip r:embed="rId6">
-            <a:extLst>
-              <a:ext uri="{28A0092B-C50C-407E-A947-70E740481C1C}">
-                <a14:useLocalDpi xmlns:a14="http://schemas.microsoft.com/office/drawing/2010/main" val="0"/>
-              </a:ext>
-            </a:extLst>
-          </a:blip>
-          <a:stretch>
-            <a:fillRect/>
-          </a:stretch>
-        </p:blipFill>
-        <p:spPr>
-          <a:xfrm>
-            <a:off x="3164888" y="4007920"/>
-            <a:ext cx="2520000" cy="1889280"/>
-          </a:xfrm>
-          <a:prstGeom prst="rect">
-            <a:avLst/>
-          </a:prstGeom>
-        </p:spPr>
-      </p:pic>
-      <p:pic>
-        <p:nvPicPr>
-          <p:cNvPr id="45" name="Picture 44" descr="Chart, bar chart&#10;&#10;Description automatically generated">
-            <a:extLst>
-              <a:ext uri="{FF2B5EF4-FFF2-40B4-BE49-F238E27FC236}">
-                <a16:creationId xmlns:a16="http://schemas.microsoft.com/office/drawing/2014/main" id="{ECFD028B-2838-4131-B502-3001768FA4D8}"/>
-              </a:ext>
-            </a:extLst>
-          </p:cNvPr>
-          <p:cNvPicPr>
-            <a:picLocks noChangeAspect="1"/>
-          </p:cNvPicPr>
-          <p:nvPr/>
-        </p:nvPicPr>
-        <p:blipFill>
-          <a:blip r:embed="rId7">
-            <a:extLst>
-              <a:ext uri="{28A0092B-C50C-407E-A947-70E740481C1C}">
-                <a14:useLocalDpi xmlns:a14="http://schemas.microsoft.com/office/drawing/2010/main" val="0"/>
-              </a:ext>
-            </a:extLst>
-          </a:blip>
-          <a:stretch>
-            <a:fillRect/>
-          </a:stretch>
-        </p:blipFill>
-        <p:spPr>
-          <a:xfrm>
-            <a:off x="684014" y="4004118"/>
-            <a:ext cx="2520000" cy="1889280"/>
-          </a:xfrm>
-          <a:prstGeom prst="rect">
-            <a:avLst/>
-          </a:prstGeom>
-        </p:spPr>
-      </p:pic>
-      <p:sp>
-        <p:nvSpPr>
-          <p:cNvPr id="64" name="TextBox 63">
-            <a:extLst>
-              <a:ext uri="{FF2B5EF4-FFF2-40B4-BE49-F238E27FC236}">
-                <a16:creationId xmlns:a16="http://schemas.microsoft.com/office/drawing/2014/main" id="{83135FCE-A4C5-436C-A4DE-05D730B54A05}"/>
-              </a:ext>
-            </a:extLst>
-          </p:cNvPr>
-          <p:cNvSpPr txBox="1"/>
-          <p:nvPr/>
-        </p:nvSpPr>
-        <p:spPr>
-          <a:xfrm rot="16200000">
-            <a:off x="-204108" y="4826009"/>
-            <a:ext cx="1890000" cy="246221"/>
-          </a:xfrm>
-          <a:prstGeom prst="rect">
-            <a:avLst/>
-          </a:prstGeom>
-          <a:noFill/>
-        </p:spPr>
-        <p:txBody>
-          <a:bodyPr wrap="square" rtlCol="0">
-            <a:spAutoFit/>
-          </a:bodyPr>
-          <a:lstStyle/>
-          <a:p>
-            <a:pPr algn="ctr"/>
-            <a:r>
-              <a:rPr lang="en-GB" sz="1000" dirty="0"/>
-              <a:t>Area under the ROC</a:t>
-            </a:r>
-          </a:p>
-        </p:txBody>
-      </p:sp>
-      <p:sp>
-        <p:nvSpPr>
-          <p:cNvPr id="72" name="TextBox 71">
-            <a:extLst>
-              <a:ext uri="{FF2B5EF4-FFF2-40B4-BE49-F238E27FC236}">
-                <a16:creationId xmlns:a16="http://schemas.microsoft.com/office/drawing/2014/main" id="{B8EBF44E-80DB-4BAC-AD98-C710C1917444}"/>
-              </a:ext>
-            </a:extLst>
-          </p:cNvPr>
-          <p:cNvSpPr txBox="1"/>
-          <p:nvPr/>
-        </p:nvSpPr>
-        <p:spPr>
-          <a:xfrm>
-            <a:off x="5228901" y="4176423"/>
-            <a:ext cx="180000" cy="215444"/>
-          </a:xfrm>
-          <a:prstGeom prst="rect">
-            <a:avLst/>
-          </a:prstGeom>
-          <a:solidFill>
-            <a:schemeClr val="bg1"/>
-          </a:solidFill>
-          <a:ln w="3175">
-            <a:solidFill>
-              <a:schemeClr val="tx1"/>
-            </a:solidFill>
-          </a:ln>
-        </p:spPr>
-        <p:txBody>
-          <a:bodyPr wrap="square" rtlCol="0">
-            <a:spAutoFit/>
-          </a:bodyPr>
-          <a:lstStyle/>
-          <a:p>
-            <a:pPr algn="ctr"/>
-            <a:r>
-              <a:rPr lang="es-ES" sz="800" b="1" dirty="0"/>
-              <a:t>f</a:t>
-            </a:r>
-            <a:endParaRPr lang="en-GB" sz="800" b="1" dirty="0"/>
-          </a:p>
-        </p:txBody>
-      </p:sp>
-      <p:sp>
-        <p:nvSpPr>
-          <p:cNvPr id="77" name="TextBox 76">
-            <a:extLst>
-              <a:ext uri="{FF2B5EF4-FFF2-40B4-BE49-F238E27FC236}">
-                <a16:creationId xmlns:a16="http://schemas.microsoft.com/office/drawing/2014/main" id="{0A357D06-8E91-401C-A9F8-1ED4ABA92009}"/>
-              </a:ext>
-            </a:extLst>
-          </p:cNvPr>
-          <p:cNvSpPr txBox="1"/>
-          <p:nvPr/>
-        </p:nvSpPr>
-        <p:spPr>
-          <a:xfrm>
-            <a:off x="2751873" y="5180161"/>
-            <a:ext cx="180000" cy="215444"/>
-          </a:xfrm>
-          <a:prstGeom prst="rect">
-            <a:avLst/>
-          </a:prstGeom>
-          <a:solidFill>
-            <a:schemeClr val="bg1"/>
-          </a:solidFill>
-          <a:ln w="3175">
-            <a:solidFill>
-              <a:schemeClr val="tx1"/>
-            </a:solidFill>
-          </a:ln>
-        </p:spPr>
-        <p:txBody>
-          <a:bodyPr wrap="square" rtlCol="0">
-            <a:spAutoFit/>
-          </a:bodyPr>
-          <a:lstStyle/>
-          <a:p>
-            <a:pPr algn="ctr"/>
-            <a:r>
-              <a:rPr lang="es-ES" sz="800" b="1" dirty="0"/>
-              <a:t>e</a:t>
-            </a:r>
-            <a:endParaRPr lang="en-GB" sz="800" b="1" dirty="0"/>
-          </a:p>
-        </p:txBody>
-      </p:sp>
-      <p:sp>
-        <p:nvSpPr>
-          <p:cNvPr id="154" name="TextBox 153">
-            <a:extLst>
-              <a:ext uri="{FF2B5EF4-FFF2-40B4-BE49-F238E27FC236}">
-                <a16:creationId xmlns:a16="http://schemas.microsoft.com/office/drawing/2014/main" id="{A908867F-7804-4417-B118-50D4AC3E90B5}"/>
-              </a:ext>
-            </a:extLst>
-          </p:cNvPr>
-          <p:cNvSpPr txBox="1"/>
-          <p:nvPr/>
-        </p:nvSpPr>
-        <p:spPr>
-          <a:xfrm rot="16200000">
-            <a:off x="-648606" y="4750930"/>
-            <a:ext cx="1890000" cy="461665"/>
-          </a:xfrm>
-          <a:prstGeom prst="rect">
-            <a:avLst/>
-          </a:prstGeom>
-          <a:noFill/>
-        </p:spPr>
-        <p:txBody>
-          <a:bodyPr wrap="square" rtlCol="0">
-            <a:spAutoFit/>
-          </a:bodyPr>
-          <a:lstStyle/>
-          <a:p>
-            <a:pPr algn="ctr"/>
-            <a:r>
-              <a:rPr lang="en-GB" sz="1200" b="1" dirty="0"/>
-              <a:t>95</a:t>
-            </a:r>
-            <a:r>
-              <a:rPr lang="en-GB" sz="1200" b="1" baseline="30000" dirty="0"/>
-              <a:t>th</a:t>
-            </a:r>
-            <a:r>
-              <a:rPr lang="en-GB" sz="1200" b="1" dirty="0"/>
-              <a:t> percentile</a:t>
-            </a:r>
-          </a:p>
-          <a:p>
-            <a:pPr algn="ctr"/>
-            <a:r>
-              <a:rPr lang="en-GB" sz="1200" b="1" dirty="0"/>
-              <a:t>(tp &gt;= 22.384 mm/12h)</a:t>
-            </a:r>
-          </a:p>
-        </p:txBody>
-      </p:sp>
-      <p:sp>
-        <p:nvSpPr>
-          <p:cNvPr id="159" name="TextBox 158">
-            <a:extLst>
-              <a:ext uri="{FF2B5EF4-FFF2-40B4-BE49-F238E27FC236}">
-                <a16:creationId xmlns:a16="http://schemas.microsoft.com/office/drawing/2014/main" id="{02B434B0-D5CE-42E1-820A-B6D2EB4CE750}"/>
-              </a:ext>
-            </a:extLst>
-          </p:cNvPr>
-          <p:cNvSpPr txBox="1"/>
-          <p:nvPr/>
-        </p:nvSpPr>
-        <p:spPr>
-          <a:xfrm rot="5400000">
-            <a:off x="4858643" y="4754010"/>
-            <a:ext cx="1890000" cy="461665"/>
-          </a:xfrm>
-          <a:prstGeom prst="rect">
-            <a:avLst/>
-          </a:prstGeom>
-          <a:noFill/>
-        </p:spPr>
-        <p:txBody>
-          <a:bodyPr wrap="square" rtlCol="0">
-            <a:spAutoFit/>
-          </a:bodyPr>
-          <a:lstStyle/>
-          <a:p>
-            <a:pPr algn="ctr"/>
-            <a:r>
-              <a:rPr lang="en-GB" sz="1200" b="1" dirty="0"/>
-              <a:t>95</a:t>
-            </a:r>
-            <a:r>
-              <a:rPr lang="en-GB" sz="1200" b="1" baseline="30000" dirty="0"/>
-              <a:t>th</a:t>
-            </a:r>
-            <a:r>
-              <a:rPr lang="en-GB" sz="1200" b="1" dirty="0"/>
-              <a:t> percentile</a:t>
-            </a:r>
-          </a:p>
-          <a:p>
-            <a:pPr algn="ctr"/>
-            <a:r>
-              <a:rPr lang="en-GB" sz="1200" b="1" dirty="0"/>
-              <a:t>(tp &gt;= 14.616 mm/12h)</a:t>
-            </a:r>
-          </a:p>
-        </p:txBody>
-      </p:sp>
-      <p:pic>
-        <p:nvPicPr>
-          <p:cNvPr id="37" name="Picture 36" descr="Chart, histogram&#10;&#10;Description automatically generated">
-            <a:extLst>
-              <a:ext uri="{FF2B5EF4-FFF2-40B4-BE49-F238E27FC236}">
-                <a16:creationId xmlns:a16="http://schemas.microsoft.com/office/drawing/2014/main" id="{7116EED6-5344-40BE-9AB8-618CB6AB3F9D}"/>
-              </a:ext>
-            </a:extLst>
-          </p:cNvPr>
-          <p:cNvPicPr>
-            <a:picLocks noChangeAspect="1"/>
-          </p:cNvPicPr>
-          <p:nvPr/>
-        </p:nvPicPr>
-        <p:blipFill>
-          <a:blip r:embed="rId8">
-            <a:extLst>
-              <a:ext uri="{28A0092B-C50C-407E-A947-70E740481C1C}">
-                <a14:useLocalDpi xmlns:a14="http://schemas.microsoft.com/office/drawing/2010/main" val="0"/>
-              </a:ext>
-            </a:extLst>
-          </a:blip>
-          <a:stretch>
-            <a:fillRect/>
-          </a:stretch>
-        </p:blipFill>
-        <p:spPr>
-          <a:xfrm>
-            <a:off x="3164888" y="2201770"/>
-            <a:ext cx="2520000" cy="1889280"/>
-          </a:xfrm>
-          <a:prstGeom prst="rect">
-            <a:avLst/>
-          </a:prstGeom>
-        </p:spPr>
-      </p:pic>
-      <p:pic>
-        <p:nvPicPr>
-          <p:cNvPr id="44" name="Picture 43" descr="Chart&#10;&#10;Description automatically generated">
-            <a:extLst>
-              <a:ext uri="{FF2B5EF4-FFF2-40B4-BE49-F238E27FC236}">
-                <a16:creationId xmlns:a16="http://schemas.microsoft.com/office/drawing/2014/main" id="{9CE4351D-6543-43CE-9628-91DF36C5CC2E}"/>
-              </a:ext>
-            </a:extLst>
-          </p:cNvPr>
-          <p:cNvPicPr>
-            <a:picLocks noChangeAspect="1"/>
-          </p:cNvPicPr>
-          <p:nvPr/>
-        </p:nvPicPr>
-        <p:blipFill>
-          <a:blip r:embed="rId9">
-            <a:extLst>
-              <a:ext uri="{28A0092B-C50C-407E-A947-70E740481C1C}">
-                <a14:useLocalDpi xmlns:a14="http://schemas.microsoft.com/office/drawing/2010/main" val="0"/>
-              </a:ext>
-            </a:extLst>
-          </a:blip>
-          <a:stretch>
-            <a:fillRect/>
-          </a:stretch>
-        </p:blipFill>
-        <p:spPr>
-          <a:xfrm>
-            <a:off x="684014" y="2197968"/>
-            <a:ext cx="2520000" cy="1889280"/>
-          </a:xfrm>
-          <a:prstGeom prst="rect">
-            <a:avLst/>
-          </a:prstGeom>
-        </p:spPr>
-      </p:pic>
-      <p:sp>
-        <p:nvSpPr>
-          <p:cNvPr id="66" name="TextBox 65">
-            <a:extLst>
-              <a:ext uri="{FF2B5EF4-FFF2-40B4-BE49-F238E27FC236}">
-                <a16:creationId xmlns:a16="http://schemas.microsoft.com/office/drawing/2014/main" id="{AD0F7F4A-4C1E-43B9-8ADD-385A666A581A}"/>
-              </a:ext>
-            </a:extLst>
-          </p:cNvPr>
-          <p:cNvSpPr txBox="1"/>
-          <p:nvPr/>
-        </p:nvSpPr>
-        <p:spPr>
-          <a:xfrm rot="16200000">
-            <a:off x="-204108" y="3019859"/>
-            <a:ext cx="1890000" cy="246221"/>
-          </a:xfrm>
-          <a:prstGeom prst="rect">
-            <a:avLst/>
-          </a:prstGeom>
-          <a:noFill/>
-        </p:spPr>
-        <p:txBody>
-          <a:bodyPr wrap="square" rtlCol="0">
-            <a:spAutoFit/>
-          </a:bodyPr>
-          <a:lstStyle/>
-          <a:p>
-            <a:pPr algn="ctr"/>
-            <a:r>
-              <a:rPr lang="en-GB" sz="1000" dirty="0"/>
-              <a:t>Area under the ROC</a:t>
-            </a:r>
-          </a:p>
-        </p:txBody>
-      </p:sp>
-      <p:sp>
-        <p:nvSpPr>
-          <p:cNvPr id="71" name="TextBox 70">
-            <a:extLst>
-              <a:ext uri="{FF2B5EF4-FFF2-40B4-BE49-F238E27FC236}">
-                <a16:creationId xmlns:a16="http://schemas.microsoft.com/office/drawing/2014/main" id="{5D381014-7EE5-48CD-8EA1-C165B5252CE9}"/>
-              </a:ext>
-            </a:extLst>
-          </p:cNvPr>
-          <p:cNvSpPr txBox="1"/>
-          <p:nvPr/>
-        </p:nvSpPr>
-        <p:spPr>
-          <a:xfrm>
-            <a:off x="5228901" y="2367417"/>
-            <a:ext cx="180000" cy="215444"/>
-          </a:xfrm>
-          <a:prstGeom prst="rect">
-            <a:avLst/>
-          </a:prstGeom>
-          <a:solidFill>
-            <a:schemeClr val="bg1"/>
-          </a:solidFill>
-          <a:ln w="3175">
-            <a:solidFill>
-              <a:schemeClr val="tx1"/>
-            </a:solidFill>
-          </a:ln>
-        </p:spPr>
-        <p:txBody>
-          <a:bodyPr wrap="square" rtlCol="0">
-            <a:spAutoFit/>
-          </a:bodyPr>
-          <a:lstStyle/>
-          <a:p>
-            <a:pPr algn="ctr"/>
-            <a:r>
-              <a:rPr lang="es-ES" sz="800" b="1" dirty="0"/>
-              <a:t>d</a:t>
-            </a:r>
-            <a:endParaRPr lang="en-GB" sz="800" b="1" dirty="0"/>
-          </a:p>
-        </p:txBody>
-      </p:sp>
-      <p:sp>
-        <p:nvSpPr>
-          <p:cNvPr id="76" name="TextBox 75">
-            <a:extLst>
-              <a:ext uri="{FF2B5EF4-FFF2-40B4-BE49-F238E27FC236}">
-                <a16:creationId xmlns:a16="http://schemas.microsoft.com/office/drawing/2014/main" id="{55FDBC3C-9705-46F9-BB21-AFED95138B19}"/>
-              </a:ext>
-            </a:extLst>
-          </p:cNvPr>
-          <p:cNvSpPr txBox="1"/>
-          <p:nvPr/>
-        </p:nvSpPr>
-        <p:spPr>
-          <a:xfrm>
-            <a:off x="2751873" y="3371155"/>
-            <a:ext cx="180000" cy="215444"/>
-          </a:xfrm>
-          <a:prstGeom prst="rect">
-            <a:avLst/>
-          </a:prstGeom>
-          <a:solidFill>
-            <a:schemeClr val="bg1"/>
-          </a:solidFill>
-          <a:ln w="3175">
-            <a:solidFill>
-              <a:schemeClr val="tx1"/>
-            </a:solidFill>
-          </a:ln>
-        </p:spPr>
-        <p:txBody>
-          <a:bodyPr wrap="square" rtlCol="0">
-            <a:spAutoFit/>
-          </a:bodyPr>
-          <a:lstStyle/>
-          <a:p>
-            <a:pPr algn="ctr"/>
-            <a:r>
-              <a:rPr lang="es-ES" sz="800" b="1" dirty="0"/>
-              <a:t>c</a:t>
-            </a:r>
-            <a:endParaRPr lang="en-GB" sz="800" b="1" dirty="0"/>
-          </a:p>
-        </p:txBody>
-      </p:sp>
-      <p:sp>
-        <p:nvSpPr>
-          <p:cNvPr id="155" name="TextBox 154">
-            <a:extLst>
-              <a:ext uri="{FF2B5EF4-FFF2-40B4-BE49-F238E27FC236}">
-                <a16:creationId xmlns:a16="http://schemas.microsoft.com/office/drawing/2014/main" id="{BDEAE71A-FBEC-46FF-9973-830AE617C797}"/>
-              </a:ext>
-            </a:extLst>
-          </p:cNvPr>
-          <p:cNvSpPr txBox="1"/>
-          <p:nvPr/>
-        </p:nvSpPr>
-        <p:spPr>
-          <a:xfrm rot="16200000">
-            <a:off x="-648606" y="2944780"/>
-            <a:ext cx="1890000" cy="461665"/>
-          </a:xfrm>
-          <a:prstGeom prst="rect">
-            <a:avLst/>
-          </a:prstGeom>
-          <a:noFill/>
-        </p:spPr>
-        <p:txBody>
-          <a:bodyPr wrap="square" rtlCol="0">
-            <a:spAutoFit/>
-          </a:bodyPr>
-          <a:lstStyle/>
-          <a:p>
-            <a:pPr algn="ctr"/>
-            <a:r>
-              <a:rPr lang="en-GB" sz="1200" b="1" dirty="0"/>
-              <a:t>90</a:t>
-            </a:r>
-            <a:r>
-              <a:rPr lang="en-GB" sz="1200" b="1" baseline="30000" dirty="0"/>
-              <a:t>th</a:t>
-            </a:r>
-            <a:r>
-              <a:rPr lang="en-GB" sz="1200" b="1" dirty="0"/>
-              <a:t> percentile</a:t>
-            </a:r>
-          </a:p>
-          <a:p>
-            <a:pPr algn="ctr"/>
-            <a:r>
-              <a:rPr lang="en-GB" sz="1200" b="1" dirty="0"/>
-              <a:t>(tp &gt;= 14.080 mm/12h)</a:t>
-            </a:r>
-          </a:p>
-        </p:txBody>
-      </p:sp>
-      <p:sp>
-        <p:nvSpPr>
-          <p:cNvPr id="160" name="TextBox 159">
-            <a:extLst>
-              <a:ext uri="{FF2B5EF4-FFF2-40B4-BE49-F238E27FC236}">
-                <a16:creationId xmlns:a16="http://schemas.microsoft.com/office/drawing/2014/main" id="{3618D459-0643-4D17-A659-AEC6968BA840}"/>
-              </a:ext>
-            </a:extLst>
-          </p:cNvPr>
-          <p:cNvSpPr txBox="1"/>
-          <p:nvPr/>
-        </p:nvSpPr>
-        <p:spPr>
-          <a:xfrm rot="5400000">
-            <a:off x="4858643" y="2947860"/>
-            <a:ext cx="1890000" cy="461665"/>
-          </a:xfrm>
-          <a:prstGeom prst="rect">
-            <a:avLst/>
-          </a:prstGeom>
-          <a:noFill/>
-        </p:spPr>
-        <p:txBody>
-          <a:bodyPr wrap="square" rtlCol="0">
-            <a:spAutoFit/>
-          </a:bodyPr>
-          <a:lstStyle/>
-          <a:p>
-            <a:pPr algn="ctr"/>
-            <a:r>
-              <a:rPr lang="en-GB" sz="1200" b="1" dirty="0"/>
-              <a:t>90</a:t>
-            </a:r>
-            <a:r>
-              <a:rPr lang="en-GB" sz="1200" b="1" baseline="30000" dirty="0"/>
-              <a:t>th</a:t>
-            </a:r>
-            <a:r>
-              <a:rPr lang="en-GB" sz="1200" b="1" dirty="0"/>
-              <a:t> percentile</a:t>
-            </a:r>
-          </a:p>
-          <a:p>
-            <a:pPr algn="ctr"/>
-            <a:r>
-              <a:rPr lang="en-GB" sz="1200" b="1" dirty="0"/>
-              <a:t>(tp &gt;= 8.880 mm/12h)</a:t>
-            </a:r>
-          </a:p>
-        </p:txBody>
-      </p:sp>
-      <p:pic>
-        <p:nvPicPr>
-          <p:cNvPr id="36" name="Picture 35" descr="Chart&#10;&#10;Description automatically generated">
-            <a:extLst>
-              <a:ext uri="{FF2B5EF4-FFF2-40B4-BE49-F238E27FC236}">
-                <a16:creationId xmlns:a16="http://schemas.microsoft.com/office/drawing/2014/main" id="{E3BAE6B7-934F-46B2-9CDC-899AFCC5F23C}"/>
-              </a:ext>
-            </a:extLst>
-          </p:cNvPr>
-          <p:cNvPicPr>
-            <a:picLocks noChangeAspect="1"/>
-          </p:cNvPicPr>
-          <p:nvPr/>
-        </p:nvPicPr>
-        <p:blipFill>
-          <a:blip r:embed="rId10">
-            <a:extLst>
-              <a:ext uri="{28A0092B-C50C-407E-A947-70E740481C1C}">
-                <a14:useLocalDpi xmlns:a14="http://schemas.microsoft.com/office/drawing/2010/main" val="0"/>
-              </a:ext>
-            </a:extLst>
-          </a:blip>
-          <a:stretch>
-            <a:fillRect/>
-          </a:stretch>
-        </p:blipFill>
-        <p:spPr>
-          <a:xfrm>
-            <a:off x="3164888" y="399418"/>
-            <a:ext cx="2520000" cy="1889280"/>
-          </a:xfrm>
-          <a:prstGeom prst="rect">
-            <a:avLst/>
-          </a:prstGeom>
-        </p:spPr>
-      </p:pic>
-      <p:pic>
-        <p:nvPicPr>
-          <p:cNvPr id="43" name="Picture 42" descr="Chart&#10;&#10;Description automatically generated">
-            <a:extLst>
-              <a:ext uri="{FF2B5EF4-FFF2-40B4-BE49-F238E27FC236}">
-                <a16:creationId xmlns:a16="http://schemas.microsoft.com/office/drawing/2014/main" id="{D218246B-01E4-4C08-9D41-DB884FC7028F}"/>
-              </a:ext>
-            </a:extLst>
-          </p:cNvPr>
-          <p:cNvPicPr>
-            <a:picLocks noChangeAspect="1"/>
-          </p:cNvPicPr>
-          <p:nvPr/>
-        </p:nvPicPr>
-        <p:blipFill>
-          <a:blip r:embed="rId11">
-            <a:extLst>
-              <a:ext uri="{28A0092B-C50C-407E-A947-70E740481C1C}">
-                <a14:useLocalDpi xmlns:a14="http://schemas.microsoft.com/office/drawing/2010/main" val="0"/>
-              </a:ext>
-            </a:extLst>
-          </a:blip>
-          <a:stretch>
-            <a:fillRect/>
-          </a:stretch>
-        </p:blipFill>
-        <p:spPr>
-          <a:xfrm>
-            <a:off x="684014" y="395616"/>
-            <a:ext cx="2520000" cy="1889280"/>
-          </a:xfrm>
-          <a:prstGeom prst="rect">
-            <a:avLst/>
-          </a:prstGeom>
-        </p:spPr>
-      </p:pic>
-      <p:sp>
-        <p:nvSpPr>
-          <p:cNvPr id="68" name="TextBox 67">
-            <a:extLst>
-              <a:ext uri="{FF2B5EF4-FFF2-40B4-BE49-F238E27FC236}">
-                <a16:creationId xmlns:a16="http://schemas.microsoft.com/office/drawing/2014/main" id="{7622A09C-9CF6-482F-B646-EAE2672AADAB}"/>
-              </a:ext>
-            </a:extLst>
-          </p:cNvPr>
-          <p:cNvSpPr txBox="1"/>
-          <p:nvPr/>
-        </p:nvSpPr>
-        <p:spPr>
-          <a:xfrm rot="16200000">
-            <a:off x="-204108" y="1217507"/>
-            <a:ext cx="1890000" cy="246221"/>
-          </a:xfrm>
-          <a:prstGeom prst="rect">
-            <a:avLst/>
-          </a:prstGeom>
-          <a:noFill/>
-        </p:spPr>
-        <p:txBody>
-          <a:bodyPr wrap="square" rtlCol="0">
-            <a:spAutoFit/>
-          </a:bodyPr>
-          <a:lstStyle/>
-          <a:p>
-            <a:pPr algn="ctr"/>
-            <a:r>
-              <a:rPr lang="en-GB" sz="1000" dirty="0"/>
-              <a:t>Area under the ROC</a:t>
-            </a:r>
-          </a:p>
-        </p:txBody>
-      </p:sp>
-      <p:sp>
-        <p:nvSpPr>
-          <p:cNvPr id="70" name="TextBox 69">
-            <a:extLst>
-              <a:ext uri="{FF2B5EF4-FFF2-40B4-BE49-F238E27FC236}">
-                <a16:creationId xmlns:a16="http://schemas.microsoft.com/office/drawing/2014/main" id="{453E8BA3-25A6-48BC-853F-07D7221A16F4}"/>
-              </a:ext>
-            </a:extLst>
-          </p:cNvPr>
-          <p:cNvSpPr txBox="1"/>
-          <p:nvPr/>
-        </p:nvSpPr>
-        <p:spPr>
-          <a:xfrm>
-            <a:off x="5228901" y="569837"/>
-            <a:ext cx="180000" cy="215444"/>
-          </a:xfrm>
-          <a:prstGeom prst="rect">
-            <a:avLst/>
-          </a:prstGeom>
-          <a:solidFill>
-            <a:schemeClr val="bg1"/>
-          </a:solidFill>
-          <a:ln w="3175">
-            <a:solidFill>
-              <a:schemeClr val="tx1"/>
-            </a:solidFill>
-          </a:ln>
-        </p:spPr>
-        <p:txBody>
-          <a:bodyPr wrap="square" rtlCol="0">
-            <a:spAutoFit/>
-          </a:bodyPr>
-          <a:lstStyle/>
-          <a:p>
-            <a:pPr algn="ctr"/>
-            <a:r>
-              <a:rPr lang="es-ES" sz="800" b="1" dirty="0"/>
-              <a:t>b</a:t>
-            </a:r>
-            <a:endParaRPr lang="en-GB" sz="800" b="1" dirty="0"/>
-          </a:p>
-        </p:txBody>
-      </p:sp>
-      <p:sp>
-        <p:nvSpPr>
-          <p:cNvPr id="75" name="TextBox 74">
-            <a:extLst>
-              <a:ext uri="{FF2B5EF4-FFF2-40B4-BE49-F238E27FC236}">
-                <a16:creationId xmlns:a16="http://schemas.microsoft.com/office/drawing/2014/main" id="{B461C0C3-1220-4076-9A38-E3BAFE214F82}"/>
-              </a:ext>
-            </a:extLst>
-          </p:cNvPr>
-          <p:cNvSpPr txBox="1"/>
-          <p:nvPr/>
-        </p:nvSpPr>
-        <p:spPr>
-          <a:xfrm>
-            <a:off x="2751873" y="1569765"/>
-            <a:ext cx="180000" cy="215444"/>
-          </a:xfrm>
-          <a:prstGeom prst="rect">
-            <a:avLst/>
-          </a:prstGeom>
-          <a:solidFill>
-            <a:schemeClr val="bg1"/>
-          </a:solidFill>
-          <a:ln w="3175">
-            <a:solidFill>
-              <a:schemeClr val="tx1"/>
-            </a:solidFill>
-          </a:ln>
-        </p:spPr>
-        <p:txBody>
-          <a:bodyPr wrap="square" rtlCol="0">
-            <a:spAutoFit/>
-          </a:bodyPr>
-          <a:lstStyle/>
-          <a:p>
-            <a:pPr algn="ctr"/>
-            <a:r>
-              <a:rPr lang="es-ES" sz="800" b="1" dirty="0"/>
-              <a:t>a</a:t>
-            </a:r>
-            <a:endParaRPr lang="en-GB" sz="800" b="1" dirty="0"/>
-          </a:p>
-        </p:txBody>
-      </p:sp>
-      <p:sp>
-        <p:nvSpPr>
-          <p:cNvPr id="148" name="TextBox 147">
-            <a:extLst>
-              <a:ext uri="{FF2B5EF4-FFF2-40B4-BE49-F238E27FC236}">
-                <a16:creationId xmlns:a16="http://schemas.microsoft.com/office/drawing/2014/main" id="{3BD2F6FD-0DAE-445C-AB3F-8233884245D8}"/>
-              </a:ext>
-            </a:extLst>
-          </p:cNvPr>
-          <p:cNvSpPr txBox="1"/>
-          <p:nvPr/>
-        </p:nvSpPr>
-        <p:spPr>
-          <a:xfrm>
-            <a:off x="826519" y="282022"/>
-            <a:ext cx="2520000" cy="276999"/>
-          </a:xfrm>
-          <a:prstGeom prst="rect">
-            <a:avLst/>
-          </a:prstGeom>
-          <a:noFill/>
-        </p:spPr>
-        <p:txBody>
-          <a:bodyPr wrap="square" rtlCol="0">
-            <a:spAutoFit/>
-          </a:bodyPr>
-          <a:lstStyle/>
-          <a:p>
-            <a:pPr algn="ctr"/>
-            <a:r>
-              <a:rPr lang="en-GB" sz="1200" b="1" dirty="0"/>
-              <a:t>“La Costa”</a:t>
-            </a:r>
-          </a:p>
-        </p:txBody>
-      </p:sp>
-      <p:sp>
-        <p:nvSpPr>
-          <p:cNvPr id="149" name="TextBox 148">
-            <a:extLst>
-              <a:ext uri="{FF2B5EF4-FFF2-40B4-BE49-F238E27FC236}">
-                <a16:creationId xmlns:a16="http://schemas.microsoft.com/office/drawing/2014/main" id="{2F227396-6189-4DEE-B534-C292519764B7}"/>
-              </a:ext>
-            </a:extLst>
-          </p:cNvPr>
-          <p:cNvSpPr txBox="1"/>
-          <p:nvPr/>
-        </p:nvSpPr>
-        <p:spPr>
-          <a:xfrm>
-            <a:off x="3058009" y="282022"/>
-            <a:ext cx="2520000" cy="276999"/>
-          </a:xfrm>
-          <a:prstGeom prst="rect">
-            <a:avLst/>
-          </a:prstGeom>
-          <a:noFill/>
-        </p:spPr>
-        <p:txBody>
-          <a:bodyPr wrap="square" rtlCol="0">
-            <a:spAutoFit/>
-          </a:bodyPr>
-          <a:lstStyle/>
-          <a:p>
-            <a:pPr algn="ctr"/>
-            <a:r>
-              <a:rPr lang="en-GB" sz="1200" b="1" dirty="0"/>
-              <a:t>“La Sierra”</a:t>
-            </a:r>
-          </a:p>
-        </p:txBody>
-      </p:sp>
-      <p:sp>
-        <p:nvSpPr>
-          <p:cNvPr id="156" name="TextBox 155">
-            <a:extLst>
-              <a:ext uri="{FF2B5EF4-FFF2-40B4-BE49-F238E27FC236}">
-                <a16:creationId xmlns:a16="http://schemas.microsoft.com/office/drawing/2014/main" id="{55ABE292-53C1-4013-813F-2C322C8CA559}"/>
-              </a:ext>
-            </a:extLst>
-          </p:cNvPr>
-          <p:cNvSpPr txBox="1"/>
-          <p:nvPr/>
-        </p:nvSpPr>
-        <p:spPr>
-          <a:xfrm rot="16200000">
-            <a:off x="-648606" y="1142428"/>
-            <a:ext cx="1890000" cy="461665"/>
-          </a:xfrm>
-          <a:prstGeom prst="rect">
-            <a:avLst/>
-          </a:prstGeom>
-          <a:noFill/>
-        </p:spPr>
-        <p:txBody>
-          <a:bodyPr wrap="square" rtlCol="0">
-            <a:spAutoFit/>
-          </a:bodyPr>
-          <a:lstStyle/>
-          <a:p>
-            <a:pPr algn="ctr"/>
-            <a:r>
-              <a:rPr lang="en-GB" sz="1200" b="1" dirty="0"/>
-              <a:t>85</a:t>
-            </a:r>
-            <a:r>
-              <a:rPr lang="en-GB" sz="1200" b="1" baseline="30000" dirty="0"/>
-              <a:t>th</a:t>
-            </a:r>
-            <a:r>
-              <a:rPr lang="en-GB" sz="1200" b="1" dirty="0"/>
-              <a:t> percentile</a:t>
-            </a:r>
-          </a:p>
-          <a:p>
-            <a:pPr algn="ctr"/>
-            <a:r>
-              <a:rPr lang="en-GB" sz="1200" b="1" dirty="0"/>
-              <a:t>(tp &gt;= 9.419 mm/12h)</a:t>
-            </a:r>
-          </a:p>
-        </p:txBody>
-      </p:sp>
-      <p:sp>
-        <p:nvSpPr>
-          <p:cNvPr id="161" name="TextBox 160">
-            <a:extLst>
-              <a:ext uri="{FF2B5EF4-FFF2-40B4-BE49-F238E27FC236}">
-                <a16:creationId xmlns:a16="http://schemas.microsoft.com/office/drawing/2014/main" id="{91D08E8B-4E44-4400-9BC5-3BD9EF49592E}"/>
-              </a:ext>
-            </a:extLst>
-          </p:cNvPr>
-          <p:cNvSpPr txBox="1"/>
-          <p:nvPr/>
-        </p:nvSpPr>
-        <p:spPr>
-          <a:xfrm rot="5400000">
-            <a:off x="4858643" y="1145508"/>
-            <a:ext cx="1890000" cy="461665"/>
-          </a:xfrm>
-          <a:prstGeom prst="rect">
-            <a:avLst/>
-          </a:prstGeom>
-          <a:noFill/>
-        </p:spPr>
-        <p:txBody>
-          <a:bodyPr wrap="square" rtlCol="0">
-            <a:spAutoFit/>
-          </a:bodyPr>
-          <a:lstStyle/>
-          <a:p>
-            <a:pPr algn="ctr"/>
-            <a:r>
-              <a:rPr lang="en-GB" sz="1200" b="1" dirty="0"/>
-              <a:t>85</a:t>
-            </a:r>
-            <a:r>
-              <a:rPr lang="en-GB" sz="1200" b="1" baseline="30000" dirty="0"/>
-              <a:t>th</a:t>
-            </a:r>
-            <a:r>
-              <a:rPr lang="en-GB" sz="1200" b="1" dirty="0"/>
-              <a:t> percentile</a:t>
-            </a:r>
-          </a:p>
-          <a:p>
-            <a:pPr algn="ctr"/>
-            <a:r>
-              <a:rPr lang="en-GB" sz="1200" b="1" dirty="0"/>
-              <a:t>(tp &gt;= 6.112 mm/12h)</a:t>
-            </a:r>
-          </a:p>
-        </p:txBody>
-      </p:sp>
-      <p:cxnSp>
-        <p:nvCxnSpPr>
-          <p:cNvPr id="41" name="Straight Connector 40">
-            <a:extLst>
-              <a:ext uri="{FF2B5EF4-FFF2-40B4-BE49-F238E27FC236}">
-                <a16:creationId xmlns:a16="http://schemas.microsoft.com/office/drawing/2014/main" id="{D19E389E-66FF-49C8-8025-F8FD5E3933F7}"/>
+                <a16:creationId xmlns:a16="http://schemas.microsoft.com/office/drawing/2014/main" id="{377C66FD-529A-4A29-AA0C-66E0F4A85000}"/>
               </a:ext>
             </a:extLst>
           </p:cNvPr>
@@ -6502,13 +4069,13 @@
         </p:nvCxnSpPr>
         <p:spPr>
           <a:xfrm>
-            <a:off x="3253839" y="186047"/>
-            <a:ext cx="720000" cy="0"/>
+            <a:off x="3291920" y="228596"/>
+            <a:ext cx="540000" cy="0"/>
           </a:xfrm>
           <a:prstGeom prst="line">
             <a:avLst/>
           </a:prstGeom>
-          <a:ln w="12700">
+          <a:ln w="38100">
             <a:solidFill>
               <a:srgbClr val="0000FF"/>
             </a:solidFill>
@@ -6531,10 +4098,10 @@
       </p:cxnSp>
       <p:cxnSp>
         <p:nvCxnSpPr>
-          <p:cNvPr id="42" name="Straight Connector 41">
+          <p:cNvPr id="82" name="Straight Connector 81">
             <a:extLst>
               <a:ext uri="{FF2B5EF4-FFF2-40B4-BE49-F238E27FC236}">
-                <a16:creationId xmlns:a16="http://schemas.microsoft.com/office/drawing/2014/main" id="{BC77EBE6-E7D0-4C33-8A47-88E3B6D50B17}"/>
+                <a16:creationId xmlns:a16="http://schemas.microsoft.com/office/drawing/2014/main" id="{090D61E3-A960-46E0-A7D3-BA34DFF9F090}"/>
               </a:ext>
             </a:extLst>
           </p:cNvPr>
@@ -6545,13 +4112,13 @@
         </p:nvCxnSpPr>
         <p:spPr>
           <a:xfrm>
-            <a:off x="1933210" y="186047"/>
-            <a:ext cx="720000" cy="0"/>
+            <a:off x="2546673" y="228596"/>
+            <a:ext cx="540000" cy="0"/>
           </a:xfrm>
           <a:prstGeom prst="line">
             <a:avLst/>
           </a:prstGeom>
-          <a:ln w="12700">
+          <a:ln w="38100">
             <a:solidFill>
               <a:srgbClr val="FF0000"/>
             </a:solidFill>
@@ -6574,10 +4141,10 @@
       </p:cxnSp>
       <p:sp>
         <p:nvSpPr>
-          <p:cNvPr id="46" name="TextBox 45">
+          <p:cNvPr id="83" name="TextBox 82">
             <a:extLst>
               <a:ext uri="{FF2B5EF4-FFF2-40B4-BE49-F238E27FC236}">
-                <a16:creationId xmlns:a16="http://schemas.microsoft.com/office/drawing/2014/main" id="{24EEA0CD-1073-4AFF-9F6D-2C151D749401}"/>
+                <a16:creationId xmlns:a16="http://schemas.microsoft.com/office/drawing/2014/main" id="{E87050D7-461D-4FA8-AAAA-B2927D17BF36}"/>
               </a:ext>
             </a:extLst>
           </p:cNvPr>
@@ -6586,7 +4153,7 @@
         </p:nvSpPr>
         <p:spPr>
           <a:xfrm>
-            <a:off x="2653210" y="62864"/>
+            <a:off x="2578125" y="-17770"/>
             <a:ext cx="477097" cy="246366"/>
           </a:xfrm>
           <a:prstGeom prst="rect">
@@ -6610,10 +4177,10 @@
       </p:sp>
       <p:sp>
         <p:nvSpPr>
-          <p:cNvPr id="47" name="TextBox 46">
+          <p:cNvPr id="84" name="TextBox 83">
             <a:extLst>
               <a:ext uri="{FF2B5EF4-FFF2-40B4-BE49-F238E27FC236}">
-                <a16:creationId xmlns:a16="http://schemas.microsoft.com/office/drawing/2014/main" id="{9B0B5EDD-E28D-49F1-9D42-C086D2022F6B}"/>
+                <a16:creationId xmlns:a16="http://schemas.microsoft.com/office/drawing/2014/main" id="{DCA229DB-8991-4C74-A0F1-F0C1F1931148}"/>
               </a:ext>
             </a:extLst>
           </p:cNvPr>
@@ -6622,7 +4189,7 @@
         </p:nvSpPr>
         <p:spPr>
           <a:xfrm>
-            <a:off x="3977579" y="61936"/>
+            <a:off x="3233380" y="-17770"/>
             <a:ext cx="657080" cy="246221"/>
           </a:xfrm>
           <a:prstGeom prst="rect">
@@ -6640,6 +4207,2282 @@
             <a:r>
               <a:rPr lang="en-GB" sz="1000" dirty="0"/>
               <a:t>ecPoint</a:t>
+            </a:r>
+          </a:p>
+        </p:txBody>
+      </p:sp>
+      <p:sp>
+        <p:nvSpPr>
+          <p:cNvPr id="85" name="TextBox 84">
+            <a:extLst>
+              <a:ext uri="{FF2B5EF4-FFF2-40B4-BE49-F238E27FC236}">
+                <a16:creationId xmlns:a16="http://schemas.microsoft.com/office/drawing/2014/main" id="{0249158A-4189-483C-8D72-5DD69FC3D3B2}"/>
+              </a:ext>
+            </a:extLst>
+          </p:cNvPr>
+          <p:cNvSpPr txBox="1"/>
+          <p:nvPr/>
+        </p:nvSpPr>
+        <p:spPr>
+          <a:xfrm rot="16200000">
+            <a:off x="-913387" y="3740776"/>
+            <a:ext cx="2099402" cy="215444"/>
+          </a:xfrm>
+          <a:prstGeom prst="rect">
+            <a:avLst/>
+          </a:prstGeom>
+          <a:noFill/>
+        </p:spPr>
+        <p:txBody>
+          <a:bodyPr wrap="square" rtlCol="0">
+            <a:spAutoFit/>
+          </a:bodyPr>
+          <a:lstStyle/>
+          <a:p>
+            <a:pPr algn="ctr"/>
+            <a:r>
+              <a:rPr lang="en-GB" sz="800" dirty="0"/>
+              <a:t>Area under the ROC</a:t>
+            </a:r>
+          </a:p>
+        </p:txBody>
+      </p:sp>
+      <p:sp>
+        <p:nvSpPr>
+          <p:cNvPr id="86" name="TextBox 85">
+            <a:extLst>
+              <a:ext uri="{FF2B5EF4-FFF2-40B4-BE49-F238E27FC236}">
+                <a16:creationId xmlns:a16="http://schemas.microsoft.com/office/drawing/2014/main" id="{9E48FFDA-5009-456E-AB67-6011D65FD542}"/>
+              </a:ext>
+            </a:extLst>
+          </p:cNvPr>
+          <p:cNvSpPr txBox="1"/>
+          <p:nvPr/>
+        </p:nvSpPr>
+        <p:spPr>
+          <a:xfrm>
+            <a:off x="1795630" y="4487547"/>
+            <a:ext cx="1152000" cy="338554"/>
+          </a:xfrm>
+          <a:prstGeom prst="rect">
+            <a:avLst/>
+          </a:prstGeom>
+          <a:solidFill>
+            <a:schemeClr val="bg1"/>
+          </a:solidFill>
+          <a:ln>
+            <a:solidFill>
+              <a:schemeClr val="tx1"/>
+            </a:solidFill>
+          </a:ln>
+        </p:spPr>
+        <p:txBody>
+          <a:bodyPr wrap="square" rtlCol="0">
+            <a:spAutoFit/>
+          </a:bodyPr>
+          <a:lstStyle/>
+          <a:p>
+            <a:pPr algn="ctr"/>
+            <a:r>
+              <a:rPr lang="en-GB" sz="800" dirty="0"/>
+              <a:t>99</a:t>
+            </a:r>
+            <a:r>
+              <a:rPr lang="en-GB" sz="800" baseline="30000" dirty="0"/>
+              <a:t>th</a:t>
+            </a:r>
+            <a:r>
+              <a:rPr lang="en-GB" sz="800" dirty="0"/>
+              <a:t> percentile</a:t>
+            </a:r>
+          </a:p>
+          <a:p>
+            <a:pPr algn="ctr"/>
+            <a:r>
+              <a:rPr lang="en-GB" sz="800" dirty="0"/>
+              <a:t>(tp &gt;= 46.786 mm/12h)</a:t>
+            </a:r>
+          </a:p>
+        </p:txBody>
+      </p:sp>
+      <p:sp>
+        <p:nvSpPr>
+          <p:cNvPr id="87" name="TextBox 86">
+            <a:extLst>
+              <a:ext uri="{FF2B5EF4-FFF2-40B4-BE49-F238E27FC236}">
+                <a16:creationId xmlns:a16="http://schemas.microsoft.com/office/drawing/2014/main" id="{AA154F77-0799-4142-A090-A67AAC423B5D}"/>
+              </a:ext>
+            </a:extLst>
+          </p:cNvPr>
+          <p:cNvSpPr txBox="1"/>
+          <p:nvPr/>
+        </p:nvSpPr>
+        <p:spPr>
+          <a:xfrm>
+            <a:off x="4750894" y="2940397"/>
+            <a:ext cx="1152000" cy="338554"/>
+          </a:xfrm>
+          <a:prstGeom prst="rect">
+            <a:avLst/>
+          </a:prstGeom>
+          <a:solidFill>
+            <a:schemeClr val="bg1"/>
+          </a:solidFill>
+          <a:ln>
+            <a:solidFill>
+              <a:schemeClr val="tx1"/>
+            </a:solidFill>
+          </a:ln>
+        </p:spPr>
+        <p:txBody>
+          <a:bodyPr wrap="square" rtlCol="0">
+            <a:spAutoFit/>
+          </a:bodyPr>
+          <a:lstStyle/>
+          <a:p>
+            <a:pPr algn="ctr"/>
+            <a:r>
+              <a:rPr lang="en-GB" sz="800" dirty="0"/>
+              <a:t>99</a:t>
+            </a:r>
+            <a:r>
+              <a:rPr lang="en-GB" sz="800" baseline="30000" dirty="0"/>
+              <a:t>th</a:t>
+            </a:r>
+            <a:r>
+              <a:rPr lang="en-GB" sz="800" dirty="0"/>
+              <a:t> percentile</a:t>
+            </a:r>
+          </a:p>
+          <a:p>
+            <a:pPr algn="ctr"/>
+            <a:r>
+              <a:rPr lang="en-GB" sz="800" dirty="0"/>
+              <a:t>(tp &gt;= 27.501 mm/12h)</a:t>
+            </a:r>
+          </a:p>
+        </p:txBody>
+      </p:sp>
+      <p:sp>
+        <p:nvSpPr>
+          <p:cNvPr id="89" name="TextBox 88">
+            <a:extLst>
+              <a:ext uri="{FF2B5EF4-FFF2-40B4-BE49-F238E27FC236}">
+                <a16:creationId xmlns:a16="http://schemas.microsoft.com/office/drawing/2014/main" id="{B39140BE-A13C-4AE0-A6FD-6EE6FEB5AC74}"/>
+              </a:ext>
+            </a:extLst>
+          </p:cNvPr>
+          <p:cNvSpPr txBox="1"/>
+          <p:nvPr/>
+        </p:nvSpPr>
+        <p:spPr>
+          <a:xfrm>
+            <a:off x="489216" y="5170760"/>
+            <a:ext cx="2650484" cy="215444"/>
+          </a:xfrm>
+          <a:prstGeom prst="rect">
+            <a:avLst/>
+          </a:prstGeom>
+          <a:noFill/>
+        </p:spPr>
+        <p:txBody>
+          <a:bodyPr wrap="square" rtlCol="0">
+            <a:spAutoFit/>
+          </a:bodyPr>
+          <a:lstStyle/>
+          <a:p>
+            <a:pPr algn="ctr"/>
+            <a:r>
+              <a:rPr lang="en-GB" sz="800" dirty="0"/>
+              <a:t>Steps at the end of 12-h accumulation periods</a:t>
+            </a:r>
+          </a:p>
+        </p:txBody>
+      </p:sp>
+      <p:cxnSp>
+        <p:nvCxnSpPr>
+          <p:cNvPr id="90" name="Straight Connector 89">
+            <a:extLst>
+              <a:ext uri="{FF2B5EF4-FFF2-40B4-BE49-F238E27FC236}">
+                <a16:creationId xmlns:a16="http://schemas.microsoft.com/office/drawing/2014/main" id="{345F1F1F-24FA-4369-9630-5A3B8D20A985}"/>
+              </a:ext>
+            </a:extLst>
+          </p:cNvPr>
+          <p:cNvCxnSpPr>
+            <a:cxnSpLocks/>
+          </p:cNvCxnSpPr>
+          <p:nvPr/>
+        </p:nvCxnSpPr>
+        <p:spPr>
+          <a:xfrm flipV="1">
+            <a:off x="490754" y="431231"/>
+            <a:ext cx="0" cy="2016000"/>
+          </a:xfrm>
+          <a:prstGeom prst="line">
+            <a:avLst/>
+          </a:prstGeom>
+          <a:ln w="3175">
+            <a:solidFill>
+              <a:schemeClr val="bg1">
+                <a:lumMod val="85000"/>
+              </a:schemeClr>
+            </a:solidFill>
+          </a:ln>
+        </p:spPr>
+        <p:style>
+          <a:lnRef idx="1">
+            <a:schemeClr val="accent1"/>
+          </a:lnRef>
+          <a:fillRef idx="0">
+            <a:schemeClr val="accent1"/>
+          </a:fillRef>
+          <a:effectRef idx="0">
+            <a:schemeClr val="accent1"/>
+          </a:effectRef>
+          <a:fontRef idx="minor">
+            <a:schemeClr val="tx1"/>
+          </a:fontRef>
+        </p:style>
+      </p:cxnSp>
+      <p:cxnSp>
+        <p:nvCxnSpPr>
+          <p:cNvPr id="91" name="Straight Connector 90">
+            <a:extLst>
+              <a:ext uri="{FF2B5EF4-FFF2-40B4-BE49-F238E27FC236}">
+                <a16:creationId xmlns:a16="http://schemas.microsoft.com/office/drawing/2014/main" id="{52DA2BFD-9BF9-4C18-8459-5FED50E88395}"/>
+              </a:ext>
+            </a:extLst>
+          </p:cNvPr>
+          <p:cNvCxnSpPr>
+            <a:cxnSpLocks/>
+          </p:cNvCxnSpPr>
+          <p:nvPr/>
+        </p:nvCxnSpPr>
+        <p:spPr>
+          <a:xfrm flipV="1">
+            <a:off x="554537" y="431231"/>
+            <a:ext cx="0" cy="2016000"/>
+          </a:xfrm>
+          <a:prstGeom prst="line">
+            <a:avLst/>
+          </a:prstGeom>
+          <a:ln w="3175">
+            <a:solidFill>
+              <a:schemeClr val="bg1">
+                <a:lumMod val="85000"/>
+              </a:schemeClr>
+            </a:solidFill>
+          </a:ln>
+        </p:spPr>
+        <p:style>
+          <a:lnRef idx="1">
+            <a:schemeClr val="accent1"/>
+          </a:lnRef>
+          <a:fillRef idx="0">
+            <a:schemeClr val="accent1"/>
+          </a:fillRef>
+          <a:effectRef idx="0">
+            <a:schemeClr val="accent1"/>
+          </a:effectRef>
+          <a:fontRef idx="minor">
+            <a:schemeClr val="tx1"/>
+          </a:fontRef>
+        </p:style>
+      </p:cxnSp>
+      <p:cxnSp>
+        <p:nvCxnSpPr>
+          <p:cNvPr id="92" name="Straight Connector 91">
+            <a:extLst>
+              <a:ext uri="{FF2B5EF4-FFF2-40B4-BE49-F238E27FC236}">
+                <a16:creationId xmlns:a16="http://schemas.microsoft.com/office/drawing/2014/main" id="{A3E60E95-8A56-4184-B513-1C0DF77ED817}"/>
+              </a:ext>
+            </a:extLst>
+          </p:cNvPr>
+          <p:cNvCxnSpPr>
+            <a:cxnSpLocks/>
+          </p:cNvCxnSpPr>
+          <p:nvPr/>
+        </p:nvCxnSpPr>
+        <p:spPr>
+          <a:xfrm flipV="1">
+            <a:off x="820685" y="431231"/>
+            <a:ext cx="0" cy="2016000"/>
+          </a:xfrm>
+          <a:prstGeom prst="line">
+            <a:avLst/>
+          </a:prstGeom>
+          <a:ln w="3175">
+            <a:solidFill>
+              <a:schemeClr val="bg1">
+                <a:lumMod val="85000"/>
+              </a:schemeClr>
+            </a:solidFill>
+          </a:ln>
+        </p:spPr>
+        <p:style>
+          <a:lnRef idx="1">
+            <a:schemeClr val="accent1"/>
+          </a:lnRef>
+          <a:fillRef idx="0">
+            <a:schemeClr val="accent1"/>
+          </a:fillRef>
+          <a:effectRef idx="0">
+            <a:schemeClr val="accent1"/>
+          </a:effectRef>
+          <a:fontRef idx="minor">
+            <a:schemeClr val="tx1"/>
+          </a:fontRef>
+        </p:style>
+      </p:cxnSp>
+      <p:cxnSp>
+        <p:nvCxnSpPr>
+          <p:cNvPr id="93" name="Straight Connector 92">
+            <a:extLst>
+              <a:ext uri="{FF2B5EF4-FFF2-40B4-BE49-F238E27FC236}">
+                <a16:creationId xmlns:a16="http://schemas.microsoft.com/office/drawing/2014/main" id="{E0F7B734-A084-40C4-A161-F2293A25C0C6}"/>
+              </a:ext>
+            </a:extLst>
+          </p:cNvPr>
+          <p:cNvCxnSpPr>
+            <a:cxnSpLocks/>
+          </p:cNvCxnSpPr>
+          <p:nvPr/>
+        </p:nvCxnSpPr>
+        <p:spPr>
+          <a:xfrm flipV="1">
+            <a:off x="1089587" y="431231"/>
+            <a:ext cx="0" cy="2016000"/>
+          </a:xfrm>
+          <a:prstGeom prst="line">
+            <a:avLst/>
+          </a:prstGeom>
+          <a:ln w="3175">
+            <a:solidFill>
+              <a:schemeClr val="bg1">
+                <a:lumMod val="85000"/>
+              </a:schemeClr>
+            </a:solidFill>
+          </a:ln>
+        </p:spPr>
+        <p:style>
+          <a:lnRef idx="1">
+            <a:schemeClr val="accent1"/>
+          </a:lnRef>
+          <a:fillRef idx="0">
+            <a:schemeClr val="accent1"/>
+          </a:fillRef>
+          <a:effectRef idx="0">
+            <a:schemeClr val="accent1"/>
+          </a:effectRef>
+          <a:fontRef idx="minor">
+            <a:schemeClr val="tx1"/>
+          </a:fontRef>
+        </p:style>
+      </p:cxnSp>
+      <p:cxnSp>
+        <p:nvCxnSpPr>
+          <p:cNvPr id="94" name="Straight Connector 93">
+            <a:extLst>
+              <a:ext uri="{FF2B5EF4-FFF2-40B4-BE49-F238E27FC236}">
+                <a16:creationId xmlns:a16="http://schemas.microsoft.com/office/drawing/2014/main" id="{FD4C843F-CBA6-4B85-8F30-AC99A328A9AD}"/>
+              </a:ext>
+            </a:extLst>
+          </p:cNvPr>
+          <p:cNvCxnSpPr>
+            <a:cxnSpLocks/>
+          </p:cNvCxnSpPr>
+          <p:nvPr/>
+        </p:nvCxnSpPr>
+        <p:spPr>
+          <a:xfrm flipV="1">
+            <a:off x="1355735" y="431231"/>
+            <a:ext cx="0" cy="2016000"/>
+          </a:xfrm>
+          <a:prstGeom prst="line">
+            <a:avLst/>
+          </a:prstGeom>
+          <a:ln w="3175">
+            <a:solidFill>
+              <a:schemeClr val="bg1">
+                <a:lumMod val="85000"/>
+              </a:schemeClr>
+            </a:solidFill>
+          </a:ln>
+        </p:spPr>
+        <p:style>
+          <a:lnRef idx="1">
+            <a:schemeClr val="accent1"/>
+          </a:lnRef>
+          <a:fillRef idx="0">
+            <a:schemeClr val="accent1"/>
+          </a:fillRef>
+          <a:effectRef idx="0">
+            <a:schemeClr val="accent1"/>
+          </a:effectRef>
+          <a:fontRef idx="minor">
+            <a:schemeClr val="tx1"/>
+          </a:fontRef>
+        </p:style>
+      </p:cxnSp>
+      <p:cxnSp>
+        <p:nvCxnSpPr>
+          <p:cNvPr id="95" name="Straight Connector 94">
+            <a:extLst>
+              <a:ext uri="{FF2B5EF4-FFF2-40B4-BE49-F238E27FC236}">
+                <a16:creationId xmlns:a16="http://schemas.microsoft.com/office/drawing/2014/main" id="{7C0D8D8F-105D-4715-9519-65344A7B6C43}"/>
+              </a:ext>
+            </a:extLst>
+          </p:cNvPr>
+          <p:cNvCxnSpPr>
+            <a:cxnSpLocks/>
+          </p:cNvCxnSpPr>
+          <p:nvPr/>
+        </p:nvCxnSpPr>
+        <p:spPr>
+          <a:xfrm flipV="1">
+            <a:off x="1488809" y="431231"/>
+            <a:ext cx="0" cy="2016000"/>
+          </a:xfrm>
+          <a:prstGeom prst="line">
+            <a:avLst/>
+          </a:prstGeom>
+          <a:ln w="3175">
+            <a:solidFill>
+              <a:schemeClr val="bg1">
+                <a:lumMod val="85000"/>
+              </a:schemeClr>
+            </a:solidFill>
+          </a:ln>
+        </p:spPr>
+        <p:style>
+          <a:lnRef idx="1">
+            <a:schemeClr val="accent1"/>
+          </a:lnRef>
+          <a:fillRef idx="0">
+            <a:schemeClr val="accent1"/>
+          </a:fillRef>
+          <a:effectRef idx="0">
+            <a:schemeClr val="accent1"/>
+          </a:effectRef>
+          <a:fontRef idx="minor">
+            <a:schemeClr val="tx1"/>
+          </a:fontRef>
+        </p:style>
+      </p:cxnSp>
+      <p:cxnSp>
+        <p:nvCxnSpPr>
+          <p:cNvPr id="96" name="Straight Connector 95">
+            <a:extLst>
+              <a:ext uri="{FF2B5EF4-FFF2-40B4-BE49-F238E27FC236}">
+                <a16:creationId xmlns:a16="http://schemas.microsoft.com/office/drawing/2014/main" id="{792482D7-B865-4B40-AB03-1758A58AB4EC}"/>
+              </a:ext>
+            </a:extLst>
+          </p:cNvPr>
+          <p:cNvCxnSpPr>
+            <a:cxnSpLocks/>
+          </p:cNvCxnSpPr>
+          <p:nvPr/>
+        </p:nvCxnSpPr>
+        <p:spPr>
+          <a:xfrm flipV="1">
+            <a:off x="1621883" y="431231"/>
+            <a:ext cx="0" cy="2016000"/>
+          </a:xfrm>
+          <a:prstGeom prst="line">
+            <a:avLst/>
+          </a:prstGeom>
+          <a:ln w="3175">
+            <a:solidFill>
+              <a:schemeClr val="bg1">
+                <a:lumMod val="85000"/>
+              </a:schemeClr>
+            </a:solidFill>
+          </a:ln>
+        </p:spPr>
+        <p:style>
+          <a:lnRef idx="1">
+            <a:schemeClr val="accent1"/>
+          </a:lnRef>
+          <a:fillRef idx="0">
+            <a:schemeClr val="accent1"/>
+          </a:fillRef>
+          <a:effectRef idx="0">
+            <a:schemeClr val="accent1"/>
+          </a:effectRef>
+          <a:fontRef idx="minor">
+            <a:schemeClr val="tx1"/>
+          </a:fontRef>
+        </p:style>
+      </p:cxnSp>
+      <p:cxnSp>
+        <p:nvCxnSpPr>
+          <p:cNvPr id="97" name="Straight Connector 96">
+            <a:extLst>
+              <a:ext uri="{FF2B5EF4-FFF2-40B4-BE49-F238E27FC236}">
+                <a16:creationId xmlns:a16="http://schemas.microsoft.com/office/drawing/2014/main" id="{54845AC9-C388-4EEB-9596-1482E6E726C2}"/>
+              </a:ext>
+            </a:extLst>
+          </p:cNvPr>
+          <p:cNvCxnSpPr>
+            <a:cxnSpLocks/>
+          </p:cNvCxnSpPr>
+          <p:nvPr/>
+        </p:nvCxnSpPr>
+        <p:spPr>
+          <a:xfrm flipV="1">
+            <a:off x="1754957" y="431231"/>
+            <a:ext cx="0" cy="2016000"/>
+          </a:xfrm>
+          <a:prstGeom prst="line">
+            <a:avLst/>
+          </a:prstGeom>
+          <a:ln w="3175">
+            <a:solidFill>
+              <a:schemeClr val="bg1">
+                <a:lumMod val="85000"/>
+              </a:schemeClr>
+            </a:solidFill>
+          </a:ln>
+        </p:spPr>
+        <p:style>
+          <a:lnRef idx="1">
+            <a:schemeClr val="accent1"/>
+          </a:lnRef>
+          <a:fillRef idx="0">
+            <a:schemeClr val="accent1"/>
+          </a:fillRef>
+          <a:effectRef idx="0">
+            <a:schemeClr val="accent1"/>
+          </a:effectRef>
+          <a:fontRef idx="minor">
+            <a:schemeClr val="tx1"/>
+          </a:fontRef>
+        </p:style>
+      </p:cxnSp>
+      <p:cxnSp>
+        <p:nvCxnSpPr>
+          <p:cNvPr id="98" name="Straight Connector 97">
+            <a:extLst>
+              <a:ext uri="{FF2B5EF4-FFF2-40B4-BE49-F238E27FC236}">
+                <a16:creationId xmlns:a16="http://schemas.microsoft.com/office/drawing/2014/main" id="{DEB542EE-EDEE-47FA-8E4A-511401D672FA}"/>
+              </a:ext>
+            </a:extLst>
+          </p:cNvPr>
+          <p:cNvCxnSpPr>
+            <a:cxnSpLocks/>
+          </p:cNvCxnSpPr>
+          <p:nvPr/>
+        </p:nvCxnSpPr>
+        <p:spPr>
+          <a:xfrm flipV="1">
+            <a:off x="1888031" y="431231"/>
+            <a:ext cx="0" cy="2016000"/>
+          </a:xfrm>
+          <a:prstGeom prst="line">
+            <a:avLst/>
+          </a:prstGeom>
+          <a:ln w="3175">
+            <a:solidFill>
+              <a:schemeClr val="bg1">
+                <a:lumMod val="85000"/>
+              </a:schemeClr>
+            </a:solidFill>
+          </a:ln>
+        </p:spPr>
+        <p:style>
+          <a:lnRef idx="1">
+            <a:schemeClr val="accent1"/>
+          </a:lnRef>
+          <a:fillRef idx="0">
+            <a:schemeClr val="accent1"/>
+          </a:fillRef>
+          <a:effectRef idx="0">
+            <a:schemeClr val="accent1"/>
+          </a:effectRef>
+          <a:fontRef idx="minor">
+            <a:schemeClr val="tx1"/>
+          </a:fontRef>
+        </p:style>
+      </p:cxnSp>
+      <p:cxnSp>
+        <p:nvCxnSpPr>
+          <p:cNvPr id="99" name="Straight Connector 98">
+            <a:extLst>
+              <a:ext uri="{FF2B5EF4-FFF2-40B4-BE49-F238E27FC236}">
+                <a16:creationId xmlns:a16="http://schemas.microsoft.com/office/drawing/2014/main" id="{B174E479-DB75-4CBC-B336-7A04FB2ACFD8}"/>
+              </a:ext>
+            </a:extLst>
+          </p:cNvPr>
+          <p:cNvCxnSpPr>
+            <a:cxnSpLocks/>
+          </p:cNvCxnSpPr>
+          <p:nvPr/>
+        </p:nvCxnSpPr>
+        <p:spPr>
+          <a:xfrm flipV="1">
+            <a:off x="2021105" y="431231"/>
+            <a:ext cx="0" cy="2016000"/>
+          </a:xfrm>
+          <a:prstGeom prst="line">
+            <a:avLst/>
+          </a:prstGeom>
+          <a:ln w="3175">
+            <a:solidFill>
+              <a:schemeClr val="bg1">
+                <a:lumMod val="85000"/>
+              </a:schemeClr>
+            </a:solidFill>
+          </a:ln>
+        </p:spPr>
+        <p:style>
+          <a:lnRef idx="1">
+            <a:schemeClr val="accent1"/>
+          </a:lnRef>
+          <a:fillRef idx="0">
+            <a:schemeClr val="accent1"/>
+          </a:fillRef>
+          <a:effectRef idx="0">
+            <a:schemeClr val="accent1"/>
+          </a:effectRef>
+          <a:fontRef idx="minor">
+            <a:schemeClr val="tx1"/>
+          </a:fontRef>
+        </p:style>
+      </p:cxnSp>
+      <p:cxnSp>
+        <p:nvCxnSpPr>
+          <p:cNvPr id="100" name="Straight Connector 99">
+            <a:extLst>
+              <a:ext uri="{FF2B5EF4-FFF2-40B4-BE49-F238E27FC236}">
+                <a16:creationId xmlns:a16="http://schemas.microsoft.com/office/drawing/2014/main" id="{A0110D80-B1AD-45EB-AB8D-9EC44C439428}"/>
+              </a:ext>
+            </a:extLst>
+          </p:cNvPr>
+          <p:cNvCxnSpPr>
+            <a:cxnSpLocks/>
+          </p:cNvCxnSpPr>
+          <p:nvPr/>
+        </p:nvCxnSpPr>
+        <p:spPr>
+          <a:xfrm flipV="1">
+            <a:off x="2154179" y="431231"/>
+            <a:ext cx="0" cy="2016000"/>
+          </a:xfrm>
+          <a:prstGeom prst="line">
+            <a:avLst/>
+          </a:prstGeom>
+          <a:ln w="3175">
+            <a:solidFill>
+              <a:schemeClr val="bg1">
+                <a:lumMod val="85000"/>
+              </a:schemeClr>
+            </a:solidFill>
+          </a:ln>
+        </p:spPr>
+        <p:style>
+          <a:lnRef idx="1">
+            <a:schemeClr val="accent1"/>
+          </a:lnRef>
+          <a:fillRef idx="0">
+            <a:schemeClr val="accent1"/>
+          </a:fillRef>
+          <a:effectRef idx="0">
+            <a:schemeClr val="accent1"/>
+          </a:effectRef>
+          <a:fontRef idx="minor">
+            <a:schemeClr val="tx1"/>
+          </a:fontRef>
+        </p:style>
+      </p:cxnSp>
+      <p:cxnSp>
+        <p:nvCxnSpPr>
+          <p:cNvPr id="101" name="Straight Connector 100">
+            <a:extLst>
+              <a:ext uri="{FF2B5EF4-FFF2-40B4-BE49-F238E27FC236}">
+                <a16:creationId xmlns:a16="http://schemas.microsoft.com/office/drawing/2014/main" id="{0EE6CF00-665A-4C6E-AA69-E6921082FAF5}"/>
+              </a:ext>
+            </a:extLst>
+          </p:cNvPr>
+          <p:cNvCxnSpPr>
+            <a:cxnSpLocks/>
+          </p:cNvCxnSpPr>
+          <p:nvPr/>
+        </p:nvCxnSpPr>
+        <p:spPr>
+          <a:xfrm flipV="1">
+            <a:off x="2287253" y="431231"/>
+            <a:ext cx="0" cy="2016000"/>
+          </a:xfrm>
+          <a:prstGeom prst="line">
+            <a:avLst/>
+          </a:prstGeom>
+          <a:ln w="3175">
+            <a:solidFill>
+              <a:schemeClr val="bg1">
+                <a:lumMod val="85000"/>
+              </a:schemeClr>
+            </a:solidFill>
+          </a:ln>
+        </p:spPr>
+        <p:style>
+          <a:lnRef idx="1">
+            <a:schemeClr val="accent1"/>
+          </a:lnRef>
+          <a:fillRef idx="0">
+            <a:schemeClr val="accent1"/>
+          </a:fillRef>
+          <a:effectRef idx="0">
+            <a:schemeClr val="accent1"/>
+          </a:effectRef>
+          <a:fontRef idx="minor">
+            <a:schemeClr val="tx1"/>
+          </a:fontRef>
+        </p:style>
+      </p:cxnSp>
+      <p:cxnSp>
+        <p:nvCxnSpPr>
+          <p:cNvPr id="102" name="Straight Connector 101">
+            <a:extLst>
+              <a:ext uri="{FF2B5EF4-FFF2-40B4-BE49-F238E27FC236}">
+                <a16:creationId xmlns:a16="http://schemas.microsoft.com/office/drawing/2014/main" id="{74117661-CEC8-4490-A850-1D55A29634D4}"/>
+              </a:ext>
+            </a:extLst>
+          </p:cNvPr>
+          <p:cNvCxnSpPr>
+            <a:cxnSpLocks/>
+          </p:cNvCxnSpPr>
+          <p:nvPr/>
+        </p:nvCxnSpPr>
+        <p:spPr>
+          <a:xfrm flipV="1">
+            <a:off x="2420327" y="431231"/>
+            <a:ext cx="0" cy="2016000"/>
+          </a:xfrm>
+          <a:prstGeom prst="line">
+            <a:avLst/>
+          </a:prstGeom>
+          <a:ln w="3175">
+            <a:solidFill>
+              <a:schemeClr val="bg1">
+                <a:lumMod val="85000"/>
+              </a:schemeClr>
+            </a:solidFill>
+          </a:ln>
+        </p:spPr>
+        <p:style>
+          <a:lnRef idx="1">
+            <a:schemeClr val="accent1"/>
+          </a:lnRef>
+          <a:fillRef idx="0">
+            <a:schemeClr val="accent1"/>
+          </a:fillRef>
+          <a:effectRef idx="0">
+            <a:schemeClr val="accent1"/>
+          </a:effectRef>
+          <a:fontRef idx="minor">
+            <a:schemeClr val="tx1"/>
+          </a:fontRef>
+        </p:style>
+      </p:cxnSp>
+      <p:cxnSp>
+        <p:nvCxnSpPr>
+          <p:cNvPr id="103" name="Straight Connector 102">
+            <a:extLst>
+              <a:ext uri="{FF2B5EF4-FFF2-40B4-BE49-F238E27FC236}">
+                <a16:creationId xmlns:a16="http://schemas.microsoft.com/office/drawing/2014/main" id="{268F678A-468F-427F-BC81-0FF680BF3DA7}"/>
+              </a:ext>
+            </a:extLst>
+          </p:cNvPr>
+          <p:cNvCxnSpPr>
+            <a:cxnSpLocks/>
+          </p:cNvCxnSpPr>
+          <p:nvPr/>
+        </p:nvCxnSpPr>
+        <p:spPr>
+          <a:xfrm flipV="1">
+            <a:off x="2553401" y="431231"/>
+            <a:ext cx="0" cy="2016000"/>
+          </a:xfrm>
+          <a:prstGeom prst="line">
+            <a:avLst/>
+          </a:prstGeom>
+          <a:ln w="3175">
+            <a:solidFill>
+              <a:schemeClr val="bg1">
+                <a:lumMod val="85000"/>
+              </a:schemeClr>
+            </a:solidFill>
+          </a:ln>
+        </p:spPr>
+        <p:style>
+          <a:lnRef idx="1">
+            <a:schemeClr val="accent1"/>
+          </a:lnRef>
+          <a:fillRef idx="0">
+            <a:schemeClr val="accent1"/>
+          </a:fillRef>
+          <a:effectRef idx="0">
+            <a:schemeClr val="accent1"/>
+          </a:effectRef>
+          <a:fontRef idx="minor">
+            <a:schemeClr val="tx1"/>
+          </a:fontRef>
+        </p:style>
+      </p:cxnSp>
+      <p:cxnSp>
+        <p:nvCxnSpPr>
+          <p:cNvPr id="104" name="Straight Connector 103">
+            <a:extLst>
+              <a:ext uri="{FF2B5EF4-FFF2-40B4-BE49-F238E27FC236}">
+                <a16:creationId xmlns:a16="http://schemas.microsoft.com/office/drawing/2014/main" id="{308F3207-65D8-4CEC-9682-F1F214940F9F}"/>
+              </a:ext>
+            </a:extLst>
+          </p:cNvPr>
+          <p:cNvCxnSpPr>
+            <a:cxnSpLocks/>
+          </p:cNvCxnSpPr>
+          <p:nvPr/>
+        </p:nvCxnSpPr>
+        <p:spPr>
+          <a:xfrm flipV="1">
+            <a:off x="2689229" y="431231"/>
+            <a:ext cx="0" cy="2016000"/>
+          </a:xfrm>
+          <a:prstGeom prst="line">
+            <a:avLst/>
+          </a:prstGeom>
+          <a:ln w="3175">
+            <a:solidFill>
+              <a:schemeClr val="bg1">
+                <a:lumMod val="85000"/>
+              </a:schemeClr>
+            </a:solidFill>
+          </a:ln>
+        </p:spPr>
+        <p:style>
+          <a:lnRef idx="1">
+            <a:schemeClr val="accent1"/>
+          </a:lnRef>
+          <a:fillRef idx="0">
+            <a:schemeClr val="accent1"/>
+          </a:fillRef>
+          <a:effectRef idx="0">
+            <a:schemeClr val="accent1"/>
+          </a:effectRef>
+          <a:fontRef idx="minor">
+            <a:schemeClr val="tx1"/>
+          </a:fontRef>
+        </p:style>
+      </p:cxnSp>
+      <p:cxnSp>
+        <p:nvCxnSpPr>
+          <p:cNvPr id="105" name="Straight Connector 104">
+            <a:extLst>
+              <a:ext uri="{FF2B5EF4-FFF2-40B4-BE49-F238E27FC236}">
+                <a16:creationId xmlns:a16="http://schemas.microsoft.com/office/drawing/2014/main" id="{055DC60E-222B-4E21-BD96-9316959125E8}"/>
+              </a:ext>
+            </a:extLst>
+          </p:cNvPr>
+          <p:cNvCxnSpPr>
+            <a:cxnSpLocks/>
+          </p:cNvCxnSpPr>
+          <p:nvPr/>
+        </p:nvCxnSpPr>
+        <p:spPr>
+          <a:xfrm flipV="1">
+            <a:off x="2819549" y="431231"/>
+            <a:ext cx="0" cy="2016000"/>
+          </a:xfrm>
+          <a:prstGeom prst="line">
+            <a:avLst/>
+          </a:prstGeom>
+          <a:ln w="3175">
+            <a:solidFill>
+              <a:schemeClr val="bg1">
+                <a:lumMod val="85000"/>
+              </a:schemeClr>
+            </a:solidFill>
+          </a:ln>
+        </p:spPr>
+        <p:style>
+          <a:lnRef idx="1">
+            <a:schemeClr val="accent1"/>
+          </a:lnRef>
+          <a:fillRef idx="0">
+            <a:schemeClr val="accent1"/>
+          </a:fillRef>
+          <a:effectRef idx="0">
+            <a:schemeClr val="accent1"/>
+          </a:effectRef>
+          <a:fontRef idx="minor">
+            <a:schemeClr val="tx1"/>
+          </a:fontRef>
+        </p:style>
+      </p:cxnSp>
+      <p:cxnSp>
+        <p:nvCxnSpPr>
+          <p:cNvPr id="106" name="Straight Connector 105">
+            <a:extLst>
+              <a:ext uri="{FF2B5EF4-FFF2-40B4-BE49-F238E27FC236}">
+                <a16:creationId xmlns:a16="http://schemas.microsoft.com/office/drawing/2014/main" id="{1BCB4E40-8502-4B95-81EC-75D5B3A48AB9}"/>
+              </a:ext>
+            </a:extLst>
+          </p:cNvPr>
+          <p:cNvCxnSpPr>
+            <a:cxnSpLocks/>
+          </p:cNvCxnSpPr>
+          <p:nvPr/>
+        </p:nvCxnSpPr>
+        <p:spPr>
+          <a:xfrm flipV="1">
+            <a:off x="687611" y="431231"/>
+            <a:ext cx="0" cy="2016000"/>
+          </a:xfrm>
+          <a:prstGeom prst="line">
+            <a:avLst/>
+          </a:prstGeom>
+          <a:ln w="3175">
+            <a:solidFill>
+              <a:schemeClr val="bg1">
+                <a:lumMod val="85000"/>
+              </a:schemeClr>
+            </a:solidFill>
+          </a:ln>
+        </p:spPr>
+        <p:style>
+          <a:lnRef idx="1">
+            <a:schemeClr val="accent1"/>
+          </a:lnRef>
+          <a:fillRef idx="0">
+            <a:schemeClr val="accent1"/>
+          </a:fillRef>
+          <a:effectRef idx="0">
+            <a:schemeClr val="accent1"/>
+          </a:effectRef>
+          <a:fontRef idx="minor">
+            <a:schemeClr val="tx1"/>
+          </a:fontRef>
+        </p:style>
+      </p:cxnSp>
+      <p:cxnSp>
+        <p:nvCxnSpPr>
+          <p:cNvPr id="107" name="Straight Connector 106">
+            <a:extLst>
+              <a:ext uri="{FF2B5EF4-FFF2-40B4-BE49-F238E27FC236}">
+                <a16:creationId xmlns:a16="http://schemas.microsoft.com/office/drawing/2014/main" id="{C280B49A-2440-4B14-AD18-466E0FD82938}"/>
+              </a:ext>
+            </a:extLst>
+          </p:cNvPr>
+          <p:cNvCxnSpPr>
+            <a:cxnSpLocks/>
+          </p:cNvCxnSpPr>
+          <p:nvPr/>
+        </p:nvCxnSpPr>
+        <p:spPr>
+          <a:xfrm flipV="1">
+            <a:off x="956513" y="431231"/>
+            <a:ext cx="0" cy="2016000"/>
+          </a:xfrm>
+          <a:prstGeom prst="line">
+            <a:avLst/>
+          </a:prstGeom>
+          <a:ln w="3175">
+            <a:solidFill>
+              <a:schemeClr val="bg1">
+                <a:lumMod val="85000"/>
+              </a:schemeClr>
+            </a:solidFill>
+          </a:ln>
+        </p:spPr>
+        <p:style>
+          <a:lnRef idx="1">
+            <a:schemeClr val="accent1"/>
+          </a:lnRef>
+          <a:fillRef idx="0">
+            <a:schemeClr val="accent1"/>
+          </a:fillRef>
+          <a:effectRef idx="0">
+            <a:schemeClr val="accent1"/>
+          </a:effectRef>
+          <a:fontRef idx="minor">
+            <a:schemeClr val="tx1"/>
+          </a:fontRef>
+        </p:style>
+      </p:cxnSp>
+      <p:cxnSp>
+        <p:nvCxnSpPr>
+          <p:cNvPr id="108" name="Straight Connector 107">
+            <a:extLst>
+              <a:ext uri="{FF2B5EF4-FFF2-40B4-BE49-F238E27FC236}">
+                <a16:creationId xmlns:a16="http://schemas.microsoft.com/office/drawing/2014/main" id="{F7724B37-1EED-496A-AD30-4D6193E5C741}"/>
+              </a:ext>
+            </a:extLst>
+          </p:cNvPr>
+          <p:cNvCxnSpPr>
+            <a:cxnSpLocks/>
+          </p:cNvCxnSpPr>
+          <p:nvPr/>
+        </p:nvCxnSpPr>
+        <p:spPr>
+          <a:xfrm flipV="1">
+            <a:off x="1222661" y="431231"/>
+            <a:ext cx="0" cy="2016000"/>
+          </a:xfrm>
+          <a:prstGeom prst="line">
+            <a:avLst/>
+          </a:prstGeom>
+          <a:ln w="3175">
+            <a:solidFill>
+              <a:schemeClr val="bg1">
+                <a:lumMod val="85000"/>
+              </a:schemeClr>
+            </a:solidFill>
+          </a:ln>
+        </p:spPr>
+        <p:style>
+          <a:lnRef idx="1">
+            <a:schemeClr val="accent1"/>
+          </a:lnRef>
+          <a:fillRef idx="0">
+            <a:schemeClr val="accent1"/>
+          </a:fillRef>
+          <a:effectRef idx="0">
+            <a:schemeClr val="accent1"/>
+          </a:effectRef>
+          <a:fontRef idx="minor">
+            <a:schemeClr val="tx1"/>
+          </a:fontRef>
+        </p:style>
+      </p:cxnSp>
+      <p:cxnSp>
+        <p:nvCxnSpPr>
+          <p:cNvPr id="109" name="Straight Connector 108">
+            <a:extLst>
+              <a:ext uri="{FF2B5EF4-FFF2-40B4-BE49-F238E27FC236}">
+                <a16:creationId xmlns:a16="http://schemas.microsoft.com/office/drawing/2014/main" id="{0A736758-5AC6-49AC-8C0D-113BE604462C}"/>
+              </a:ext>
+            </a:extLst>
+          </p:cNvPr>
+          <p:cNvCxnSpPr>
+            <a:cxnSpLocks/>
+          </p:cNvCxnSpPr>
+          <p:nvPr/>
+        </p:nvCxnSpPr>
+        <p:spPr>
+          <a:xfrm flipV="1">
+            <a:off x="1422272" y="431231"/>
+            <a:ext cx="0" cy="2016000"/>
+          </a:xfrm>
+          <a:prstGeom prst="line">
+            <a:avLst/>
+          </a:prstGeom>
+          <a:ln w="3175">
+            <a:solidFill>
+              <a:schemeClr val="bg1">
+                <a:lumMod val="85000"/>
+              </a:schemeClr>
+            </a:solidFill>
+          </a:ln>
+        </p:spPr>
+        <p:style>
+          <a:lnRef idx="1">
+            <a:schemeClr val="accent1"/>
+          </a:lnRef>
+          <a:fillRef idx="0">
+            <a:schemeClr val="accent1"/>
+          </a:fillRef>
+          <a:effectRef idx="0">
+            <a:schemeClr val="accent1"/>
+          </a:effectRef>
+          <a:fontRef idx="minor">
+            <a:schemeClr val="tx1"/>
+          </a:fontRef>
+        </p:style>
+      </p:cxnSp>
+      <p:cxnSp>
+        <p:nvCxnSpPr>
+          <p:cNvPr id="110" name="Straight Connector 109">
+            <a:extLst>
+              <a:ext uri="{FF2B5EF4-FFF2-40B4-BE49-F238E27FC236}">
+                <a16:creationId xmlns:a16="http://schemas.microsoft.com/office/drawing/2014/main" id="{254FDB97-6209-4A63-9C0B-D77D22DB2301}"/>
+              </a:ext>
+            </a:extLst>
+          </p:cNvPr>
+          <p:cNvCxnSpPr>
+            <a:cxnSpLocks/>
+          </p:cNvCxnSpPr>
+          <p:nvPr/>
+        </p:nvCxnSpPr>
+        <p:spPr>
+          <a:xfrm flipV="1">
+            <a:off x="1555346" y="431231"/>
+            <a:ext cx="0" cy="2016000"/>
+          </a:xfrm>
+          <a:prstGeom prst="line">
+            <a:avLst/>
+          </a:prstGeom>
+          <a:ln w="3175">
+            <a:solidFill>
+              <a:schemeClr val="bg1">
+                <a:lumMod val="85000"/>
+              </a:schemeClr>
+            </a:solidFill>
+          </a:ln>
+        </p:spPr>
+        <p:style>
+          <a:lnRef idx="1">
+            <a:schemeClr val="accent1"/>
+          </a:lnRef>
+          <a:fillRef idx="0">
+            <a:schemeClr val="accent1"/>
+          </a:fillRef>
+          <a:effectRef idx="0">
+            <a:schemeClr val="accent1"/>
+          </a:effectRef>
+          <a:fontRef idx="minor">
+            <a:schemeClr val="tx1"/>
+          </a:fontRef>
+        </p:style>
+      </p:cxnSp>
+      <p:cxnSp>
+        <p:nvCxnSpPr>
+          <p:cNvPr id="111" name="Straight Connector 110">
+            <a:extLst>
+              <a:ext uri="{FF2B5EF4-FFF2-40B4-BE49-F238E27FC236}">
+                <a16:creationId xmlns:a16="http://schemas.microsoft.com/office/drawing/2014/main" id="{9E9ECBA3-A02B-430E-872F-9BF13F214215}"/>
+              </a:ext>
+            </a:extLst>
+          </p:cNvPr>
+          <p:cNvCxnSpPr>
+            <a:cxnSpLocks/>
+          </p:cNvCxnSpPr>
+          <p:nvPr/>
+        </p:nvCxnSpPr>
+        <p:spPr>
+          <a:xfrm flipV="1">
+            <a:off x="1688420" y="431231"/>
+            <a:ext cx="0" cy="2016000"/>
+          </a:xfrm>
+          <a:prstGeom prst="line">
+            <a:avLst/>
+          </a:prstGeom>
+          <a:ln w="3175">
+            <a:solidFill>
+              <a:schemeClr val="bg1">
+                <a:lumMod val="85000"/>
+              </a:schemeClr>
+            </a:solidFill>
+          </a:ln>
+        </p:spPr>
+        <p:style>
+          <a:lnRef idx="1">
+            <a:schemeClr val="accent1"/>
+          </a:lnRef>
+          <a:fillRef idx="0">
+            <a:schemeClr val="accent1"/>
+          </a:fillRef>
+          <a:effectRef idx="0">
+            <a:schemeClr val="accent1"/>
+          </a:effectRef>
+          <a:fontRef idx="minor">
+            <a:schemeClr val="tx1"/>
+          </a:fontRef>
+        </p:style>
+      </p:cxnSp>
+      <p:cxnSp>
+        <p:nvCxnSpPr>
+          <p:cNvPr id="112" name="Straight Connector 111">
+            <a:extLst>
+              <a:ext uri="{FF2B5EF4-FFF2-40B4-BE49-F238E27FC236}">
+                <a16:creationId xmlns:a16="http://schemas.microsoft.com/office/drawing/2014/main" id="{C365EFD3-7C0F-430A-996A-DDEE151103A2}"/>
+              </a:ext>
+            </a:extLst>
+          </p:cNvPr>
+          <p:cNvCxnSpPr>
+            <a:cxnSpLocks/>
+          </p:cNvCxnSpPr>
+          <p:nvPr/>
+        </p:nvCxnSpPr>
+        <p:spPr>
+          <a:xfrm flipV="1">
+            <a:off x="1821494" y="431231"/>
+            <a:ext cx="0" cy="2016000"/>
+          </a:xfrm>
+          <a:prstGeom prst="line">
+            <a:avLst/>
+          </a:prstGeom>
+          <a:ln w="3175">
+            <a:solidFill>
+              <a:schemeClr val="bg1">
+                <a:lumMod val="85000"/>
+              </a:schemeClr>
+            </a:solidFill>
+          </a:ln>
+        </p:spPr>
+        <p:style>
+          <a:lnRef idx="1">
+            <a:schemeClr val="accent1"/>
+          </a:lnRef>
+          <a:fillRef idx="0">
+            <a:schemeClr val="accent1"/>
+          </a:fillRef>
+          <a:effectRef idx="0">
+            <a:schemeClr val="accent1"/>
+          </a:effectRef>
+          <a:fontRef idx="minor">
+            <a:schemeClr val="tx1"/>
+          </a:fontRef>
+        </p:style>
+      </p:cxnSp>
+      <p:cxnSp>
+        <p:nvCxnSpPr>
+          <p:cNvPr id="113" name="Straight Connector 112">
+            <a:extLst>
+              <a:ext uri="{FF2B5EF4-FFF2-40B4-BE49-F238E27FC236}">
+                <a16:creationId xmlns:a16="http://schemas.microsoft.com/office/drawing/2014/main" id="{67FC9C21-CF99-4A03-87A2-CB94F23282CD}"/>
+              </a:ext>
+            </a:extLst>
+          </p:cNvPr>
+          <p:cNvCxnSpPr>
+            <a:cxnSpLocks/>
+          </p:cNvCxnSpPr>
+          <p:nvPr/>
+        </p:nvCxnSpPr>
+        <p:spPr>
+          <a:xfrm flipV="1">
+            <a:off x="1951814" y="431231"/>
+            <a:ext cx="0" cy="2016000"/>
+          </a:xfrm>
+          <a:prstGeom prst="line">
+            <a:avLst/>
+          </a:prstGeom>
+          <a:ln w="3175">
+            <a:solidFill>
+              <a:schemeClr val="bg1">
+                <a:lumMod val="85000"/>
+              </a:schemeClr>
+            </a:solidFill>
+          </a:ln>
+        </p:spPr>
+        <p:style>
+          <a:lnRef idx="1">
+            <a:schemeClr val="accent1"/>
+          </a:lnRef>
+          <a:fillRef idx="0">
+            <a:schemeClr val="accent1"/>
+          </a:fillRef>
+          <a:effectRef idx="0">
+            <a:schemeClr val="accent1"/>
+          </a:effectRef>
+          <a:fontRef idx="minor">
+            <a:schemeClr val="tx1"/>
+          </a:fontRef>
+        </p:style>
+      </p:cxnSp>
+      <p:cxnSp>
+        <p:nvCxnSpPr>
+          <p:cNvPr id="114" name="Straight Connector 113">
+            <a:extLst>
+              <a:ext uri="{FF2B5EF4-FFF2-40B4-BE49-F238E27FC236}">
+                <a16:creationId xmlns:a16="http://schemas.microsoft.com/office/drawing/2014/main" id="{E03E486F-3A32-4C9E-9AC4-A09AB0F561FF}"/>
+              </a:ext>
+            </a:extLst>
+          </p:cNvPr>
+          <p:cNvCxnSpPr>
+            <a:cxnSpLocks/>
+          </p:cNvCxnSpPr>
+          <p:nvPr/>
+        </p:nvCxnSpPr>
+        <p:spPr>
+          <a:xfrm flipV="1">
+            <a:off x="2087642" y="431231"/>
+            <a:ext cx="0" cy="2016000"/>
+          </a:xfrm>
+          <a:prstGeom prst="line">
+            <a:avLst/>
+          </a:prstGeom>
+          <a:ln w="3175">
+            <a:solidFill>
+              <a:schemeClr val="bg1">
+                <a:lumMod val="85000"/>
+              </a:schemeClr>
+            </a:solidFill>
+          </a:ln>
+        </p:spPr>
+        <p:style>
+          <a:lnRef idx="1">
+            <a:schemeClr val="accent1"/>
+          </a:lnRef>
+          <a:fillRef idx="0">
+            <a:schemeClr val="accent1"/>
+          </a:fillRef>
+          <a:effectRef idx="0">
+            <a:schemeClr val="accent1"/>
+          </a:effectRef>
+          <a:fontRef idx="minor">
+            <a:schemeClr val="tx1"/>
+          </a:fontRef>
+        </p:style>
+      </p:cxnSp>
+      <p:cxnSp>
+        <p:nvCxnSpPr>
+          <p:cNvPr id="115" name="Straight Connector 114">
+            <a:extLst>
+              <a:ext uri="{FF2B5EF4-FFF2-40B4-BE49-F238E27FC236}">
+                <a16:creationId xmlns:a16="http://schemas.microsoft.com/office/drawing/2014/main" id="{C39EEBFE-4D1E-4DFA-8F52-37FAB367DBD7}"/>
+              </a:ext>
+            </a:extLst>
+          </p:cNvPr>
+          <p:cNvCxnSpPr>
+            <a:cxnSpLocks/>
+          </p:cNvCxnSpPr>
+          <p:nvPr/>
+        </p:nvCxnSpPr>
+        <p:spPr>
+          <a:xfrm flipV="1">
+            <a:off x="2220716" y="431231"/>
+            <a:ext cx="0" cy="2016000"/>
+          </a:xfrm>
+          <a:prstGeom prst="line">
+            <a:avLst/>
+          </a:prstGeom>
+          <a:ln w="3175">
+            <a:solidFill>
+              <a:schemeClr val="bg1">
+                <a:lumMod val="85000"/>
+              </a:schemeClr>
+            </a:solidFill>
+          </a:ln>
+        </p:spPr>
+        <p:style>
+          <a:lnRef idx="1">
+            <a:schemeClr val="accent1"/>
+          </a:lnRef>
+          <a:fillRef idx="0">
+            <a:schemeClr val="accent1"/>
+          </a:fillRef>
+          <a:effectRef idx="0">
+            <a:schemeClr val="accent1"/>
+          </a:effectRef>
+          <a:fontRef idx="minor">
+            <a:schemeClr val="tx1"/>
+          </a:fontRef>
+        </p:style>
+      </p:cxnSp>
+      <p:cxnSp>
+        <p:nvCxnSpPr>
+          <p:cNvPr id="116" name="Straight Connector 115">
+            <a:extLst>
+              <a:ext uri="{FF2B5EF4-FFF2-40B4-BE49-F238E27FC236}">
+                <a16:creationId xmlns:a16="http://schemas.microsoft.com/office/drawing/2014/main" id="{316DCD4D-D2DF-45EC-9FA6-268E4BF01DC4}"/>
+              </a:ext>
+            </a:extLst>
+          </p:cNvPr>
+          <p:cNvCxnSpPr>
+            <a:cxnSpLocks/>
+          </p:cNvCxnSpPr>
+          <p:nvPr/>
+        </p:nvCxnSpPr>
+        <p:spPr>
+          <a:xfrm flipV="1">
+            <a:off x="2353790" y="431231"/>
+            <a:ext cx="0" cy="2016000"/>
+          </a:xfrm>
+          <a:prstGeom prst="line">
+            <a:avLst/>
+          </a:prstGeom>
+          <a:ln w="3175">
+            <a:solidFill>
+              <a:schemeClr val="bg1">
+                <a:lumMod val="85000"/>
+              </a:schemeClr>
+            </a:solidFill>
+          </a:ln>
+        </p:spPr>
+        <p:style>
+          <a:lnRef idx="1">
+            <a:schemeClr val="accent1"/>
+          </a:lnRef>
+          <a:fillRef idx="0">
+            <a:schemeClr val="accent1"/>
+          </a:fillRef>
+          <a:effectRef idx="0">
+            <a:schemeClr val="accent1"/>
+          </a:effectRef>
+          <a:fontRef idx="minor">
+            <a:schemeClr val="tx1"/>
+          </a:fontRef>
+        </p:style>
+      </p:cxnSp>
+      <p:cxnSp>
+        <p:nvCxnSpPr>
+          <p:cNvPr id="117" name="Straight Connector 116">
+            <a:extLst>
+              <a:ext uri="{FF2B5EF4-FFF2-40B4-BE49-F238E27FC236}">
+                <a16:creationId xmlns:a16="http://schemas.microsoft.com/office/drawing/2014/main" id="{EAEEC749-7FD3-43C0-9724-9B405773272E}"/>
+              </a:ext>
+            </a:extLst>
+          </p:cNvPr>
+          <p:cNvCxnSpPr>
+            <a:cxnSpLocks/>
+          </p:cNvCxnSpPr>
+          <p:nvPr/>
+        </p:nvCxnSpPr>
+        <p:spPr>
+          <a:xfrm flipV="1">
+            <a:off x="2486864" y="431231"/>
+            <a:ext cx="0" cy="2016000"/>
+          </a:xfrm>
+          <a:prstGeom prst="line">
+            <a:avLst/>
+          </a:prstGeom>
+          <a:ln w="3175">
+            <a:solidFill>
+              <a:schemeClr val="bg1">
+                <a:lumMod val="85000"/>
+              </a:schemeClr>
+            </a:solidFill>
+          </a:ln>
+        </p:spPr>
+        <p:style>
+          <a:lnRef idx="1">
+            <a:schemeClr val="accent1"/>
+          </a:lnRef>
+          <a:fillRef idx="0">
+            <a:schemeClr val="accent1"/>
+          </a:fillRef>
+          <a:effectRef idx="0">
+            <a:schemeClr val="accent1"/>
+          </a:effectRef>
+          <a:fontRef idx="minor">
+            <a:schemeClr val="tx1"/>
+          </a:fontRef>
+        </p:style>
+      </p:cxnSp>
+      <p:cxnSp>
+        <p:nvCxnSpPr>
+          <p:cNvPr id="118" name="Straight Connector 117">
+            <a:extLst>
+              <a:ext uri="{FF2B5EF4-FFF2-40B4-BE49-F238E27FC236}">
+                <a16:creationId xmlns:a16="http://schemas.microsoft.com/office/drawing/2014/main" id="{ACA9747F-D152-4E65-8A14-2951383A9672}"/>
+              </a:ext>
+            </a:extLst>
+          </p:cNvPr>
+          <p:cNvCxnSpPr>
+            <a:cxnSpLocks/>
+          </p:cNvCxnSpPr>
+          <p:nvPr/>
+        </p:nvCxnSpPr>
+        <p:spPr>
+          <a:xfrm flipV="1">
+            <a:off x="2619938" y="431231"/>
+            <a:ext cx="0" cy="2016000"/>
+          </a:xfrm>
+          <a:prstGeom prst="line">
+            <a:avLst/>
+          </a:prstGeom>
+          <a:ln w="3175">
+            <a:solidFill>
+              <a:schemeClr val="bg1">
+                <a:lumMod val="85000"/>
+              </a:schemeClr>
+            </a:solidFill>
+          </a:ln>
+        </p:spPr>
+        <p:style>
+          <a:lnRef idx="1">
+            <a:schemeClr val="accent1"/>
+          </a:lnRef>
+          <a:fillRef idx="0">
+            <a:schemeClr val="accent1"/>
+          </a:fillRef>
+          <a:effectRef idx="0">
+            <a:schemeClr val="accent1"/>
+          </a:effectRef>
+          <a:fontRef idx="minor">
+            <a:schemeClr val="tx1"/>
+          </a:fontRef>
+        </p:style>
+      </p:cxnSp>
+      <p:cxnSp>
+        <p:nvCxnSpPr>
+          <p:cNvPr id="119" name="Straight Connector 118">
+            <a:extLst>
+              <a:ext uri="{FF2B5EF4-FFF2-40B4-BE49-F238E27FC236}">
+                <a16:creationId xmlns:a16="http://schemas.microsoft.com/office/drawing/2014/main" id="{29CA71A9-3042-4E56-8B2A-6A1E0E9A1B8B}"/>
+              </a:ext>
+            </a:extLst>
+          </p:cNvPr>
+          <p:cNvCxnSpPr>
+            <a:cxnSpLocks/>
+          </p:cNvCxnSpPr>
+          <p:nvPr/>
+        </p:nvCxnSpPr>
+        <p:spPr>
+          <a:xfrm flipV="1">
+            <a:off x="2753012" y="431231"/>
+            <a:ext cx="0" cy="2016000"/>
+          </a:xfrm>
+          <a:prstGeom prst="line">
+            <a:avLst/>
+          </a:prstGeom>
+          <a:ln w="3175">
+            <a:solidFill>
+              <a:schemeClr val="bg1">
+                <a:lumMod val="85000"/>
+              </a:schemeClr>
+            </a:solidFill>
+          </a:ln>
+        </p:spPr>
+        <p:style>
+          <a:lnRef idx="1">
+            <a:schemeClr val="accent1"/>
+          </a:lnRef>
+          <a:fillRef idx="0">
+            <a:schemeClr val="accent1"/>
+          </a:fillRef>
+          <a:effectRef idx="0">
+            <a:schemeClr val="accent1"/>
+          </a:effectRef>
+          <a:fontRef idx="minor">
+            <a:schemeClr val="tx1"/>
+          </a:fontRef>
+        </p:style>
+      </p:cxnSp>
+      <p:cxnSp>
+        <p:nvCxnSpPr>
+          <p:cNvPr id="120" name="Straight Connector 119">
+            <a:extLst>
+              <a:ext uri="{FF2B5EF4-FFF2-40B4-BE49-F238E27FC236}">
+                <a16:creationId xmlns:a16="http://schemas.microsoft.com/office/drawing/2014/main" id="{513EE874-16CD-47BE-900D-105A02CC04CE}"/>
+              </a:ext>
+            </a:extLst>
+          </p:cNvPr>
+          <p:cNvCxnSpPr>
+            <a:cxnSpLocks/>
+          </p:cNvCxnSpPr>
+          <p:nvPr/>
+        </p:nvCxnSpPr>
+        <p:spPr>
+          <a:xfrm flipV="1">
+            <a:off x="2886086" y="431231"/>
+            <a:ext cx="0" cy="2016000"/>
+          </a:xfrm>
+          <a:prstGeom prst="line">
+            <a:avLst/>
+          </a:prstGeom>
+          <a:ln w="3175">
+            <a:solidFill>
+              <a:schemeClr val="bg1">
+                <a:lumMod val="85000"/>
+              </a:schemeClr>
+            </a:solidFill>
+          </a:ln>
+        </p:spPr>
+        <p:style>
+          <a:lnRef idx="1">
+            <a:schemeClr val="accent1"/>
+          </a:lnRef>
+          <a:fillRef idx="0">
+            <a:schemeClr val="accent1"/>
+          </a:fillRef>
+          <a:effectRef idx="0">
+            <a:schemeClr val="accent1"/>
+          </a:effectRef>
+          <a:fontRef idx="minor">
+            <a:schemeClr val="tx1"/>
+          </a:fontRef>
+        </p:style>
+      </p:cxnSp>
+      <p:cxnSp>
+        <p:nvCxnSpPr>
+          <p:cNvPr id="121" name="Straight Connector 120">
+            <a:extLst>
+              <a:ext uri="{FF2B5EF4-FFF2-40B4-BE49-F238E27FC236}">
+                <a16:creationId xmlns:a16="http://schemas.microsoft.com/office/drawing/2014/main" id="{3004E992-93FD-4AD1-90E7-783FB341BCAA}"/>
+              </a:ext>
+            </a:extLst>
+          </p:cNvPr>
+          <p:cNvCxnSpPr>
+            <a:cxnSpLocks/>
+          </p:cNvCxnSpPr>
+          <p:nvPr/>
+        </p:nvCxnSpPr>
+        <p:spPr>
+          <a:xfrm flipV="1">
+            <a:off x="2952628" y="431231"/>
+            <a:ext cx="0" cy="2016000"/>
+          </a:xfrm>
+          <a:prstGeom prst="line">
+            <a:avLst/>
+          </a:prstGeom>
+          <a:ln w="3175">
+            <a:solidFill>
+              <a:schemeClr val="bg1">
+                <a:lumMod val="85000"/>
+              </a:schemeClr>
+            </a:solidFill>
+          </a:ln>
+        </p:spPr>
+        <p:style>
+          <a:lnRef idx="1">
+            <a:schemeClr val="accent1"/>
+          </a:lnRef>
+          <a:fillRef idx="0">
+            <a:schemeClr val="accent1"/>
+          </a:fillRef>
+          <a:effectRef idx="0">
+            <a:schemeClr val="accent1"/>
+          </a:effectRef>
+          <a:fontRef idx="minor">
+            <a:schemeClr val="tx1"/>
+          </a:fontRef>
+        </p:style>
+      </p:cxnSp>
+      <p:cxnSp>
+        <p:nvCxnSpPr>
+          <p:cNvPr id="123" name="Straight Connector 122">
+            <a:extLst>
+              <a:ext uri="{FF2B5EF4-FFF2-40B4-BE49-F238E27FC236}">
+                <a16:creationId xmlns:a16="http://schemas.microsoft.com/office/drawing/2014/main" id="{4FDFC4D7-0D9C-45A8-B987-9402A73D9013}"/>
+              </a:ext>
+            </a:extLst>
+          </p:cNvPr>
+          <p:cNvCxnSpPr>
+            <a:cxnSpLocks/>
+          </p:cNvCxnSpPr>
+          <p:nvPr/>
+        </p:nvCxnSpPr>
+        <p:spPr>
+          <a:xfrm flipV="1">
+            <a:off x="623828" y="431231"/>
+            <a:ext cx="0" cy="2016000"/>
+          </a:xfrm>
+          <a:prstGeom prst="line">
+            <a:avLst/>
+          </a:prstGeom>
+          <a:ln w="3175">
+            <a:solidFill>
+              <a:schemeClr val="bg1">
+                <a:lumMod val="85000"/>
+              </a:schemeClr>
+            </a:solidFill>
+          </a:ln>
+        </p:spPr>
+        <p:style>
+          <a:lnRef idx="1">
+            <a:schemeClr val="accent1"/>
+          </a:lnRef>
+          <a:fillRef idx="0">
+            <a:schemeClr val="accent1"/>
+          </a:fillRef>
+          <a:effectRef idx="0">
+            <a:schemeClr val="accent1"/>
+          </a:effectRef>
+          <a:fontRef idx="minor">
+            <a:schemeClr val="tx1"/>
+          </a:fontRef>
+        </p:style>
+      </p:cxnSp>
+      <p:cxnSp>
+        <p:nvCxnSpPr>
+          <p:cNvPr id="124" name="Straight Connector 123">
+            <a:extLst>
+              <a:ext uri="{FF2B5EF4-FFF2-40B4-BE49-F238E27FC236}">
+                <a16:creationId xmlns:a16="http://schemas.microsoft.com/office/drawing/2014/main" id="{DC61E9BE-7D5F-47B6-805E-1DA10895EDB6}"/>
+              </a:ext>
+            </a:extLst>
+          </p:cNvPr>
+          <p:cNvCxnSpPr>
+            <a:cxnSpLocks/>
+          </p:cNvCxnSpPr>
+          <p:nvPr/>
+        </p:nvCxnSpPr>
+        <p:spPr>
+          <a:xfrm flipV="1">
+            <a:off x="751394" y="431231"/>
+            <a:ext cx="0" cy="2016000"/>
+          </a:xfrm>
+          <a:prstGeom prst="line">
+            <a:avLst/>
+          </a:prstGeom>
+          <a:ln w="3175">
+            <a:solidFill>
+              <a:schemeClr val="bg1">
+                <a:lumMod val="85000"/>
+              </a:schemeClr>
+            </a:solidFill>
+          </a:ln>
+        </p:spPr>
+        <p:style>
+          <a:lnRef idx="1">
+            <a:schemeClr val="accent1"/>
+          </a:lnRef>
+          <a:fillRef idx="0">
+            <a:schemeClr val="accent1"/>
+          </a:fillRef>
+          <a:effectRef idx="0">
+            <a:schemeClr val="accent1"/>
+          </a:effectRef>
+          <a:fontRef idx="minor">
+            <a:schemeClr val="tx1"/>
+          </a:fontRef>
+        </p:style>
+      </p:cxnSp>
+      <p:cxnSp>
+        <p:nvCxnSpPr>
+          <p:cNvPr id="125" name="Straight Connector 124">
+            <a:extLst>
+              <a:ext uri="{FF2B5EF4-FFF2-40B4-BE49-F238E27FC236}">
+                <a16:creationId xmlns:a16="http://schemas.microsoft.com/office/drawing/2014/main" id="{B4818C73-50B7-4001-ABEB-E7ECAA88AF8C}"/>
+              </a:ext>
+            </a:extLst>
+          </p:cNvPr>
+          <p:cNvCxnSpPr>
+            <a:cxnSpLocks/>
+          </p:cNvCxnSpPr>
+          <p:nvPr/>
+        </p:nvCxnSpPr>
+        <p:spPr>
+          <a:xfrm flipV="1">
+            <a:off x="1023050" y="431231"/>
+            <a:ext cx="0" cy="2016000"/>
+          </a:xfrm>
+          <a:prstGeom prst="line">
+            <a:avLst/>
+          </a:prstGeom>
+          <a:ln w="3175">
+            <a:solidFill>
+              <a:schemeClr val="bg1">
+                <a:lumMod val="85000"/>
+              </a:schemeClr>
+            </a:solidFill>
+          </a:ln>
+        </p:spPr>
+        <p:style>
+          <a:lnRef idx="1">
+            <a:schemeClr val="accent1"/>
+          </a:lnRef>
+          <a:fillRef idx="0">
+            <a:schemeClr val="accent1"/>
+          </a:fillRef>
+          <a:effectRef idx="0">
+            <a:schemeClr val="accent1"/>
+          </a:effectRef>
+          <a:fontRef idx="minor">
+            <a:schemeClr val="tx1"/>
+          </a:fontRef>
+        </p:style>
+      </p:cxnSp>
+      <p:cxnSp>
+        <p:nvCxnSpPr>
+          <p:cNvPr id="126" name="Straight Connector 125">
+            <a:extLst>
+              <a:ext uri="{FF2B5EF4-FFF2-40B4-BE49-F238E27FC236}">
+                <a16:creationId xmlns:a16="http://schemas.microsoft.com/office/drawing/2014/main" id="{D6EDD5C8-3336-4EA3-BD8D-9C243DDB7FBD}"/>
+              </a:ext>
+            </a:extLst>
+          </p:cNvPr>
+          <p:cNvCxnSpPr>
+            <a:cxnSpLocks/>
+          </p:cNvCxnSpPr>
+          <p:nvPr/>
+        </p:nvCxnSpPr>
+        <p:spPr>
+          <a:xfrm flipV="1">
+            <a:off x="1289198" y="431231"/>
+            <a:ext cx="0" cy="2016000"/>
+          </a:xfrm>
+          <a:prstGeom prst="line">
+            <a:avLst/>
+          </a:prstGeom>
+          <a:ln w="3175">
+            <a:solidFill>
+              <a:schemeClr val="bg1">
+                <a:lumMod val="85000"/>
+              </a:schemeClr>
+            </a:solidFill>
+          </a:ln>
+        </p:spPr>
+        <p:style>
+          <a:lnRef idx="1">
+            <a:schemeClr val="accent1"/>
+          </a:lnRef>
+          <a:fillRef idx="0">
+            <a:schemeClr val="accent1"/>
+          </a:fillRef>
+          <a:effectRef idx="0">
+            <a:schemeClr val="accent1"/>
+          </a:effectRef>
+          <a:fontRef idx="minor">
+            <a:schemeClr val="tx1"/>
+          </a:fontRef>
+        </p:style>
+      </p:cxnSp>
+      <p:cxnSp>
+        <p:nvCxnSpPr>
+          <p:cNvPr id="127" name="Straight Connector 126">
+            <a:extLst>
+              <a:ext uri="{FF2B5EF4-FFF2-40B4-BE49-F238E27FC236}">
+                <a16:creationId xmlns:a16="http://schemas.microsoft.com/office/drawing/2014/main" id="{69A33F02-114D-49FA-9DC0-E92B504966D4}"/>
+              </a:ext>
+            </a:extLst>
+          </p:cNvPr>
+          <p:cNvCxnSpPr>
+            <a:cxnSpLocks/>
+          </p:cNvCxnSpPr>
+          <p:nvPr/>
+        </p:nvCxnSpPr>
+        <p:spPr>
+          <a:xfrm flipV="1">
+            <a:off x="889976" y="431231"/>
+            <a:ext cx="0" cy="2016000"/>
+          </a:xfrm>
+          <a:prstGeom prst="line">
+            <a:avLst/>
+          </a:prstGeom>
+          <a:ln w="3175">
+            <a:solidFill>
+              <a:schemeClr val="bg1">
+                <a:lumMod val="85000"/>
+              </a:schemeClr>
+            </a:solidFill>
+          </a:ln>
+        </p:spPr>
+        <p:style>
+          <a:lnRef idx="1">
+            <a:schemeClr val="accent1"/>
+          </a:lnRef>
+          <a:fillRef idx="0">
+            <a:schemeClr val="accent1"/>
+          </a:fillRef>
+          <a:effectRef idx="0">
+            <a:schemeClr val="accent1"/>
+          </a:effectRef>
+          <a:fontRef idx="minor">
+            <a:schemeClr val="tx1"/>
+          </a:fontRef>
+        </p:style>
+      </p:cxnSp>
+      <p:cxnSp>
+        <p:nvCxnSpPr>
+          <p:cNvPr id="128" name="Straight Connector 127">
+            <a:extLst>
+              <a:ext uri="{FF2B5EF4-FFF2-40B4-BE49-F238E27FC236}">
+                <a16:creationId xmlns:a16="http://schemas.microsoft.com/office/drawing/2014/main" id="{8301B603-9482-4ED2-8F83-76DE781BCBA1}"/>
+              </a:ext>
+            </a:extLst>
+          </p:cNvPr>
+          <p:cNvCxnSpPr>
+            <a:cxnSpLocks/>
+          </p:cNvCxnSpPr>
+          <p:nvPr/>
+        </p:nvCxnSpPr>
+        <p:spPr>
+          <a:xfrm flipV="1">
+            <a:off x="1156124" y="431231"/>
+            <a:ext cx="0" cy="2016000"/>
+          </a:xfrm>
+          <a:prstGeom prst="line">
+            <a:avLst/>
+          </a:prstGeom>
+          <a:ln w="3175">
+            <a:solidFill>
+              <a:schemeClr val="bg1">
+                <a:lumMod val="85000"/>
+              </a:schemeClr>
+            </a:solidFill>
+          </a:ln>
+        </p:spPr>
+        <p:style>
+          <a:lnRef idx="1">
+            <a:schemeClr val="accent1"/>
+          </a:lnRef>
+          <a:fillRef idx="0">
+            <a:schemeClr val="accent1"/>
+          </a:fillRef>
+          <a:effectRef idx="0">
+            <a:schemeClr val="accent1"/>
+          </a:effectRef>
+          <a:fontRef idx="minor">
+            <a:schemeClr val="tx1"/>
+          </a:fontRef>
+        </p:style>
+      </p:cxnSp>
+      <p:sp>
+        <p:nvSpPr>
+          <p:cNvPr id="10" name="Rectangle 9">
+            <a:extLst>
+              <a:ext uri="{FF2B5EF4-FFF2-40B4-BE49-F238E27FC236}">
+                <a16:creationId xmlns:a16="http://schemas.microsoft.com/office/drawing/2014/main" id="{2D225424-BB11-4468-B2E7-0EC0AA14DDE6}"/>
+              </a:ext>
+            </a:extLst>
+          </p:cNvPr>
+          <p:cNvSpPr/>
+          <p:nvPr/>
+        </p:nvSpPr>
+        <p:spPr>
+          <a:xfrm>
+            <a:off x="418641" y="431231"/>
+            <a:ext cx="2599200" cy="2044800"/>
+          </a:xfrm>
+          <a:prstGeom prst="rect">
+            <a:avLst/>
+          </a:prstGeom>
+          <a:noFill/>
+          <a:ln w="6350">
+            <a:solidFill>
+              <a:schemeClr val="bg1">
+                <a:lumMod val="85000"/>
+              </a:schemeClr>
+            </a:solidFill>
+          </a:ln>
+        </p:spPr>
+        <p:style>
+          <a:lnRef idx="2">
+            <a:schemeClr val="accent1">
+              <a:shade val="50000"/>
+            </a:schemeClr>
+          </a:lnRef>
+          <a:fillRef idx="1">
+            <a:schemeClr val="accent1"/>
+          </a:fillRef>
+          <a:effectRef idx="0">
+            <a:schemeClr val="accent1"/>
+          </a:effectRef>
+          <a:fontRef idx="minor">
+            <a:schemeClr val="lt1"/>
+          </a:fontRef>
+        </p:style>
+        <p:txBody>
+          <a:bodyPr rtlCol="0" anchor="ctr"/>
+          <a:lstStyle/>
+          <a:p>
+            <a:pPr algn="ctr"/>
+            <a:endParaRPr lang="en-GB"/>
+          </a:p>
+        </p:txBody>
+      </p:sp>
+      <p:cxnSp>
+        <p:nvCxnSpPr>
+          <p:cNvPr id="129" name="Straight Connector 128">
+            <a:extLst>
+              <a:ext uri="{FF2B5EF4-FFF2-40B4-BE49-F238E27FC236}">
+                <a16:creationId xmlns:a16="http://schemas.microsoft.com/office/drawing/2014/main" id="{720985E9-3FD9-4AC5-A937-A35B5C0EE3DD}"/>
+              </a:ext>
+            </a:extLst>
+          </p:cNvPr>
+          <p:cNvCxnSpPr>
+            <a:cxnSpLocks/>
+          </p:cNvCxnSpPr>
+          <p:nvPr/>
+        </p:nvCxnSpPr>
+        <p:spPr>
+          <a:xfrm flipH="1">
+            <a:off x="459954" y="1798197"/>
+            <a:ext cx="2557889" cy="0"/>
+          </a:xfrm>
+          <a:prstGeom prst="line">
+            <a:avLst/>
+          </a:prstGeom>
+          <a:ln w="3175">
+            <a:solidFill>
+              <a:schemeClr val="bg1">
+                <a:lumMod val="85000"/>
+              </a:schemeClr>
+            </a:solidFill>
+          </a:ln>
+        </p:spPr>
+        <p:style>
+          <a:lnRef idx="1">
+            <a:schemeClr val="accent1"/>
+          </a:lnRef>
+          <a:fillRef idx="0">
+            <a:schemeClr val="accent1"/>
+          </a:fillRef>
+          <a:effectRef idx="0">
+            <a:schemeClr val="accent1"/>
+          </a:effectRef>
+          <a:fontRef idx="minor">
+            <a:schemeClr val="tx1"/>
+          </a:fontRef>
+        </p:style>
+      </p:cxnSp>
+      <p:cxnSp>
+        <p:nvCxnSpPr>
+          <p:cNvPr id="130" name="Straight Connector 129">
+            <a:extLst>
+              <a:ext uri="{FF2B5EF4-FFF2-40B4-BE49-F238E27FC236}">
+                <a16:creationId xmlns:a16="http://schemas.microsoft.com/office/drawing/2014/main" id="{C271842B-5A19-4B4B-8CA9-3BEF69DE3995}"/>
+              </a:ext>
+            </a:extLst>
+          </p:cNvPr>
+          <p:cNvCxnSpPr>
+            <a:cxnSpLocks/>
+          </p:cNvCxnSpPr>
+          <p:nvPr/>
+        </p:nvCxnSpPr>
+        <p:spPr>
+          <a:xfrm flipH="1">
+            <a:off x="459954" y="1457592"/>
+            <a:ext cx="2557889" cy="0"/>
+          </a:xfrm>
+          <a:prstGeom prst="line">
+            <a:avLst/>
+          </a:prstGeom>
+          <a:ln w="3175">
+            <a:solidFill>
+              <a:schemeClr val="bg1">
+                <a:lumMod val="85000"/>
+              </a:schemeClr>
+            </a:solidFill>
+          </a:ln>
+        </p:spPr>
+        <p:style>
+          <a:lnRef idx="1">
+            <a:schemeClr val="accent1"/>
+          </a:lnRef>
+          <a:fillRef idx="0">
+            <a:schemeClr val="accent1"/>
+          </a:fillRef>
+          <a:effectRef idx="0">
+            <a:schemeClr val="accent1"/>
+          </a:effectRef>
+          <a:fontRef idx="minor">
+            <a:schemeClr val="tx1"/>
+          </a:fontRef>
+        </p:style>
+      </p:cxnSp>
+      <p:cxnSp>
+        <p:nvCxnSpPr>
+          <p:cNvPr id="131" name="Straight Connector 130">
+            <a:extLst>
+              <a:ext uri="{FF2B5EF4-FFF2-40B4-BE49-F238E27FC236}">
+                <a16:creationId xmlns:a16="http://schemas.microsoft.com/office/drawing/2014/main" id="{3B78EF68-0462-4676-8BE2-F578098E6645}"/>
+              </a:ext>
+            </a:extLst>
+          </p:cNvPr>
+          <p:cNvCxnSpPr>
+            <a:cxnSpLocks/>
+          </p:cNvCxnSpPr>
+          <p:nvPr/>
+        </p:nvCxnSpPr>
+        <p:spPr>
+          <a:xfrm flipH="1">
+            <a:off x="459954" y="1116069"/>
+            <a:ext cx="2557889" cy="0"/>
+          </a:xfrm>
+          <a:prstGeom prst="line">
+            <a:avLst/>
+          </a:prstGeom>
+          <a:ln w="3175">
+            <a:solidFill>
+              <a:schemeClr val="bg1">
+                <a:lumMod val="85000"/>
+              </a:schemeClr>
+            </a:solidFill>
+          </a:ln>
+        </p:spPr>
+        <p:style>
+          <a:lnRef idx="1">
+            <a:schemeClr val="accent1"/>
+          </a:lnRef>
+          <a:fillRef idx="0">
+            <a:schemeClr val="accent1"/>
+          </a:fillRef>
+          <a:effectRef idx="0">
+            <a:schemeClr val="accent1"/>
+          </a:effectRef>
+          <a:fontRef idx="minor">
+            <a:schemeClr val="tx1"/>
+          </a:fontRef>
+        </p:style>
+      </p:cxnSp>
+      <p:cxnSp>
+        <p:nvCxnSpPr>
+          <p:cNvPr id="132" name="Straight Connector 131">
+            <a:extLst>
+              <a:ext uri="{FF2B5EF4-FFF2-40B4-BE49-F238E27FC236}">
+                <a16:creationId xmlns:a16="http://schemas.microsoft.com/office/drawing/2014/main" id="{34D9085C-5EF4-4A1C-810A-D63FD9359E76}"/>
+              </a:ext>
+            </a:extLst>
+          </p:cNvPr>
+          <p:cNvCxnSpPr>
+            <a:cxnSpLocks/>
+          </p:cNvCxnSpPr>
+          <p:nvPr/>
+        </p:nvCxnSpPr>
+        <p:spPr>
+          <a:xfrm flipH="1">
+            <a:off x="459954" y="772710"/>
+            <a:ext cx="2557889" cy="0"/>
+          </a:xfrm>
+          <a:prstGeom prst="line">
+            <a:avLst/>
+          </a:prstGeom>
+          <a:ln w="3175">
+            <a:solidFill>
+              <a:schemeClr val="bg1">
+                <a:lumMod val="85000"/>
+              </a:schemeClr>
+            </a:solidFill>
+          </a:ln>
+        </p:spPr>
+        <p:style>
+          <a:lnRef idx="1">
+            <a:schemeClr val="accent1"/>
+          </a:lnRef>
+          <a:fillRef idx="0">
+            <a:schemeClr val="accent1"/>
+          </a:fillRef>
+          <a:effectRef idx="0">
+            <a:schemeClr val="accent1"/>
+          </a:effectRef>
+          <a:fontRef idx="minor">
+            <a:schemeClr val="tx1"/>
+          </a:fontRef>
+        </p:style>
+      </p:cxnSp>
+      <p:cxnSp>
+        <p:nvCxnSpPr>
+          <p:cNvPr id="133" name="Straight Connector 132">
+            <a:extLst>
+              <a:ext uri="{FF2B5EF4-FFF2-40B4-BE49-F238E27FC236}">
+                <a16:creationId xmlns:a16="http://schemas.microsoft.com/office/drawing/2014/main" id="{918D9089-A0F9-4716-8941-1A5174365348}"/>
+              </a:ext>
+            </a:extLst>
+          </p:cNvPr>
+          <p:cNvCxnSpPr>
+            <a:cxnSpLocks/>
+          </p:cNvCxnSpPr>
+          <p:nvPr/>
+        </p:nvCxnSpPr>
+        <p:spPr>
+          <a:xfrm flipH="1">
+            <a:off x="418642" y="2137884"/>
+            <a:ext cx="2599199" cy="0"/>
+          </a:xfrm>
+          <a:prstGeom prst="line">
+            <a:avLst/>
+          </a:prstGeom>
+          <a:ln w="19050">
+            <a:solidFill>
+              <a:schemeClr val="accent2">
+                <a:lumMod val="75000"/>
+              </a:schemeClr>
+            </a:solidFill>
+          </a:ln>
+        </p:spPr>
+        <p:style>
+          <a:lnRef idx="1">
+            <a:schemeClr val="accent1"/>
+          </a:lnRef>
+          <a:fillRef idx="0">
+            <a:schemeClr val="accent1"/>
+          </a:fillRef>
+          <a:effectRef idx="0">
+            <a:schemeClr val="accent1"/>
+          </a:effectRef>
+          <a:fontRef idx="minor">
+            <a:schemeClr val="tx1"/>
+          </a:fontRef>
+        </p:style>
+      </p:cxnSp>
+      <p:sp>
+        <p:nvSpPr>
+          <p:cNvPr id="88" name="TextBox 87">
+            <a:extLst>
+              <a:ext uri="{FF2B5EF4-FFF2-40B4-BE49-F238E27FC236}">
+                <a16:creationId xmlns:a16="http://schemas.microsoft.com/office/drawing/2014/main" id="{6B46E34C-7AEE-46D7-9232-D2BE0C957E6E}"/>
+              </a:ext>
+            </a:extLst>
+          </p:cNvPr>
+          <p:cNvSpPr txBox="1"/>
+          <p:nvPr/>
+        </p:nvSpPr>
+        <p:spPr>
+          <a:xfrm>
+            <a:off x="1795630" y="2055807"/>
+            <a:ext cx="1152000" cy="338554"/>
+          </a:xfrm>
+          <a:prstGeom prst="rect">
+            <a:avLst/>
+          </a:prstGeom>
+          <a:solidFill>
+            <a:schemeClr val="bg1"/>
+          </a:solidFill>
+          <a:ln>
+            <a:solidFill>
+              <a:schemeClr val="tx1"/>
+            </a:solidFill>
+          </a:ln>
+        </p:spPr>
+        <p:txBody>
+          <a:bodyPr wrap="square" rtlCol="0">
+            <a:spAutoFit/>
+          </a:bodyPr>
+          <a:lstStyle/>
+          <a:p>
+            <a:pPr algn="ctr"/>
+            <a:r>
+              <a:rPr lang="en-GB" sz="800" dirty="0"/>
+              <a:t>85</a:t>
+            </a:r>
+            <a:r>
+              <a:rPr lang="en-GB" sz="800" baseline="30000" dirty="0"/>
+              <a:t>th</a:t>
+            </a:r>
+            <a:r>
+              <a:rPr lang="en-GB" sz="800" dirty="0"/>
+              <a:t> percentile</a:t>
+            </a:r>
+          </a:p>
+          <a:p>
+            <a:pPr algn="ctr"/>
+            <a:r>
+              <a:rPr lang="en-GB" sz="800" dirty="0"/>
+              <a:t>(tp &gt;= 9.419 mm/12h)</a:t>
+            </a:r>
+          </a:p>
+        </p:txBody>
+      </p:sp>
+      <p:sp>
+        <p:nvSpPr>
+          <p:cNvPr id="134" name="TextBox 133">
+            <a:extLst>
+              <a:ext uri="{FF2B5EF4-FFF2-40B4-BE49-F238E27FC236}">
+                <a16:creationId xmlns:a16="http://schemas.microsoft.com/office/drawing/2014/main" id="{7E134258-FBD3-4275-B9A4-D69865C2A1A2}"/>
+              </a:ext>
+            </a:extLst>
+          </p:cNvPr>
+          <p:cNvSpPr txBox="1"/>
+          <p:nvPr/>
+        </p:nvSpPr>
+        <p:spPr>
+          <a:xfrm>
+            <a:off x="368078" y="1957336"/>
+            <a:ext cx="537872" cy="215444"/>
+          </a:xfrm>
+          <a:prstGeom prst="rect">
+            <a:avLst/>
+          </a:prstGeom>
+          <a:noFill/>
+        </p:spPr>
+        <p:txBody>
+          <a:bodyPr wrap="square" rtlCol="0">
+            <a:spAutoFit/>
+          </a:bodyPr>
+          <a:lstStyle/>
+          <a:p>
+            <a:r>
+              <a:rPr lang="en-GB" sz="800" b="1" dirty="0">
+                <a:solidFill>
+                  <a:schemeClr val="accent2">
+                    <a:lumMod val="75000"/>
+                  </a:schemeClr>
+                </a:solidFill>
+              </a:rPr>
+              <a:t>No Skill</a:t>
             </a:r>
           </a:p>
         </p:txBody>

--- a/Manuscript/Figures/AURC_EFFCI06.pptx
+++ b/Manuscript/Figures/AURC_EFFCI06.pptx
@@ -6,6 +6,7 @@
   </p:sldMasterIdLst>
   <p:sldIdLst>
     <p:sldId id="259" r:id="rId2"/>
+    <p:sldId id="260" r:id="rId3"/>
   </p:sldIdLst>
   <p:sldSz cx="6119813" cy="5400675"/>
   <p:notesSz cx="6858000" cy="9144000"/>
@@ -115,7 +116,7 @@
 <file path=ppt/revisionInfo.xml><?xml version="1.0" encoding="utf-8"?>
 <p1510:revInfo xmlns:a="http://schemas.openxmlformats.org/drawingml/2006/main" xmlns:r="http://schemas.openxmlformats.org/officeDocument/2006/relationships" xmlns:p1510="http://schemas.microsoft.com/office/powerpoint/2015/10/main">
   <p1510:revLst>
-    <p1510:client id="{AEACF5B8-E1B8-484D-AA65-19A39BABB57B}" v="29" dt="2022-01-18T16:34:11.502"/>
+    <p1510:client id="{AEACF5B8-E1B8-484D-AA65-19A39BABB57B}" v="32" dt="2022-01-18T17:12:02.653"/>
   </p1510:revLst>
 </p1510:revInfo>
 </file>
@@ -124,13 +125,13 @@
 <pc:chgInfo xmlns:a="http://schemas.openxmlformats.org/drawingml/2006/main" xmlns:r="http://schemas.openxmlformats.org/officeDocument/2006/relationships" xmlns:ac="http://schemas.microsoft.com/office/drawing/2013/main/command" xmlns:pc="http://schemas.microsoft.com/office/powerpoint/2013/main/command">
   <pc:docChgLst>
     <pc:chgData name="Fatima Pillosu" userId="a6295d4dc9e22643" providerId="LiveId" clId="{AEACF5B8-E1B8-484D-AA65-19A39BABB57B}"/>
-    <pc:docChg chg="undo redo custSel delSld modSld">
-      <pc:chgData name="Fatima Pillosu" userId="a6295d4dc9e22643" providerId="LiveId" clId="{AEACF5B8-E1B8-484D-AA65-19A39BABB57B}" dt="2022-01-18T16:39:47.242" v="560" actId="167"/>
+    <pc:docChg chg="undo redo custSel addSld delSld modSld">
+      <pc:chgData name="Fatima Pillosu" userId="a6295d4dc9e22643" providerId="LiveId" clId="{AEACF5B8-E1B8-484D-AA65-19A39BABB57B}" dt="2022-01-18T17:12:56.461" v="625" actId="1076"/>
       <pc:docMkLst>
         <pc:docMk/>
       </pc:docMkLst>
       <pc:sldChg chg="addSp delSp modSp mod">
-        <pc:chgData name="Fatima Pillosu" userId="a6295d4dc9e22643" providerId="LiveId" clId="{AEACF5B8-E1B8-484D-AA65-19A39BABB57B}" dt="2022-01-18T16:39:47.242" v="560" actId="167"/>
+        <pc:chgData name="Fatima Pillosu" userId="a6295d4dc9e22643" providerId="LiveId" clId="{AEACF5B8-E1B8-484D-AA65-19A39BABB57B}" dt="2022-01-18T17:12:56.461" v="625" actId="1076"/>
         <pc:sldMkLst>
           <pc:docMk/>
           <pc:sldMk cId="1489261767" sldId="259"/>
@@ -159,8 +160,8 @@
             <ac:spMk id="4" creationId="{6658AA8B-9FBA-437F-A3A9-6BE46CFC77E0}"/>
           </ac:spMkLst>
         </pc:spChg>
-        <pc:spChg chg="add mod ord">
-          <ac:chgData name="Fatima Pillosu" userId="a6295d4dc9e22643" providerId="LiveId" clId="{AEACF5B8-E1B8-484D-AA65-19A39BABB57B}" dt="2022-01-18T16:39:47.242" v="560" actId="167"/>
+        <pc:spChg chg="add del mod ord">
+          <ac:chgData name="Fatima Pillosu" userId="a6295d4dc9e22643" providerId="LiveId" clId="{AEACF5B8-E1B8-484D-AA65-19A39BABB57B}" dt="2022-01-18T17:09:57.788" v="562" actId="478"/>
           <ac:spMkLst>
             <pc:docMk/>
             <pc:sldMk cId="1489261767" sldId="259"/>
@@ -240,15 +241,15 @@
           </ac:spMkLst>
         </pc:spChg>
         <pc:spChg chg="add mod">
-          <ac:chgData name="Fatima Pillosu" userId="a6295d4dc9e22643" providerId="LiveId" clId="{AEACF5B8-E1B8-484D-AA65-19A39BABB57B}" dt="2022-01-18T15:50:12.137" v="356" actId="1036"/>
+          <ac:chgData name="Fatima Pillosu" userId="a6295d4dc9e22643" providerId="LiveId" clId="{AEACF5B8-E1B8-484D-AA65-19A39BABB57B}" dt="2022-01-18T17:12:56.461" v="625" actId="1076"/>
           <ac:spMkLst>
             <pc:docMk/>
             <pc:sldMk cId="1489261767" sldId="259"/>
             <ac:spMk id="59" creationId="{EDB8C1D3-804C-4636-B781-F3F8431A369B}"/>
           </ac:spMkLst>
         </pc:spChg>
-        <pc:spChg chg="add mod">
-          <ac:chgData name="Fatima Pillosu" userId="a6295d4dc9e22643" providerId="LiveId" clId="{AEACF5B8-E1B8-484D-AA65-19A39BABB57B}" dt="2022-01-18T16:31:17.211" v="507" actId="1036"/>
+        <pc:spChg chg="add del mod">
+          <ac:chgData name="Fatima Pillosu" userId="a6295d4dc9e22643" providerId="LiveId" clId="{AEACF5B8-E1B8-484D-AA65-19A39BABB57B}" dt="2022-01-18T17:09:57.788" v="562" actId="478"/>
           <ac:spMkLst>
             <pc:docMk/>
             <pc:sldMk cId="1489261767" sldId="259"/>
@@ -280,7 +281,23 @@
           </ac:spMkLst>
         </pc:spChg>
         <pc:spChg chg="add mod">
-          <ac:chgData name="Fatima Pillosu" userId="a6295d4dc9e22643" providerId="LiveId" clId="{AEACF5B8-E1B8-484D-AA65-19A39BABB57B}" dt="2022-01-18T15:50:12.137" v="356" actId="1036"/>
+          <ac:chgData name="Fatima Pillosu" userId="a6295d4dc9e22643" providerId="LiveId" clId="{AEACF5B8-E1B8-484D-AA65-19A39BABB57B}" dt="2022-01-18T17:12:45.474" v="623" actId="1076"/>
+          <ac:spMkLst>
+            <pc:docMk/>
+            <pc:sldMk cId="1489261767" sldId="259"/>
+            <ac:spMk id="73" creationId="{C1D12DF9-87B0-4222-A6B9-241033479852}"/>
+          </ac:spMkLst>
+        </pc:spChg>
+        <pc:spChg chg="add mod">
+          <ac:chgData name="Fatima Pillosu" userId="a6295d4dc9e22643" providerId="LiveId" clId="{AEACF5B8-E1B8-484D-AA65-19A39BABB57B}" dt="2022-01-18T17:12:12.929" v="609" actId="14100"/>
+          <ac:spMkLst>
+            <pc:docMk/>
+            <pc:sldMk cId="1489261767" sldId="259"/>
+            <ac:spMk id="74" creationId="{731D2FA9-E557-41FD-8400-9864995A64F0}"/>
+          </ac:spMkLst>
+        </pc:spChg>
+        <pc:spChg chg="add del mod">
+          <ac:chgData name="Fatima Pillosu" userId="a6295d4dc9e22643" providerId="LiveId" clId="{AEACF5B8-E1B8-484D-AA65-19A39BABB57B}" dt="2022-01-18T17:09:57.788" v="562" actId="478"/>
           <ac:spMkLst>
             <pc:docMk/>
             <pc:sldMk cId="1489261767" sldId="259"/>
@@ -303,32 +320,32 @@
             <ac:spMk id="84" creationId="{DCA229DB-8991-4C74-A0F1-F0C1F1931148}"/>
           </ac:spMkLst>
         </pc:spChg>
-        <pc:spChg chg="add mod">
-          <ac:chgData name="Fatima Pillosu" userId="a6295d4dc9e22643" providerId="LiveId" clId="{AEACF5B8-E1B8-484D-AA65-19A39BABB57B}" dt="2022-01-18T15:50:12.137" v="356" actId="1036"/>
+        <pc:spChg chg="add del mod">
+          <ac:chgData name="Fatima Pillosu" userId="a6295d4dc9e22643" providerId="LiveId" clId="{AEACF5B8-E1B8-484D-AA65-19A39BABB57B}" dt="2022-01-18T17:10:04.362" v="563" actId="478"/>
           <ac:spMkLst>
             <pc:docMk/>
             <pc:sldMk cId="1489261767" sldId="259"/>
             <ac:spMk id="85" creationId="{0249158A-4189-483C-8D72-5DD69FC3D3B2}"/>
           </ac:spMkLst>
         </pc:spChg>
-        <pc:spChg chg="add mod">
-          <ac:chgData name="Fatima Pillosu" userId="a6295d4dc9e22643" providerId="LiveId" clId="{AEACF5B8-E1B8-484D-AA65-19A39BABB57B}" dt="2022-01-18T15:50:12.137" v="356" actId="1036"/>
+        <pc:spChg chg="add del mod">
+          <ac:chgData name="Fatima Pillosu" userId="a6295d4dc9e22643" providerId="LiveId" clId="{AEACF5B8-E1B8-484D-AA65-19A39BABB57B}" dt="2022-01-18T17:10:04.362" v="563" actId="478"/>
           <ac:spMkLst>
             <pc:docMk/>
             <pc:sldMk cId="1489261767" sldId="259"/>
             <ac:spMk id="86" creationId="{9E48FFDA-5009-456E-AB67-6011D65FD542}"/>
           </ac:spMkLst>
         </pc:spChg>
-        <pc:spChg chg="add mod">
-          <ac:chgData name="Fatima Pillosu" userId="a6295d4dc9e22643" providerId="LiveId" clId="{AEACF5B8-E1B8-484D-AA65-19A39BABB57B}" dt="2022-01-18T15:50:12.137" v="356" actId="1036"/>
+        <pc:spChg chg="add del mod">
+          <ac:chgData name="Fatima Pillosu" userId="a6295d4dc9e22643" providerId="LiveId" clId="{AEACF5B8-E1B8-484D-AA65-19A39BABB57B}" dt="2022-01-18T17:10:04.362" v="563" actId="478"/>
           <ac:spMkLst>
             <pc:docMk/>
             <pc:sldMk cId="1489261767" sldId="259"/>
             <ac:spMk id="87" creationId="{AA154F77-0799-4142-A090-A67AAC423B5D}"/>
           </ac:spMkLst>
         </pc:spChg>
-        <pc:spChg chg="add mod ord">
-          <ac:chgData name="Fatima Pillosu" userId="a6295d4dc9e22643" providerId="LiveId" clId="{AEACF5B8-E1B8-484D-AA65-19A39BABB57B}" dt="2022-01-18T16:34:01.054" v="538" actId="166"/>
+        <pc:spChg chg="add del mod ord">
+          <ac:chgData name="Fatima Pillosu" userId="a6295d4dc9e22643" providerId="LiveId" clId="{AEACF5B8-E1B8-484D-AA65-19A39BABB57B}" dt="2022-01-18T17:09:57.788" v="562" actId="478"/>
           <ac:spMkLst>
             <pc:docMk/>
             <pc:sldMk cId="1489261767" sldId="259"/>
@@ -336,7 +353,7 @@
           </ac:spMkLst>
         </pc:spChg>
         <pc:spChg chg="add mod">
-          <ac:chgData name="Fatima Pillosu" userId="a6295d4dc9e22643" providerId="LiveId" clId="{AEACF5B8-E1B8-484D-AA65-19A39BABB57B}" dt="2022-01-18T15:50:12.137" v="356" actId="1036"/>
+          <ac:chgData name="Fatima Pillosu" userId="a6295d4dc9e22643" providerId="LiveId" clId="{AEACF5B8-E1B8-484D-AA65-19A39BABB57B}" dt="2022-01-18T17:12:51.615" v="624" actId="1076"/>
           <ac:spMkLst>
             <pc:docMk/>
             <pc:sldMk cId="1489261767" sldId="259"/>
@@ -351,8 +368,8 @@
             <ac:spMk id="122" creationId="{2F7C763A-07EF-4B45-9716-3857550CF6EF}"/>
           </ac:spMkLst>
         </pc:spChg>
-        <pc:spChg chg="add mod">
-          <ac:chgData name="Fatima Pillosu" userId="a6295d4dc9e22643" providerId="LiveId" clId="{AEACF5B8-E1B8-484D-AA65-19A39BABB57B}" dt="2022-01-18T16:35:38.650" v="556" actId="14100"/>
+        <pc:spChg chg="add del mod">
+          <ac:chgData name="Fatima Pillosu" userId="a6295d4dc9e22643" providerId="LiveId" clId="{AEACF5B8-E1B8-484D-AA65-19A39BABB57B}" dt="2022-01-18T17:09:57.788" v="562" actId="478"/>
           <ac:spMkLst>
             <pc:docMk/>
             <pc:sldMk cId="1489261767" sldId="259"/>
@@ -391,6 +408,38 @@
             <ac:spMk id="161" creationId="{91D08E8B-4E44-4400-9BC5-3BD9EF49592E}"/>
           </ac:spMkLst>
         </pc:spChg>
+        <pc:picChg chg="add mod modCrop">
+          <ac:chgData name="Fatima Pillosu" userId="a6295d4dc9e22643" providerId="LiveId" clId="{AEACF5B8-E1B8-484D-AA65-19A39BABB57B}" dt="2022-01-18T17:12:39.514" v="622" actId="1038"/>
+          <ac:picMkLst>
+            <pc:docMk/>
+            <pc:sldMk cId="1489261767" sldId="259"/>
+            <ac:picMk id="3" creationId="{AA2AE781-3369-4FEB-9AFD-D06BB5047BFC}"/>
+          </ac:picMkLst>
+        </pc:picChg>
+        <pc:picChg chg="add mod modCrop">
+          <ac:chgData name="Fatima Pillosu" userId="a6295d4dc9e22643" providerId="LiveId" clId="{AEACF5B8-E1B8-484D-AA65-19A39BABB57B}" dt="2022-01-18T17:12:39.514" v="622" actId="1038"/>
+          <ac:picMkLst>
+            <pc:docMk/>
+            <pc:sldMk cId="1489261767" sldId="259"/>
+            <ac:picMk id="5" creationId="{647CB8AE-FCBA-4B1B-8002-42FD30E3A189}"/>
+          </ac:picMkLst>
+        </pc:picChg>
+        <pc:picChg chg="add mod modCrop">
+          <ac:chgData name="Fatima Pillosu" userId="a6295d4dc9e22643" providerId="LiveId" clId="{AEACF5B8-E1B8-484D-AA65-19A39BABB57B}" dt="2022-01-18T17:12:39.514" v="622" actId="1038"/>
+          <ac:picMkLst>
+            <pc:docMk/>
+            <pc:sldMk cId="1489261767" sldId="259"/>
+            <ac:picMk id="7" creationId="{C5D75D13-E7EE-4CAA-8EE6-75C55E3EABCC}"/>
+          </ac:picMkLst>
+        </pc:picChg>
+        <pc:picChg chg="add mod modCrop">
+          <ac:chgData name="Fatima Pillosu" userId="a6295d4dc9e22643" providerId="LiveId" clId="{AEACF5B8-E1B8-484D-AA65-19A39BABB57B}" dt="2022-01-18T17:12:39.514" v="622" actId="1038"/>
+          <ac:picMkLst>
+            <pc:docMk/>
+            <pc:sldMk cId="1489261767" sldId="259"/>
+            <ac:picMk id="9" creationId="{9D6BA245-8585-4D56-B1A9-2CA927A6C293}"/>
+          </ac:picMkLst>
+        </pc:picChg>
         <pc:picChg chg="del mod">
           <ac:chgData name="Fatima Pillosu" userId="a6295d4dc9e22643" providerId="LiveId" clId="{AEACF5B8-E1B8-484D-AA65-19A39BABB57B}" dt="2022-01-18T15:49:48.420" v="351" actId="21"/>
           <ac:picMkLst>
@@ -415,8 +464,8 @@
             <ac:picMk id="43" creationId="{D218246B-01E4-4C08-9D41-DB884FC7028F}"/>
           </ac:picMkLst>
         </pc:picChg>
-        <pc:picChg chg="add mod">
-          <ac:chgData name="Fatima Pillosu" userId="a6295d4dc9e22643" providerId="LiveId" clId="{AEACF5B8-E1B8-484D-AA65-19A39BABB57B}" dt="2022-01-18T15:50:12.137" v="356" actId="1036"/>
+        <pc:picChg chg="add del mod">
+          <ac:chgData name="Fatima Pillosu" userId="a6295d4dc9e22643" providerId="LiveId" clId="{AEACF5B8-E1B8-484D-AA65-19A39BABB57B}" dt="2022-01-18T17:10:05.970" v="565" actId="478"/>
           <ac:picMkLst>
             <pc:docMk/>
             <pc:sldMk cId="1489261767" sldId="259"/>
@@ -431,24 +480,24 @@
             <ac:picMk id="57" creationId="{38C701DB-1B3C-44A2-B715-7645338A51AD}"/>
           </ac:picMkLst>
         </pc:picChg>
-        <pc:picChg chg="add mod">
-          <ac:chgData name="Fatima Pillosu" userId="a6295d4dc9e22643" providerId="LiveId" clId="{AEACF5B8-E1B8-484D-AA65-19A39BABB57B}" dt="2022-01-18T15:50:12.137" v="356" actId="1036"/>
+        <pc:picChg chg="add del mod">
+          <ac:chgData name="Fatima Pillosu" userId="a6295d4dc9e22643" providerId="LiveId" clId="{AEACF5B8-E1B8-484D-AA65-19A39BABB57B}" dt="2022-01-18T17:10:05.481" v="564" actId="478"/>
           <ac:picMkLst>
             <pc:docMk/>
             <pc:sldMk cId="1489261767" sldId="259"/>
             <ac:picMk id="58" creationId="{6BDD4B2C-0287-4AB0-9F5C-4E24A08845F8}"/>
           </ac:picMkLst>
         </pc:picChg>
-        <pc:picChg chg="add mod">
-          <ac:chgData name="Fatima Pillosu" userId="a6295d4dc9e22643" providerId="LiveId" clId="{AEACF5B8-E1B8-484D-AA65-19A39BABB57B}" dt="2022-01-18T15:50:12.137" v="356" actId="1036"/>
+        <pc:picChg chg="add del mod">
+          <ac:chgData name="Fatima Pillosu" userId="a6295d4dc9e22643" providerId="LiveId" clId="{AEACF5B8-E1B8-484D-AA65-19A39BABB57B}" dt="2022-01-18T17:09:57.788" v="562" actId="478"/>
           <ac:picMkLst>
             <pc:docMk/>
             <pc:sldMk cId="1489261767" sldId="259"/>
             <ac:picMk id="61" creationId="{15681698-39BD-4815-B989-535604F83C98}"/>
           </ac:picMkLst>
         </pc:picChg>
-        <pc:picChg chg="add mod">
-          <ac:chgData name="Fatima Pillosu" userId="a6295d4dc9e22643" providerId="LiveId" clId="{AEACF5B8-E1B8-484D-AA65-19A39BABB57B}" dt="2022-01-18T15:50:12.137" v="356" actId="1036"/>
+        <pc:picChg chg="add del mod">
+          <ac:chgData name="Fatima Pillosu" userId="a6295d4dc9e22643" providerId="LiveId" clId="{AEACF5B8-E1B8-484D-AA65-19A39BABB57B}" dt="2022-01-18T17:09:57.788" v="562" actId="478"/>
           <ac:picMkLst>
             <pc:docMk/>
             <pc:sldMk cId="1489261767" sldId="259"/>
@@ -496,343 +545,343 @@
           </ac:cxnSpMkLst>
         </pc:cxnChg>
         <pc:cxnChg chg="add del mod ord">
-          <ac:chgData name="Fatima Pillosu" userId="a6295d4dc9e22643" providerId="LiveId" clId="{AEACF5B8-E1B8-484D-AA65-19A39BABB57B}" dt="2022-01-18T16:39:47.242" v="560" actId="167"/>
+          <ac:chgData name="Fatima Pillosu" userId="a6295d4dc9e22643" providerId="LiveId" clId="{AEACF5B8-E1B8-484D-AA65-19A39BABB57B}" dt="2022-01-18T17:09:57.788" v="562" actId="478"/>
           <ac:cxnSpMkLst>
             <pc:docMk/>
             <pc:sldMk cId="1489261767" sldId="259"/>
             <ac:cxnSpMk id="90" creationId="{345F1F1F-24FA-4369-9630-5A3B8D20A985}"/>
           </ac:cxnSpMkLst>
         </pc:cxnChg>
-        <pc:cxnChg chg="add mod ord">
-          <ac:chgData name="Fatima Pillosu" userId="a6295d4dc9e22643" providerId="LiveId" clId="{AEACF5B8-E1B8-484D-AA65-19A39BABB57B}" dt="2022-01-18T16:39:47.242" v="560" actId="167"/>
+        <pc:cxnChg chg="add del mod ord">
+          <ac:chgData name="Fatima Pillosu" userId="a6295d4dc9e22643" providerId="LiveId" clId="{AEACF5B8-E1B8-484D-AA65-19A39BABB57B}" dt="2022-01-18T17:09:57.788" v="562" actId="478"/>
           <ac:cxnSpMkLst>
             <pc:docMk/>
             <pc:sldMk cId="1489261767" sldId="259"/>
             <ac:cxnSpMk id="91" creationId="{52DA2BFD-9BF9-4C18-8459-5FED50E88395}"/>
           </ac:cxnSpMkLst>
         </pc:cxnChg>
-        <pc:cxnChg chg="add mod ord">
-          <ac:chgData name="Fatima Pillosu" userId="a6295d4dc9e22643" providerId="LiveId" clId="{AEACF5B8-E1B8-484D-AA65-19A39BABB57B}" dt="2022-01-18T16:39:47.242" v="560" actId="167"/>
+        <pc:cxnChg chg="add del mod ord">
+          <ac:chgData name="Fatima Pillosu" userId="a6295d4dc9e22643" providerId="LiveId" clId="{AEACF5B8-E1B8-484D-AA65-19A39BABB57B}" dt="2022-01-18T17:09:57.788" v="562" actId="478"/>
           <ac:cxnSpMkLst>
             <pc:docMk/>
             <pc:sldMk cId="1489261767" sldId="259"/>
             <ac:cxnSpMk id="92" creationId="{A3E60E95-8A56-4184-B513-1C0DF77ED817}"/>
           </ac:cxnSpMkLst>
         </pc:cxnChg>
-        <pc:cxnChg chg="add mod ord">
-          <ac:chgData name="Fatima Pillosu" userId="a6295d4dc9e22643" providerId="LiveId" clId="{AEACF5B8-E1B8-484D-AA65-19A39BABB57B}" dt="2022-01-18T16:39:47.242" v="560" actId="167"/>
+        <pc:cxnChg chg="add del mod ord">
+          <ac:chgData name="Fatima Pillosu" userId="a6295d4dc9e22643" providerId="LiveId" clId="{AEACF5B8-E1B8-484D-AA65-19A39BABB57B}" dt="2022-01-18T17:09:57.788" v="562" actId="478"/>
           <ac:cxnSpMkLst>
             <pc:docMk/>
             <pc:sldMk cId="1489261767" sldId="259"/>
             <ac:cxnSpMk id="93" creationId="{E0F7B734-A084-40C4-A161-F2293A25C0C6}"/>
           </ac:cxnSpMkLst>
         </pc:cxnChg>
-        <pc:cxnChg chg="add mod ord">
-          <ac:chgData name="Fatima Pillosu" userId="a6295d4dc9e22643" providerId="LiveId" clId="{AEACF5B8-E1B8-484D-AA65-19A39BABB57B}" dt="2022-01-18T16:39:47.242" v="560" actId="167"/>
+        <pc:cxnChg chg="add del mod ord">
+          <ac:chgData name="Fatima Pillosu" userId="a6295d4dc9e22643" providerId="LiveId" clId="{AEACF5B8-E1B8-484D-AA65-19A39BABB57B}" dt="2022-01-18T17:09:57.788" v="562" actId="478"/>
           <ac:cxnSpMkLst>
             <pc:docMk/>
             <pc:sldMk cId="1489261767" sldId="259"/>
             <ac:cxnSpMk id="94" creationId="{FD4C843F-CBA6-4B85-8F30-AC99A328A9AD}"/>
           </ac:cxnSpMkLst>
         </pc:cxnChg>
-        <pc:cxnChg chg="add mod ord">
-          <ac:chgData name="Fatima Pillosu" userId="a6295d4dc9e22643" providerId="LiveId" clId="{AEACF5B8-E1B8-484D-AA65-19A39BABB57B}" dt="2022-01-18T16:39:47.242" v="560" actId="167"/>
+        <pc:cxnChg chg="add del mod ord">
+          <ac:chgData name="Fatima Pillosu" userId="a6295d4dc9e22643" providerId="LiveId" clId="{AEACF5B8-E1B8-484D-AA65-19A39BABB57B}" dt="2022-01-18T17:09:57.788" v="562" actId="478"/>
           <ac:cxnSpMkLst>
             <pc:docMk/>
             <pc:sldMk cId="1489261767" sldId="259"/>
             <ac:cxnSpMk id="95" creationId="{7C0D8D8F-105D-4715-9519-65344A7B6C43}"/>
           </ac:cxnSpMkLst>
         </pc:cxnChg>
-        <pc:cxnChg chg="add mod ord">
-          <ac:chgData name="Fatima Pillosu" userId="a6295d4dc9e22643" providerId="LiveId" clId="{AEACF5B8-E1B8-484D-AA65-19A39BABB57B}" dt="2022-01-18T16:39:47.242" v="560" actId="167"/>
+        <pc:cxnChg chg="add del mod ord">
+          <ac:chgData name="Fatima Pillosu" userId="a6295d4dc9e22643" providerId="LiveId" clId="{AEACF5B8-E1B8-484D-AA65-19A39BABB57B}" dt="2022-01-18T17:09:57.788" v="562" actId="478"/>
           <ac:cxnSpMkLst>
             <pc:docMk/>
             <pc:sldMk cId="1489261767" sldId="259"/>
             <ac:cxnSpMk id="96" creationId="{792482D7-B865-4B40-AB03-1758A58AB4EC}"/>
           </ac:cxnSpMkLst>
         </pc:cxnChg>
-        <pc:cxnChg chg="add mod ord">
-          <ac:chgData name="Fatima Pillosu" userId="a6295d4dc9e22643" providerId="LiveId" clId="{AEACF5B8-E1B8-484D-AA65-19A39BABB57B}" dt="2022-01-18T16:39:47.242" v="560" actId="167"/>
+        <pc:cxnChg chg="add del mod ord">
+          <ac:chgData name="Fatima Pillosu" userId="a6295d4dc9e22643" providerId="LiveId" clId="{AEACF5B8-E1B8-484D-AA65-19A39BABB57B}" dt="2022-01-18T17:09:57.788" v="562" actId="478"/>
           <ac:cxnSpMkLst>
             <pc:docMk/>
             <pc:sldMk cId="1489261767" sldId="259"/>
             <ac:cxnSpMk id="97" creationId="{54845AC9-C388-4EEB-9596-1482E6E726C2}"/>
           </ac:cxnSpMkLst>
         </pc:cxnChg>
-        <pc:cxnChg chg="add mod ord">
-          <ac:chgData name="Fatima Pillosu" userId="a6295d4dc9e22643" providerId="LiveId" clId="{AEACF5B8-E1B8-484D-AA65-19A39BABB57B}" dt="2022-01-18T16:39:47.242" v="560" actId="167"/>
+        <pc:cxnChg chg="add del mod ord">
+          <ac:chgData name="Fatima Pillosu" userId="a6295d4dc9e22643" providerId="LiveId" clId="{AEACF5B8-E1B8-484D-AA65-19A39BABB57B}" dt="2022-01-18T17:09:57.788" v="562" actId="478"/>
           <ac:cxnSpMkLst>
             <pc:docMk/>
             <pc:sldMk cId="1489261767" sldId="259"/>
             <ac:cxnSpMk id="98" creationId="{DEB542EE-EDEE-47FA-8E4A-511401D672FA}"/>
           </ac:cxnSpMkLst>
         </pc:cxnChg>
-        <pc:cxnChg chg="add mod ord">
-          <ac:chgData name="Fatima Pillosu" userId="a6295d4dc9e22643" providerId="LiveId" clId="{AEACF5B8-E1B8-484D-AA65-19A39BABB57B}" dt="2022-01-18T16:39:47.242" v="560" actId="167"/>
+        <pc:cxnChg chg="add del mod ord">
+          <ac:chgData name="Fatima Pillosu" userId="a6295d4dc9e22643" providerId="LiveId" clId="{AEACF5B8-E1B8-484D-AA65-19A39BABB57B}" dt="2022-01-18T17:09:57.788" v="562" actId="478"/>
           <ac:cxnSpMkLst>
             <pc:docMk/>
             <pc:sldMk cId="1489261767" sldId="259"/>
             <ac:cxnSpMk id="99" creationId="{B174E479-DB75-4CBC-B336-7A04FB2ACFD8}"/>
           </ac:cxnSpMkLst>
         </pc:cxnChg>
-        <pc:cxnChg chg="add mod ord">
-          <ac:chgData name="Fatima Pillosu" userId="a6295d4dc9e22643" providerId="LiveId" clId="{AEACF5B8-E1B8-484D-AA65-19A39BABB57B}" dt="2022-01-18T16:39:47.242" v="560" actId="167"/>
+        <pc:cxnChg chg="add del mod ord">
+          <ac:chgData name="Fatima Pillosu" userId="a6295d4dc9e22643" providerId="LiveId" clId="{AEACF5B8-E1B8-484D-AA65-19A39BABB57B}" dt="2022-01-18T17:09:57.788" v="562" actId="478"/>
           <ac:cxnSpMkLst>
             <pc:docMk/>
             <pc:sldMk cId="1489261767" sldId="259"/>
             <ac:cxnSpMk id="100" creationId="{A0110D80-B1AD-45EB-AB8D-9EC44C439428}"/>
           </ac:cxnSpMkLst>
         </pc:cxnChg>
-        <pc:cxnChg chg="add mod ord">
-          <ac:chgData name="Fatima Pillosu" userId="a6295d4dc9e22643" providerId="LiveId" clId="{AEACF5B8-E1B8-484D-AA65-19A39BABB57B}" dt="2022-01-18T16:39:47.242" v="560" actId="167"/>
+        <pc:cxnChg chg="add del mod ord">
+          <ac:chgData name="Fatima Pillosu" userId="a6295d4dc9e22643" providerId="LiveId" clId="{AEACF5B8-E1B8-484D-AA65-19A39BABB57B}" dt="2022-01-18T17:09:57.788" v="562" actId="478"/>
           <ac:cxnSpMkLst>
             <pc:docMk/>
             <pc:sldMk cId="1489261767" sldId="259"/>
             <ac:cxnSpMk id="101" creationId="{0EE6CF00-665A-4C6E-AA69-E6921082FAF5}"/>
           </ac:cxnSpMkLst>
         </pc:cxnChg>
-        <pc:cxnChg chg="add mod ord">
-          <ac:chgData name="Fatima Pillosu" userId="a6295d4dc9e22643" providerId="LiveId" clId="{AEACF5B8-E1B8-484D-AA65-19A39BABB57B}" dt="2022-01-18T16:39:47.242" v="560" actId="167"/>
+        <pc:cxnChg chg="add del mod ord">
+          <ac:chgData name="Fatima Pillosu" userId="a6295d4dc9e22643" providerId="LiveId" clId="{AEACF5B8-E1B8-484D-AA65-19A39BABB57B}" dt="2022-01-18T17:09:57.788" v="562" actId="478"/>
           <ac:cxnSpMkLst>
             <pc:docMk/>
             <pc:sldMk cId="1489261767" sldId="259"/>
             <ac:cxnSpMk id="102" creationId="{74117661-CEC8-4490-A850-1D55A29634D4}"/>
           </ac:cxnSpMkLst>
         </pc:cxnChg>
-        <pc:cxnChg chg="add mod ord">
-          <ac:chgData name="Fatima Pillosu" userId="a6295d4dc9e22643" providerId="LiveId" clId="{AEACF5B8-E1B8-484D-AA65-19A39BABB57B}" dt="2022-01-18T16:39:47.242" v="560" actId="167"/>
+        <pc:cxnChg chg="add del mod ord">
+          <ac:chgData name="Fatima Pillosu" userId="a6295d4dc9e22643" providerId="LiveId" clId="{AEACF5B8-E1B8-484D-AA65-19A39BABB57B}" dt="2022-01-18T17:09:57.788" v="562" actId="478"/>
           <ac:cxnSpMkLst>
             <pc:docMk/>
             <pc:sldMk cId="1489261767" sldId="259"/>
             <ac:cxnSpMk id="103" creationId="{268F678A-468F-427F-BC81-0FF680BF3DA7}"/>
           </ac:cxnSpMkLst>
         </pc:cxnChg>
-        <pc:cxnChg chg="add mod ord">
-          <ac:chgData name="Fatima Pillosu" userId="a6295d4dc9e22643" providerId="LiveId" clId="{AEACF5B8-E1B8-484D-AA65-19A39BABB57B}" dt="2022-01-18T16:39:47.242" v="560" actId="167"/>
+        <pc:cxnChg chg="add del mod ord">
+          <ac:chgData name="Fatima Pillosu" userId="a6295d4dc9e22643" providerId="LiveId" clId="{AEACF5B8-E1B8-484D-AA65-19A39BABB57B}" dt="2022-01-18T17:09:57.788" v="562" actId="478"/>
           <ac:cxnSpMkLst>
             <pc:docMk/>
             <pc:sldMk cId="1489261767" sldId="259"/>
             <ac:cxnSpMk id="104" creationId="{308F3207-65D8-4CEC-9682-F1F214940F9F}"/>
           </ac:cxnSpMkLst>
         </pc:cxnChg>
-        <pc:cxnChg chg="add mod ord">
-          <ac:chgData name="Fatima Pillosu" userId="a6295d4dc9e22643" providerId="LiveId" clId="{AEACF5B8-E1B8-484D-AA65-19A39BABB57B}" dt="2022-01-18T16:39:47.242" v="560" actId="167"/>
+        <pc:cxnChg chg="add del mod ord">
+          <ac:chgData name="Fatima Pillosu" userId="a6295d4dc9e22643" providerId="LiveId" clId="{AEACF5B8-E1B8-484D-AA65-19A39BABB57B}" dt="2022-01-18T17:09:57.788" v="562" actId="478"/>
           <ac:cxnSpMkLst>
             <pc:docMk/>
             <pc:sldMk cId="1489261767" sldId="259"/>
             <ac:cxnSpMk id="105" creationId="{055DC60E-222B-4E21-BD96-9316959125E8}"/>
           </ac:cxnSpMkLst>
         </pc:cxnChg>
-        <pc:cxnChg chg="add mod ord">
-          <ac:chgData name="Fatima Pillosu" userId="a6295d4dc9e22643" providerId="LiveId" clId="{AEACF5B8-E1B8-484D-AA65-19A39BABB57B}" dt="2022-01-18T16:39:47.242" v="560" actId="167"/>
+        <pc:cxnChg chg="add del mod ord">
+          <ac:chgData name="Fatima Pillosu" userId="a6295d4dc9e22643" providerId="LiveId" clId="{AEACF5B8-E1B8-484D-AA65-19A39BABB57B}" dt="2022-01-18T17:09:57.788" v="562" actId="478"/>
           <ac:cxnSpMkLst>
             <pc:docMk/>
             <pc:sldMk cId="1489261767" sldId="259"/>
             <ac:cxnSpMk id="106" creationId="{1BCB4E40-8502-4B95-81EC-75D5B3A48AB9}"/>
           </ac:cxnSpMkLst>
         </pc:cxnChg>
-        <pc:cxnChg chg="add mod ord">
-          <ac:chgData name="Fatima Pillosu" userId="a6295d4dc9e22643" providerId="LiveId" clId="{AEACF5B8-E1B8-484D-AA65-19A39BABB57B}" dt="2022-01-18T16:39:47.242" v="560" actId="167"/>
+        <pc:cxnChg chg="add del mod ord">
+          <ac:chgData name="Fatima Pillosu" userId="a6295d4dc9e22643" providerId="LiveId" clId="{AEACF5B8-E1B8-484D-AA65-19A39BABB57B}" dt="2022-01-18T17:09:57.788" v="562" actId="478"/>
           <ac:cxnSpMkLst>
             <pc:docMk/>
             <pc:sldMk cId="1489261767" sldId="259"/>
             <ac:cxnSpMk id="107" creationId="{C280B49A-2440-4B14-AD18-466E0FD82938}"/>
           </ac:cxnSpMkLst>
         </pc:cxnChg>
-        <pc:cxnChg chg="add mod ord">
-          <ac:chgData name="Fatima Pillosu" userId="a6295d4dc9e22643" providerId="LiveId" clId="{AEACF5B8-E1B8-484D-AA65-19A39BABB57B}" dt="2022-01-18T16:39:47.242" v="560" actId="167"/>
+        <pc:cxnChg chg="add del mod ord">
+          <ac:chgData name="Fatima Pillosu" userId="a6295d4dc9e22643" providerId="LiveId" clId="{AEACF5B8-E1B8-484D-AA65-19A39BABB57B}" dt="2022-01-18T17:09:57.788" v="562" actId="478"/>
           <ac:cxnSpMkLst>
             <pc:docMk/>
             <pc:sldMk cId="1489261767" sldId="259"/>
             <ac:cxnSpMk id="108" creationId="{F7724B37-1EED-496A-AD30-4D6193E5C741}"/>
           </ac:cxnSpMkLst>
         </pc:cxnChg>
-        <pc:cxnChg chg="add mod ord">
-          <ac:chgData name="Fatima Pillosu" userId="a6295d4dc9e22643" providerId="LiveId" clId="{AEACF5B8-E1B8-484D-AA65-19A39BABB57B}" dt="2022-01-18T16:39:47.242" v="560" actId="167"/>
+        <pc:cxnChg chg="add del mod ord">
+          <ac:chgData name="Fatima Pillosu" userId="a6295d4dc9e22643" providerId="LiveId" clId="{AEACF5B8-E1B8-484D-AA65-19A39BABB57B}" dt="2022-01-18T17:09:57.788" v="562" actId="478"/>
           <ac:cxnSpMkLst>
             <pc:docMk/>
             <pc:sldMk cId="1489261767" sldId="259"/>
             <ac:cxnSpMk id="109" creationId="{0A736758-5AC6-49AC-8C0D-113BE604462C}"/>
           </ac:cxnSpMkLst>
         </pc:cxnChg>
-        <pc:cxnChg chg="add mod ord">
-          <ac:chgData name="Fatima Pillosu" userId="a6295d4dc9e22643" providerId="LiveId" clId="{AEACF5B8-E1B8-484D-AA65-19A39BABB57B}" dt="2022-01-18T16:39:47.242" v="560" actId="167"/>
+        <pc:cxnChg chg="add del mod ord">
+          <ac:chgData name="Fatima Pillosu" userId="a6295d4dc9e22643" providerId="LiveId" clId="{AEACF5B8-E1B8-484D-AA65-19A39BABB57B}" dt="2022-01-18T17:09:57.788" v="562" actId="478"/>
           <ac:cxnSpMkLst>
             <pc:docMk/>
             <pc:sldMk cId="1489261767" sldId="259"/>
             <ac:cxnSpMk id="110" creationId="{254FDB97-6209-4A63-9C0B-D77D22DB2301}"/>
           </ac:cxnSpMkLst>
         </pc:cxnChg>
-        <pc:cxnChg chg="add mod ord">
-          <ac:chgData name="Fatima Pillosu" userId="a6295d4dc9e22643" providerId="LiveId" clId="{AEACF5B8-E1B8-484D-AA65-19A39BABB57B}" dt="2022-01-18T16:39:47.242" v="560" actId="167"/>
+        <pc:cxnChg chg="add del mod ord">
+          <ac:chgData name="Fatima Pillosu" userId="a6295d4dc9e22643" providerId="LiveId" clId="{AEACF5B8-E1B8-484D-AA65-19A39BABB57B}" dt="2022-01-18T17:09:57.788" v="562" actId="478"/>
           <ac:cxnSpMkLst>
             <pc:docMk/>
             <pc:sldMk cId="1489261767" sldId="259"/>
             <ac:cxnSpMk id="111" creationId="{9E9ECBA3-A02B-430E-872F-9BF13F214215}"/>
           </ac:cxnSpMkLst>
         </pc:cxnChg>
-        <pc:cxnChg chg="add mod ord">
-          <ac:chgData name="Fatima Pillosu" userId="a6295d4dc9e22643" providerId="LiveId" clId="{AEACF5B8-E1B8-484D-AA65-19A39BABB57B}" dt="2022-01-18T16:39:47.242" v="560" actId="167"/>
+        <pc:cxnChg chg="add del mod ord">
+          <ac:chgData name="Fatima Pillosu" userId="a6295d4dc9e22643" providerId="LiveId" clId="{AEACF5B8-E1B8-484D-AA65-19A39BABB57B}" dt="2022-01-18T17:09:57.788" v="562" actId="478"/>
           <ac:cxnSpMkLst>
             <pc:docMk/>
             <pc:sldMk cId="1489261767" sldId="259"/>
             <ac:cxnSpMk id="112" creationId="{C365EFD3-7C0F-430A-996A-DDEE151103A2}"/>
           </ac:cxnSpMkLst>
         </pc:cxnChg>
-        <pc:cxnChg chg="add mod ord">
-          <ac:chgData name="Fatima Pillosu" userId="a6295d4dc9e22643" providerId="LiveId" clId="{AEACF5B8-E1B8-484D-AA65-19A39BABB57B}" dt="2022-01-18T16:39:47.242" v="560" actId="167"/>
+        <pc:cxnChg chg="add del mod ord">
+          <ac:chgData name="Fatima Pillosu" userId="a6295d4dc9e22643" providerId="LiveId" clId="{AEACF5B8-E1B8-484D-AA65-19A39BABB57B}" dt="2022-01-18T17:09:57.788" v="562" actId="478"/>
           <ac:cxnSpMkLst>
             <pc:docMk/>
             <pc:sldMk cId="1489261767" sldId="259"/>
             <ac:cxnSpMk id="113" creationId="{67FC9C21-CF99-4A03-87A2-CB94F23282CD}"/>
           </ac:cxnSpMkLst>
         </pc:cxnChg>
-        <pc:cxnChg chg="add mod ord">
-          <ac:chgData name="Fatima Pillosu" userId="a6295d4dc9e22643" providerId="LiveId" clId="{AEACF5B8-E1B8-484D-AA65-19A39BABB57B}" dt="2022-01-18T16:39:47.242" v="560" actId="167"/>
+        <pc:cxnChg chg="add del mod ord">
+          <ac:chgData name="Fatima Pillosu" userId="a6295d4dc9e22643" providerId="LiveId" clId="{AEACF5B8-E1B8-484D-AA65-19A39BABB57B}" dt="2022-01-18T17:09:57.788" v="562" actId="478"/>
           <ac:cxnSpMkLst>
             <pc:docMk/>
             <pc:sldMk cId="1489261767" sldId="259"/>
             <ac:cxnSpMk id="114" creationId="{E03E486F-3A32-4C9E-9AC4-A09AB0F561FF}"/>
           </ac:cxnSpMkLst>
         </pc:cxnChg>
-        <pc:cxnChg chg="add mod ord">
-          <ac:chgData name="Fatima Pillosu" userId="a6295d4dc9e22643" providerId="LiveId" clId="{AEACF5B8-E1B8-484D-AA65-19A39BABB57B}" dt="2022-01-18T16:39:47.242" v="560" actId="167"/>
+        <pc:cxnChg chg="add del mod ord">
+          <ac:chgData name="Fatima Pillosu" userId="a6295d4dc9e22643" providerId="LiveId" clId="{AEACF5B8-E1B8-484D-AA65-19A39BABB57B}" dt="2022-01-18T17:09:57.788" v="562" actId="478"/>
           <ac:cxnSpMkLst>
             <pc:docMk/>
             <pc:sldMk cId="1489261767" sldId="259"/>
             <ac:cxnSpMk id="115" creationId="{C39EEBFE-4D1E-4DFA-8F52-37FAB367DBD7}"/>
           </ac:cxnSpMkLst>
         </pc:cxnChg>
-        <pc:cxnChg chg="add mod ord">
-          <ac:chgData name="Fatima Pillosu" userId="a6295d4dc9e22643" providerId="LiveId" clId="{AEACF5B8-E1B8-484D-AA65-19A39BABB57B}" dt="2022-01-18T16:39:47.242" v="560" actId="167"/>
+        <pc:cxnChg chg="add del mod ord">
+          <ac:chgData name="Fatima Pillosu" userId="a6295d4dc9e22643" providerId="LiveId" clId="{AEACF5B8-E1B8-484D-AA65-19A39BABB57B}" dt="2022-01-18T17:09:57.788" v="562" actId="478"/>
           <ac:cxnSpMkLst>
             <pc:docMk/>
             <pc:sldMk cId="1489261767" sldId="259"/>
             <ac:cxnSpMk id="116" creationId="{316DCD4D-D2DF-45EC-9FA6-268E4BF01DC4}"/>
           </ac:cxnSpMkLst>
         </pc:cxnChg>
-        <pc:cxnChg chg="add mod ord">
-          <ac:chgData name="Fatima Pillosu" userId="a6295d4dc9e22643" providerId="LiveId" clId="{AEACF5B8-E1B8-484D-AA65-19A39BABB57B}" dt="2022-01-18T16:39:47.242" v="560" actId="167"/>
+        <pc:cxnChg chg="add del mod ord">
+          <ac:chgData name="Fatima Pillosu" userId="a6295d4dc9e22643" providerId="LiveId" clId="{AEACF5B8-E1B8-484D-AA65-19A39BABB57B}" dt="2022-01-18T17:09:57.788" v="562" actId="478"/>
           <ac:cxnSpMkLst>
             <pc:docMk/>
             <pc:sldMk cId="1489261767" sldId="259"/>
             <ac:cxnSpMk id="117" creationId="{EAEEC749-7FD3-43C0-9724-9B405773272E}"/>
           </ac:cxnSpMkLst>
         </pc:cxnChg>
-        <pc:cxnChg chg="add mod ord">
-          <ac:chgData name="Fatima Pillosu" userId="a6295d4dc9e22643" providerId="LiveId" clId="{AEACF5B8-E1B8-484D-AA65-19A39BABB57B}" dt="2022-01-18T16:39:47.242" v="560" actId="167"/>
+        <pc:cxnChg chg="add del mod ord">
+          <ac:chgData name="Fatima Pillosu" userId="a6295d4dc9e22643" providerId="LiveId" clId="{AEACF5B8-E1B8-484D-AA65-19A39BABB57B}" dt="2022-01-18T17:09:57.788" v="562" actId="478"/>
           <ac:cxnSpMkLst>
             <pc:docMk/>
             <pc:sldMk cId="1489261767" sldId="259"/>
             <ac:cxnSpMk id="118" creationId="{ACA9747F-D152-4E65-8A14-2951383A9672}"/>
           </ac:cxnSpMkLst>
         </pc:cxnChg>
-        <pc:cxnChg chg="add mod ord">
-          <ac:chgData name="Fatima Pillosu" userId="a6295d4dc9e22643" providerId="LiveId" clId="{AEACF5B8-E1B8-484D-AA65-19A39BABB57B}" dt="2022-01-18T16:39:47.242" v="560" actId="167"/>
+        <pc:cxnChg chg="add del mod ord">
+          <ac:chgData name="Fatima Pillosu" userId="a6295d4dc9e22643" providerId="LiveId" clId="{AEACF5B8-E1B8-484D-AA65-19A39BABB57B}" dt="2022-01-18T17:09:57.788" v="562" actId="478"/>
           <ac:cxnSpMkLst>
             <pc:docMk/>
             <pc:sldMk cId="1489261767" sldId="259"/>
             <ac:cxnSpMk id="119" creationId="{29CA71A9-3042-4E56-8B2A-6A1E0E9A1B8B}"/>
           </ac:cxnSpMkLst>
         </pc:cxnChg>
-        <pc:cxnChg chg="add mod ord">
-          <ac:chgData name="Fatima Pillosu" userId="a6295d4dc9e22643" providerId="LiveId" clId="{AEACF5B8-E1B8-484D-AA65-19A39BABB57B}" dt="2022-01-18T16:39:47.242" v="560" actId="167"/>
+        <pc:cxnChg chg="add del mod ord">
+          <ac:chgData name="Fatima Pillosu" userId="a6295d4dc9e22643" providerId="LiveId" clId="{AEACF5B8-E1B8-484D-AA65-19A39BABB57B}" dt="2022-01-18T17:09:57.788" v="562" actId="478"/>
           <ac:cxnSpMkLst>
             <pc:docMk/>
             <pc:sldMk cId="1489261767" sldId="259"/>
             <ac:cxnSpMk id="120" creationId="{513EE874-16CD-47BE-900D-105A02CC04CE}"/>
           </ac:cxnSpMkLst>
         </pc:cxnChg>
-        <pc:cxnChg chg="add mod ord">
-          <ac:chgData name="Fatima Pillosu" userId="a6295d4dc9e22643" providerId="LiveId" clId="{AEACF5B8-E1B8-484D-AA65-19A39BABB57B}" dt="2022-01-18T16:39:47.242" v="560" actId="167"/>
+        <pc:cxnChg chg="add del mod ord">
+          <ac:chgData name="Fatima Pillosu" userId="a6295d4dc9e22643" providerId="LiveId" clId="{AEACF5B8-E1B8-484D-AA65-19A39BABB57B}" dt="2022-01-18T17:09:57.788" v="562" actId="478"/>
           <ac:cxnSpMkLst>
             <pc:docMk/>
             <pc:sldMk cId="1489261767" sldId="259"/>
             <ac:cxnSpMk id="121" creationId="{3004E992-93FD-4AD1-90E7-783FB341BCAA}"/>
           </ac:cxnSpMkLst>
         </pc:cxnChg>
-        <pc:cxnChg chg="add mod ord">
-          <ac:chgData name="Fatima Pillosu" userId="a6295d4dc9e22643" providerId="LiveId" clId="{AEACF5B8-E1B8-484D-AA65-19A39BABB57B}" dt="2022-01-18T16:39:47.242" v="560" actId="167"/>
+        <pc:cxnChg chg="add del mod ord">
+          <ac:chgData name="Fatima Pillosu" userId="a6295d4dc9e22643" providerId="LiveId" clId="{AEACF5B8-E1B8-484D-AA65-19A39BABB57B}" dt="2022-01-18T17:09:57.788" v="562" actId="478"/>
           <ac:cxnSpMkLst>
             <pc:docMk/>
             <pc:sldMk cId="1489261767" sldId="259"/>
             <ac:cxnSpMk id="123" creationId="{4FDFC4D7-0D9C-45A8-B987-9402A73D9013}"/>
           </ac:cxnSpMkLst>
         </pc:cxnChg>
-        <pc:cxnChg chg="add mod ord">
-          <ac:chgData name="Fatima Pillosu" userId="a6295d4dc9e22643" providerId="LiveId" clId="{AEACF5B8-E1B8-484D-AA65-19A39BABB57B}" dt="2022-01-18T16:39:47.242" v="560" actId="167"/>
+        <pc:cxnChg chg="add del mod ord">
+          <ac:chgData name="Fatima Pillosu" userId="a6295d4dc9e22643" providerId="LiveId" clId="{AEACF5B8-E1B8-484D-AA65-19A39BABB57B}" dt="2022-01-18T17:09:57.788" v="562" actId="478"/>
           <ac:cxnSpMkLst>
             <pc:docMk/>
             <pc:sldMk cId="1489261767" sldId="259"/>
             <ac:cxnSpMk id="124" creationId="{DC61E9BE-7D5F-47B6-805E-1DA10895EDB6}"/>
           </ac:cxnSpMkLst>
         </pc:cxnChg>
-        <pc:cxnChg chg="add mod ord">
-          <ac:chgData name="Fatima Pillosu" userId="a6295d4dc9e22643" providerId="LiveId" clId="{AEACF5B8-E1B8-484D-AA65-19A39BABB57B}" dt="2022-01-18T16:39:47.242" v="560" actId="167"/>
+        <pc:cxnChg chg="add del mod ord">
+          <ac:chgData name="Fatima Pillosu" userId="a6295d4dc9e22643" providerId="LiveId" clId="{AEACF5B8-E1B8-484D-AA65-19A39BABB57B}" dt="2022-01-18T17:09:57.788" v="562" actId="478"/>
           <ac:cxnSpMkLst>
             <pc:docMk/>
             <pc:sldMk cId="1489261767" sldId="259"/>
             <ac:cxnSpMk id="125" creationId="{B4818C73-50B7-4001-ABEB-E7ECAA88AF8C}"/>
           </ac:cxnSpMkLst>
         </pc:cxnChg>
-        <pc:cxnChg chg="add mod ord">
-          <ac:chgData name="Fatima Pillosu" userId="a6295d4dc9e22643" providerId="LiveId" clId="{AEACF5B8-E1B8-484D-AA65-19A39BABB57B}" dt="2022-01-18T16:39:47.242" v="560" actId="167"/>
+        <pc:cxnChg chg="add del mod ord">
+          <ac:chgData name="Fatima Pillosu" userId="a6295d4dc9e22643" providerId="LiveId" clId="{AEACF5B8-E1B8-484D-AA65-19A39BABB57B}" dt="2022-01-18T17:09:57.788" v="562" actId="478"/>
           <ac:cxnSpMkLst>
             <pc:docMk/>
             <pc:sldMk cId="1489261767" sldId="259"/>
             <ac:cxnSpMk id="126" creationId="{D6EDD5C8-3336-4EA3-BD8D-9C243DDB7FBD}"/>
           </ac:cxnSpMkLst>
         </pc:cxnChg>
-        <pc:cxnChg chg="add mod ord">
-          <ac:chgData name="Fatima Pillosu" userId="a6295d4dc9e22643" providerId="LiveId" clId="{AEACF5B8-E1B8-484D-AA65-19A39BABB57B}" dt="2022-01-18T16:39:47.242" v="560" actId="167"/>
+        <pc:cxnChg chg="add del mod ord">
+          <ac:chgData name="Fatima Pillosu" userId="a6295d4dc9e22643" providerId="LiveId" clId="{AEACF5B8-E1B8-484D-AA65-19A39BABB57B}" dt="2022-01-18T17:09:57.788" v="562" actId="478"/>
           <ac:cxnSpMkLst>
             <pc:docMk/>
             <pc:sldMk cId="1489261767" sldId="259"/>
             <ac:cxnSpMk id="127" creationId="{69A33F02-114D-49FA-9DC0-E92B504966D4}"/>
           </ac:cxnSpMkLst>
         </pc:cxnChg>
-        <pc:cxnChg chg="add mod ord">
-          <ac:chgData name="Fatima Pillosu" userId="a6295d4dc9e22643" providerId="LiveId" clId="{AEACF5B8-E1B8-484D-AA65-19A39BABB57B}" dt="2022-01-18T16:39:47.242" v="560" actId="167"/>
+        <pc:cxnChg chg="add del mod ord">
+          <ac:chgData name="Fatima Pillosu" userId="a6295d4dc9e22643" providerId="LiveId" clId="{AEACF5B8-E1B8-484D-AA65-19A39BABB57B}" dt="2022-01-18T17:09:57.788" v="562" actId="478"/>
           <ac:cxnSpMkLst>
             <pc:docMk/>
             <pc:sldMk cId="1489261767" sldId="259"/>
             <ac:cxnSpMk id="128" creationId="{8301B603-9482-4ED2-8F83-76DE781BCBA1}"/>
           </ac:cxnSpMkLst>
         </pc:cxnChg>
-        <pc:cxnChg chg="add mod ord">
-          <ac:chgData name="Fatima Pillosu" userId="a6295d4dc9e22643" providerId="LiveId" clId="{AEACF5B8-E1B8-484D-AA65-19A39BABB57B}" dt="2022-01-18T16:39:47.242" v="560" actId="167"/>
+        <pc:cxnChg chg="add del mod ord">
+          <ac:chgData name="Fatima Pillosu" userId="a6295d4dc9e22643" providerId="LiveId" clId="{AEACF5B8-E1B8-484D-AA65-19A39BABB57B}" dt="2022-01-18T17:09:57.788" v="562" actId="478"/>
           <ac:cxnSpMkLst>
             <pc:docMk/>
             <pc:sldMk cId="1489261767" sldId="259"/>
             <ac:cxnSpMk id="129" creationId="{720985E9-3FD9-4AC5-A937-A35B5C0EE3DD}"/>
           </ac:cxnSpMkLst>
         </pc:cxnChg>
-        <pc:cxnChg chg="add mod ord">
-          <ac:chgData name="Fatima Pillosu" userId="a6295d4dc9e22643" providerId="LiveId" clId="{AEACF5B8-E1B8-484D-AA65-19A39BABB57B}" dt="2022-01-18T16:39:47.242" v="560" actId="167"/>
+        <pc:cxnChg chg="add del mod ord">
+          <ac:chgData name="Fatima Pillosu" userId="a6295d4dc9e22643" providerId="LiveId" clId="{AEACF5B8-E1B8-484D-AA65-19A39BABB57B}" dt="2022-01-18T17:09:57.788" v="562" actId="478"/>
           <ac:cxnSpMkLst>
             <pc:docMk/>
             <pc:sldMk cId="1489261767" sldId="259"/>
             <ac:cxnSpMk id="130" creationId="{C271842B-5A19-4B4B-8CA9-3BEF69DE3995}"/>
           </ac:cxnSpMkLst>
         </pc:cxnChg>
-        <pc:cxnChg chg="add mod ord">
-          <ac:chgData name="Fatima Pillosu" userId="a6295d4dc9e22643" providerId="LiveId" clId="{AEACF5B8-E1B8-484D-AA65-19A39BABB57B}" dt="2022-01-18T16:39:47.242" v="560" actId="167"/>
+        <pc:cxnChg chg="add del mod ord">
+          <ac:chgData name="Fatima Pillosu" userId="a6295d4dc9e22643" providerId="LiveId" clId="{AEACF5B8-E1B8-484D-AA65-19A39BABB57B}" dt="2022-01-18T17:09:57.788" v="562" actId="478"/>
           <ac:cxnSpMkLst>
             <pc:docMk/>
             <pc:sldMk cId="1489261767" sldId="259"/>
             <ac:cxnSpMk id="131" creationId="{3B78EF68-0462-4676-8BE2-F578098E6645}"/>
           </ac:cxnSpMkLst>
         </pc:cxnChg>
-        <pc:cxnChg chg="add mod ord">
-          <ac:chgData name="Fatima Pillosu" userId="a6295d4dc9e22643" providerId="LiveId" clId="{AEACF5B8-E1B8-484D-AA65-19A39BABB57B}" dt="2022-01-18T16:39:47.242" v="560" actId="167"/>
+        <pc:cxnChg chg="add del mod ord">
+          <ac:chgData name="Fatima Pillosu" userId="a6295d4dc9e22643" providerId="LiveId" clId="{AEACF5B8-E1B8-484D-AA65-19A39BABB57B}" dt="2022-01-18T17:09:57.788" v="562" actId="478"/>
           <ac:cxnSpMkLst>
             <pc:docMk/>
             <pc:sldMk cId="1489261767" sldId="259"/>
             <ac:cxnSpMk id="132" creationId="{34D9085C-5EF4-4A1C-810A-D63FD9359E76}"/>
           </ac:cxnSpMkLst>
         </pc:cxnChg>
-        <pc:cxnChg chg="add mod">
-          <ac:chgData name="Fatima Pillosu" userId="a6295d4dc9e22643" providerId="LiveId" clId="{AEACF5B8-E1B8-484D-AA65-19A39BABB57B}" dt="2022-01-18T16:33:54.301" v="537" actId="1582"/>
+        <pc:cxnChg chg="add del mod">
+          <ac:chgData name="Fatima Pillosu" userId="a6295d4dc9e22643" providerId="LiveId" clId="{AEACF5B8-E1B8-484D-AA65-19A39BABB57B}" dt="2022-01-18T17:09:57.788" v="562" actId="478"/>
           <ac:cxnSpMkLst>
             <pc:docMk/>
             <pc:sldMk cId="1489261767" sldId="259"/>
@@ -845,6 +894,13 @@
         <pc:sldMkLst>
           <pc:docMk/>
           <pc:sldMk cId="3036955875" sldId="260"/>
+        </pc:sldMkLst>
+      </pc:sldChg>
+      <pc:sldChg chg="add">
+        <pc:chgData name="Fatima Pillosu" userId="a6295d4dc9e22643" providerId="LiveId" clId="{AEACF5B8-E1B8-484D-AA65-19A39BABB57B}" dt="2022-01-18T17:09:47.785" v="561" actId="2890"/>
+        <pc:sldMkLst>
+          <pc:docMk/>
+          <pc:sldMk cId="4285056876" sldId="260"/>
         </pc:sldMkLst>
       </pc:sldChg>
     </pc:docChg>
@@ -3711,91 +3767,21 @@
           <a:chExt cx="0" cy="0"/>
         </a:xfrm>
       </p:grpSpPr>
-      <p:pic>
-        <p:nvPicPr>
-          <p:cNvPr id="55" name="Picture 54" descr="Chart&#10;&#10;Description automatically generated">
-            <a:extLst>
-              <a:ext uri="{FF2B5EF4-FFF2-40B4-BE49-F238E27FC236}">
-                <a16:creationId xmlns:a16="http://schemas.microsoft.com/office/drawing/2014/main" id="{249B8000-1A10-4146-8DE7-F408D67A99D2}"/>
-              </a:ext>
-            </a:extLst>
-          </p:cNvPr>
-          <p:cNvPicPr>
-            <a:picLocks noChangeAspect="1"/>
-          </p:cNvPicPr>
-          <p:nvPr/>
-        </p:nvPicPr>
-        <p:blipFill rotWithShape="1">
-          <a:blip r:embed="rId2">
-            <a:extLst>
-              <a:ext uri="{28A0092B-C50C-407E-A947-70E740481C1C}">
-                <a14:useLocalDpi xmlns:a14="http://schemas.microsoft.com/office/drawing/2010/main" val="0"/>
-              </a:ext>
-            </a:extLst>
-          </a:blip>
-          <a:srcRect l="6006" t="4644" r="8119"/>
-          <a:stretch/>
-        </p:blipFill>
+      <p:sp>
+        <p:nvSpPr>
+          <p:cNvPr id="59" name="TextBox 58">
+            <a:extLst>
+              <a:ext uri="{FF2B5EF4-FFF2-40B4-BE49-F238E27FC236}">
+                <a16:creationId xmlns:a16="http://schemas.microsoft.com/office/drawing/2014/main" id="{EDB8C1D3-804C-4636-B781-F3F8431A369B}"/>
+              </a:ext>
+            </a:extLst>
+          </p:cNvPr>
+          <p:cNvSpPr txBox="1"/>
+          <p:nvPr/>
+        </p:nvSpPr>
         <p:spPr>
           <a:xfrm>
-            <a:off x="3139700" y="2798797"/>
-            <a:ext cx="2880000" cy="2397531"/>
-          </a:xfrm>
-          <a:prstGeom prst="rect">
-            <a:avLst/>
-          </a:prstGeom>
-        </p:spPr>
-      </p:pic>
-      <p:pic>
-        <p:nvPicPr>
-          <p:cNvPr id="58" name="Picture 57" descr="Chart&#10;&#10;Description automatically generated">
-            <a:extLst>
-              <a:ext uri="{FF2B5EF4-FFF2-40B4-BE49-F238E27FC236}">
-                <a16:creationId xmlns:a16="http://schemas.microsoft.com/office/drawing/2014/main" id="{6BDD4B2C-0287-4AB0-9F5C-4E24A08845F8}"/>
-              </a:ext>
-            </a:extLst>
-          </p:cNvPr>
-          <p:cNvPicPr>
-            <a:picLocks noChangeAspect="1"/>
-          </p:cNvPicPr>
-          <p:nvPr/>
-        </p:nvPicPr>
-        <p:blipFill rotWithShape="1">
-          <a:blip r:embed="rId3">
-            <a:extLst>
-              <a:ext uri="{28A0092B-C50C-407E-A947-70E740481C1C}">
-                <a14:useLocalDpi xmlns:a14="http://schemas.microsoft.com/office/drawing/2010/main" val="0"/>
-              </a:ext>
-            </a:extLst>
-          </a:blip>
-          <a:srcRect l="6006" t="4644" r="8119"/>
-          <a:stretch/>
-        </p:blipFill>
-        <p:spPr>
-          <a:xfrm>
-            <a:off x="188405" y="2798797"/>
-            <a:ext cx="2880000" cy="2397531"/>
-          </a:xfrm>
-          <a:prstGeom prst="rect">
-            <a:avLst/>
-          </a:prstGeom>
-        </p:spPr>
-      </p:pic>
-      <p:sp>
-        <p:nvSpPr>
-          <p:cNvPr id="59" name="TextBox 58">
-            <a:extLst>
-              <a:ext uri="{FF2B5EF4-FFF2-40B4-BE49-F238E27FC236}">
-                <a16:creationId xmlns:a16="http://schemas.microsoft.com/office/drawing/2014/main" id="{EDB8C1D3-804C-4636-B781-F3F8431A369B}"/>
-              </a:ext>
-            </a:extLst>
-          </p:cNvPr>
-          <p:cNvSpPr txBox="1"/>
-          <p:nvPr/>
-        </p:nvSpPr>
-        <p:spPr>
-          <a:xfrm>
-            <a:off x="3369216" y="5175973"/>
+            <a:off x="3330121" y="5029497"/>
             <a:ext cx="2650484" cy="215444"/>
           </a:xfrm>
           <a:prstGeom prst="rect">
@@ -3817,92 +3803,22 @@
           </a:p>
         </p:txBody>
       </p:sp>
-      <p:pic>
-        <p:nvPicPr>
-          <p:cNvPr id="61" name="Picture 60" descr="Chart&#10;&#10;Description automatically generated">
-            <a:extLst>
-              <a:ext uri="{FF2B5EF4-FFF2-40B4-BE49-F238E27FC236}">
-                <a16:creationId xmlns:a16="http://schemas.microsoft.com/office/drawing/2014/main" id="{15681698-39BD-4815-B989-535604F83C98}"/>
-              </a:ext>
-            </a:extLst>
-          </p:cNvPr>
-          <p:cNvPicPr>
-            <a:picLocks noChangeAspect="1"/>
-          </p:cNvPicPr>
-          <p:nvPr/>
-        </p:nvPicPr>
-        <p:blipFill rotWithShape="1">
-          <a:blip r:embed="rId4">
-            <a:extLst>
-              <a:ext uri="{28A0092B-C50C-407E-A947-70E740481C1C}">
-                <a14:useLocalDpi xmlns:a14="http://schemas.microsoft.com/office/drawing/2010/main" val="0"/>
-              </a:ext>
-            </a:extLst>
-          </a:blip>
-          <a:srcRect l="6006" t="4644" r="8119"/>
-          <a:stretch/>
-        </p:blipFill>
+      <p:sp>
+        <p:nvSpPr>
+          <p:cNvPr id="67" name="TextBox 66">
+            <a:extLst>
+              <a:ext uri="{FF2B5EF4-FFF2-40B4-BE49-F238E27FC236}">
+                <a16:creationId xmlns:a16="http://schemas.microsoft.com/office/drawing/2014/main" id="{589ABFA2-7EBB-4EB0-AA6D-EF1322D81885}"/>
+              </a:ext>
+            </a:extLst>
+          </p:cNvPr>
+          <p:cNvSpPr txBox="1"/>
+          <p:nvPr/>
+        </p:nvSpPr>
         <p:spPr>
           <a:xfrm>
-            <a:off x="3139700" y="361040"/>
-            <a:ext cx="2880000" cy="2397531"/>
-          </a:xfrm>
-          <a:prstGeom prst="rect">
-            <a:avLst/>
-          </a:prstGeom>
-        </p:spPr>
-      </p:pic>
-      <p:pic>
-        <p:nvPicPr>
-          <p:cNvPr id="63" name="Picture 62" descr="Chart&#10;&#10;Description automatically generated">
-            <a:extLst>
-              <a:ext uri="{FF2B5EF4-FFF2-40B4-BE49-F238E27FC236}">
-                <a16:creationId xmlns:a16="http://schemas.microsoft.com/office/drawing/2014/main" id="{4DD3E83D-337D-4121-B885-C1D11F89E5B1}"/>
-              </a:ext>
-            </a:extLst>
-          </p:cNvPr>
-          <p:cNvPicPr>
-            <a:picLocks noChangeAspect="1"/>
-          </p:cNvPicPr>
-          <p:nvPr/>
-        </p:nvPicPr>
-        <p:blipFill rotWithShape="1">
-          <a:blip r:embed="rId5">
-            <a:extLst>
-              <a:ext uri="{28A0092B-C50C-407E-A947-70E740481C1C}">
-                <a14:useLocalDpi xmlns:a14="http://schemas.microsoft.com/office/drawing/2010/main" val="0"/>
-              </a:ext>
-            </a:extLst>
-          </a:blip>
-          <a:srcRect l="6006" t="4645" r="8118" b="-1"/>
-          <a:stretch/>
-        </p:blipFill>
-        <p:spPr>
-          <a:xfrm>
-            <a:off x="188405" y="361040"/>
-            <a:ext cx="2880000" cy="2397531"/>
-          </a:xfrm>
-          <a:prstGeom prst="rect">
-            <a:avLst/>
-          </a:prstGeom>
-        </p:spPr>
-      </p:pic>
-      <p:sp>
-        <p:nvSpPr>
-          <p:cNvPr id="65" name="TextBox 64">
-            <a:extLst>
-              <a:ext uri="{FF2B5EF4-FFF2-40B4-BE49-F238E27FC236}">
-                <a16:creationId xmlns:a16="http://schemas.microsoft.com/office/drawing/2014/main" id="{F18080BF-6CBD-40CC-BE8F-E0BB18CBE701}"/>
-              </a:ext>
-            </a:extLst>
-          </p:cNvPr>
-          <p:cNvSpPr txBox="1"/>
-          <p:nvPr/>
-        </p:nvSpPr>
-        <p:spPr>
-          <a:xfrm rot="16200000">
-            <a:off x="-13110" y="437085"/>
-            <a:ext cx="2099402" cy="2016000"/>
+            <a:off x="401383" y="204358"/>
+            <a:ext cx="2667021" cy="246221"/>
           </a:xfrm>
           <a:prstGeom prst="rect">
             <a:avLst/>
@@ -3917,18 +3833,18 @@
           <a:p>
             <a:pPr algn="ctr"/>
             <a:r>
-              <a:rPr lang="en-GB" sz="800" dirty="0"/>
-              <a:t>Area under the ROC</a:t>
-            </a:r>
-          </a:p>
-        </p:txBody>
-      </p:sp>
-      <p:sp>
-        <p:nvSpPr>
-          <p:cNvPr id="67" name="TextBox 66">
-            <a:extLst>
-              <a:ext uri="{FF2B5EF4-FFF2-40B4-BE49-F238E27FC236}">
-                <a16:creationId xmlns:a16="http://schemas.microsoft.com/office/drawing/2014/main" id="{589ABFA2-7EBB-4EB0-AA6D-EF1322D81885}"/>
+              <a:rPr lang="en-GB" sz="1000" dirty="0"/>
+              <a:t>“La Costa”</a:t>
+            </a:r>
+          </a:p>
+        </p:txBody>
+      </p:sp>
+      <p:sp>
+        <p:nvSpPr>
+          <p:cNvPr id="69" name="TextBox 68">
+            <a:extLst>
+              <a:ext uri="{FF2B5EF4-FFF2-40B4-BE49-F238E27FC236}">
+                <a16:creationId xmlns:a16="http://schemas.microsoft.com/office/drawing/2014/main" id="{B2688E76-5FD0-4F52-A97A-E43BF1D1D85D}"/>
               </a:ext>
             </a:extLst>
           </p:cNvPr>
@@ -3937,8 +3853,8 @@
         </p:nvSpPr>
         <p:spPr>
           <a:xfrm>
-            <a:off x="401383" y="204358"/>
-            <a:ext cx="2667021" cy="246221"/>
+            <a:off x="3369216" y="204358"/>
+            <a:ext cx="2650484" cy="246221"/>
           </a:xfrm>
           <a:prstGeom prst="rect">
             <a:avLst/>
@@ -3954,101 +3870,7 @@
             <a:pPr algn="ctr"/>
             <a:r>
               <a:rPr lang="en-GB" sz="1000" dirty="0"/>
-              <a:t>“La Costa”</a:t>
-            </a:r>
-          </a:p>
-        </p:txBody>
-      </p:sp>
-      <p:sp>
-        <p:nvSpPr>
-          <p:cNvPr id="69" name="TextBox 68">
-            <a:extLst>
-              <a:ext uri="{FF2B5EF4-FFF2-40B4-BE49-F238E27FC236}">
-                <a16:creationId xmlns:a16="http://schemas.microsoft.com/office/drawing/2014/main" id="{B2688E76-5FD0-4F52-A97A-E43BF1D1D85D}"/>
-              </a:ext>
-            </a:extLst>
-          </p:cNvPr>
-          <p:cNvSpPr txBox="1"/>
-          <p:nvPr/>
-        </p:nvSpPr>
-        <p:spPr>
-          <a:xfrm>
-            <a:off x="3369216" y="204358"/>
-            <a:ext cx="2650484" cy="246221"/>
-          </a:xfrm>
-          <a:prstGeom prst="rect">
-            <a:avLst/>
-          </a:prstGeom>
-          <a:noFill/>
-        </p:spPr>
-        <p:txBody>
-          <a:bodyPr wrap="square" rtlCol="0">
-            <a:spAutoFit/>
-          </a:bodyPr>
-          <a:lstStyle/>
-          <a:p>
-            <a:pPr algn="ctr"/>
-            <a:r>
-              <a:rPr lang="en-GB" sz="1000" dirty="0"/>
               <a:t>“La Sierra”</a:t>
-            </a:r>
-          </a:p>
-        </p:txBody>
-      </p:sp>
-      <p:sp>
-        <p:nvSpPr>
-          <p:cNvPr id="80" name="TextBox 79">
-            <a:extLst>
-              <a:ext uri="{FF2B5EF4-FFF2-40B4-BE49-F238E27FC236}">
-                <a16:creationId xmlns:a16="http://schemas.microsoft.com/office/drawing/2014/main" id="{F2BAF33B-DE08-4DD0-B840-EEA28E79E85B}"/>
-              </a:ext>
-            </a:extLst>
-          </p:cNvPr>
-          <p:cNvSpPr txBox="1"/>
-          <p:nvPr/>
-        </p:nvSpPr>
-        <p:spPr>
-          <a:xfrm>
-            <a:off x="4750894" y="490985"/>
-            <a:ext cx="1152000" cy="338554"/>
-          </a:xfrm>
-          <a:prstGeom prst="rect">
-            <a:avLst/>
-          </a:prstGeom>
-          <a:solidFill>
-            <a:schemeClr val="bg1"/>
-          </a:solidFill>
-          <a:ln>
-            <a:solidFill>
-              <a:schemeClr val="tx1"/>
-            </a:solidFill>
-          </a:ln>
-        </p:spPr>
-        <p:txBody>
-          <a:bodyPr wrap="square" rtlCol="0">
-            <a:spAutoFit/>
-          </a:bodyPr>
-          <a:lstStyle/>
-          <a:p>
-            <a:pPr algn="ctr"/>
-            <a:r>
-              <a:rPr lang="en-GB" sz="800" dirty="0"/>
-              <a:t>85</a:t>
-            </a:r>
-            <a:r>
-              <a:rPr lang="en-GB" sz="800" baseline="30000" dirty="0"/>
-              <a:t>th</a:t>
-            </a:r>
-            <a:r>
-              <a:rPr lang="en-GB" sz="800" dirty="0"/>
-              <a:t> percentile</a:t>
-            </a:r>
-          </a:p>
-          <a:p>
-            <a:pPr algn="ctr"/>
-            <a:r>
-              <a:rPr lang="en-GB" sz="800" dirty="0"/>
-              <a:t>(tp &gt;= 6.112 mm/12h)</a:t>
             </a:r>
           </a:p>
         </p:txBody>
@@ -4213,6 +4035,784 @@
       </p:sp>
       <p:sp>
         <p:nvSpPr>
+          <p:cNvPr id="89" name="TextBox 88">
+            <a:extLst>
+              <a:ext uri="{FF2B5EF4-FFF2-40B4-BE49-F238E27FC236}">
+                <a16:creationId xmlns:a16="http://schemas.microsoft.com/office/drawing/2014/main" id="{B39140BE-A13C-4AE0-A6FD-6EE6FEB5AC74}"/>
+              </a:ext>
+            </a:extLst>
+          </p:cNvPr>
+          <p:cNvSpPr txBox="1"/>
+          <p:nvPr/>
+        </p:nvSpPr>
+        <p:spPr>
+          <a:xfrm>
+            <a:off x="450121" y="5033057"/>
+            <a:ext cx="2650484" cy="215444"/>
+          </a:xfrm>
+          <a:prstGeom prst="rect">
+            <a:avLst/>
+          </a:prstGeom>
+          <a:noFill/>
+        </p:spPr>
+        <p:txBody>
+          <a:bodyPr wrap="square" rtlCol="0">
+            <a:spAutoFit/>
+          </a:bodyPr>
+          <a:lstStyle/>
+          <a:p>
+            <a:pPr algn="ctr"/>
+            <a:r>
+              <a:rPr lang="en-GB" sz="800" dirty="0"/>
+              <a:t>Steps at the end of 12-h accumulation periods</a:t>
+            </a:r>
+          </a:p>
+        </p:txBody>
+      </p:sp>
+      <p:pic>
+        <p:nvPicPr>
+          <p:cNvPr id="3" name="Picture 2" descr="Chart, histogram&#10;&#10;Description automatically generated">
+            <a:extLst>
+              <a:ext uri="{FF2B5EF4-FFF2-40B4-BE49-F238E27FC236}">
+                <a16:creationId xmlns:a16="http://schemas.microsoft.com/office/drawing/2014/main" id="{AA2AE781-3369-4FEB-9AFD-D06BB5047BFC}"/>
+              </a:ext>
+            </a:extLst>
+          </p:cNvPr>
+          <p:cNvPicPr>
+            <a:picLocks noChangeAspect="1"/>
+          </p:cNvPicPr>
+          <p:nvPr/>
+        </p:nvPicPr>
+        <p:blipFill rotWithShape="1">
+          <a:blip r:embed="rId2">
+            <a:extLst>
+              <a:ext uri="{28A0092B-C50C-407E-A947-70E740481C1C}">
+                <a14:useLocalDpi xmlns:a14="http://schemas.microsoft.com/office/drawing/2010/main" val="0"/>
+              </a:ext>
+            </a:extLst>
+          </a:blip>
+          <a:srcRect l="6047" t="5317" r="8681"/>
+          <a:stretch/>
+        </p:blipFill>
+        <p:spPr>
+          <a:xfrm>
+            <a:off x="337811" y="400412"/>
+            <a:ext cx="2762794" cy="2299925"/>
+          </a:xfrm>
+          <a:prstGeom prst="rect">
+            <a:avLst/>
+          </a:prstGeom>
+        </p:spPr>
+      </p:pic>
+      <p:pic>
+        <p:nvPicPr>
+          <p:cNvPr id="5" name="Picture 4" descr="Chart&#10;&#10;Description automatically generated">
+            <a:extLst>
+              <a:ext uri="{FF2B5EF4-FFF2-40B4-BE49-F238E27FC236}">
+                <a16:creationId xmlns:a16="http://schemas.microsoft.com/office/drawing/2014/main" id="{647CB8AE-FCBA-4B1B-8002-42FD30E3A189}"/>
+              </a:ext>
+            </a:extLst>
+          </p:cNvPr>
+          <p:cNvPicPr>
+            <a:picLocks noChangeAspect="1"/>
+          </p:cNvPicPr>
+          <p:nvPr/>
+        </p:nvPicPr>
+        <p:blipFill rotWithShape="1">
+          <a:blip r:embed="rId3">
+            <a:extLst>
+              <a:ext uri="{28A0092B-C50C-407E-A947-70E740481C1C}">
+                <a14:useLocalDpi xmlns:a14="http://schemas.microsoft.com/office/drawing/2010/main" val="0"/>
+              </a:ext>
+            </a:extLst>
+          </a:blip>
+          <a:srcRect l="6047" t="5323" r="8681"/>
+          <a:stretch/>
+        </p:blipFill>
+        <p:spPr>
+          <a:xfrm>
+            <a:off x="3217811" y="399753"/>
+            <a:ext cx="2762794" cy="2299780"/>
+          </a:xfrm>
+          <a:prstGeom prst="rect">
+            <a:avLst/>
+          </a:prstGeom>
+        </p:spPr>
+      </p:pic>
+      <p:pic>
+        <p:nvPicPr>
+          <p:cNvPr id="7" name="Picture 6" descr="Chart&#10;&#10;Description automatically generated">
+            <a:extLst>
+              <a:ext uri="{FF2B5EF4-FFF2-40B4-BE49-F238E27FC236}">
+                <a16:creationId xmlns:a16="http://schemas.microsoft.com/office/drawing/2014/main" id="{C5D75D13-E7EE-4CAA-8EE6-75C55E3EABCC}"/>
+              </a:ext>
+            </a:extLst>
+          </p:cNvPr>
+          <p:cNvPicPr>
+            <a:picLocks noChangeAspect="1"/>
+          </p:cNvPicPr>
+          <p:nvPr/>
+        </p:nvPicPr>
+        <p:blipFill rotWithShape="1">
+          <a:blip r:embed="rId4">
+            <a:extLst>
+              <a:ext uri="{28A0092B-C50C-407E-A947-70E740481C1C}">
+                <a14:useLocalDpi xmlns:a14="http://schemas.microsoft.com/office/drawing/2010/main" val="0"/>
+              </a:ext>
+            </a:extLst>
+          </a:blip>
+          <a:srcRect l="6047" t="5323" r="8681"/>
+          <a:stretch/>
+        </p:blipFill>
+        <p:spPr>
+          <a:xfrm>
+            <a:off x="337811" y="2733278"/>
+            <a:ext cx="2762794" cy="2299780"/>
+          </a:xfrm>
+          <a:prstGeom prst="rect">
+            <a:avLst/>
+          </a:prstGeom>
+        </p:spPr>
+      </p:pic>
+      <p:pic>
+        <p:nvPicPr>
+          <p:cNvPr id="9" name="Picture 8" descr="Chart, histogram&#10;&#10;Description automatically generated">
+            <a:extLst>
+              <a:ext uri="{FF2B5EF4-FFF2-40B4-BE49-F238E27FC236}">
+                <a16:creationId xmlns:a16="http://schemas.microsoft.com/office/drawing/2014/main" id="{9D6BA245-8585-4D56-B1A9-2CA927A6C293}"/>
+              </a:ext>
+            </a:extLst>
+          </p:cNvPr>
+          <p:cNvPicPr>
+            <a:picLocks noChangeAspect="1"/>
+          </p:cNvPicPr>
+          <p:nvPr/>
+        </p:nvPicPr>
+        <p:blipFill rotWithShape="1">
+          <a:blip r:embed="rId5">
+            <a:extLst>
+              <a:ext uri="{28A0092B-C50C-407E-A947-70E740481C1C}">
+                <a14:useLocalDpi xmlns:a14="http://schemas.microsoft.com/office/drawing/2010/main" val="0"/>
+              </a:ext>
+            </a:extLst>
+          </a:blip>
+          <a:srcRect l="6047" t="5323" r="8681"/>
+          <a:stretch/>
+        </p:blipFill>
+        <p:spPr>
+          <a:xfrm>
+            <a:off x="3217811" y="2733278"/>
+            <a:ext cx="2762794" cy="2299779"/>
+          </a:xfrm>
+          <a:prstGeom prst="rect">
+            <a:avLst/>
+          </a:prstGeom>
+        </p:spPr>
+      </p:pic>
+      <p:sp>
+        <p:nvSpPr>
+          <p:cNvPr id="73" name="TextBox 72">
+            <a:extLst>
+              <a:ext uri="{FF2B5EF4-FFF2-40B4-BE49-F238E27FC236}">
+                <a16:creationId xmlns:a16="http://schemas.microsoft.com/office/drawing/2014/main" id="{C1D12DF9-87B0-4222-A6B9-241033479852}"/>
+              </a:ext>
+            </a:extLst>
+          </p:cNvPr>
+          <p:cNvSpPr txBox="1"/>
+          <p:nvPr/>
+        </p:nvSpPr>
+        <p:spPr>
+          <a:xfrm rot="16200000">
+            <a:off x="-794311" y="3621646"/>
+            <a:ext cx="1992179" cy="215444"/>
+          </a:xfrm>
+          <a:prstGeom prst="rect">
+            <a:avLst/>
+          </a:prstGeom>
+          <a:noFill/>
+        </p:spPr>
+        <p:txBody>
+          <a:bodyPr wrap="square" rtlCol="0">
+            <a:spAutoFit/>
+          </a:bodyPr>
+          <a:lstStyle/>
+          <a:p>
+            <a:pPr algn="ctr"/>
+            <a:r>
+              <a:rPr lang="en-GB" sz="800" dirty="0"/>
+              <a:t>Area under the ROC</a:t>
+            </a:r>
+          </a:p>
+        </p:txBody>
+      </p:sp>
+      <p:sp>
+        <p:nvSpPr>
+          <p:cNvPr id="74" name="TextBox 73">
+            <a:extLst>
+              <a:ext uri="{FF2B5EF4-FFF2-40B4-BE49-F238E27FC236}">
+                <a16:creationId xmlns:a16="http://schemas.microsoft.com/office/drawing/2014/main" id="{731D2FA9-E557-41FD-8400-9864995A64F0}"/>
+              </a:ext>
+            </a:extLst>
+          </p:cNvPr>
+          <p:cNvSpPr txBox="1"/>
+          <p:nvPr/>
+        </p:nvSpPr>
+        <p:spPr>
+          <a:xfrm rot="16200000">
+            <a:off x="-794311" y="1338946"/>
+            <a:ext cx="1992177" cy="215444"/>
+          </a:xfrm>
+          <a:prstGeom prst="rect">
+            <a:avLst/>
+          </a:prstGeom>
+          <a:noFill/>
+        </p:spPr>
+        <p:txBody>
+          <a:bodyPr wrap="square" rtlCol="0">
+            <a:spAutoFit/>
+          </a:bodyPr>
+          <a:lstStyle/>
+          <a:p>
+            <a:pPr algn="ctr"/>
+            <a:r>
+              <a:rPr lang="en-GB" sz="800" dirty="0"/>
+              <a:t>Area under the ROC</a:t>
+            </a:r>
+          </a:p>
+        </p:txBody>
+      </p:sp>
+    </p:spTree>
+    <p:extLst>
+      <p:ext uri="{BB962C8B-B14F-4D97-AF65-F5344CB8AC3E}">
+        <p14:creationId xmlns:p14="http://schemas.microsoft.com/office/powerpoint/2010/main" val="1489261767"/>
+      </p:ext>
+    </p:extLst>
+  </p:cSld>
+  <p:clrMapOvr>
+    <a:masterClrMapping/>
+  </p:clrMapOvr>
+</p:sld>
+</file>
+
+<file path=ppt/slides/slide2.xml><?xml version="1.0" encoding="utf-8"?>
+<p:sld xmlns:a="http://schemas.openxmlformats.org/drawingml/2006/main" xmlns:r="http://schemas.openxmlformats.org/officeDocument/2006/relationships" xmlns:p="http://schemas.openxmlformats.org/presentationml/2006/main">
+  <p:cSld>
+    <p:spTree>
+      <p:nvGrpSpPr>
+        <p:cNvPr id="1" name=""/>
+        <p:cNvGrpSpPr/>
+        <p:nvPr/>
+      </p:nvGrpSpPr>
+      <p:grpSpPr>
+        <a:xfrm>
+          <a:off x="0" y="0"/>
+          <a:ext cx="0" cy="0"/>
+          <a:chOff x="0" y="0"/>
+          <a:chExt cx="0" cy="0"/>
+        </a:xfrm>
+      </p:grpSpPr>
+      <p:pic>
+        <p:nvPicPr>
+          <p:cNvPr id="55" name="Picture 54" descr="Chart&#10;&#10;Description automatically generated">
+            <a:extLst>
+              <a:ext uri="{FF2B5EF4-FFF2-40B4-BE49-F238E27FC236}">
+                <a16:creationId xmlns:a16="http://schemas.microsoft.com/office/drawing/2014/main" id="{249B8000-1A10-4146-8DE7-F408D67A99D2}"/>
+              </a:ext>
+            </a:extLst>
+          </p:cNvPr>
+          <p:cNvPicPr>
+            <a:picLocks noChangeAspect="1"/>
+          </p:cNvPicPr>
+          <p:nvPr/>
+        </p:nvPicPr>
+        <p:blipFill rotWithShape="1">
+          <a:blip r:embed="rId2">
+            <a:extLst>
+              <a:ext uri="{28A0092B-C50C-407E-A947-70E740481C1C}">
+                <a14:useLocalDpi xmlns:a14="http://schemas.microsoft.com/office/drawing/2010/main" val="0"/>
+              </a:ext>
+            </a:extLst>
+          </a:blip>
+          <a:srcRect l="6006" t="4644" r="8119"/>
+          <a:stretch/>
+        </p:blipFill>
+        <p:spPr>
+          <a:xfrm>
+            <a:off x="3139700" y="2798797"/>
+            <a:ext cx="2880000" cy="2397531"/>
+          </a:xfrm>
+          <a:prstGeom prst="rect">
+            <a:avLst/>
+          </a:prstGeom>
+        </p:spPr>
+      </p:pic>
+      <p:pic>
+        <p:nvPicPr>
+          <p:cNvPr id="58" name="Picture 57" descr="Chart&#10;&#10;Description automatically generated">
+            <a:extLst>
+              <a:ext uri="{FF2B5EF4-FFF2-40B4-BE49-F238E27FC236}">
+                <a16:creationId xmlns:a16="http://schemas.microsoft.com/office/drawing/2014/main" id="{6BDD4B2C-0287-4AB0-9F5C-4E24A08845F8}"/>
+              </a:ext>
+            </a:extLst>
+          </p:cNvPr>
+          <p:cNvPicPr>
+            <a:picLocks noChangeAspect="1"/>
+          </p:cNvPicPr>
+          <p:nvPr/>
+        </p:nvPicPr>
+        <p:blipFill rotWithShape="1">
+          <a:blip r:embed="rId3">
+            <a:extLst>
+              <a:ext uri="{28A0092B-C50C-407E-A947-70E740481C1C}">
+                <a14:useLocalDpi xmlns:a14="http://schemas.microsoft.com/office/drawing/2010/main" val="0"/>
+              </a:ext>
+            </a:extLst>
+          </a:blip>
+          <a:srcRect l="6006" t="4644" r="8119"/>
+          <a:stretch/>
+        </p:blipFill>
+        <p:spPr>
+          <a:xfrm>
+            <a:off x="188405" y="2798797"/>
+            <a:ext cx="2880000" cy="2397531"/>
+          </a:xfrm>
+          <a:prstGeom prst="rect">
+            <a:avLst/>
+          </a:prstGeom>
+        </p:spPr>
+      </p:pic>
+      <p:sp>
+        <p:nvSpPr>
+          <p:cNvPr id="59" name="TextBox 58">
+            <a:extLst>
+              <a:ext uri="{FF2B5EF4-FFF2-40B4-BE49-F238E27FC236}">
+                <a16:creationId xmlns:a16="http://schemas.microsoft.com/office/drawing/2014/main" id="{EDB8C1D3-804C-4636-B781-F3F8431A369B}"/>
+              </a:ext>
+            </a:extLst>
+          </p:cNvPr>
+          <p:cNvSpPr txBox="1"/>
+          <p:nvPr/>
+        </p:nvSpPr>
+        <p:spPr>
+          <a:xfrm>
+            <a:off x="3369216" y="5175973"/>
+            <a:ext cx="2650484" cy="215444"/>
+          </a:xfrm>
+          <a:prstGeom prst="rect">
+            <a:avLst/>
+          </a:prstGeom>
+          <a:noFill/>
+        </p:spPr>
+        <p:txBody>
+          <a:bodyPr wrap="square" rtlCol="0">
+            <a:spAutoFit/>
+          </a:bodyPr>
+          <a:lstStyle/>
+          <a:p>
+            <a:pPr algn="ctr"/>
+            <a:r>
+              <a:rPr lang="en-GB" sz="800" dirty="0"/>
+              <a:t>Steps at the end of 12-h accumulation periods</a:t>
+            </a:r>
+          </a:p>
+        </p:txBody>
+      </p:sp>
+      <p:pic>
+        <p:nvPicPr>
+          <p:cNvPr id="61" name="Picture 60" descr="Chart&#10;&#10;Description automatically generated">
+            <a:extLst>
+              <a:ext uri="{FF2B5EF4-FFF2-40B4-BE49-F238E27FC236}">
+                <a16:creationId xmlns:a16="http://schemas.microsoft.com/office/drawing/2014/main" id="{15681698-39BD-4815-B989-535604F83C98}"/>
+              </a:ext>
+            </a:extLst>
+          </p:cNvPr>
+          <p:cNvPicPr>
+            <a:picLocks noChangeAspect="1"/>
+          </p:cNvPicPr>
+          <p:nvPr/>
+        </p:nvPicPr>
+        <p:blipFill rotWithShape="1">
+          <a:blip r:embed="rId4">
+            <a:extLst>
+              <a:ext uri="{28A0092B-C50C-407E-A947-70E740481C1C}">
+                <a14:useLocalDpi xmlns:a14="http://schemas.microsoft.com/office/drawing/2010/main" val="0"/>
+              </a:ext>
+            </a:extLst>
+          </a:blip>
+          <a:srcRect l="6006" t="4644" r="8119"/>
+          <a:stretch/>
+        </p:blipFill>
+        <p:spPr>
+          <a:xfrm>
+            <a:off x="3139700" y="361040"/>
+            <a:ext cx="2880000" cy="2397531"/>
+          </a:xfrm>
+          <a:prstGeom prst="rect">
+            <a:avLst/>
+          </a:prstGeom>
+        </p:spPr>
+      </p:pic>
+      <p:pic>
+        <p:nvPicPr>
+          <p:cNvPr id="63" name="Picture 62" descr="Chart&#10;&#10;Description automatically generated">
+            <a:extLst>
+              <a:ext uri="{FF2B5EF4-FFF2-40B4-BE49-F238E27FC236}">
+                <a16:creationId xmlns:a16="http://schemas.microsoft.com/office/drawing/2014/main" id="{4DD3E83D-337D-4121-B885-C1D11F89E5B1}"/>
+              </a:ext>
+            </a:extLst>
+          </p:cNvPr>
+          <p:cNvPicPr>
+            <a:picLocks noChangeAspect="1"/>
+          </p:cNvPicPr>
+          <p:nvPr/>
+        </p:nvPicPr>
+        <p:blipFill rotWithShape="1">
+          <a:blip r:embed="rId5">
+            <a:extLst>
+              <a:ext uri="{28A0092B-C50C-407E-A947-70E740481C1C}">
+                <a14:useLocalDpi xmlns:a14="http://schemas.microsoft.com/office/drawing/2010/main" val="0"/>
+              </a:ext>
+            </a:extLst>
+          </a:blip>
+          <a:srcRect l="6006" t="4645" r="8118" b="-1"/>
+          <a:stretch/>
+        </p:blipFill>
+        <p:spPr>
+          <a:xfrm>
+            <a:off x="188405" y="361040"/>
+            <a:ext cx="2880000" cy="2397531"/>
+          </a:xfrm>
+          <a:prstGeom prst="rect">
+            <a:avLst/>
+          </a:prstGeom>
+        </p:spPr>
+      </p:pic>
+      <p:sp>
+        <p:nvSpPr>
+          <p:cNvPr id="65" name="TextBox 64">
+            <a:extLst>
+              <a:ext uri="{FF2B5EF4-FFF2-40B4-BE49-F238E27FC236}">
+                <a16:creationId xmlns:a16="http://schemas.microsoft.com/office/drawing/2014/main" id="{F18080BF-6CBD-40CC-BE8F-E0BB18CBE701}"/>
+              </a:ext>
+            </a:extLst>
+          </p:cNvPr>
+          <p:cNvSpPr txBox="1"/>
+          <p:nvPr/>
+        </p:nvSpPr>
+        <p:spPr>
+          <a:xfrm rot="16200000">
+            <a:off x="-13110" y="437085"/>
+            <a:ext cx="2099402" cy="2016000"/>
+          </a:xfrm>
+          <a:prstGeom prst="rect">
+            <a:avLst/>
+          </a:prstGeom>
+          <a:noFill/>
+        </p:spPr>
+        <p:txBody>
+          <a:bodyPr wrap="square" rtlCol="0">
+            <a:spAutoFit/>
+          </a:bodyPr>
+          <a:lstStyle/>
+          <a:p>
+            <a:pPr algn="ctr"/>
+            <a:r>
+              <a:rPr lang="en-GB" sz="800" dirty="0"/>
+              <a:t>Area under the ROC</a:t>
+            </a:r>
+          </a:p>
+        </p:txBody>
+      </p:sp>
+      <p:sp>
+        <p:nvSpPr>
+          <p:cNvPr id="67" name="TextBox 66">
+            <a:extLst>
+              <a:ext uri="{FF2B5EF4-FFF2-40B4-BE49-F238E27FC236}">
+                <a16:creationId xmlns:a16="http://schemas.microsoft.com/office/drawing/2014/main" id="{589ABFA2-7EBB-4EB0-AA6D-EF1322D81885}"/>
+              </a:ext>
+            </a:extLst>
+          </p:cNvPr>
+          <p:cNvSpPr txBox="1"/>
+          <p:nvPr/>
+        </p:nvSpPr>
+        <p:spPr>
+          <a:xfrm>
+            <a:off x="401383" y="204358"/>
+            <a:ext cx="2667021" cy="246221"/>
+          </a:xfrm>
+          <a:prstGeom prst="rect">
+            <a:avLst/>
+          </a:prstGeom>
+          <a:noFill/>
+        </p:spPr>
+        <p:txBody>
+          <a:bodyPr wrap="square" rtlCol="0">
+            <a:spAutoFit/>
+          </a:bodyPr>
+          <a:lstStyle/>
+          <a:p>
+            <a:pPr algn="ctr"/>
+            <a:r>
+              <a:rPr lang="en-GB" sz="1000" dirty="0"/>
+              <a:t>“La Costa”</a:t>
+            </a:r>
+          </a:p>
+        </p:txBody>
+      </p:sp>
+      <p:sp>
+        <p:nvSpPr>
+          <p:cNvPr id="69" name="TextBox 68">
+            <a:extLst>
+              <a:ext uri="{FF2B5EF4-FFF2-40B4-BE49-F238E27FC236}">
+                <a16:creationId xmlns:a16="http://schemas.microsoft.com/office/drawing/2014/main" id="{B2688E76-5FD0-4F52-A97A-E43BF1D1D85D}"/>
+              </a:ext>
+            </a:extLst>
+          </p:cNvPr>
+          <p:cNvSpPr txBox="1"/>
+          <p:nvPr/>
+        </p:nvSpPr>
+        <p:spPr>
+          <a:xfrm>
+            <a:off x="3369216" y="204358"/>
+            <a:ext cx="2650484" cy="246221"/>
+          </a:xfrm>
+          <a:prstGeom prst="rect">
+            <a:avLst/>
+          </a:prstGeom>
+          <a:noFill/>
+        </p:spPr>
+        <p:txBody>
+          <a:bodyPr wrap="square" rtlCol="0">
+            <a:spAutoFit/>
+          </a:bodyPr>
+          <a:lstStyle/>
+          <a:p>
+            <a:pPr algn="ctr"/>
+            <a:r>
+              <a:rPr lang="en-GB" sz="1000" dirty="0"/>
+              <a:t>“La Sierra”</a:t>
+            </a:r>
+          </a:p>
+        </p:txBody>
+      </p:sp>
+      <p:sp>
+        <p:nvSpPr>
+          <p:cNvPr id="80" name="TextBox 79">
+            <a:extLst>
+              <a:ext uri="{FF2B5EF4-FFF2-40B4-BE49-F238E27FC236}">
+                <a16:creationId xmlns:a16="http://schemas.microsoft.com/office/drawing/2014/main" id="{F2BAF33B-DE08-4DD0-B840-EEA28E79E85B}"/>
+              </a:ext>
+            </a:extLst>
+          </p:cNvPr>
+          <p:cNvSpPr txBox="1"/>
+          <p:nvPr/>
+        </p:nvSpPr>
+        <p:spPr>
+          <a:xfrm>
+            <a:off x="4750894" y="490985"/>
+            <a:ext cx="1152000" cy="338554"/>
+          </a:xfrm>
+          <a:prstGeom prst="rect">
+            <a:avLst/>
+          </a:prstGeom>
+          <a:solidFill>
+            <a:schemeClr val="bg1"/>
+          </a:solidFill>
+          <a:ln>
+            <a:solidFill>
+              <a:schemeClr val="tx1"/>
+            </a:solidFill>
+          </a:ln>
+        </p:spPr>
+        <p:txBody>
+          <a:bodyPr wrap="square" rtlCol="0">
+            <a:spAutoFit/>
+          </a:bodyPr>
+          <a:lstStyle/>
+          <a:p>
+            <a:pPr algn="ctr"/>
+            <a:r>
+              <a:rPr lang="en-GB" sz="800" dirty="0"/>
+              <a:t>85</a:t>
+            </a:r>
+            <a:r>
+              <a:rPr lang="en-GB" sz="800" baseline="30000" dirty="0"/>
+              <a:t>th</a:t>
+            </a:r>
+            <a:r>
+              <a:rPr lang="en-GB" sz="800" dirty="0"/>
+              <a:t> percentile</a:t>
+            </a:r>
+          </a:p>
+          <a:p>
+            <a:pPr algn="ctr"/>
+            <a:r>
+              <a:rPr lang="en-GB" sz="800" dirty="0"/>
+              <a:t>(tp &gt;= 6.112 mm/12h)</a:t>
+            </a:r>
+          </a:p>
+        </p:txBody>
+      </p:sp>
+      <p:cxnSp>
+        <p:nvCxnSpPr>
+          <p:cNvPr id="81" name="Straight Connector 80">
+            <a:extLst>
+              <a:ext uri="{FF2B5EF4-FFF2-40B4-BE49-F238E27FC236}">
+                <a16:creationId xmlns:a16="http://schemas.microsoft.com/office/drawing/2014/main" id="{377C66FD-529A-4A29-AA0C-66E0F4A85000}"/>
+              </a:ext>
+            </a:extLst>
+          </p:cNvPr>
+          <p:cNvCxnSpPr>
+            <a:cxnSpLocks/>
+          </p:cNvCxnSpPr>
+          <p:nvPr/>
+        </p:nvCxnSpPr>
+        <p:spPr>
+          <a:xfrm>
+            <a:off x="3291920" y="228596"/>
+            <a:ext cx="540000" cy="0"/>
+          </a:xfrm>
+          <a:prstGeom prst="line">
+            <a:avLst/>
+          </a:prstGeom>
+          <a:ln w="38100">
+            <a:solidFill>
+              <a:srgbClr val="0000FF"/>
+            </a:solidFill>
+          </a:ln>
+        </p:spPr>
+        <p:style>
+          <a:lnRef idx="1">
+            <a:schemeClr val="accent1"/>
+          </a:lnRef>
+          <a:fillRef idx="0">
+            <a:schemeClr val="accent1"/>
+          </a:fillRef>
+          <a:effectRef idx="0">
+            <a:schemeClr val="accent1"/>
+          </a:effectRef>
+          <a:fontRef idx="minor">
+            <a:schemeClr val="tx1"/>
+          </a:fontRef>
+        </p:style>
+      </p:cxnSp>
+      <p:cxnSp>
+        <p:nvCxnSpPr>
+          <p:cNvPr id="82" name="Straight Connector 81">
+            <a:extLst>
+              <a:ext uri="{FF2B5EF4-FFF2-40B4-BE49-F238E27FC236}">
+                <a16:creationId xmlns:a16="http://schemas.microsoft.com/office/drawing/2014/main" id="{090D61E3-A960-46E0-A7D3-BA34DFF9F090}"/>
+              </a:ext>
+            </a:extLst>
+          </p:cNvPr>
+          <p:cNvCxnSpPr>
+            <a:cxnSpLocks/>
+          </p:cNvCxnSpPr>
+          <p:nvPr/>
+        </p:nvCxnSpPr>
+        <p:spPr>
+          <a:xfrm>
+            <a:off x="2546673" y="228596"/>
+            <a:ext cx="540000" cy="0"/>
+          </a:xfrm>
+          <a:prstGeom prst="line">
+            <a:avLst/>
+          </a:prstGeom>
+          <a:ln w="38100">
+            <a:solidFill>
+              <a:srgbClr val="FF0000"/>
+            </a:solidFill>
+          </a:ln>
+        </p:spPr>
+        <p:style>
+          <a:lnRef idx="1">
+            <a:schemeClr val="accent1"/>
+          </a:lnRef>
+          <a:fillRef idx="0">
+            <a:schemeClr val="accent1"/>
+          </a:fillRef>
+          <a:effectRef idx="0">
+            <a:schemeClr val="accent1"/>
+          </a:effectRef>
+          <a:fontRef idx="minor">
+            <a:schemeClr val="tx1"/>
+          </a:fontRef>
+        </p:style>
+      </p:cxnSp>
+      <p:sp>
+        <p:nvSpPr>
+          <p:cNvPr id="83" name="TextBox 82">
+            <a:extLst>
+              <a:ext uri="{FF2B5EF4-FFF2-40B4-BE49-F238E27FC236}">
+                <a16:creationId xmlns:a16="http://schemas.microsoft.com/office/drawing/2014/main" id="{E87050D7-461D-4FA8-AAAA-B2927D17BF36}"/>
+              </a:ext>
+            </a:extLst>
+          </p:cNvPr>
+          <p:cNvSpPr txBox="1"/>
+          <p:nvPr/>
+        </p:nvSpPr>
+        <p:spPr>
+          <a:xfrm>
+            <a:off x="2578125" y="-17770"/>
+            <a:ext cx="477097" cy="246366"/>
+          </a:xfrm>
+          <a:prstGeom prst="rect">
+            <a:avLst/>
+          </a:prstGeom>
+          <a:noFill/>
+        </p:spPr>
+        <p:txBody>
+          <a:bodyPr wrap="square" rtlCol="0">
+            <a:spAutoFit/>
+          </a:bodyPr>
+          <a:lstStyle/>
+          <a:p>
+            <a:pPr algn="ctr"/>
+            <a:r>
+              <a:rPr lang="en-GB" sz="1000" dirty="0"/>
+              <a:t>ENS</a:t>
+            </a:r>
+          </a:p>
+        </p:txBody>
+      </p:sp>
+      <p:sp>
+        <p:nvSpPr>
+          <p:cNvPr id="84" name="TextBox 83">
+            <a:extLst>
+              <a:ext uri="{FF2B5EF4-FFF2-40B4-BE49-F238E27FC236}">
+                <a16:creationId xmlns:a16="http://schemas.microsoft.com/office/drawing/2014/main" id="{DCA229DB-8991-4C74-A0F1-F0C1F1931148}"/>
+              </a:ext>
+            </a:extLst>
+          </p:cNvPr>
+          <p:cNvSpPr txBox="1"/>
+          <p:nvPr/>
+        </p:nvSpPr>
+        <p:spPr>
+          <a:xfrm>
+            <a:off x="3233380" y="-17770"/>
+            <a:ext cx="657080" cy="246221"/>
+          </a:xfrm>
+          <a:prstGeom prst="rect">
+            <a:avLst/>
+          </a:prstGeom>
+          <a:noFill/>
+        </p:spPr>
+        <p:txBody>
+          <a:bodyPr wrap="square" rtlCol="0">
+            <a:spAutoFit/>
+          </a:bodyPr>
+          <a:lstStyle/>
+          <a:p>
+            <a:pPr algn="ctr"/>
+            <a:r>
+              <a:rPr lang="en-GB" sz="1000" dirty="0"/>
+              <a:t>ecPoint</a:t>
+            </a:r>
+          </a:p>
+        </p:txBody>
+      </p:sp>
+      <p:sp>
+        <p:nvSpPr>
           <p:cNvPr id="85" name="TextBox 84">
             <a:extLst>
               <a:ext uri="{FF2B5EF4-FFF2-40B4-BE49-F238E27FC236}">
@@ -6490,7 +7090,7 @@
     </p:spTree>
     <p:extLst>
       <p:ext uri="{BB962C8B-B14F-4D97-AF65-F5344CB8AC3E}">
-        <p14:creationId xmlns:p14="http://schemas.microsoft.com/office/powerpoint/2010/main" val="1489261767"/>
+        <p14:creationId xmlns:p14="http://schemas.microsoft.com/office/powerpoint/2010/main" val="4285056876"/>
       </p:ext>
     </p:extLst>
   </p:cSld>

--- a/Manuscript/Figures/AURC_EFFCI06.pptx
+++ b/Manuscript/Figures/AURC_EFFCI06.pptx
@@ -6,7 +6,6 @@
   </p:sldMasterIdLst>
   <p:sldIdLst>
     <p:sldId id="259" r:id="rId2"/>
-    <p:sldId id="260" r:id="rId3"/>
   </p:sldIdLst>
   <p:sldSz cx="6119813" cy="5400675"/>
   <p:notesSz cx="6858000" cy="9144000"/>
@@ -116,7 +115,7 @@
 <file path=ppt/revisionInfo.xml><?xml version="1.0" encoding="utf-8"?>
 <p1510:revInfo xmlns:a="http://schemas.openxmlformats.org/drawingml/2006/main" xmlns:r="http://schemas.openxmlformats.org/officeDocument/2006/relationships" xmlns:p1510="http://schemas.microsoft.com/office/powerpoint/2015/10/main">
   <p1510:revLst>
-    <p1510:client id="{AEACF5B8-E1B8-484D-AA65-19A39BABB57B}" v="32" dt="2022-01-18T17:12:02.653"/>
+    <p1510:client id="{AEACF5B8-E1B8-484D-AA65-19A39BABB57B}" v="36" dt="2022-01-19T05:12:37.086"/>
   </p1510:revLst>
 </p1510:revInfo>
 </file>
@@ -126,12 +125,12 @@
   <pc:docChgLst>
     <pc:chgData name="Fatima Pillosu" userId="a6295d4dc9e22643" providerId="LiveId" clId="{AEACF5B8-E1B8-484D-AA65-19A39BABB57B}"/>
     <pc:docChg chg="undo redo custSel addSld delSld modSld">
-      <pc:chgData name="Fatima Pillosu" userId="a6295d4dc9e22643" providerId="LiveId" clId="{AEACF5B8-E1B8-484D-AA65-19A39BABB57B}" dt="2022-01-18T17:12:56.461" v="625" actId="1076"/>
+      <pc:chgData name="Fatima Pillosu" userId="a6295d4dc9e22643" providerId="LiveId" clId="{AEACF5B8-E1B8-484D-AA65-19A39BABB57B}" dt="2022-01-19T05:15:05.951" v="812" actId="20577"/>
       <pc:docMkLst>
         <pc:docMk/>
       </pc:docMkLst>
       <pc:sldChg chg="addSp delSp modSp mod">
-        <pc:chgData name="Fatima Pillosu" userId="a6295d4dc9e22643" providerId="LiveId" clId="{AEACF5B8-E1B8-484D-AA65-19A39BABB57B}" dt="2022-01-18T17:12:56.461" v="625" actId="1076"/>
+        <pc:chgData name="Fatima Pillosu" userId="a6295d4dc9e22643" providerId="LiveId" clId="{AEACF5B8-E1B8-484D-AA65-19A39BABB57B}" dt="2022-01-19T05:15:05.951" v="812" actId="20577"/>
         <pc:sldMkLst>
           <pc:docMk/>
           <pc:sldMk cId="1489261767" sldId="259"/>
@@ -168,6 +167,62 @@
             <ac:spMk id="10" creationId="{2D225424-BB11-4468-B2E7-0EC0AA14DDE6}"/>
           </ac:spMkLst>
         </pc:spChg>
+        <pc:spChg chg="add mod">
+          <ac:chgData name="Fatima Pillosu" userId="a6295d4dc9e22643" providerId="LiveId" clId="{AEACF5B8-E1B8-484D-AA65-19A39BABB57B}" dt="2022-01-19T05:15:00.113" v="803" actId="1037"/>
+          <ac:spMkLst>
+            <pc:docMk/>
+            <pc:sldMk cId="1489261767" sldId="259"/>
+            <ac:spMk id="24" creationId="{8EED52F0-3C91-4E2A-9B21-9611DD4ADB49}"/>
+          </ac:spMkLst>
+        </pc:spChg>
+        <pc:spChg chg="add mod">
+          <ac:chgData name="Fatima Pillosu" userId="a6295d4dc9e22643" providerId="LiveId" clId="{AEACF5B8-E1B8-484D-AA65-19A39BABB57B}" dt="2022-01-19T05:15:00.113" v="803" actId="1037"/>
+          <ac:spMkLst>
+            <pc:docMk/>
+            <pc:sldMk cId="1489261767" sldId="259"/>
+            <ac:spMk id="25" creationId="{989CC310-3A85-4936-8D93-1EDBE70B42CA}"/>
+          </ac:spMkLst>
+        </pc:spChg>
+        <pc:spChg chg="add mod">
+          <ac:chgData name="Fatima Pillosu" userId="a6295d4dc9e22643" providerId="LiveId" clId="{AEACF5B8-E1B8-484D-AA65-19A39BABB57B}" dt="2022-01-19T05:15:00.113" v="803" actId="1037"/>
+          <ac:spMkLst>
+            <pc:docMk/>
+            <pc:sldMk cId="1489261767" sldId="259"/>
+            <ac:spMk id="26" creationId="{3A5A59EC-905F-4773-9E33-4910A6BDE60B}"/>
+          </ac:spMkLst>
+        </pc:spChg>
+        <pc:spChg chg="add mod">
+          <ac:chgData name="Fatima Pillosu" userId="a6295d4dc9e22643" providerId="LiveId" clId="{AEACF5B8-E1B8-484D-AA65-19A39BABB57B}" dt="2022-01-19T05:15:00.113" v="803" actId="1037"/>
+          <ac:spMkLst>
+            <pc:docMk/>
+            <pc:sldMk cId="1489261767" sldId="259"/>
+            <ac:spMk id="27" creationId="{A26337D8-0FE5-4D9B-99EE-E080A3C756BA}"/>
+          </ac:spMkLst>
+        </pc:spChg>
+        <pc:spChg chg="add mod">
+          <ac:chgData name="Fatima Pillosu" userId="a6295d4dc9e22643" providerId="LiveId" clId="{AEACF5B8-E1B8-484D-AA65-19A39BABB57B}" dt="2022-01-19T05:15:00.113" v="803" actId="1037"/>
+          <ac:spMkLst>
+            <pc:docMk/>
+            <pc:sldMk cId="1489261767" sldId="259"/>
+            <ac:spMk id="28" creationId="{1B6DC95C-2A65-4E12-B9B5-6FA072B768AD}"/>
+          </ac:spMkLst>
+        </pc:spChg>
+        <pc:spChg chg="add mod">
+          <ac:chgData name="Fatima Pillosu" userId="a6295d4dc9e22643" providerId="LiveId" clId="{AEACF5B8-E1B8-484D-AA65-19A39BABB57B}" dt="2022-01-19T05:15:00.113" v="803" actId="1037"/>
+          <ac:spMkLst>
+            <pc:docMk/>
+            <pc:sldMk cId="1489261767" sldId="259"/>
+            <ac:spMk id="29" creationId="{7E9D24DC-2D99-4FC8-9293-BBA859DAD20B}"/>
+          </ac:spMkLst>
+        </pc:spChg>
+        <pc:spChg chg="add mod">
+          <ac:chgData name="Fatima Pillosu" userId="a6295d4dc9e22643" providerId="LiveId" clId="{AEACF5B8-E1B8-484D-AA65-19A39BABB57B}" dt="2022-01-19T05:15:00.113" v="803" actId="1037"/>
+          <ac:spMkLst>
+            <pc:docMk/>
+            <pc:sldMk cId="1489261767" sldId="259"/>
+            <ac:spMk id="30" creationId="{98873132-B7AF-401D-96F8-984F7D17D771}"/>
+          </ac:spMkLst>
+        </pc:spChg>
         <pc:spChg chg="del mod">
           <ac:chgData name="Fatima Pillosu" userId="a6295d4dc9e22643" providerId="LiveId" clId="{AEACF5B8-E1B8-484D-AA65-19A39BABB57B}" dt="2022-01-18T15:49:48.420" v="351" actId="21"/>
           <ac:spMkLst>
@@ -241,7 +296,7 @@
           </ac:spMkLst>
         </pc:spChg>
         <pc:spChg chg="add mod">
-          <ac:chgData name="Fatima Pillosu" userId="a6295d4dc9e22643" providerId="LiveId" clId="{AEACF5B8-E1B8-484D-AA65-19A39BABB57B}" dt="2022-01-18T17:12:56.461" v="625" actId="1076"/>
+          <ac:chgData name="Fatima Pillosu" userId="a6295d4dc9e22643" providerId="LiveId" clId="{AEACF5B8-E1B8-484D-AA65-19A39BABB57B}" dt="2022-01-19T05:15:05.951" v="812" actId="20577"/>
           <ac:spMkLst>
             <pc:docMk/>
             <pc:sldMk cId="1489261767" sldId="259"/>
@@ -257,7 +312,7 @@
           </ac:spMkLst>
         </pc:spChg>
         <pc:spChg chg="add mod">
-          <ac:chgData name="Fatima Pillosu" userId="a6295d4dc9e22643" providerId="LiveId" clId="{AEACF5B8-E1B8-484D-AA65-19A39BABB57B}" dt="2022-01-18T15:50:12.137" v="356" actId="1036"/>
+          <ac:chgData name="Fatima Pillosu" userId="a6295d4dc9e22643" providerId="LiveId" clId="{AEACF5B8-E1B8-484D-AA65-19A39BABB57B}" dt="2022-01-19T05:15:00.113" v="803" actId="1037"/>
           <ac:spMkLst>
             <pc:docMk/>
             <pc:sldMk cId="1489261767" sldId="259"/>
@@ -273,15 +328,15 @@
           </ac:spMkLst>
         </pc:spChg>
         <pc:spChg chg="add mod">
-          <ac:chgData name="Fatima Pillosu" userId="a6295d4dc9e22643" providerId="LiveId" clId="{AEACF5B8-E1B8-484D-AA65-19A39BABB57B}" dt="2022-01-18T15:50:12.137" v="356" actId="1036"/>
+          <ac:chgData name="Fatima Pillosu" userId="a6295d4dc9e22643" providerId="LiveId" clId="{AEACF5B8-E1B8-484D-AA65-19A39BABB57B}" dt="2022-01-19T05:15:00.113" v="803" actId="1037"/>
           <ac:spMkLst>
             <pc:docMk/>
             <pc:sldMk cId="1489261767" sldId="259"/>
             <ac:spMk id="69" creationId="{B2688E76-5FD0-4F52-A97A-E43BF1D1D85D}"/>
           </ac:spMkLst>
         </pc:spChg>
-        <pc:spChg chg="add mod">
-          <ac:chgData name="Fatima Pillosu" userId="a6295d4dc9e22643" providerId="LiveId" clId="{AEACF5B8-E1B8-484D-AA65-19A39BABB57B}" dt="2022-01-18T17:12:45.474" v="623" actId="1076"/>
+        <pc:spChg chg="add del mod">
+          <ac:chgData name="Fatima Pillosu" userId="a6295d4dc9e22643" providerId="LiveId" clId="{AEACF5B8-E1B8-484D-AA65-19A39BABB57B}" dt="2022-01-19T05:08:22.097" v="682" actId="478"/>
           <ac:spMkLst>
             <pc:docMk/>
             <pc:sldMk cId="1489261767" sldId="259"/>
@@ -289,7 +344,7 @@
           </ac:spMkLst>
         </pc:spChg>
         <pc:spChg chg="add mod">
-          <ac:chgData name="Fatima Pillosu" userId="a6295d4dc9e22643" providerId="LiveId" clId="{AEACF5B8-E1B8-484D-AA65-19A39BABB57B}" dt="2022-01-18T17:12:12.929" v="609" actId="14100"/>
+          <ac:chgData name="Fatima Pillosu" userId="a6295d4dc9e22643" providerId="LiveId" clId="{AEACF5B8-E1B8-484D-AA65-19A39BABB57B}" dt="2022-01-19T05:15:00.113" v="803" actId="1037"/>
           <ac:spMkLst>
             <pc:docMk/>
             <pc:sldMk cId="1489261767" sldId="259"/>
@@ -305,7 +360,7 @@
           </ac:spMkLst>
         </pc:spChg>
         <pc:spChg chg="add mod">
-          <ac:chgData name="Fatima Pillosu" userId="a6295d4dc9e22643" providerId="LiveId" clId="{AEACF5B8-E1B8-484D-AA65-19A39BABB57B}" dt="2022-01-18T15:50:12.137" v="356" actId="1036"/>
+          <ac:chgData name="Fatima Pillosu" userId="a6295d4dc9e22643" providerId="LiveId" clId="{AEACF5B8-E1B8-484D-AA65-19A39BABB57B}" dt="2022-01-19T05:15:00.113" v="803" actId="1037"/>
           <ac:spMkLst>
             <pc:docMk/>
             <pc:sldMk cId="1489261767" sldId="259"/>
@@ -313,7 +368,7 @@
           </ac:spMkLst>
         </pc:spChg>
         <pc:spChg chg="add mod">
-          <ac:chgData name="Fatima Pillosu" userId="a6295d4dc9e22643" providerId="LiveId" clId="{AEACF5B8-E1B8-484D-AA65-19A39BABB57B}" dt="2022-01-18T15:50:12.137" v="356" actId="1036"/>
+          <ac:chgData name="Fatima Pillosu" userId="a6295d4dc9e22643" providerId="LiveId" clId="{AEACF5B8-E1B8-484D-AA65-19A39BABB57B}" dt="2022-01-19T05:15:00.113" v="803" actId="1037"/>
           <ac:spMkLst>
             <pc:docMk/>
             <pc:sldMk cId="1489261767" sldId="259"/>
@@ -353,7 +408,7 @@
           </ac:spMkLst>
         </pc:spChg>
         <pc:spChg chg="add mod">
-          <ac:chgData name="Fatima Pillosu" userId="a6295d4dc9e22643" providerId="LiveId" clId="{AEACF5B8-E1B8-484D-AA65-19A39BABB57B}" dt="2022-01-18T17:12:51.615" v="624" actId="1076"/>
+          <ac:chgData name="Fatima Pillosu" userId="a6295d4dc9e22643" providerId="LiveId" clId="{AEACF5B8-E1B8-484D-AA65-19A39BABB57B}" dt="2022-01-19T05:15:00.113" v="803" actId="1037"/>
           <ac:spMkLst>
             <pc:docMk/>
             <pc:sldMk cId="1489261767" sldId="259"/>
@@ -408,8 +463,8 @@
             <ac:spMk id="161" creationId="{91D08E8B-4E44-4400-9BC5-3BD9EF49592E}"/>
           </ac:spMkLst>
         </pc:spChg>
-        <pc:picChg chg="add mod modCrop">
-          <ac:chgData name="Fatima Pillosu" userId="a6295d4dc9e22643" providerId="LiveId" clId="{AEACF5B8-E1B8-484D-AA65-19A39BABB57B}" dt="2022-01-18T17:12:39.514" v="622" actId="1038"/>
+        <pc:picChg chg="add del mod modCrop">
+          <ac:chgData name="Fatima Pillosu" userId="a6295d4dc9e22643" providerId="LiveId" clId="{AEACF5B8-E1B8-484D-AA65-19A39BABB57B}" dt="2022-01-19T05:03:16.088" v="637" actId="478"/>
           <ac:picMkLst>
             <pc:docMk/>
             <pc:sldMk cId="1489261767" sldId="259"/>
@@ -417,15 +472,23 @@
           </ac:picMkLst>
         </pc:picChg>
         <pc:picChg chg="add mod modCrop">
-          <ac:chgData name="Fatima Pillosu" userId="a6295d4dc9e22643" providerId="LiveId" clId="{AEACF5B8-E1B8-484D-AA65-19A39BABB57B}" dt="2022-01-18T17:12:39.514" v="622" actId="1038"/>
+          <ac:chgData name="Fatima Pillosu" userId="a6295d4dc9e22643" providerId="LiveId" clId="{AEACF5B8-E1B8-484D-AA65-19A39BABB57B}" dt="2022-01-19T05:15:00.113" v="803" actId="1037"/>
+          <ac:picMkLst>
+            <pc:docMk/>
+            <pc:sldMk cId="1489261767" sldId="259"/>
+            <ac:picMk id="4" creationId="{4BCD30A1-3FB5-4957-BE30-1698BC9925AE}"/>
+          </ac:picMkLst>
+        </pc:picChg>
+        <pc:picChg chg="add del mod modCrop">
+          <ac:chgData name="Fatima Pillosu" userId="a6295d4dc9e22643" providerId="LiveId" clId="{AEACF5B8-E1B8-484D-AA65-19A39BABB57B}" dt="2022-01-19T05:03:16.814" v="638" actId="478"/>
           <ac:picMkLst>
             <pc:docMk/>
             <pc:sldMk cId="1489261767" sldId="259"/>
             <ac:picMk id="5" creationId="{647CB8AE-FCBA-4B1B-8002-42FD30E3A189}"/>
           </ac:picMkLst>
         </pc:picChg>
-        <pc:picChg chg="add mod modCrop">
-          <ac:chgData name="Fatima Pillosu" userId="a6295d4dc9e22643" providerId="LiveId" clId="{AEACF5B8-E1B8-484D-AA65-19A39BABB57B}" dt="2022-01-18T17:12:39.514" v="622" actId="1038"/>
+        <pc:picChg chg="add del mod modCrop">
+          <ac:chgData name="Fatima Pillosu" userId="a6295d4dc9e22643" providerId="LiveId" clId="{AEACF5B8-E1B8-484D-AA65-19A39BABB57B}" dt="2022-01-19T05:03:17.835" v="640" actId="478"/>
           <ac:picMkLst>
             <pc:docMk/>
             <pc:sldMk cId="1489261767" sldId="259"/>
@@ -433,11 +496,35 @@
           </ac:picMkLst>
         </pc:picChg>
         <pc:picChg chg="add mod modCrop">
-          <ac:chgData name="Fatima Pillosu" userId="a6295d4dc9e22643" providerId="LiveId" clId="{AEACF5B8-E1B8-484D-AA65-19A39BABB57B}" dt="2022-01-18T17:12:39.514" v="622" actId="1038"/>
+          <ac:chgData name="Fatima Pillosu" userId="a6295d4dc9e22643" providerId="LiveId" clId="{AEACF5B8-E1B8-484D-AA65-19A39BABB57B}" dt="2022-01-19T05:15:00.113" v="803" actId="1037"/>
           <ac:picMkLst>
             <pc:docMk/>
             <pc:sldMk cId="1489261767" sldId="259"/>
+            <ac:picMk id="8" creationId="{F5FE749A-6756-492A-BFBF-75B353B54313}"/>
+          </ac:picMkLst>
+        </pc:picChg>
+        <pc:picChg chg="add del mod modCrop">
+          <ac:chgData name="Fatima Pillosu" userId="a6295d4dc9e22643" providerId="LiveId" clId="{AEACF5B8-E1B8-484D-AA65-19A39BABB57B}" dt="2022-01-19T05:03:17.341" v="639" actId="478"/>
+          <ac:picMkLst>
+            <pc:docMk/>
+            <pc:sldMk cId="1489261767" sldId="259"/>
             <ac:picMk id="9" creationId="{9D6BA245-8585-4D56-B1A9-2CA927A6C293}"/>
+          </ac:picMkLst>
+        </pc:picChg>
+        <pc:picChg chg="add mod modCrop">
+          <ac:chgData name="Fatima Pillosu" userId="a6295d4dc9e22643" providerId="LiveId" clId="{AEACF5B8-E1B8-484D-AA65-19A39BABB57B}" dt="2022-01-19T05:15:00.113" v="803" actId="1037"/>
+          <ac:picMkLst>
+            <pc:docMk/>
+            <pc:sldMk cId="1489261767" sldId="259"/>
+            <ac:picMk id="11" creationId="{5934FE13-38F4-4272-A4FB-455012046D64}"/>
+          </ac:picMkLst>
+        </pc:picChg>
+        <pc:picChg chg="add mod modCrop">
+          <ac:chgData name="Fatima Pillosu" userId="a6295d4dc9e22643" providerId="LiveId" clId="{AEACF5B8-E1B8-484D-AA65-19A39BABB57B}" dt="2022-01-19T05:15:00.113" v="803" actId="1037"/>
+          <ac:picMkLst>
+            <pc:docMk/>
+            <pc:sldMk cId="1489261767" sldId="259"/>
+            <ac:picMk id="13" creationId="{A27832E1-8976-4EFD-A115-0B8D4D45B3B9}"/>
           </ac:picMkLst>
         </pc:picChg>
         <pc:picChg chg="del mod">
@@ -529,7 +616,7 @@
           </ac:cxnSpMkLst>
         </pc:cxnChg>
         <pc:cxnChg chg="add mod">
-          <ac:chgData name="Fatima Pillosu" userId="a6295d4dc9e22643" providerId="LiveId" clId="{AEACF5B8-E1B8-484D-AA65-19A39BABB57B}" dt="2022-01-18T15:50:12.137" v="356" actId="1036"/>
+          <ac:chgData name="Fatima Pillosu" userId="a6295d4dc9e22643" providerId="LiveId" clId="{AEACF5B8-E1B8-484D-AA65-19A39BABB57B}" dt="2022-01-19T05:15:00.113" v="803" actId="1037"/>
           <ac:cxnSpMkLst>
             <pc:docMk/>
             <pc:sldMk cId="1489261767" sldId="259"/>
@@ -537,7 +624,7 @@
           </ac:cxnSpMkLst>
         </pc:cxnChg>
         <pc:cxnChg chg="add mod">
-          <ac:chgData name="Fatima Pillosu" userId="a6295d4dc9e22643" providerId="LiveId" clId="{AEACF5B8-E1B8-484D-AA65-19A39BABB57B}" dt="2022-01-18T15:50:12.137" v="356" actId="1036"/>
+          <ac:chgData name="Fatima Pillosu" userId="a6295d4dc9e22643" providerId="LiveId" clId="{AEACF5B8-E1B8-484D-AA65-19A39BABB57B}" dt="2022-01-19T05:15:00.113" v="803" actId="1037"/>
           <ac:cxnSpMkLst>
             <pc:docMk/>
             <pc:sldMk cId="1489261767" sldId="259"/>
@@ -896,8 +983,8 @@
           <pc:sldMk cId="3036955875" sldId="260"/>
         </pc:sldMkLst>
       </pc:sldChg>
-      <pc:sldChg chg="add">
-        <pc:chgData name="Fatima Pillosu" userId="a6295d4dc9e22643" providerId="LiveId" clId="{AEACF5B8-E1B8-484D-AA65-19A39BABB57B}" dt="2022-01-18T17:09:47.785" v="561" actId="2890"/>
+      <pc:sldChg chg="add del">
+        <pc:chgData name="Fatima Pillosu" userId="a6295d4dc9e22643" providerId="LiveId" clId="{AEACF5B8-E1B8-484D-AA65-19A39BABB57B}" dt="2022-01-19T05:05:58.823" v="662" actId="2696"/>
         <pc:sldMkLst>
           <pc:docMk/>
           <pc:sldMk cId="4285056876" sldId="260"/>
@@ -1039,7 +1126,7 @@
           <a:p>
             <a:fld id="{30CAAFB8-EE70-486E-B3AB-0D048359C07E}" type="datetimeFigureOut">
               <a:rPr lang="en-GB" smtClean="0"/>
-              <a:t>18/01/2022</a:t>
+              <a:t>19/01/2022</a:t>
             </a:fld>
             <a:endParaRPr lang="en-GB"/>
           </a:p>
@@ -1209,7 +1296,7 @@
           <a:p>
             <a:fld id="{30CAAFB8-EE70-486E-B3AB-0D048359C07E}" type="datetimeFigureOut">
               <a:rPr lang="en-GB" smtClean="0"/>
-              <a:t>18/01/2022</a:t>
+              <a:t>19/01/2022</a:t>
             </a:fld>
             <a:endParaRPr lang="en-GB"/>
           </a:p>
@@ -1389,7 +1476,7 @@
           <a:p>
             <a:fld id="{30CAAFB8-EE70-486E-B3AB-0D048359C07E}" type="datetimeFigureOut">
               <a:rPr lang="en-GB" smtClean="0"/>
-              <a:t>18/01/2022</a:t>
+              <a:t>19/01/2022</a:t>
             </a:fld>
             <a:endParaRPr lang="en-GB"/>
           </a:p>
@@ -1559,7 +1646,7 @@
           <a:p>
             <a:fld id="{30CAAFB8-EE70-486E-B3AB-0D048359C07E}" type="datetimeFigureOut">
               <a:rPr lang="en-GB" smtClean="0"/>
-              <a:t>18/01/2022</a:t>
+              <a:t>19/01/2022</a:t>
             </a:fld>
             <a:endParaRPr lang="en-GB"/>
           </a:p>
@@ -1803,7 +1890,7 @@
           <a:p>
             <a:fld id="{30CAAFB8-EE70-486E-B3AB-0D048359C07E}" type="datetimeFigureOut">
               <a:rPr lang="en-GB" smtClean="0"/>
-              <a:t>18/01/2022</a:t>
+              <a:t>19/01/2022</a:t>
             </a:fld>
             <a:endParaRPr lang="en-GB"/>
           </a:p>
@@ -2035,7 +2122,7 @@
           <a:p>
             <a:fld id="{30CAAFB8-EE70-486E-B3AB-0D048359C07E}" type="datetimeFigureOut">
               <a:rPr lang="en-GB" smtClean="0"/>
-              <a:t>18/01/2022</a:t>
+              <a:t>19/01/2022</a:t>
             </a:fld>
             <a:endParaRPr lang="en-GB"/>
           </a:p>
@@ -2402,7 +2489,7 @@
           <a:p>
             <a:fld id="{30CAAFB8-EE70-486E-B3AB-0D048359C07E}" type="datetimeFigureOut">
               <a:rPr lang="en-GB" smtClean="0"/>
-              <a:t>18/01/2022</a:t>
+              <a:t>19/01/2022</a:t>
             </a:fld>
             <a:endParaRPr lang="en-GB"/>
           </a:p>
@@ -2520,7 +2607,7 @@
           <a:p>
             <a:fld id="{30CAAFB8-EE70-486E-B3AB-0D048359C07E}" type="datetimeFigureOut">
               <a:rPr lang="en-GB" smtClean="0"/>
-              <a:t>18/01/2022</a:t>
+              <a:t>19/01/2022</a:t>
             </a:fld>
             <a:endParaRPr lang="en-GB"/>
           </a:p>
@@ -2615,7 +2702,7 @@
           <a:p>
             <a:fld id="{30CAAFB8-EE70-486E-B3AB-0D048359C07E}" type="datetimeFigureOut">
               <a:rPr lang="en-GB" smtClean="0"/>
-              <a:t>18/01/2022</a:t>
+              <a:t>19/01/2022</a:t>
             </a:fld>
             <a:endParaRPr lang="en-GB"/>
           </a:p>
@@ -2892,7 +2979,7 @@
           <a:p>
             <a:fld id="{30CAAFB8-EE70-486E-B3AB-0D048359C07E}" type="datetimeFigureOut">
               <a:rPr lang="en-GB" smtClean="0"/>
-              <a:t>18/01/2022</a:t>
+              <a:t>19/01/2022</a:t>
             </a:fld>
             <a:endParaRPr lang="en-GB"/>
           </a:p>
@@ -3149,7 +3236,7 @@
           <a:p>
             <a:fld id="{30CAAFB8-EE70-486E-B3AB-0D048359C07E}" type="datetimeFigureOut">
               <a:rPr lang="en-GB" smtClean="0"/>
-              <a:t>18/01/2022</a:t>
+              <a:t>19/01/2022</a:t>
             </a:fld>
             <a:endParaRPr lang="en-GB"/>
           </a:p>
@@ -3362,7 +3449,7 @@
           <a:p>
             <a:fld id="{30CAAFB8-EE70-486E-B3AB-0D048359C07E}" type="datetimeFigureOut">
               <a:rPr lang="en-GB" smtClean="0"/>
-              <a:t>18/01/2022</a:t>
+              <a:t>19/01/2022</a:t>
             </a:fld>
             <a:endParaRPr lang="en-GB"/>
           </a:p>
@@ -3781,8 +3868,8 @@
         </p:nvSpPr>
         <p:spPr>
           <a:xfrm>
-            <a:off x="3330121" y="5029497"/>
-            <a:ext cx="2650484" cy="215444"/>
+            <a:off x="3505199" y="5029497"/>
+            <a:ext cx="2520583" cy="215444"/>
           </a:xfrm>
           <a:prstGeom prst="rect">
             <a:avLst/>
@@ -3798,7 +3885,7 @@
             <a:pPr algn="ctr"/>
             <a:r>
               <a:rPr lang="en-GB" sz="800" dirty="0"/>
-              <a:t>Steps at the end of 12-h accumulation periods</a:t>
+              <a:t>Steps at the end of 12 hourly accumulation periods</a:t>
             </a:r>
           </a:p>
         </p:txBody>
@@ -3817,8 +3904,8 @@
         </p:nvSpPr>
         <p:spPr>
           <a:xfrm>
-            <a:off x="401383" y="204358"/>
-            <a:ext cx="2667021" cy="246221"/>
+            <a:off x="628650" y="271033"/>
+            <a:ext cx="2539436" cy="246221"/>
           </a:xfrm>
           <a:prstGeom prst="rect">
             <a:avLst/>
@@ -3833,7 +3920,7 @@
           <a:p>
             <a:pPr algn="ctr"/>
             <a:r>
-              <a:rPr lang="en-GB" sz="1000" dirty="0"/>
+              <a:rPr lang="en-GB" sz="1000" b="1" dirty="0"/>
               <a:t>“La Costa”</a:t>
             </a:r>
           </a:p>
@@ -3853,8 +3940,8 @@
         </p:nvSpPr>
         <p:spPr>
           <a:xfrm>
-            <a:off x="3369216" y="204358"/>
-            <a:ext cx="2650484" cy="246221"/>
+            <a:off x="3505200" y="271033"/>
+            <a:ext cx="2524034" cy="246221"/>
           </a:xfrm>
           <a:prstGeom prst="rect">
             <a:avLst/>
@@ -3869,7 +3956,7 @@
           <a:p>
             <a:pPr algn="ctr"/>
             <a:r>
-              <a:rPr lang="en-GB" sz="1000" dirty="0"/>
+              <a:rPr lang="en-GB" sz="1000" b="1" dirty="0"/>
               <a:t>“La Sierra”</a:t>
             </a:r>
           </a:p>
@@ -3891,7 +3978,7 @@
         </p:nvCxnSpPr>
         <p:spPr>
           <a:xfrm>
-            <a:off x="3291920" y="228596"/>
+            <a:off x="3234770" y="228596"/>
             <a:ext cx="540000" cy="0"/>
           </a:xfrm>
           <a:prstGeom prst="line">
@@ -3934,7 +4021,7 @@
         </p:nvCxnSpPr>
         <p:spPr>
           <a:xfrm>
-            <a:off x="2546673" y="228596"/>
+            <a:off x="2489523" y="228596"/>
             <a:ext cx="540000" cy="0"/>
           </a:xfrm>
           <a:prstGeom prst="line">
@@ -3975,7 +4062,7 @@
         </p:nvSpPr>
         <p:spPr>
           <a:xfrm>
-            <a:off x="2578125" y="-17770"/>
+            <a:off x="2520975" y="-17770"/>
             <a:ext cx="477097" cy="246366"/>
           </a:xfrm>
           <a:prstGeom prst="rect">
@@ -4011,7 +4098,7 @@
         </p:nvSpPr>
         <p:spPr>
           <a:xfrm>
-            <a:off x="3233380" y="-17770"/>
+            <a:off x="3176230" y="-17770"/>
             <a:ext cx="657080" cy="246221"/>
           </a:xfrm>
           <a:prstGeom prst="rect">
@@ -4047,8 +4134,8 @@
         </p:nvSpPr>
         <p:spPr>
           <a:xfrm>
-            <a:off x="450121" y="5033057"/>
-            <a:ext cx="2650484" cy="215444"/>
+            <a:off x="628650" y="5033057"/>
+            <a:ext cx="2520583" cy="215444"/>
           </a:xfrm>
           <a:prstGeom prst="rect">
             <a:avLst/>
@@ -4064,17 +4151,53 @@
             <a:pPr algn="ctr"/>
             <a:r>
               <a:rPr lang="en-GB" sz="800" dirty="0"/>
-              <a:t>Steps at the end of 12-h accumulation periods</a:t>
+              <a:t>Steps at the end of 12 hourly accumulation periods</a:t>
+            </a:r>
+          </a:p>
+        </p:txBody>
+      </p:sp>
+      <p:sp>
+        <p:nvSpPr>
+          <p:cNvPr id="74" name="TextBox 73">
+            <a:extLst>
+              <a:ext uri="{FF2B5EF4-FFF2-40B4-BE49-F238E27FC236}">
+                <a16:creationId xmlns:a16="http://schemas.microsoft.com/office/drawing/2014/main" id="{731D2FA9-E557-41FD-8400-9864995A64F0}"/>
+              </a:ext>
+            </a:extLst>
+          </p:cNvPr>
+          <p:cNvSpPr txBox="1"/>
+          <p:nvPr/>
+        </p:nvSpPr>
+        <p:spPr>
+          <a:xfrm rot="16200000">
+            <a:off x="-636861" y="1366495"/>
+            <a:ext cx="1966466" cy="215444"/>
+          </a:xfrm>
+          <a:prstGeom prst="rect">
+            <a:avLst/>
+          </a:prstGeom>
+          <a:noFill/>
+        </p:spPr>
+        <p:txBody>
+          <a:bodyPr wrap="square" rtlCol="0">
+            <a:spAutoFit/>
+          </a:bodyPr>
+          <a:lstStyle/>
+          <a:p>
+            <a:pPr algn="ctr"/>
+            <a:r>
+              <a:rPr lang="en-GB" sz="800" dirty="0"/>
+              <a:t>Area under the ROC</a:t>
             </a:r>
           </a:p>
         </p:txBody>
       </p:sp>
       <p:pic>
         <p:nvPicPr>
-          <p:cNvPr id="3" name="Picture 2" descr="Chart, histogram&#10;&#10;Description automatically generated">
+          <p:cNvPr id="4" name="Picture 3" descr="Chart, histogram&#10;&#10;Description automatically generated">
             <a:extLst>
               <a:ext uri="{FF2B5EF4-FFF2-40B4-BE49-F238E27FC236}">
-                <a16:creationId xmlns:a16="http://schemas.microsoft.com/office/drawing/2014/main" id="{AA2AE781-3369-4FEB-9AFD-D06BB5047BFC}"/>
+                <a16:creationId xmlns:a16="http://schemas.microsoft.com/office/drawing/2014/main" id="{4BCD30A1-3FB5-4957-BE30-1698BC9925AE}"/>
               </a:ext>
             </a:extLst>
           </p:cNvPr>
@@ -4091,13 +4214,13 @@
               </a:ext>
             </a:extLst>
           </a:blip>
-          <a:srcRect l="6047" t="5317" r="8681"/>
+          <a:srcRect l="6241" t="5381" r="8689"/>
           <a:stretch/>
         </p:blipFill>
         <p:spPr>
           <a:xfrm>
-            <a:off x="337811" y="400412"/>
-            <a:ext cx="2762794" cy="2299925"/>
+            <a:off x="419967" y="433498"/>
+            <a:ext cx="2756263" cy="2298357"/>
           </a:xfrm>
           <a:prstGeom prst="rect">
             <a:avLst/>
@@ -4106,10 +4229,10 @@
       </p:pic>
       <p:pic>
         <p:nvPicPr>
-          <p:cNvPr id="5" name="Picture 4" descr="Chart&#10;&#10;Description automatically generated">
+          <p:cNvPr id="8" name="Picture 7" descr="Chart, bar chart, histogram&#10;&#10;Description automatically generated">
             <a:extLst>
               <a:ext uri="{FF2B5EF4-FFF2-40B4-BE49-F238E27FC236}">
-                <a16:creationId xmlns:a16="http://schemas.microsoft.com/office/drawing/2014/main" id="{647CB8AE-FCBA-4B1B-8002-42FD30E3A189}"/>
+                <a16:creationId xmlns:a16="http://schemas.microsoft.com/office/drawing/2014/main" id="{F5FE749A-6756-492A-BFBF-75B353B54313}"/>
               </a:ext>
             </a:extLst>
           </p:cNvPr>
@@ -4126,13 +4249,13 @@
               </a:ext>
             </a:extLst>
           </a:blip>
-          <a:srcRect l="6047" t="5323" r="8681"/>
+          <a:srcRect l="6241" t="5381" r="8689"/>
           <a:stretch/>
         </p:blipFill>
         <p:spPr>
           <a:xfrm>
-            <a:off x="3217811" y="399753"/>
-            <a:ext cx="2762794" cy="2299780"/>
+            <a:off x="3272971" y="433498"/>
+            <a:ext cx="2756263" cy="2298356"/>
           </a:xfrm>
           <a:prstGeom prst="rect">
             <a:avLst/>
@@ -4141,10 +4264,10 @@
       </p:pic>
       <p:pic>
         <p:nvPicPr>
-          <p:cNvPr id="7" name="Picture 6" descr="Chart&#10;&#10;Description automatically generated">
+          <p:cNvPr id="11" name="Picture 10" descr="Chart, bar chart, histogram&#10;&#10;Description automatically generated">
             <a:extLst>
               <a:ext uri="{FF2B5EF4-FFF2-40B4-BE49-F238E27FC236}">
-                <a16:creationId xmlns:a16="http://schemas.microsoft.com/office/drawing/2014/main" id="{C5D75D13-E7EE-4CAA-8EE6-75C55E3EABCC}"/>
+                <a16:creationId xmlns:a16="http://schemas.microsoft.com/office/drawing/2014/main" id="{5934FE13-38F4-4272-A4FB-455012046D64}"/>
               </a:ext>
             </a:extLst>
           </p:cNvPr>
@@ -4161,13 +4284,13 @@
               </a:ext>
             </a:extLst>
           </a:blip>
-          <a:srcRect l="6047" t="5323" r="8681"/>
+          <a:srcRect l="6241" t="5381" r="8689"/>
           <a:stretch/>
         </p:blipFill>
         <p:spPr>
           <a:xfrm>
-            <a:off x="337811" y="2733278"/>
-            <a:ext cx="2762794" cy="2299780"/>
+            <a:off x="419967" y="2733278"/>
+            <a:ext cx="2756263" cy="2298356"/>
           </a:xfrm>
           <a:prstGeom prst="rect">
             <a:avLst/>
@@ -4176,10 +4299,10 @@
       </p:pic>
       <p:pic>
         <p:nvPicPr>
-          <p:cNvPr id="9" name="Picture 8" descr="Chart, histogram&#10;&#10;Description automatically generated">
+          <p:cNvPr id="13" name="Picture 12" descr="Chart, bar chart, histogram&#10;&#10;Description automatically generated">
             <a:extLst>
               <a:ext uri="{FF2B5EF4-FFF2-40B4-BE49-F238E27FC236}">
-                <a16:creationId xmlns:a16="http://schemas.microsoft.com/office/drawing/2014/main" id="{9D6BA245-8585-4D56-B1A9-2CA927A6C293}"/>
+                <a16:creationId xmlns:a16="http://schemas.microsoft.com/office/drawing/2014/main" id="{A27832E1-8976-4EFD-A115-0B8D4D45B3B9}"/>
               </a:ext>
             </a:extLst>
           </p:cNvPr>
@@ -4196,13 +4319,13 @@
               </a:ext>
             </a:extLst>
           </a:blip>
-          <a:srcRect l="6047" t="5323" r="8681"/>
+          <a:srcRect l="6241" t="5381" r="8689"/>
           <a:stretch/>
         </p:blipFill>
         <p:spPr>
           <a:xfrm>
-            <a:off x="3217811" y="2733278"/>
-            <a:ext cx="2762794" cy="2299779"/>
+            <a:off x="3272971" y="2733278"/>
+            <a:ext cx="2756263" cy="2298356"/>
           </a:xfrm>
           <a:prstGeom prst="rect">
             <a:avLst/>
@@ -4211,10 +4334,10 @@
       </p:pic>
       <p:sp>
         <p:nvSpPr>
-          <p:cNvPr id="73" name="TextBox 72">
+          <p:cNvPr id="24" name="TextBox 23">
             <a:extLst>
               <a:ext uri="{FF2B5EF4-FFF2-40B4-BE49-F238E27FC236}">
-                <a16:creationId xmlns:a16="http://schemas.microsoft.com/office/drawing/2014/main" id="{C1D12DF9-87B0-4222-A6B9-241033479852}"/>
+                <a16:creationId xmlns:a16="http://schemas.microsoft.com/office/drawing/2014/main" id="{8EED52F0-3C91-4E2A-9B21-9611DD4ADB49}"/>
               </a:ext>
             </a:extLst>
           </p:cNvPr>
@@ -4222,395 +4345,9 @@
           <p:nvPr/>
         </p:nvSpPr>
         <p:spPr>
-          <a:xfrm rot="16200000">
-            <a:off x="-794311" y="3621646"/>
-            <a:ext cx="1992179" cy="215444"/>
-          </a:xfrm>
-          <a:prstGeom prst="rect">
-            <a:avLst/>
-          </a:prstGeom>
-          <a:noFill/>
-        </p:spPr>
-        <p:txBody>
-          <a:bodyPr wrap="square" rtlCol="0">
-            <a:spAutoFit/>
-          </a:bodyPr>
-          <a:lstStyle/>
-          <a:p>
-            <a:pPr algn="ctr"/>
-            <a:r>
-              <a:rPr lang="en-GB" sz="800" dirty="0"/>
-              <a:t>Area under the ROC</a:t>
-            </a:r>
-          </a:p>
-        </p:txBody>
-      </p:sp>
-      <p:sp>
-        <p:nvSpPr>
-          <p:cNvPr id="74" name="TextBox 73">
-            <a:extLst>
-              <a:ext uri="{FF2B5EF4-FFF2-40B4-BE49-F238E27FC236}">
-                <a16:creationId xmlns:a16="http://schemas.microsoft.com/office/drawing/2014/main" id="{731D2FA9-E557-41FD-8400-9864995A64F0}"/>
-              </a:ext>
-            </a:extLst>
-          </p:cNvPr>
-          <p:cNvSpPr txBox="1"/>
-          <p:nvPr/>
-        </p:nvSpPr>
-        <p:spPr>
-          <a:xfrm rot="16200000">
-            <a:off x="-794311" y="1338946"/>
-            <a:ext cx="1992177" cy="215444"/>
-          </a:xfrm>
-          <a:prstGeom prst="rect">
-            <a:avLst/>
-          </a:prstGeom>
-          <a:noFill/>
-        </p:spPr>
-        <p:txBody>
-          <a:bodyPr wrap="square" rtlCol="0">
-            <a:spAutoFit/>
-          </a:bodyPr>
-          <a:lstStyle/>
-          <a:p>
-            <a:pPr algn="ctr"/>
-            <a:r>
-              <a:rPr lang="en-GB" sz="800" dirty="0"/>
-              <a:t>Area under the ROC</a:t>
-            </a:r>
-          </a:p>
-        </p:txBody>
-      </p:sp>
-    </p:spTree>
-    <p:extLst>
-      <p:ext uri="{BB962C8B-B14F-4D97-AF65-F5344CB8AC3E}">
-        <p14:creationId xmlns:p14="http://schemas.microsoft.com/office/powerpoint/2010/main" val="1489261767"/>
-      </p:ext>
-    </p:extLst>
-  </p:cSld>
-  <p:clrMapOvr>
-    <a:masterClrMapping/>
-  </p:clrMapOvr>
-</p:sld>
-</file>
-
-<file path=ppt/slides/slide2.xml><?xml version="1.0" encoding="utf-8"?>
-<p:sld xmlns:a="http://schemas.openxmlformats.org/drawingml/2006/main" xmlns:r="http://schemas.openxmlformats.org/officeDocument/2006/relationships" xmlns:p="http://schemas.openxmlformats.org/presentationml/2006/main">
-  <p:cSld>
-    <p:spTree>
-      <p:nvGrpSpPr>
-        <p:cNvPr id="1" name=""/>
-        <p:cNvGrpSpPr/>
-        <p:nvPr/>
-      </p:nvGrpSpPr>
-      <p:grpSpPr>
-        <a:xfrm>
-          <a:off x="0" y="0"/>
-          <a:ext cx="0" cy="0"/>
-          <a:chOff x="0" y="0"/>
-          <a:chExt cx="0" cy="0"/>
-        </a:xfrm>
-      </p:grpSpPr>
-      <p:pic>
-        <p:nvPicPr>
-          <p:cNvPr id="55" name="Picture 54" descr="Chart&#10;&#10;Description automatically generated">
-            <a:extLst>
-              <a:ext uri="{FF2B5EF4-FFF2-40B4-BE49-F238E27FC236}">
-                <a16:creationId xmlns:a16="http://schemas.microsoft.com/office/drawing/2014/main" id="{249B8000-1A10-4146-8DE7-F408D67A99D2}"/>
-              </a:ext>
-            </a:extLst>
-          </p:cNvPr>
-          <p:cNvPicPr>
-            <a:picLocks noChangeAspect="1"/>
-          </p:cNvPicPr>
-          <p:nvPr/>
-        </p:nvPicPr>
-        <p:blipFill rotWithShape="1">
-          <a:blip r:embed="rId2">
-            <a:extLst>
-              <a:ext uri="{28A0092B-C50C-407E-A947-70E740481C1C}">
-                <a14:useLocalDpi xmlns:a14="http://schemas.microsoft.com/office/drawing/2010/main" val="0"/>
-              </a:ext>
-            </a:extLst>
-          </a:blip>
-          <a:srcRect l="6006" t="4644" r="8119"/>
-          <a:stretch/>
-        </p:blipFill>
-        <p:spPr>
           <a:xfrm>
-            <a:off x="3139700" y="2798797"/>
-            <a:ext cx="2880000" cy="2397531"/>
-          </a:xfrm>
-          <a:prstGeom prst="rect">
-            <a:avLst/>
-          </a:prstGeom>
-        </p:spPr>
-      </p:pic>
-      <p:pic>
-        <p:nvPicPr>
-          <p:cNvPr id="58" name="Picture 57" descr="Chart&#10;&#10;Description automatically generated">
-            <a:extLst>
-              <a:ext uri="{FF2B5EF4-FFF2-40B4-BE49-F238E27FC236}">
-                <a16:creationId xmlns:a16="http://schemas.microsoft.com/office/drawing/2014/main" id="{6BDD4B2C-0287-4AB0-9F5C-4E24A08845F8}"/>
-              </a:ext>
-            </a:extLst>
-          </p:cNvPr>
-          <p:cNvPicPr>
-            <a:picLocks noChangeAspect="1"/>
-          </p:cNvPicPr>
-          <p:nvPr/>
-        </p:nvPicPr>
-        <p:blipFill rotWithShape="1">
-          <a:blip r:embed="rId3">
-            <a:extLst>
-              <a:ext uri="{28A0092B-C50C-407E-A947-70E740481C1C}">
-                <a14:useLocalDpi xmlns:a14="http://schemas.microsoft.com/office/drawing/2010/main" val="0"/>
-              </a:ext>
-            </a:extLst>
-          </a:blip>
-          <a:srcRect l="6006" t="4644" r="8119"/>
-          <a:stretch/>
-        </p:blipFill>
-        <p:spPr>
-          <a:xfrm>
-            <a:off x="188405" y="2798797"/>
-            <a:ext cx="2880000" cy="2397531"/>
-          </a:xfrm>
-          <a:prstGeom prst="rect">
-            <a:avLst/>
-          </a:prstGeom>
-        </p:spPr>
-      </p:pic>
-      <p:sp>
-        <p:nvSpPr>
-          <p:cNvPr id="59" name="TextBox 58">
-            <a:extLst>
-              <a:ext uri="{FF2B5EF4-FFF2-40B4-BE49-F238E27FC236}">
-                <a16:creationId xmlns:a16="http://schemas.microsoft.com/office/drawing/2014/main" id="{EDB8C1D3-804C-4636-B781-F3F8431A369B}"/>
-              </a:ext>
-            </a:extLst>
-          </p:cNvPr>
-          <p:cNvSpPr txBox="1"/>
-          <p:nvPr/>
-        </p:nvSpPr>
-        <p:spPr>
-          <a:xfrm>
-            <a:off x="3369216" y="5175973"/>
-            <a:ext cx="2650484" cy="215444"/>
-          </a:xfrm>
-          <a:prstGeom prst="rect">
-            <a:avLst/>
-          </a:prstGeom>
-          <a:noFill/>
-        </p:spPr>
-        <p:txBody>
-          <a:bodyPr wrap="square" rtlCol="0">
-            <a:spAutoFit/>
-          </a:bodyPr>
-          <a:lstStyle/>
-          <a:p>
-            <a:pPr algn="ctr"/>
-            <a:r>
-              <a:rPr lang="en-GB" sz="800" dirty="0"/>
-              <a:t>Steps at the end of 12-h accumulation periods</a:t>
-            </a:r>
-          </a:p>
-        </p:txBody>
-      </p:sp>
-      <p:pic>
-        <p:nvPicPr>
-          <p:cNvPr id="61" name="Picture 60" descr="Chart&#10;&#10;Description automatically generated">
-            <a:extLst>
-              <a:ext uri="{FF2B5EF4-FFF2-40B4-BE49-F238E27FC236}">
-                <a16:creationId xmlns:a16="http://schemas.microsoft.com/office/drawing/2014/main" id="{15681698-39BD-4815-B989-535604F83C98}"/>
-              </a:ext>
-            </a:extLst>
-          </p:cNvPr>
-          <p:cNvPicPr>
-            <a:picLocks noChangeAspect="1"/>
-          </p:cNvPicPr>
-          <p:nvPr/>
-        </p:nvPicPr>
-        <p:blipFill rotWithShape="1">
-          <a:blip r:embed="rId4">
-            <a:extLst>
-              <a:ext uri="{28A0092B-C50C-407E-A947-70E740481C1C}">
-                <a14:useLocalDpi xmlns:a14="http://schemas.microsoft.com/office/drawing/2010/main" val="0"/>
-              </a:ext>
-            </a:extLst>
-          </a:blip>
-          <a:srcRect l="6006" t="4644" r="8119"/>
-          <a:stretch/>
-        </p:blipFill>
-        <p:spPr>
-          <a:xfrm>
-            <a:off x="3139700" y="361040"/>
-            <a:ext cx="2880000" cy="2397531"/>
-          </a:xfrm>
-          <a:prstGeom prst="rect">
-            <a:avLst/>
-          </a:prstGeom>
-        </p:spPr>
-      </p:pic>
-      <p:pic>
-        <p:nvPicPr>
-          <p:cNvPr id="63" name="Picture 62" descr="Chart&#10;&#10;Description automatically generated">
-            <a:extLst>
-              <a:ext uri="{FF2B5EF4-FFF2-40B4-BE49-F238E27FC236}">
-                <a16:creationId xmlns:a16="http://schemas.microsoft.com/office/drawing/2014/main" id="{4DD3E83D-337D-4121-B885-C1D11F89E5B1}"/>
-              </a:ext>
-            </a:extLst>
-          </p:cNvPr>
-          <p:cNvPicPr>
-            <a:picLocks noChangeAspect="1"/>
-          </p:cNvPicPr>
-          <p:nvPr/>
-        </p:nvPicPr>
-        <p:blipFill rotWithShape="1">
-          <a:blip r:embed="rId5">
-            <a:extLst>
-              <a:ext uri="{28A0092B-C50C-407E-A947-70E740481C1C}">
-                <a14:useLocalDpi xmlns:a14="http://schemas.microsoft.com/office/drawing/2010/main" val="0"/>
-              </a:ext>
-            </a:extLst>
-          </a:blip>
-          <a:srcRect l="6006" t="4645" r="8118" b="-1"/>
-          <a:stretch/>
-        </p:blipFill>
-        <p:spPr>
-          <a:xfrm>
-            <a:off x="188405" y="361040"/>
-            <a:ext cx="2880000" cy="2397531"/>
-          </a:xfrm>
-          <a:prstGeom prst="rect">
-            <a:avLst/>
-          </a:prstGeom>
-        </p:spPr>
-      </p:pic>
-      <p:sp>
-        <p:nvSpPr>
-          <p:cNvPr id="65" name="TextBox 64">
-            <a:extLst>
-              <a:ext uri="{FF2B5EF4-FFF2-40B4-BE49-F238E27FC236}">
-                <a16:creationId xmlns:a16="http://schemas.microsoft.com/office/drawing/2014/main" id="{F18080BF-6CBD-40CC-BE8F-E0BB18CBE701}"/>
-              </a:ext>
-            </a:extLst>
-          </p:cNvPr>
-          <p:cNvSpPr txBox="1"/>
-          <p:nvPr/>
-        </p:nvSpPr>
-        <p:spPr>
-          <a:xfrm rot="16200000">
-            <a:off x="-13110" y="437085"/>
-            <a:ext cx="2099402" cy="2016000"/>
-          </a:xfrm>
-          <a:prstGeom prst="rect">
-            <a:avLst/>
-          </a:prstGeom>
-          <a:noFill/>
-        </p:spPr>
-        <p:txBody>
-          <a:bodyPr wrap="square" rtlCol="0">
-            <a:spAutoFit/>
-          </a:bodyPr>
-          <a:lstStyle/>
-          <a:p>
-            <a:pPr algn="ctr"/>
-            <a:r>
-              <a:rPr lang="en-GB" sz="800" dirty="0"/>
-              <a:t>Area under the ROC</a:t>
-            </a:r>
-          </a:p>
-        </p:txBody>
-      </p:sp>
-      <p:sp>
-        <p:nvSpPr>
-          <p:cNvPr id="67" name="TextBox 66">
-            <a:extLst>
-              <a:ext uri="{FF2B5EF4-FFF2-40B4-BE49-F238E27FC236}">
-                <a16:creationId xmlns:a16="http://schemas.microsoft.com/office/drawing/2014/main" id="{589ABFA2-7EBB-4EB0-AA6D-EF1322D81885}"/>
-              </a:ext>
-            </a:extLst>
-          </p:cNvPr>
-          <p:cNvSpPr txBox="1"/>
-          <p:nvPr/>
-        </p:nvSpPr>
-        <p:spPr>
-          <a:xfrm>
-            <a:off x="401383" y="204358"/>
-            <a:ext cx="2667021" cy="246221"/>
-          </a:xfrm>
-          <a:prstGeom prst="rect">
-            <a:avLst/>
-          </a:prstGeom>
-          <a:noFill/>
-        </p:spPr>
-        <p:txBody>
-          <a:bodyPr wrap="square" rtlCol="0">
-            <a:spAutoFit/>
-          </a:bodyPr>
-          <a:lstStyle/>
-          <a:p>
-            <a:pPr algn="ctr"/>
-            <a:r>
-              <a:rPr lang="en-GB" sz="1000" dirty="0"/>
-              <a:t>“La Costa”</a:t>
-            </a:r>
-          </a:p>
-        </p:txBody>
-      </p:sp>
-      <p:sp>
-        <p:nvSpPr>
-          <p:cNvPr id="69" name="TextBox 68">
-            <a:extLst>
-              <a:ext uri="{FF2B5EF4-FFF2-40B4-BE49-F238E27FC236}">
-                <a16:creationId xmlns:a16="http://schemas.microsoft.com/office/drawing/2014/main" id="{B2688E76-5FD0-4F52-A97A-E43BF1D1D85D}"/>
-              </a:ext>
-            </a:extLst>
-          </p:cNvPr>
-          <p:cNvSpPr txBox="1"/>
-          <p:nvPr/>
-        </p:nvSpPr>
-        <p:spPr>
-          <a:xfrm>
-            <a:off x="3369216" y="204358"/>
-            <a:ext cx="2650484" cy="246221"/>
-          </a:xfrm>
-          <a:prstGeom prst="rect">
-            <a:avLst/>
-          </a:prstGeom>
-          <a:noFill/>
-        </p:spPr>
-        <p:txBody>
-          <a:bodyPr wrap="square" rtlCol="0">
-            <a:spAutoFit/>
-          </a:bodyPr>
-          <a:lstStyle/>
-          <a:p>
-            <a:pPr algn="ctr"/>
-            <a:r>
-              <a:rPr lang="en-GB" sz="1000" dirty="0"/>
-              <a:t>“La Sierra”</a:t>
-            </a:r>
-          </a:p>
-        </p:txBody>
-      </p:sp>
-      <p:sp>
-        <p:nvSpPr>
-          <p:cNvPr id="80" name="TextBox 79">
-            <a:extLst>
-              <a:ext uri="{FF2B5EF4-FFF2-40B4-BE49-F238E27FC236}">
-                <a16:creationId xmlns:a16="http://schemas.microsoft.com/office/drawing/2014/main" id="{F2BAF33B-DE08-4DD0-B840-EEA28E79E85B}"/>
-              </a:ext>
-            </a:extLst>
-          </p:cNvPr>
-          <p:cNvSpPr txBox="1"/>
-          <p:nvPr/>
-        </p:nvSpPr>
-        <p:spPr>
-          <a:xfrm>
-            <a:off x="4750894" y="490985"/>
-            <a:ext cx="1152000" cy="338554"/>
+            <a:off x="4809555" y="530677"/>
+            <a:ext cx="1152000" cy="215444"/>
           </a:xfrm>
           <a:prstGeom prst="rect">
             <a:avLst/>
@@ -4633,118 +4370,17 @@
             <a:pPr algn="ctr"/>
             <a:r>
               <a:rPr lang="en-GB" sz="800" dirty="0"/>
-              <a:t>85</a:t>
-            </a:r>
-            <a:r>
-              <a:rPr lang="en-GB" sz="800" baseline="30000" dirty="0"/>
-              <a:t>th</a:t>
-            </a:r>
-            <a:r>
-              <a:rPr lang="en-GB" sz="800" dirty="0"/>
-              <a:t> percentile</a:t>
-            </a:r>
-          </a:p>
-          <a:p>
-            <a:pPr algn="ctr"/>
-            <a:r>
-              <a:rPr lang="en-GB" sz="800" dirty="0"/>
-              <a:t>(tp &gt;= 6.112 mm/12h)</a:t>
-            </a:r>
-          </a:p>
-        </p:txBody>
-      </p:sp>
-      <p:cxnSp>
-        <p:nvCxnSpPr>
-          <p:cNvPr id="81" name="Straight Connector 80">
+              <a:t>tp &gt;= 6.112 mm/12h</a:t>
+            </a:r>
+          </a:p>
+        </p:txBody>
+      </p:sp>
+      <p:sp>
+        <p:nvSpPr>
+          <p:cNvPr id="25" name="TextBox 24">
             <a:extLst>
               <a:ext uri="{FF2B5EF4-FFF2-40B4-BE49-F238E27FC236}">
-                <a16:creationId xmlns:a16="http://schemas.microsoft.com/office/drawing/2014/main" id="{377C66FD-529A-4A29-AA0C-66E0F4A85000}"/>
-              </a:ext>
-            </a:extLst>
-          </p:cNvPr>
-          <p:cNvCxnSpPr>
-            <a:cxnSpLocks/>
-          </p:cNvCxnSpPr>
-          <p:nvPr/>
-        </p:nvCxnSpPr>
-        <p:spPr>
-          <a:xfrm>
-            <a:off x="3291920" y="228596"/>
-            <a:ext cx="540000" cy="0"/>
-          </a:xfrm>
-          <a:prstGeom prst="line">
-            <a:avLst/>
-          </a:prstGeom>
-          <a:ln w="38100">
-            <a:solidFill>
-              <a:srgbClr val="0000FF"/>
-            </a:solidFill>
-          </a:ln>
-        </p:spPr>
-        <p:style>
-          <a:lnRef idx="1">
-            <a:schemeClr val="accent1"/>
-          </a:lnRef>
-          <a:fillRef idx="0">
-            <a:schemeClr val="accent1"/>
-          </a:fillRef>
-          <a:effectRef idx="0">
-            <a:schemeClr val="accent1"/>
-          </a:effectRef>
-          <a:fontRef idx="minor">
-            <a:schemeClr val="tx1"/>
-          </a:fontRef>
-        </p:style>
-      </p:cxnSp>
-      <p:cxnSp>
-        <p:nvCxnSpPr>
-          <p:cNvPr id="82" name="Straight Connector 81">
-            <a:extLst>
-              <a:ext uri="{FF2B5EF4-FFF2-40B4-BE49-F238E27FC236}">
-                <a16:creationId xmlns:a16="http://schemas.microsoft.com/office/drawing/2014/main" id="{090D61E3-A960-46E0-A7D3-BA34DFF9F090}"/>
-              </a:ext>
-            </a:extLst>
-          </p:cNvPr>
-          <p:cNvCxnSpPr>
-            <a:cxnSpLocks/>
-          </p:cNvCxnSpPr>
-          <p:nvPr/>
-        </p:nvCxnSpPr>
-        <p:spPr>
-          <a:xfrm>
-            <a:off x="2546673" y="228596"/>
-            <a:ext cx="540000" cy="0"/>
-          </a:xfrm>
-          <a:prstGeom prst="line">
-            <a:avLst/>
-          </a:prstGeom>
-          <a:ln w="38100">
-            <a:solidFill>
-              <a:srgbClr val="FF0000"/>
-            </a:solidFill>
-          </a:ln>
-        </p:spPr>
-        <p:style>
-          <a:lnRef idx="1">
-            <a:schemeClr val="accent1"/>
-          </a:lnRef>
-          <a:fillRef idx="0">
-            <a:schemeClr val="accent1"/>
-          </a:fillRef>
-          <a:effectRef idx="0">
-            <a:schemeClr val="accent1"/>
-          </a:effectRef>
-          <a:fontRef idx="minor">
-            <a:schemeClr val="tx1"/>
-          </a:fontRef>
-        </p:style>
-      </p:cxnSp>
-      <p:sp>
-        <p:nvSpPr>
-          <p:cNvPr id="83" name="TextBox 82">
-            <a:extLst>
-              <a:ext uri="{FF2B5EF4-FFF2-40B4-BE49-F238E27FC236}">
-                <a16:creationId xmlns:a16="http://schemas.microsoft.com/office/drawing/2014/main" id="{E87050D7-461D-4FA8-AAAA-B2927D17BF36}"/>
+                <a16:creationId xmlns:a16="http://schemas.microsoft.com/office/drawing/2014/main" id="{989CC310-3A85-4936-8D93-1EDBE70B42CA}"/>
               </a:ext>
             </a:extLst>
           </p:cNvPr>
@@ -4753,116 +4389,8 @@
         </p:nvSpPr>
         <p:spPr>
           <a:xfrm>
-            <a:off x="2578125" y="-17770"/>
-            <a:ext cx="477097" cy="246366"/>
-          </a:xfrm>
-          <a:prstGeom prst="rect">
-            <a:avLst/>
-          </a:prstGeom>
-          <a:noFill/>
-        </p:spPr>
-        <p:txBody>
-          <a:bodyPr wrap="square" rtlCol="0">
-            <a:spAutoFit/>
-          </a:bodyPr>
-          <a:lstStyle/>
-          <a:p>
-            <a:pPr algn="ctr"/>
-            <a:r>
-              <a:rPr lang="en-GB" sz="1000" dirty="0"/>
-              <a:t>ENS</a:t>
-            </a:r>
-          </a:p>
-        </p:txBody>
-      </p:sp>
-      <p:sp>
-        <p:nvSpPr>
-          <p:cNvPr id="84" name="TextBox 83">
-            <a:extLst>
-              <a:ext uri="{FF2B5EF4-FFF2-40B4-BE49-F238E27FC236}">
-                <a16:creationId xmlns:a16="http://schemas.microsoft.com/office/drawing/2014/main" id="{DCA229DB-8991-4C74-A0F1-F0C1F1931148}"/>
-              </a:ext>
-            </a:extLst>
-          </p:cNvPr>
-          <p:cNvSpPr txBox="1"/>
-          <p:nvPr/>
-        </p:nvSpPr>
-        <p:spPr>
-          <a:xfrm>
-            <a:off x="3233380" y="-17770"/>
-            <a:ext cx="657080" cy="246221"/>
-          </a:xfrm>
-          <a:prstGeom prst="rect">
-            <a:avLst/>
-          </a:prstGeom>
-          <a:noFill/>
-        </p:spPr>
-        <p:txBody>
-          <a:bodyPr wrap="square" rtlCol="0">
-            <a:spAutoFit/>
-          </a:bodyPr>
-          <a:lstStyle/>
-          <a:p>
-            <a:pPr algn="ctr"/>
-            <a:r>
-              <a:rPr lang="en-GB" sz="1000" dirty="0"/>
-              <a:t>ecPoint</a:t>
-            </a:r>
-          </a:p>
-        </p:txBody>
-      </p:sp>
-      <p:sp>
-        <p:nvSpPr>
-          <p:cNvPr id="85" name="TextBox 84">
-            <a:extLst>
-              <a:ext uri="{FF2B5EF4-FFF2-40B4-BE49-F238E27FC236}">
-                <a16:creationId xmlns:a16="http://schemas.microsoft.com/office/drawing/2014/main" id="{0249158A-4189-483C-8D72-5DD69FC3D3B2}"/>
-              </a:ext>
-            </a:extLst>
-          </p:cNvPr>
-          <p:cNvSpPr txBox="1"/>
-          <p:nvPr/>
-        </p:nvSpPr>
-        <p:spPr>
-          <a:xfrm rot="16200000">
-            <a:off x="-913387" y="3740776"/>
-            <a:ext cx="2099402" cy="215444"/>
-          </a:xfrm>
-          <a:prstGeom prst="rect">
-            <a:avLst/>
-          </a:prstGeom>
-          <a:noFill/>
-        </p:spPr>
-        <p:txBody>
-          <a:bodyPr wrap="square" rtlCol="0">
-            <a:spAutoFit/>
-          </a:bodyPr>
-          <a:lstStyle/>
-          <a:p>
-            <a:pPr algn="ctr"/>
-            <a:r>
-              <a:rPr lang="en-GB" sz="800" dirty="0"/>
-              <a:t>Area under the ROC</a:t>
-            </a:r>
-          </a:p>
-        </p:txBody>
-      </p:sp>
-      <p:sp>
-        <p:nvSpPr>
-          <p:cNvPr id="86" name="TextBox 85">
-            <a:extLst>
-              <a:ext uri="{FF2B5EF4-FFF2-40B4-BE49-F238E27FC236}">
-                <a16:creationId xmlns:a16="http://schemas.microsoft.com/office/drawing/2014/main" id="{9E48FFDA-5009-456E-AB67-6011D65FD542}"/>
-              </a:ext>
-            </a:extLst>
-          </p:cNvPr>
-          <p:cNvSpPr txBox="1"/>
-          <p:nvPr/>
-        </p:nvSpPr>
-        <p:spPr>
-          <a:xfrm>
-            <a:off x="1795630" y="4487547"/>
-            <a:ext cx="1152000" cy="338554"/>
+            <a:off x="1954500" y="4486559"/>
+            <a:ext cx="1152000" cy="215444"/>
           </a:xfrm>
           <a:prstGeom prst="rect">
             <a:avLst/>
@@ -4885,32 +4413,17 @@
             <a:pPr algn="ctr"/>
             <a:r>
               <a:rPr lang="en-GB" sz="800" dirty="0"/>
-              <a:t>99</a:t>
-            </a:r>
-            <a:r>
-              <a:rPr lang="en-GB" sz="800" baseline="30000" dirty="0"/>
-              <a:t>th</a:t>
-            </a:r>
-            <a:r>
-              <a:rPr lang="en-GB" sz="800" dirty="0"/>
-              <a:t> percentile</a:t>
-            </a:r>
-          </a:p>
-          <a:p>
-            <a:pPr algn="ctr"/>
-            <a:r>
-              <a:rPr lang="en-GB" sz="800" dirty="0"/>
-              <a:t>(tp &gt;= 46.786 mm/12h)</a:t>
-            </a:r>
-          </a:p>
-        </p:txBody>
-      </p:sp>
-      <p:sp>
-        <p:nvSpPr>
-          <p:cNvPr id="87" name="TextBox 86">
+              <a:t>tp &gt;= 46.786 mm/12h</a:t>
+            </a:r>
+          </a:p>
+        </p:txBody>
+      </p:sp>
+      <p:sp>
+        <p:nvSpPr>
+          <p:cNvPr id="26" name="TextBox 25">
             <a:extLst>
               <a:ext uri="{FF2B5EF4-FFF2-40B4-BE49-F238E27FC236}">
-                <a16:creationId xmlns:a16="http://schemas.microsoft.com/office/drawing/2014/main" id="{AA154F77-0799-4142-A090-A67AAC423B5D}"/>
+                <a16:creationId xmlns:a16="http://schemas.microsoft.com/office/drawing/2014/main" id="{3A5A59EC-905F-4773-9E33-4910A6BDE60B}"/>
               </a:ext>
             </a:extLst>
           </p:cNvPr>
@@ -4919,8 +4432,8 @@
         </p:nvSpPr>
         <p:spPr>
           <a:xfrm>
-            <a:off x="4750894" y="2940397"/>
-            <a:ext cx="1152000" cy="338554"/>
+            <a:off x="4809555" y="2829033"/>
+            <a:ext cx="1152000" cy="215444"/>
           </a:xfrm>
           <a:prstGeom prst="rect">
             <a:avLst/>
@@ -4943,32 +4456,17 @@
             <a:pPr algn="ctr"/>
             <a:r>
               <a:rPr lang="en-GB" sz="800" dirty="0"/>
-              <a:t>99</a:t>
-            </a:r>
-            <a:r>
-              <a:rPr lang="en-GB" sz="800" baseline="30000" dirty="0"/>
-              <a:t>th</a:t>
-            </a:r>
-            <a:r>
-              <a:rPr lang="en-GB" sz="800" dirty="0"/>
-              <a:t> percentile</a:t>
-            </a:r>
-          </a:p>
-          <a:p>
-            <a:pPr algn="ctr"/>
-            <a:r>
-              <a:rPr lang="en-GB" sz="800" dirty="0"/>
-              <a:t>(tp &gt;= 27.501 mm/12h)</a:t>
-            </a:r>
-          </a:p>
-        </p:txBody>
-      </p:sp>
-      <p:sp>
-        <p:nvSpPr>
-          <p:cNvPr id="89" name="TextBox 88">
+              <a:t>tp &gt;= 27.501 mm/12h</a:t>
+            </a:r>
+          </a:p>
+        </p:txBody>
+      </p:sp>
+      <p:sp>
+        <p:nvSpPr>
+          <p:cNvPr id="27" name="TextBox 26">
             <a:extLst>
               <a:ext uri="{FF2B5EF4-FFF2-40B4-BE49-F238E27FC236}">
-                <a16:creationId xmlns:a16="http://schemas.microsoft.com/office/drawing/2014/main" id="{B39140BE-A13C-4AE0-A6FD-6EE6FEB5AC74}"/>
+                <a16:creationId xmlns:a16="http://schemas.microsoft.com/office/drawing/2014/main" id="{A26337D8-0FE5-4D9B-99EE-E080A3C756BA}"/>
               </a:ext>
             </a:extLst>
           </p:cNvPr>
@@ -4977,2033 +4475,8 @@
         </p:nvSpPr>
         <p:spPr>
           <a:xfrm>
-            <a:off x="489216" y="5170760"/>
-            <a:ext cx="2650484" cy="215444"/>
-          </a:xfrm>
-          <a:prstGeom prst="rect">
-            <a:avLst/>
-          </a:prstGeom>
-          <a:noFill/>
-        </p:spPr>
-        <p:txBody>
-          <a:bodyPr wrap="square" rtlCol="0">
-            <a:spAutoFit/>
-          </a:bodyPr>
-          <a:lstStyle/>
-          <a:p>
-            <a:pPr algn="ctr"/>
-            <a:r>
-              <a:rPr lang="en-GB" sz="800" dirty="0"/>
-              <a:t>Steps at the end of 12-h accumulation periods</a:t>
-            </a:r>
-          </a:p>
-        </p:txBody>
-      </p:sp>
-      <p:cxnSp>
-        <p:nvCxnSpPr>
-          <p:cNvPr id="90" name="Straight Connector 89">
-            <a:extLst>
-              <a:ext uri="{FF2B5EF4-FFF2-40B4-BE49-F238E27FC236}">
-                <a16:creationId xmlns:a16="http://schemas.microsoft.com/office/drawing/2014/main" id="{345F1F1F-24FA-4369-9630-5A3B8D20A985}"/>
-              </a:ext>
-            </a:extLst>
-          </p:cNvPr>
-          <p:cNvCxnSpPr>
-            <a:cxnSpLocks/>
-          </p:cNvCxnSpPr>
-          <p:nvPr/>
-        </p:nvCxnSpPr>
-        <p:spPr>
-          <a:xfrm flipV="1">
-            <a:off x="490754" y="431231"/>
-            <a:ext cx="0" cy="2016000"/>
-          </a:xfrm>
-          <a:prstGeom prst="line">
-            <a:avLst/>
-          </a:prstGeom>
-          <a:ln w="3175">
-            <a:solidFill>
-              <a:schemeClr val="bg1">
-                <a:lumMod val="85000"/>
-              </a:schemeClr>
-            </a:solidFill>
-          </a:ln>
-        </p:spPr>
-        <p:style>
-          <a:lnRef idx="1">
-            <a:schemeClr val="accent1"/>
-          </a:lnRef>
-          <a:fillRef idx="0">
-            <a:schemeClr val="accent1"/>
-          </a:fillRef>
-          <a:effectRef idx="0">
-            <a:schemeClr val="accent1"/>
-          </a:effectRef>
-          <a:fontRef idx="minor">
-            <a:schemeClr val="tx1"/>
-          </a:fontRef>
-        </p:style>
-      </p:cxnSp>
-      <p:cxnSp>
-        <p:nvCxnSpPr>
-          <p:cNvPr id="91" name="Straight Connector 90">
-            <a:extLst>
-              <a:ext uri="{FF2B5EF4-FFF2-40B4-BE49-F238E27FC236}">
-                <a16:creationId xmlns:a16="http://schemas.microsoft.com/office/drawing/2014/main" id="{52DA2BFD-9BF9-4C18-8459-5FED50E88395}"/>
-              </a:ext>
-            </a:extLst>
-          </p:cNvPr>
-          <p:cNvCxnSpPr>
-            <a:cxnSpLocks/>
-          </p:cNvCxnSpPr>
-          <p:nvPr/>
-        </p:nvCxnSpPr>
-        <p:spPr>
-          <a:xfrm flipV="1">
-            <a:off x="554537" y="431231"/>
-            <a:ext cx="0" cy="2016000"/>
-          </a:xfrm>
-          <a:prstGeom prst="line">
-            <a:avLst/>
-          </a:prstGeom>
-          <a:ln w="3175">
-            <a:solidFill>
-              <a:schemeClr val="bg1">
-                <a:lumMod val="85000"/>
-              </a:schemeClr>
-            </a:solidFill>
-          </a:ln>
-        </p:spPr>
-        <p:style>
-          <a:lnRef idx="1">
-            <a:schemeClr val="accent1"/>
-          </a:lnRef>
-          <a:fillRef idx="0">
-            <a:schemeClr val="accent1"/>
-          </a:fillRef>
-          <a:effectRef idx="0">
-            <a:schemeClr val="accent1"/>
-          </a:effectRef>
-          <a:fontRef idx="minor">
-            <a:schemeClr val="tx1"/>
-          </a:fontRef>
-        </p:style>
-      </p:cxnSp>
-      <p:cxnSp>
-        <p:nvCxnSpPr>
-          <p:cNvPr id="92" name="Straight Connector 91">
-            <a:extLst>
-              <a:ext uri="{FF2B5EF4-FFF2-40B4-BE49-F238E27FC236}">
-                <a16:creationId xmlns:a16="http://schemas.microsoft.com/office/drawing/2014/main" id="{A3E60E95-8A56-4184-B513-1C0DF77ED817}"/>
-              </a:ext>
-            </a:extLst>
-          </p:cNvPr>
-          <p:cNvCxnSpPr>
-            <a:cxnSpLocks/>
-          </p:cNvCxnSpPr>
-          <p:nvPr/>
-        </p:nvCxnSpPr>
-        <p:spPr>
-          <a:xfrm flipV="1">
-            <a:off x="820685" y="431231"/>
-            <a:ext cx="0" cy="2016000"/>
-          </a:xfrm>
-          <a:prstGeom prst="line">
-            <a:avLst/>
-          </a:prstGeom>
-          <a:ln w="3175">
-            <a:solidFill>
-              <a:schemeClr val="bg1">
-                <a:lumMod val="85000"/>
-              </a:schemeClr>
-            </a:solidFill>
-          </a:ln>
-        </p:spPr>
-        <p:style>
-          <a:lnRef idx="1">
-            <a:schemeClr val="accent1"/>
-          </a:lnRef>
-          <a:fillRef idx="0">
-            <a:schemeClr val="accent1"/>
-          </a:fillRef>
-          <a:effectRef idx="0">
-            <a:schemeClr val="accent1"/>
-          </a:effectRef>
-          <a:fontRef idx="minor">
-            <a:schemeClr val="tx1"/>
-          </a:fontRef>
-        </p:style>
-      </p:cxnSp>
-      <p:cxnSp>
-        <p:nvCxnSpPr>
-          <p:cNvPr id="93" name="Straight Connector 92">
-            <a:extLst>
-              <a:ext uri="{FF2B5EF4-FFF2-40B4-BE49-F238E27FC236}">
-                <a16:creationId xmlns:a16="http://schemas.microsoft.com/office/drawing/2014/main" id="{E0F7B734-A084-40C4-A161-F2293A25C0C6}"/>
-              </a:ext>
-            </a:extLst>
-          </p:cNvPr>
-          <p:cNvCxnSpPr>
-            <a:cxnSpLocks/>
-          </p:cNvCxnSpPr>
-          <p:nvPr/>
-        </p:nvCxnSpPr>
-        <p:spPr>
-          <a:xfrm flipV="1">
-            <a:off x="1089587" y="431231"/>
-            <a:ext cx="0" cy="2016000"/>
-          </a:xfrm>
-          <a:prstGeom prst="line">
-            <a:avLst/>
-          </a:prstGeom>
-          <a:ln w="3175">
-            <a:solidFill>
-              <a:schemeClr val="bg1">
-                <a:lumMod val="85000"/>
-              </a:schemeClr>
-            </a:solidFill>
-          </a:ln>
-        </p:spPr>
-        <p:style>
-          <a:lnRef idx="1">
-            <a:schemeClr val="accent1"/>
-          </a:lnRef>
-          <a:fillRef idx="0">
-            <a:schemeClr val="accent1"/>
-          </a:fillRef>
-          <a:effectRef idx="0">
-            <a:schemeClr val="accent1"/>
-          </a:effectRef>
-          <a:fontRef idx="minor">
-            <a:schemeClr val="tx1"/>
-          </a:fontRef>
-        </p:style>
-      </p:cxnSp>
-      <p:cxnSp>
-        <p:nvCxnSpPr>
-          <p:cNvPr id="94" name="Straight Connector 93">
-            <a:extLst>
-              <a:ext uri="{FF2B5EF4-FFF2-40B4-BE49-F238E27FC236}">
-                <a16:creationId xmlns:a16="http://schemas.microsoft.com/office/drawing/2014/main" id="{FD4C843F-CBA6-4B85-8F30-AC99A328A9AD}"/>
-              </a:ext>
-            </a:extLst>
-          </p:cNvPr>
-          <p:cNvCxnSpPr>
-            <a:cxnSpLocks/>
-          </p:cNvCxnSpPr>
-          <p:nvPr/>
-        </p:nvCxnSpPr>
-        <p:spPr>
-          <a:xfrm flipV="1">
-            <a:off x="1355735" y="431231"/>
-            <a:ext cx="0" cy="2016000"/>
-          </a:xfrm>
-          <a:prstGeom prst="line">
-            <a:avLst/>
-          </a:prstGeom>
-          <a:ln w="3175">
-            <a:solidFill>
-              <a:schemeClr val="bg1">
-                <a:lumMod val="85000"/>
-              </a:schemeClr>
-            </a:solidFill>
-          </a:ln>
-        </p:spPr>
-        <p:style>
-          <a:lnRef idx="1">
-            <a:schemeClr val="accent1"/>
-          </a:lnRef>
-          <a:fillRef idx="0">
-            <a:schemeClr val="accent1"/>
-          </a:fillRef>
-          <a:effectRef idx="0">
-            <a:schemeClr val="accent1"/>
-          </a:effectRef>
-          <a:fontRef idx="minor">
-            <a:schemeClr val="tx1"/>
-          </a:fontRef>
-        </p:style>
-      </p:cxnSp>
-      <p:cxnSp>
-        <p:nvCxnSpPr>
-          <p:cNvPr id="95" name="Straight Connector 94">
-            <a:extLst>
-              <a:ext uri="{FF2B5EF4-FFF2-40B4-BE49-F238E27FC236}">
-                <a16:creationId xmlns:a16="http://schemas.microsoft.com/office/drawing/2014/main" id="{7C0D8D8F-105D-4715-9519-65344A7B6C43}"/>
-              </a:ext>
-            </a:extLst>
-          </p:cNvPr>
-          <p:cNvCxnSpPr>
-            <a:cxnSpLocks/>
-          </p:cNvCxnSpPr>
-          <p:nvPr/>
-        </p:nvCxnSpPr>
-        <p:spPr>
-          <a:xfrm flipV="1">
-            <a:off x="1488809" y="431231"/>
-            <a:ext cx="0" cy="2016000"/>
-          </a:xfrm>
-          <a:prstGeom prst="line">
-            <a:avLst/>
-          </a:prstGeom>
-          <a:ln w="3175">
-            <a:solidFill>
-              <a:schemeClr val="bg1">
-                <a:lumMod val="85000"/>
-              </a:schemeClr>
-            </a:solidFill>
-          </a:ln>
-        </p:spPr>
-        <p:style>
-          <a:lnRef idx="1">
-            <a:schemeClr val="accent1"/>
-          </a:lnRef>
-          <a:fillRef idx="0">
-            <a:schemeClr val="accent1"/>
-          </a:fillRef>
-          <a:effectRef idx="0">
-            <a:schemeClr val="accent1"/>
-          </a:effectRef>
-          <a:fontRef idx="minor">
-            <a:schemeClr val="tx1"/>
-          </a:fontRef>
-        </p:style>
-      </p:cxnSp>
-      <p:cxnSp>
-        <p:nvCxnSpPr>
-          <p:cNvPr id="96" name="Straight Connector 95">
-            <a:extLst>
-              <a:ext uri="{FF2B5EF4-FFF2-40B4-BE49-F238E27FC236}">
-                <a16:creationId xmlns:a16="http://schemas.microsoft.com/office/drawing/2014/main" id="{792482D7-B865-4B40-AB03-1758A58AB4EC}"/>
-              </a:ext>
-            </a:extLst>
-          </p:cNvPr>
-          <p:cNvCxnSpPr>
-            <a:cxnSpLocks/>
-          </p:cNvCxnSpPr>
-          <p:nvPr/>
-        </p:nvCxnSpPr>
-        <p:spPr>
-          <a:xfrm flipV="1">
-            <a:off x="1621883" y="431231"/>
-            <a:ext cx="0" cy="2016000"/>
-          </a:xfrm>
-          <a:prstGeom prst="line">
-            <a:avLst/>
-          </a:prstGeom>
-          <a:ln w="3175">
-            <a:solidFill>
-              <a:schemeClr val="bg1">
-                <a:lumMod val="85000"/>
-              </a:schemeClr>
-            </a:solidFill>
-          </a:ln>
-        </p:spPr>
-        <p:style>
-          <a:lnRef idx="1">
-            <a:schemeClr val="accent1"/>
-          </a:lnRef>
-          <a:fillRef idx="0">
-            <a:schemeClr val="accent1"/>
-          </a:fillRef>
-          <a:effectRef idx="0">
-            <a:schemeClr val="accent1"/>
-          </a:effectRef>
-          <a:fontRef idx="minor">
-            <a:schemeClr val="tx1"/>
-          </a:fontRef>
-        </p:style>
-      </p:cxnSp>
-      <p:cxnSp>
-        <p:nvCxnSpPr>
-          <p:cNvPr id="97" name="Straight Connector 96">
-            <a:extLst>
-              <a:ext uri="{FF2B5EF4-FFF2-40B4-BE49-F238E27FC236}">
-                <a16:creationId xmlns:a16="http://schemas.microsoft.com/office/drawing/2014/main" id="{54845AC9-C388-4EEB-9596-1482E6E726C2}"/>
-              </a:ext>
-            </a:extLst>
-          </p:cNvPr>
-          <p:cNvCxnSpPr>
-            <a:cxnSpLocks/>
-          </p:cNvCxnSpPr>
-          <p:nvPr/>
-        </p:nvCxnSpPr>
-        <p:spPr>
-          <a:xfrm flipV="1">
-            <a:off x="1754957" y="431231"/>
-            <a:ext cx="0" cy="2016000"/>
-          </a:xfrm>
-          <a:prstGeom prst="line">
-            <a:avLst/>
-          </a:prstGeom>
-          <a:ln w="3175">
-            <a:solidFill>
-              <a:schemeClr val="bg1">
-                <a:lumMod val="85000"/>
-              </a:schemeClr>
-            </a:solidFill>
-          </a:ln>
-        </p:spPr>
-        <p:style>
-          <a:lnRef idx="1">
-            <a:schemeClr val="accent1"/>
-          </a:lnRef>
-          <a:fillRef idx="0">
-            <a:schemeClr val="accent1"/>
-          </a:fillRef>
-          <a:effectRef idx="0">
-            <a:schemeClr val="accent1"/>
-          </a:effectRef>
-          <a:fontRef idx="minor">
-            <a:schemeClr val="tx1"/>
-          </a:fontRef>
-        </p:style>
-      </p:cxnSp>
-      <p:cxnSp>
-        <p:nvCxnSpPr>
-          <p:cNvPr id="98" name="Straight Connector 97">
-            <a:extLst>
-              <a:ext uri="{FF2B5EF4-FFF2-40B4-BE49-F238E27FC236}">
-                <a16:creationId xmlns:a16="http://schemas.microsoft.com/office/drawing/2014/main" id="{DEB542EE-EDEE-47FA-8E4A-511401D672FA}"/>
-              </a:ext>
-            </a:extLst>
-          </p:cNvPr>
-          <p:cNvCxnSpPr>
-            <a:cxnSpLocks/>
-          </p:cNvCxnSpPr>
-          <p:nvPr/>
-        </p:nvCxnSpPr>
-        <p:spPr>
-          <a:xfrm flipV="1">
-            <a:off x="1888031" y="431231"/>
-            <a:ext cx="0" cy="2016000"/>
-          </a:xfrm>
-          <a:prstGeom prst="line">
-            <a:avLst/>
-          </a:prstGeom>
-          <a:ln w="3175">
-            <a:solidFill>
-              <a:schemeClr val="bg1">
-                <a:lumMod val="85000"/>
-              </a:schemeClr>
-            </a:solidFill>
-          </a:ln>
-        </p:spPr>
-        <p:style>
-          <a:lnRef idx="1">
-            <a:schemeClr val="accent1"/>
-          </a:lnRef>
-          <a:fillRef idx="0">
-            <a:schemeClr val="accent1"/>
-          </a:fillRef>
-          <a:effectRef idx="0">
-            <a:schemeClr val="accent1"/>
-          </a:effectRef>
-          <a:fontRef idx="minor">
-            <a:schemeClr val="tx1"/>
-          </a:fontRef>
-        </p:style>
-      </p:cxnSp>
-      <p:cxnSp>
-        <p:nvCxnSpPr>
-          <p:cNvPr id="99" name="Straight Connector 98">
-            <a:extLst>
-              <a:ext uri="{FF2B5EF4-FFF2-40B4-BE49-F238E27FC236}">
-                <a16:creationId xmlns:a16="http://schemas.microsoft.com/office/drawing/2014/main" id="{B174E479-DB75-4CBC-B336-7A04FB2ACFD8}"/>
-              </a:ext>
-            </a:extLst>
-          </p:cNvPr>
-          <p:cNvCxnSpPr>
-            <a:cxnSpLocks/>
-          </p:cNvCxnSpPr>
-          <p:nvPr/>
-        </p:nvCxnSpPr>
-        <p:spPr>
-          <a:xfrm flipV="1">
-            <a:off x="2021105" y="431231"/>
-            <a:ext cx="0" cy="2016000"/>
-          </a:xfrm>
-          <a:prstGeom prst="line">
-            <a:avLst/>
-          </a:prstGeom>
-          <a:ln w="3175">
-            <a:solidFill>
-              <a:schemeClr val="bg1">
-                <a:lumMod val="85000"/>
-              </a:schemeClr>
-            </a:solidFill>
-          </a:ln>
-        </p:spPr>
-        <p:style>
-          <a:lnRef idx="1">
-            <a:schemeClr val="accent1"/>
-          </a:lnRef>
-          <a:fillRef idx="0">
-            <a:schemeClr val="accent1"/>
-          </a:fillRef>
-          <a:effectRef idx="0">
-            <a:schemeClr val="accent1"/>
-          </a:effectRef>
-          <a:fontRef idx="minor">
-            <a:schemeClr val="tx1"/>
-          </a:fontRef>
-        </p:style>
-      </p:cxnSp>
-      <p:cxnSp>
-        <p:nvCxnSpPr>
-          <p:cNvPr id="100" name="Straight Connector 99">
-            <a:extLst>
-              <a:ext uri="{FF2B5EF4-FFF2-40B4-BE49-F238E27FC236}">
-                <a16:creationId xmlns:a16="http://schemas.microsoft.com/office/drawing/2014/main" id="{A0110D80-B1AD-45EB-AB8D-9EC44C439428}"/>
-              </a:ext>
-            </a:extLst>
-          </p:cNvPr>
-          <p:cNvCxnSpPr>
-            <a:cxnSpLocks/>
-          </p:cNvCxnSpPr>
-          <p:nvPr/>
-        </p:nvCxnSpPr>
-        <p:spPr>
-          <a:xfrm flipV="1">
-            <a:off x="2154179" y="431231"/>
-            <a:ext cx="0" cy="2016000"/>
-          </a:xfrm>
-          <a:prstGeom prst="line">
-            <a:avLst/>
-          </a:prstGeom>
-          <a:ln w="3175">
-            <a:solidFill>
-              <a:schemeClr val="bg1">
-                <a:lumMod val="85000"/>
-              </a:schemeClr>
-            </a:solidFill>
-          </a:ln>
-        </p:spPr>
-        <p:style>
-          <a:lnRef idx="1">
-            <a:schemeClr val="accent1"/>
-          </a:lnRef>
-          <a:fillRef idx="0">
-            <a:schemeClr val="accent1"/>
-          </a:fillRef>
-          <a:effectRef idx="0">
-            <a:schemeClr val="accent1"/>
-          </a:effectRef>
-          <a:fontRef idx="minor">
-            <a:schemeClr val="tx1"/>
-          </a:fontRef>
-        </p:style>
-      </p:cxnSp>
-      <p:cxnSp>
-        <p:nvCxnSpPr>
-          <p:cNvPr id="101" name="Straight Connector 100">
-            <a:extLst>
-              <a:ext uri="{FF2B5EF4-FFF2-40B4-BE49-F238E27FC236}">
-                <a16:creationId xmlns:a16="http://schemas.microsoft.com/office/drawing/2014/main" id="{0EE6CF00-665A-4C6E-AA69-E6921082FAF5}"/>
-              </a:ext>
-            </a:extLst>
-          </p:cNvPr>
-          <p:cNvCxnSpPr>
-            <a:cxnSpLocks/>
-          </p:cNvCxnSpPr>
-          <p:nvPr/>
-        </p:nvCxnSpPr>
-        <p:spPr>
-          <a:xfrm flipV="1">
-            <a:off x="2287253" y="431231"/>
-            <a:ext cx="0" cy="2016000"/>
-          </a:xfrm>
-          <a:prstGeom prst="line">
-            <a:avLst/>
-          </a:prstGeom>
-          <a:ln w="3175">
-            <a:solidFill>
-              <a:schemeClr val="bg1">
-                <a:lumMod val="85000"/>
-              </a:schemeClr>
-            </a:solidFill>
-          </a:ln>
-        </p:spPr>
-        <p:style>
-          <a:lnRef idx="1">
-            <a:schemeClr val="accent1"/>
-          </a:lnRef>
-          <a:fillRef idx="0">
-            <a:schemeClr val="accent1"/>
-          </a:fillRef>
-          <a:effectRef idx="0">
-            <a:schemeClr val="accent1"/>
-          </a:effectRef>
-          <a:fontRef idx="minor">
-            <a:schemeClr val="tx1"/>
-          </a:fontRef>
-        </p:style>
-      </p:cxnSp>
-      <p:cxnSp>
-        <p:nvCxnSpPr>
-          <p:cNvPr id="102" name="Straight Connector 101">
-            <a:extLst>
-              <a:ext uri="{FF2B5EF4-FFF2-40B4-BE49-F238E27FC236}">
-                <a16:creationId xmlns:a16="http://schemas.microsoft.com/office/drawing/2014/main" id="{74117661-CEC8-4490-A850-1D55A29634D4}"/>
-              </a:ext>
-            </a:extLst>
-          </p:cNvPr>
-          <p:cNvCxnSpPr>
-            <a:cxnSpLocks/>
-          </p:cNvCxnSpPr>
-          <p:nvPr/>
-        </p:nvCxnSpPr>
-        <p:spPr>
-          <a:xfrm flipV="1">
-            <a:off x="2420327" y="431231"/>
-            <a:ext cx="0" cy="2016000"/>
-          </a:xfrm>
-          <a:prstGeom prst="line">
-            <a:avLst/>
-          </a:prstGeom>
-          <a:ln w="3175">
-            <a:solidFill>
-              <a:schemeClr val="bg1">
-                <a:lumMod val="85000"/>
-              </a:schemeClr>
-            </a:solidFill>
-          </a:ln>
-        </p:spPr>
-        <p:style>
-          <a:lnRef idx="1">
-            <a:schemeClr val="accent1"/>
-          </a:lnRef>
-          <a:fillRef idx="0">
-            <a:schemeClr val="accent1"/>
-          </a:fillRef>
-          <a:effectRef idx="0">
-            <a:schemeClr val="accent1"/>
-          </a:effectRef>
-          <a:fontRef idx="minor">
-            <a:schemeClr val="tx1"/>
-          </a:fontRef>
-        </p:style>
-      </p:cxnSp>
-      <p:cxnSp>
-        <p:nvCxnSpPr>
-          <p:cNvPr id="103" name="Straight Connector 102">
-            <a:extLst>
-              <a:ext uri="{FF2B5EF4-FFF2-40B4-BE49-F238E27FC236}">
-                <a16:creationId xmlns:a16="http://schemas.microsoft.com/office/drawing/2014/main" id="{268F678A-468F-427F-BC81-0FF680BF3DA7}"/>
-              </a:ext>
-            </a:extLst>
-          </p:cNvPr>
-          <p:cNvCxnSpPr>
-            <a:cxnSpLocks/>
-          </p:cNvCxnSpPr>
-          <p:nvPr/>
-        </p:nvCxnSpPr>
-        <p:spPr>
-          <a:xfrm flipV="1">
-            <a:off x="2553401" y="431231"/>
-            <a:ext cx="0" cy="2016000"/>
-          </a:xfrm>
-          <a:prstGeom prst="line">
-            <a:avLst/>
-          </a:prstGeom>
-          <a:ln w="3175">
-            <a:solidFill>
-              <a:schemeClr val="bg1">
-                <a:lumMod val="85000"/>
-              </a:schemeClr>
-            </a:solidFill>
-          </a:ln>
-        </p:spPr>
-        <p:style>
-          <a:lnRef idx="1">
-            <a:schemeClr val="accent1"/>
-          </a:lnRef>
-          <a:fillRef idx="0">
-            <a:schemeClr val="accent1"/>
-          </a:fillRef>
-          <a:effectRef idx="0">
-            <a:schemeClr val="accent1"/>
-          </a:effectRef>
-          <a:fontRef idx="minor">
-            <a:schemeClr val="tx1"/>
-          </a:fontRef>
-        </p:style>
-      </p:cxnSp>
-      <p:cxnSp>
-        <p:nvCxnSpPr>
-          <p:cNvPr id="104" name="Straight Connector 103">
-            <a:extLst>
-              <a:ext uri="{FF2B5EF4-FFF2-40B4-BE49-F238E27FC236}">
-                <a16:creationId xmlns:a16="http://schemas.microsoft.com/office/drawing/2014/main" id="{308F3207-65D8-4CEC-9682-F1F214940F9F}"/>
-              </a:ext>
-            </a:extLst>
-          </p:cNvPr>
-          <p:cNvCxnSpPr>
-            <a:cxnSpLocks/>
-          </p:cNvCxnSpPr>
-          <p:nvPr/>
-        </p:nvCxnSpPr>
-        <p:spPr>
-          <a:xfrm flipV="1">
-            <a:off x="2689229" y="431231"/>
-            <a:ext cx="0" cy="2016000"/>
-          </a:xfrm>
-          <a:prstGeom prst="line">
-            <a:avLst/>
-          </a:prstGeom>
-          <a:ln w="3175">
-            <a:solidFill>
-              <a:schemeClr val="bg1">
-                <a:lumMod val="85000"/>
-              </a:schemeClr>
-            </a:solidFill>
-          </a:ln>
-        </p:spPr>
-        <p:style>
-          <a:lnRef idx="1">
-            <a:schemeClr val="accent1"/>
-          </a:lnRef>
-          <a:fillRef idx="0">
-            <a:schemeClr val="accent1"/>
-          </a:fillRef>
-          <a:effectRef idx="0">
-            <a:schemeClr val="accent1"/>
-          </a:effectRef>
-          <a:fontRef idx="minor">
-            <a:schemeClr val="tx1"/>
-          </a:fontRef>
-        </p:style>
-      </p:cxnSp>
-      <p:cxnSp>
-        <p:nvCxnSpPr>
-          <p:cNvPr id="105" name="Straight Connector 104">
-            <a:extLst>
-              <a:ext uri="{FF2B5EF4-FFF2-40B4-BE49-F238E27FC236}">
-                <a16:creationId xmlns:a16="http://schemas.microsoft.com/office/drawing/2014/main" id="{055DC60E-222B-4E21-BD96-9316959125E8}"/>
-              </a:ext>
-            </a:extLst>
-          </p:cNvPr>
-          <p:cNvCxnSpPr>
-            <a:cxnSpLocks/>
-          </p:cNvCxnSpPr>
-          <p:nvPr/>
-        </p:nvCxnSpPr>
-        <p:spPr>
-          <a:xfrm flipV="1">
-            <a:off x="2819549" y="431231"/>
-            <a:ext cx="0" cy="2016000"/>
-          </a:xfrm>
-          <a:prstGeom prst="line">
-            <a:avLst/>
-          </a:prstGeom>
-          <a:ln w="3175">
-            <a:solidFill>
-              <a:schemeClr val="bg1">
-                <a:lumMod val="85000"/>
-              </a:schemeClr>
-            </a:solidFill>
-          </a:ln>
-        </p:spPr>
-        <p:style>
-          <a:lnRef idx="1">
-            <a:schemeClr val="accent1"/>
-          </a:lnRef>
-          <a:fillRef idx="0">
-            <a:schemeClr val="accent1"/>
-          </a:fillRef>
-          <a:effectRef idx="0">
-            <a:schemeClr val="accent1"/>
-          </a:effectRef>
-          <a:fontRef idx="minor">
-            <a:schemeClr val="tx1"/>
-          </a:fontRef>
-        </p:style>
-      </p:cxnSp>
-      <p:cxnSp>
-        <p:nvCxnSpPr>
-          <p:cNvPr id="106" name="Straight Connector 105">
-            <a:extLst>
-              <a:ext uri="{FF2B5EF4-FFF2-40B4-BE49-F238E27FC236}">
-                <a16:creationId xmlns:a16="http://schemas.microsoft.com/office/drawing/2014/main" id="{1BCB4E40-8502-4B95-81EC-75D5B3A48AB9}"/>
-              </a:ext>
-            </a:extLst>
-          </p:cNvPr>
-          <p:cNvCxnSpPr>
-            <a:cxnSpLocks/>
-          </p:cNvCxnSpPr>
-          <p:nvPr/>
-        </p:nvCxnSpPr>
-        <p:spPr>
-          <a:xfrm flipV="1">
-            <a:off x="687611" y="431231"/>
-            <a:ext cx="0" cy="2016000"/>
-          </a:xfrm>
-          <a:prstGeom prst="line">
-            <a:avLst/>
-          </a:prstGeom>
-          <a:ln w="3175">
-            <a:solidFill>
-              <a:schemeClr val="bg1">
-                <a:lumMod val="85000"/>
-              </a:schemeClr>
-            </a:solidFill>
-          </a:ln>
-        </p:spPr>
-        <p:style>
-          <a:lnRef idx="1">
-            <a:schemeClr val="accent1"/>
-          </a:lnRef>
-          <a:fillRef idx="0">
-            <a:schemeClr val="accent1"/>
-          </a:fillRef>
-          <a:effectRef idx="0">
-            <a:schemeClr val="accent1"/>
-          </a:effectRef>
-          <a:fontRef idx="minor">
-            <a:schemeClr val="tx1"/>
-          </a:fontRef>
-        </p:style>
-      </p:cxnSp>
-      <p:cxnSp>
-        <p:nvCxnSpPr>
-          <p:cNvPr id="107" name="Straight Connector 106">
-            <a:extLst>
-              <a:ext uri="{FF2B5EF4-FFF2-40B4-BE49-F238E27FC236}">
-                <a16:creationId xmlns:a16="http://schemas.microsoft.com/office/drawing/2014/main" id="{C280B49A-2440-4B14-AD18-466E0FD82938}"/>
-              </a:ext>
-            </a:extLst>
-          </p:cNvPr>
-          <p:cNvCxnSpPr>
-            <a:cxnSpLocks/>
-          </p:cNvCxnSpPr>
-          <p:nvPr/>
-        </p:nvCxnSpPr>
-        <p:spPr>
-          <a:xfrm flipV="1">
-            <a:off x="956513" y="431231"/>
-            <a:ext cx="0" cy="2016000"/>
-          </a:xfrm>
-          <a:prstGeom prst="line">
-            <a:avLst/>
-          </a:prstGeom>
-          <a:ln w="3175">
-            <a:solidFill>
-              <a:schemeClr val="bg1">
-                <a:lumMod val="85000"/>
-              </a:schemeClr>
-            </a:solidFill>
-          </a:ln>
-        </p:spPr>
-        <p:style>
-          <a:lnRef idx="1">
-            <a:schemeClr val="accent1"/>
-          </a:lnRef>
-          <a:fillRef idx="0">
-            <a:schemeClr val="accent1"/>
-          </a:fillRef>
-          <a:effectRef idx="0">
-            <a:schemeClr val="accent1"/>
-          </a:effectRef>
-          <a:fontRef idx="minor">
-            <a:schemeClr val="tx1"/>
-          </a:fontRef>
-        </p:style>
-      </p:cxnSp>
-      <p:cxnSp>
-        <p:nvCxnSpPr>
-          <p:cNvPr id="108" name="Straight Connector 107">
-            <a:extLst>
-              <a:ext uri="{FF2B5EF4-FFF2-40B4-BE49-F238E27FC236}">
-                <a16:creationId xmlns:a16="http://schemas.microsoft.com/office/drawing/2014/main" id="{F7724B37-1EED-496A-AD30-4D6193E5C741}"/>
-              </a:ext>
-            </a:extLst>
-          </p:cNvPr>
-          <p:cNvCxnSpPr>
-            <a:cxnSpLocks/>
-          </p:cNvCxnSpPr>
-          <p:nvPr/>
-        </p:nvCxnSpPr>
-        <p:spPr>
-          <a:xfrm flipV="1">
-            <a:off x="1222661" y="431231"/>
-            <a:ext cx="0" cy="2016000"/>
-          </a:xfrm>
-          <a:prstGeom prst="line">
-            <a:avLst/>
-          </a:prstGeom>
-          <a:ln w="3175">
-            <a:solidFill>
-              <a:schemeClr val="bg1">
-                <a:lumMod val="85000"/>
-              </a:schemeClr>
-            </a:solidFill>
-          </a:ln>
-        </p:spPr>
-        <p:style>
-          <a:lnRef idx="1">
-            <a:schemeClr val="accent1"/>
-          </a:lnRef>
-          <a:fillRef idx="0">
-            <a:schemeClr val="accent1"/>
-          </a:fillRef>
-          <a:effectRef idx="0">
-            <a:schemeClr val="accent1"/>
-          </a:effectRef>
-          <a:fontRef idx="minor">
-            <a:schemeClr val="tx1"/>
-          </a:fontRef>
-        </p:style>
-      </p:cxnSp>
-      <p:cxnSp>
-        <p:nvCxnSpPr>
-          <p:cNvPr id="109" name="Straight Connector 108">
-            <a:extLst>
-              <a:ext uri="{FF2B5EF4-FFF2-40B4-BE49-F238E27FC236}">
-                <a16:creationId xmlns:a16="http://schemas.microsoft.com/office/drawing/2014/main" id="{0A736758-5AC6-49AC-8C0D-113BE604462C}"/>
-              </a:ext>
-            </a:extLst>
-          </p:cNvPr>
-          <p:cNvCxnSpPr>
-            <a:cxnSpLocks/>
-          </p:cNvCxnSpPr>
-          <p:nvPr/>
-        </p:nvCxnSpPr>
-        <p:spPr>
-          <a:xfrm flipV="1">
-            <a:off x="1422272" y="431231"/>
-            <a:ext cx="0" cy="2016000"/>
-          </a:xfrm>
-          <a:prstGeom prst="line">
-            <a:avLst/>
-          </a:prstGeom>
-          <a:ln w="3175">
-            <a:solidFill>
-              <a:schemeClr val="bg1">
-                <a:lumMod val="85000"/>
-              </a:schemeClr>
-            </a:solidFill>
-          </a:ln>
-        </p:spPr>
-        <p:style>
-          <a:lnRef idx="1">
-            <a:schemeClr val="accent1"/>
-          </a:lnRef>
-          <a:fillRef idx="0">
-            <a:schemeClr val="accent1"/>
-          </a:fillRef>
-          <a:effectRef idx="0">
-            <a:schemeClr val="accent1"/>
-          </a:effectRef>
-          <a:fontRef idx="minor">
-            <a:schemeClr val="tx1"/>
-          </a:fontRef>
-        </p:style>
-      </p:cxnSp>
-      <p:cxnSp>
-        <p:nvCxnSpPr>
-          <p:cNvPr id="110" name="Straight Connector 109">
-            <a:extLst>
-              <a:ext uri="{FF2B5EF4-FFF2-40B4-BE49-F238E27FC236}">
-                <a16:creationId xmlns:a16="http://schemas.microsoft.com/office/drawing/2014/main" id="{254FDB97-6209-4A63-9C0B-D77D22DB2301}"/>
-              </a:ext>
-            </a:extLst>
-          </p:cNvPr>
-          <p:cNvCxnSpPr>
-            <a:cxnSpLocks/>
-          </p:cNvCxnSpPr>
-          <p:nvPr/>
-        </p:nvCxnSpPr>
-        <p:spPr>
-          <a:xfrm flipV="1">
-            <a:off x="1555346" y="431231"/>
-            <a:ext cx="0" cy="2016000"/>
-          </a:xfrm>
-          <a:prstGeom prst="line">
-            <a:avLst/>
-          </a:prstGeom>
-          <a:ln w="3175">
-            <a:solidFill>
-              <a:schemeClr val="bg1">
-                <a:lumMod val="85000"/>
-              </a:schemeClr>
-            </a:solidFill>
-          </a:ln>
-        </p:spPr>
-        <p:style>
-          <a:lnRef idx="1">
-            <a:schemeClr val="accent1"/>
-          </a:lnRef>
-          <a:fillRef idx="0">
-            <a:schemeClr val="accent1"/>
-          </a:fillRef>
-          <a:effectRef idx="0">
-            <a:schemeClr val="accent1"/>
-          </a:effectRef>
-          <a:fontRef idx="minor">
-            <a:schemeClr val="tx1"/>
-          </a:fontRef>
-        </p:style>
-      </p:cxnSp>
-      <p:cxnSp>
-        <p:nvCxnSpPr>
-          <p:cNvPr id="111" name="Straight Connector 110">
-            <a:extLst>
-              <a:ext uri="{FF2B5EF4-FFF2-40B4-BE49-F238E27FC236}">
-                <a16:creationId xmlns:a16="http://schemas.microsoft.com/office/drawing/2014/main" id="{9E9ECBA3-A02B-430E-872F-9BF13F214215}"/>
-              </a:ext>
-            </a:extLst>
-          </p:cNvPr>
-          <p:cNvCxnSpPr>
-            <a:cxnSpLocks/>
-          </p:cNvCxnSpPr>
-          <p:nvPr/>
-        </p:nvCxnSpPr>
-        <p:spPr>
-          <a:xfrm flipV="1">
-            <a:off x="1688420" y="431231"/>
-            <a:ext cx="0" cy="2016000"/>
-          </a:xfrm>
-          <a:prstGeom prst="line">
-            <a:avLst/>
-          </a:prstGeom>
-          <a:ln w="3175">
-            <a:solidFill>
-              <a:schemeClr val="bg1">
-                <a:lumMod val="85000"/>
-              </a:schemeClr>
-            </a:solidFill>
-          </a:ln>
-        </p:spPr>
-        <p:style>
-          <a:lnRef idx="1">
-            <a:schemeClr val="accent1"/>
-          </a:lnRef>
-          <a:fillRef idx="0">
-            <a:schemeClr val="accent1"/>
-          </a:fillRef>
-          <a:effectRef idx="0">
-            <a:schemeClr val="accent1"/>
-          </a:effectRef>
-          <a:fontRef idx="minor">
-            <a:schemeClr val="tx1"/>
-          </a:fontRef>
-        </p:style>
-      </p:cxnSp>
-      <p:cxnSp>
-        <p:nvCxnSpPr>
-          <p:cNvPr id="112" name="Straight Connector 111">
-            <a:extLst>
-              <a:ext uri="{FF2B5EF4-FFF2-40B4-BE49-F238E27FC236}">
-                <a16:creationId xmlns:a16="http://schemas.microsoft.com/office/drawing/2014/main" id="{C365EFD3-7C0F-430A-996A-DDEE151103A2}"/>
-              </a:ext>
-            </a:extLst>
-          </p:cNvPr>
-          <p:cNvCxnSpPr>
-            <a:cxnSpLocks/>
-          </p:cNvCxnSpPr>
-          <p:nvPr/>
-        </p:nvCxnSpPr>
-        <p:spPr>
-          <a:xfrm flipV="1">
-            <a:off x="1821494" y="431231"/>
-            <a:ext cx="0" cy="2016000"/>
-          </a:xfrm>
-          <a:prstGeom prst="line">
-            <a:avLst/>
-          </a:prstGeom>
-          <a:ln w="3175">
-            <a:solidFill>
-              <a:schemeClr val="bg1">
-                <a:lumMod val="85000"/>
-              </a:schemeClr>
-            </a:solidFill>
-          </a:ln>
-        </p:spPr>
-        <p:style>
-          <a:lnRef idx="1">
-            <a:schemeClr val="accent1"/>
-          </a:lnRef>
-          <a:fillRef idx="0">
-            <a:schemeClr val="accent1"/>
-          </a:fillRef>
-          <a:effectRef idx="0">
-            <a:schemeClr val="accent1"/>
-          </a:effectRef>
-          <a:fontRef idx="minor">
-            <a:schemeClr val="tx1"/>
-          </a:fontRef>
-        </p:style>
-      </p:cxnSp>
-      <p:cxnSp>
-        <p:nvCxnSpPr>
-          <p:cNvPr id="113" name="Straight Connector 112">
-            <a:extLst>
-              <a:ext uri="{FF2B5EF4-FFF2-40B4-BE49-F238E27FC236}">
-                <a16:creationId xmlns:a16="http://schemas.microsoft.com/office/drawing/2014/main" id="{67FC9C21-CF99-4A03-87A2-CB94F23282CD}"/>
-              </a:ext>
-            </a:extLst>
-          </p:cNvPr>
-          <p:cNvCxnSpPr>
-            <a:cxnSpLocks/>
-          </p:cNvCxnSpPr>
-          <p:nvPr/>
-        </p:nvCxnSpPr>
-        <p:spPr>
-          <a:xfrm flipV="1">
-            <a:off x="1951814" y="431231"/>
-            <a:ext cx="0" cy="2016000"/>
-          </a:xfrm>
-          <a:prstGeom prst="line">
-            <a:avLst/>
-          </a:prstGeom>
-          <a:ln w="3175">
-            <a:solidFill>
-              <a:schemeClr val="bg1">
-                <a:lumMod val="85000"/>
-              </a:schemeClr>
-            </a:solidFill>
-          </a:ln>
-        </p:spPr>
-        <p:style>
-          <a:lnRef idx="1">
-            <a:schemeClr val="accent1"/>
-          </a:lnRef>
-          <a:fillRef idx="0">
-            <a:schemeClr val="accent1"/>
-          </a:fillRef>
-          <a:effectRef idx="0">
-            <a:schemeClr val="accent1"/>
-          </a:effectRef>
-          <a:fontRef idx="minor">
-            <a:schemeClr val="tx1"/>
-          </a:fontRef>
-        </p:style>
-      </p:cxnSp>
-      <p:cxnSp>
-        <p:nvCxnSpPr>
-          <p:cNvPr id="114" name="Straight Connector 113">
-            <a:extLst>
-              <a:ext uri="{FF2B5EF4-FFF2-40B4-BE49-F238E27FC236}">
-                <a16:creationId xmlns:a16="http://schemas.microsoft.com/office/drawing/2014/main" id="{E03E486F-3A32-4C9E-9AC4-A09AB0F561FF}"/>
-              </a:ext>
-            </a:extLst>
-          </p:cNvPr>
-          <p:cNvCxnSpPr>
-            <a:cxnSpLocks/>
-          </p:cNvCxnSpPr>
-          <p:nvPr/>
-        </p:nvCxnSpPr>
-        <p:spPr>
-          <a:xfrm flipV="1">
-            <a:off x="2087642" y="431231"/>
-            <a:ext cx="0" cy="2016000"/>
-          </a:xfrm>
-          <a:prstGeom prst="line">
-            <a:avLst/>
-          </a:prstGeom>
-          <a:ln w="3175">
-            <a:solidFill>
-              <a:schemeClr val="bg1">
-                <a:lumMod val="85000"/>
-              </a:schemeClr>
-            </a:solidFill>
-          </a:ln>
-        </p:spPr>
-        <p:style>
-          <a:lnRef idx="1">
-            <a:schemeClr val="accent1"/>
-          </a:lnRef>
-          <a:fillRef idx="0">
-            <a:schemeClr val="accent1"/>
-          </a:fillRef>
-          <a:effectRef idx="0">
-            <a:schemeClr val="accent1"/>
-          </a:effectRef>
-          <a:fontRef idx="minor">
-            <a:schemeClr val="tx1"/>
-          </a:fontRef>
-        </p:style>
-      </p:cxnSp>
-      <p:cxnSp>
-        <p:nvCxnSpPr>
-          <p:cNvPr id="115" name="Straight Connector 114">
-            <a:extLst>
-              <a:ext uri="{FF2B5EF4-FFF2-40B4-BE49-F238E27FC236}">
-                <a16:creationId xmlns:a16="http://schemas.microsoft.com/office/drawing/2014/main" id="{C39EEBFE-4D1E-4DFA-8F52-37FAB367DBD7}"/>
-              </a:ext>
-            </a:extLst>
-          </p:cNvPr>
-          <p:cNvCxnSpPr>
-            <a:cxnSpLocks/>
-          </p:cNvCxnSpPr>
-          <p:nvPr/>
-        </p:nvCxnSpPr>
-        <p:spPr>
-          <a:xfrm flipV="1">
-            <a:off x="2220716" y="431231"/>
-            <a:ext cx="0" cy="2016000"/>
-          </a:xfrm>
-          <a:prstGeom prst="line">
-            <a:avLst/>
-          </a:prstGeom>
-          <a:ln w="3175">
-            <a:solidFill>
-              <a:schemeClr val="bg1">
-                <a:lumMod val="85000"/>
-              </a:schemeClr>
-            </a:solidFill>
-          </a:ln>
-        </p:spPr>
-        <p:style>
-          <a:lnRef idx="1">
-            <a:schemeClr val="accent1"/>
-          </a:lnRef>
-          <a:fillRef idx="0">
-            <a:schemeClr val="accent1"/>
-          </a:fillRef>
-          <a:effectRef idx="0">
-            <a:schemeClr val="accent1"/>
-          </a:effectRef>
-          <a:fontRef idx="minor">
-            <a:schemeClr val="tx1"/>
-          </a:fontRef>
-        </p:style>
-      </p:cxnSp>
-      <p:cxnSp>
-        <p:nvCxnSpPr>
-          <p:cNvPr id="116" name="Straight Connector 115">
-            <a:extLst>
-              <a:ext uri="{FF2B5EF4-FFF2-40B4-BE49-F238E27FC236}">
-                <a16:creationId xmlns:a16="http://schemas.microsoft.com/office/drawing/2014/main" id="{316DCD4D-D2DF-45EC-9FA6-268E4BF01DC4}"/>
-              </a:ext>
-            </a:extLst>
-          </p:cNvPr>
-          <p:cNvCxnSpPr>
-            <a:cxnSpLocks/>
-          </p:cNvCxnSpPr>
-          <p:nvPr/>
-        </p:nvCxnSpPr>
-        <p:spPr>
-          <a:xfrm flipV="1">
-            <a:off x="2353790" y="431231"/>
-            <a:ext cx="0" cy="2016000"/>
-          </a:xfrm>
-          <a:prstGeom prst="line">
-            <a:avLst/>
-          </a:prstGeom>
-          <a:ln w="3175">
-            <a:solidFill>
-              <a:schemeClr val="bg1">
-                <a:lumMod val="85000"/>
-              </a:schemeClr>
-            </a:solidFill>
-          </a:ln>
-        </p:spPr>
-        <p:style>
-          <a:lnRef idx="1">
-            <a:schemeClr val="accent1"/>
-          </a:lnRef>
-          <a:fillRef idx="0">
-            <a:schemeClr val="accent1"/>
-          </a:fillRef>
-          <a:effectRef idx="0">
-            <a:schemeClr val="accent1"/>
-          </a:effectRef>
-          <a:fontRef idx="minor">
-            <a:schemeClr val="tx1"/>
-          </a:fontRef>
-        </p:style>
-      </p:cxnSp>
-      <p:cxnSp>
-        <p:nvCxnSpPr>
-          <p:cNvPr id="117" name="Straight Connector 116">
-            <a:extLst>
-              <a:ext uri="{FF2B5EF4-FFF2-40B4-BE49-F238E27FC236}">
-                <a16:creationId xmlns:a16="http://schemas.microsoft.com/office/drawing/2014/main" id="{EAEEC749-7FD3-43C0-9724-9B405773272E}"/>
-              </a:ext>
-            </a:extLst>
-          </p:cNvPr>
-          <p:cNvCxnSpPr>
-            <a:cxnSpLocks/>
-          </p:cNvCxnSpPr>
-          <p:nvPr/>
-        </p:nvCxnSpPr>
-        <p:spPr>
-          <a:xfrm flipV="1">
-            <a:off x="2486864" y="431231"/>
-            <a:ext cx="0" cy="2016000"/>
-          </a:xfrm>
-          <a:prstGeom prst="line">
-            <a:avLst/>
-          </a:prstGeom>
-          <a:ln w="3175">
-            <a:solidFill>
-              <a:schemeClr val="bg1">
-                <a:lumMod val="85000"/>
-              </a:schemeClr>
-            </a:solidFill>
-          </a:ln>
-        </p:spPr>
-        <p:style>
-          <a:lnRef idx="1">
-            <a:schemeClr val="accent1"/>
-          </a:lnRef>
-          <a:fillRef idx="0">
-            <a:schemeClr val="accent1"/>
-          </a:fillRef>
-          <a:effectRef idx="0">
-            <a:schemeClr val="accent1"/>
-          </a:effectRef>
-          <a:fontRef idx="minor">
-            <a:schemeClr val="tx1"/>
-          </a:fontRef>
-        </p:style>
-      </p:cxnSp>
-      <p:cxnSp>
-        <p:nvCxnSpPr>
-          <p:cNvPr id="118" name="Straight Connector 117">
-            <a:extLst>
-              <a:ext uri="{FF2B5EF4-FFF2-40B4-BE49-F238E27FC236}">
-                <a16:creationId xmlns:a16="http://schemas.microsoft.com/office/drawing/2014/main" id="{ACA9747F-D152-4E65-8A14-2951383A9672}"/>
-              </a:ext>
-            </a:extLst>
-          </p:cNvPr>
-          <p:cNvCxnSpPr>
-            <a:cxnSpLocks/>
-          </p:cNvCxnSpPr>
-          <p:nvPr/>
-        </p:nvCxnSpPr>
-        <p:spPr>
-          <a:xfrm flipV="1">
-            <a:off x="2619938" y="431231"/>
-            <a:ext cx="0" cy="2016000"/>
-          </a:xfrm>
-          <a:prstGeom prst="line">
-            <a:avLst/>
-          </a:prstGeom>
-          <a:ln w="3175">
-            <a:solidFill>
-              <a:schemeClr val="bg1">
-                <a:lumMod val="85000"/>
-              </a:schemeClr>
-            </a:solidFill>
-          </a:ln>
-        </p:spPr>
-        <p:style>
-          <a:lnRef idx="1">
-            <a:schemeClr val="accent1"/>
-          </a:lnRef>
-          <a:fillRef idx="0">
-            <a:schemeClr val="accent1"/>
-          </a:fillRef>
-          <a:effectRef idx="0">
-            <a:schemeClr val="accent1"/>
-          </a:effectRef>
-          <a:fontRef idx="minor">
-            <a:schemeClr val="tx1"/>
-          </a:fontRef>
-        </p:style>
-      </p:cxnSp>
-      <p:cxnSp>
-        <p:nvCxnSpPr>
-          <p:cNvPr id="119" name="Straight Connector 118">
-            <a:extLst>
-              <a:ext uri="{FF2B5EF4-FFF2-40B4-BE49-F238E27FC236}">
-                <a16:creationId xmlns:a16="http://schemas.microsoft.com/office/drawing/2014/main" id="{29CA71A9-3042-4E56-8B2A-6A1E0E9A1B8B}"/>
-              </a:ext>
-            </a:extLst>
-          </p:cNvPr>
-          <p:cNvCxnSpPr>
-            <a:cxnSpLocks/>
-          </p:cNvCxnSpPr>
-          <p:nvPr/>
-        </p:nvCxnSpPr>
-        <p:spPr>
-          <a:xfrm flipV="1">
-            <a:off x="2753012" y="431231"/>
-            <a:ext cx="0" cy="2016000"/>
-          </a:xfrm>
-          <a:prstGeom prst="line">
-            <a:avLst/>
-          </a:prstGeom>
-          <a:ln w="3175">
-            <a:solidFill>
-              <a:schemeClr val="bg1">
-                <a:lumMod val="85000"/>
-              </a:schemeClr>
-            </a:solidFill>
-          </a:ln>
-        </p:spPr>
-        <p:style>
-          <a:lnRef idx="1">
-            <a:schemeClr val="accent1"/>
-          </a:lnRef>
-          <a:fillRef idx="0">
-            <a:schemeClr val="accent1"/>
-          </a:fillRef>
-          <a:effectRef idx="0">
-            <a:schemeClr val="accent1"/>
-          </a:effectRef>
-          <a:fontRef idx="minor">
-            <a:schemeClr val="tx1"/>
-          </a:fontRef>
-        </p:style>
-      </p:cxnSp>
-      <p:cxnSp>
-        <p:nvCxnSpPr>
-          <p:cNvPr id="120" name="Straight Connector 119">
-            <a:extLst>
-              <a:ext uri="{FF2B5EF4-FFF2-40B4-BE49-F238E27FC236}">
-                <a16:creationId xmlns:a16="http://schemas.microsoft.com/office/drawing/2014/main" id="{513EE874-16CD-47BE-900D-105A02CC04CE}"/>
-              </a:ext>
-            </a:extLst>
-          </p:cNvPr>
-          <p:cNvCxnSpPr>
-            <a:cxnSpLocks/>
-          </p:cNvCxnSpPr>
-          <p:nvPr/>
-        </p:nvCxnSpPr>
-        <p:spPr>
-          <a:xfrm flipV="1">
-            <a:off x="2886086" y="431231"/>
-            <a:ext cx="0" cy="2016000"/>
-          </a:xfrm>
-          <a:prstGeom prst="line">
-            <a:avLst/>
-          </a:prstGeom>
-          <a:ln w="3175">
-            <a:solidFill>
-              <a:schemeClr val="bg1">
-                <a:lumMod val="85000"/>
-              </a:schemeClr>
-            </a:solidFill>
-          </a:ln>
-        </p:spPr>
-        <p:style>
-          <a:lnRef idx="1">
-            <a:schemeClr val="accent1"/>
-          </a:lnRef>
-          <a:fillRef idx="0">
-            <a:schemeClr val="accent1"/>
-          </a:fillRef>
-          <a:effectRef idx="0">
-            <a:schemeClr val="accent1"/>
-          </a:effectRef>
-          <a:fontRef idx="minor">
-            <a:schemeClr val="tx1"/>
-          </a:fontRef>
-        </p:style>
-      </p:cxnSp>
-      <p:cxnSp>
-        <p:nvCxnSpPr>
-          <p:cNvPr id="121" name="Straight Connector 120">
-            <a:extLst>
-              <a:ext uri="{FF2B5EF4-FFF2-40B4-BE49-F238E27FC236}">
-                <a16:creationId xmlns:a16="http://schemas.microsoft.com/office/drawing/2014/main" id="{3004E992-93FD-4AD1-90E7-783FB341BCAA}"/>
-              </a:ext>
-            </a:extLst>
-          </p:cNvPr>
-          <p:cNvCxnSpPr>
-            <a:cxnSpLocks/>
-          </p:cNvCxnSpPr>
-          <p:nvPr/>
-        </p:nvCxnSpPr>
-        <p:spPr>
-          <a:xfrm flipV="1">
-            <a:off x="2952628" y="431231"/>
-            <a:ext cx="0" cy="2016000"/>
-          </a:xfrm>
-          <a:prstGeom prst="line">
-            <a:avLst/>
-          </a:prstGeom>
-          <a:ln w="3175">
-            <a:solidFill>
-              <a:schemeClr val="bg1">
-                <a:lumMod val="85000"/>
-              </a:schemeClr>
-            </a:solidFill>
-          </a:ln>
-        </p:spPr>
-        <p:style>
-          <a:lnRef idx="1">
-            <a:schemeClr val="accent1"/>
-          </a:lnRef>
-          <a:fillRef idx="0">
-            <a:schemeClr val="accent1"/>
-          </a:fillRef>
-          <a:effectRef idx="0">
-            <a:schemeClr val="accent1"/>
-          </a:effectRef>
-          <a:fontRef idx="minor">
-            <a:schemeClr val="tx1"/>
-          </a:fontRef>
-        </p:style>
-      </p:cxnSp>
-      <p:cxnSp>
-        <p:nvCxnSpPr>
-          <p:cNvPr id="123" name="Straight Connector 122">
-            <a:extLst>
-              <a:ext uri="{FF2B5EF4-FFF2-40B4-BE49-F238E27FC236}">
-                <a16:creationId xmlns:a16="http://schemas.microsoft.com/office/drawing/2014/main" id="{4FDFC4D7-0D9C-45A8-B987-9402A73D9013}"/>
-              </a:ext>
-            </a:extLst>
-          </p:cNvPr>
-          <p:cNvCxnSpPr>
-            <a:cxnSpLocks/>
-          </p:cNvCxnSpPr>
-          <p:nvPr/>
-        </p:nvCxnSpPr>
-        <p:spPr>
-          <a:xfrm flipV="1">
-            <a:off x="623828" y="431231"/>
-            <a:ext cx="0" cy="2016000"/>
-          </a:xfrm>
-          <a:prstGeom prst="line">
-            <a:avLst/>
-          </a:prstGeom>
-          <a:ln w="3175">
-            <a:solidFill>
-              <a:schemeClr val="bg1">
-                <a:lumMod val="85000"/>
-              </a:schemeClr>
-            </a:solidFill>
-          </a:ln>
-        </p:spPr>
-        <p:style>
-          <a:lnRef idx="1">
-            <a:schemeClr val="accent1"/>
-          </a:lnRef>
-          <a:fillRef idx="0">
-            <a:schemeClr val="accent1"/>
-          </a:fillRef>
-          <a:effectRef idx="0">
-            <a:schemeClr val="accent1"/>
-          </a:effectRef>
-          <a:fontRef idx="minor">
-            <a:schemeClr val="tx1"/>
-          </a:fontRef>
-        </p:style>
-      </p:cxnSp>
-      <p:cxnSp>
-        <p:nvCxnSpPr>
-          <p:cNvPr id="124" name="Straight Connector 123">
-            <a:extLst>
-              <a:ext uri="{FF2B5EF4-FFF2-40B4-BE49-F238E27FC236}">
-                <a16:creationId xmlns:a16="http://schemas.microsoft.com/office/drawing/2014/main" id="{DC61E9BE-7D5F-47B6-805E-1DA10895EDB6}"/>
-              </a:ext>
-            </a:extLst>
-          </p:cNvPr>
-          <p:cNvCxnSpPr>
-            <a:cxnSpLocks/>
-          </p:cNvCxnSpPr>
-          <p:nvPr/>
-        </p:nvCxnSpPr>
-        <p:spPr>
-          <a:xfrm flipV="1">
-            <a:off x="751394" y="431231"/>
-            <a:ext cx="0" cy="2016000"/>
-          </a:xfrm>
-          <a:prstGeom prst="line">
-            <a:avLst/>
-          </a:prstGeom>
-          <a:ln w="3175">
-            <a:solidFill>
-              <a:schemeClr val="bg1">
-                <a:lumMod val="85000"/>
-              </a:schemeClr>
-            </a:solidFill>
-          </a:ln>
-        </p:spPr>
-        <p:style>
-          <a:lnRef idx="1">
-            <a:schemeClr val="accent1"/>
-          </a:lnRef>
-          <a:fillRef idx="0">
-            <a:schemeClr val="accent1"/>
-          </a:fillRef>
-          <a:effectRef idx="0">
-            <a:schemeClr val="accent1"/>
-          </a:effectRef>
-          <a:fontRef idx="minor">
-            <a:schemeClr val="tx1"/>
-          </a:fontRef>
-        </p:style>
-      </p:cxnSp>
-      <p:cxnSp>
-        <p:nvCxnSpPr>
-          <p:cNvPr id="125" name="Straight Connector 124">
-            <a:extLst>
-              <a:ext uri="{FF2B5EF4-FFF2-40B4-BE49-F238E27FC236}">
-                <a16:creationId xmlns:a16="http://schemas.microsoft.com/office/drawing/2014/main" id="{B4818C73-50B7-4001-ABEB-E7ECAA88AF8C}"/>
-              </a:ext>
-            </a:extLst>
-          </p:cNvPr>
-          <p:cNvCxnSpPr>
-            <a:cxnSpLocks/>
-          </p:cNvCxnSpPr>
-          <p:nvPr/>
-        </p:nvCxnSpPr>
-        <p:spPr>
-          <a:xfrm flipV="1">
-            <a:off x="1023050" y="431231"/>
-            <a:ext cx="0" cy="2016000"/>
-          </a:xfrm>
-          <a:prstGeom prst="line">
-            <a:avLst/>
-          </a:prstGeom>
-          <a:ln w="3175">
-            <a:solidFill>
-              <a:schemeClr val="bg1">
-                <a:lumMod val="85000"/>
-              </a:schemeClr>
-            </a:solidFill>
-          </a:ln>
-        </p:spPr>
-        <p:style>
-          <a:lnRef idx="1">
-            <a:schemeClr val="accent1"/>
-          </a:lnRef>
-          <a:fillRef idx="0">
-            <a:schemeClr val="accent1"/>
-          </a:fillRef>
-          <a:effectRef idx="0">
-            <a:schemeClr val="accent1"/>
-          </a:effectRef>
-          <a:fontRef idx="minor">
-            <a:schemeClr val="tx1"/>
-          </a:fontRef>
-        </p:style>
-      </p:cxnSp>
-      <p:cxnSp>
-        <p:nvCxnSpPr>
-          <p:cNvPr id="126" name="Straight Connector 125">
-            <a:extLst>
-              <a:ext uri="{FF2B5EF4-FFF2-40B4-BE49-F238E27FC236}">
-                <a16:creationId xmlns:a16="http://schemas.microsoft.com/office/drawing/2014/main" id="{D6EDD5C8-3336-4EA3-BD8D-9C243DDB7FBD}"/>
-              </a:ext>
-            </a:extLst>
-          </p:cNvPr>
-          <p:cNvCxnSpPr>
-            <a:cxnSpLocks/>
-          </p:cNvCxnSpPr>
-          <p:nvPr/>
-        </p:nvCxnSpPr>
-        <p:spPr>
-          <a:xfrm flipV="1">
-            <a:off x="1289198" y="431231"/>
-            <a:ext cx="0" cy="2016000"/>
-          </a:xfrm>
-          <a:prstGeom prst="line">
-            <a:avLst/>
-          </a:prstGeom>
-          <a:ln w="3175">
-            <a:solidFill>
-              <a:schemeClr val="bg1">
-                <a:lumMod val="85000"/>
-              </a:schemeClr>
-            </a:solidFill>
-          </a:ln>
-        </p:spPr>
-        <p:style>
-          <a:lnRef idx="1">
-            <a:schemeClr val="accent1"/>
-          </a:lnRef>
-          <a:fillRef idx="0">
-            <a:schemeClr val="accent1"/>
-          </a:fillRef>
-          <a:effectRef idx="0">
-            <a:schemeClr val="accent1"/>
-          </a:effectRef>
-          <a:fontRef idx="minor">
-            <a:schemeClr val="tx1"/>
-          </a:fontRef>
-        </p:style>
-      </p:cxnSp>
-      <p:cxnSp>
-        <p:nvCxnSpPr>
-          <p:cNvPr id="127" name="Straight Connector 126">
-            <a:extLst>
-              <a:ext uri="{FF2B5EF4-FFF2-40B4-BE49-F238E27FC236}">
-                <a16:creationId xmlns:a16="http://schemas.microsoft.com/office/drawing/2014/main" id="{69A33F02-114D-49FA-9DC0-E92B504966D4}"/>
-              </a:ext>
-            </a:extLst>
-          </p:cNvPr>
-          <p:cNvCxnSpPr>
-            <a:cxnSpLocks/>
-          </p:cNvCxnSpPr>
-          <p:nvPr/>
-        </p:nvCxnSpPr>
-        <p:spPr>
-          <a:xfrm flipV="1">
-            <a:off x="889976" y="431231"/>
-            <a:ext cx="0" cy="2016000"/>
-          </a:xfrm>
-          <a:prstGeom prst="line">
-            <a:avLst/>
-          </a:prstGeom>
-          <a:ln w="3175">
-            <a:solidFill>
-              <a:schemeClr val="bg1">
-                <a:lumMod val="85000"/>
-              </a:schemeClr>
-            </a:solidFill>
-          </a:ln>
-        </p:spPr>
-        <p:style>
-          <a:lnRef idx="1">
-            <a:schemeClr val="accent1"/>
-          </a:lnRef>
-          <a:fillRef idx="0">
-            <a:schemeClr val="accent1"/>
-          </a:fillRef>
-          <a:effectRef idx="0">
-            <a:schemeClr val="accent1"/>
-          </a:effectRef>
-          <a:fontRef idx="minor">
-            <a:schemeClr val="tx1"/>
-          </a:fontRef>
-        </p:style>
-      </p:cxnSp>
-      <p:cxnSp>
-        <p:nvCxnSpPr>
-          <p:cNvPr id="128" name="Straight Connector 127">
-            <a:extLst>
-              <a:ext uri="{FF2B5EF4-FFF2-40B4-BE49-F238E27FC236}">
-                <a16:creationId xmlns:a16="http://schemas.microsoft.com/office/drawing/2014/main" id="{8301B603-9482-4ED2-8F83-76DE781BCBA1}"/>
-              </a:ext>
-            </a:extLst>
-          </p:cNvPr>
-          <p:cNvCxnSpPr>
-            <a:cxnSpLocks/>
-          </p:cNvCxnSpPr>
-          <p:nvPr/>
-        </p:nvCxnSpPr>
-        <p:spPr>
-          <a:xfrm flipV="1">
-            <a:off x="1156124" y="431231"/>
-            <a:ext cx="0" cy="2016000"/>
-          </a:xfrm>
-          <a:prstGeom prst="line">
-            <a:avLst/>
-          </a:prstGeom>
-          <a:ln w="3175">
-            <a:solidFill>
-              <a:schemeClr val="bg1">
-                <a:lumMod val="85000"/>
-              </a:schemeClr>
-            </a:solidFill>
-          </a:ln>
-        </p:spPr>
-        <p:style>
-          <a:lnRef idx="1">
-            <a:schemeClr val="accent1"/>
-          </a:lnRef>
-          <a:fillRef idx="0">
-            <a:schemeClr val="accent1"/>
-          </a:fillRef>
-          <a:effectRef idx="0">
-            <a:schemeClr val="accent1"/>
-          </a:effectRef>
-          <a:fontRef idx="minor">
-            <a:schemeClr val="tx1"/>
-          </a:fontRef>
-        </p:style>
-      </p:cxnSp>
-      <p:sp>
-        <p:nvSpPr>
-          <p:cNvPr id="10" name="Rectangle 9">
-            <a:extLst>
-              <a:ext uri="{FF2B5EF4-FFF2-40B4-BE49-F238E27FC236}">
-                <a16:creationId xmlns:a16="http://schemas.microsoft.com/office/drawing/2014/main" id="{2D225424-BB11-4468-B2E7-0EC0AA14DDE6}"/>
-              </a:ext>
-            </a:extLst>
-          </p:cNvPr>
-          <p:cNvSpPr/>
-          <p:nvPr/>
-        </p:nvSpPr>
-        <p:spPr>
-          <a:xfrm>
-            <a:off x="418641" y="431231"/>
-            <a:ext cx="2599200" cy="2044800"/>
-          </a:xfrm>
-          <a:prstGeom prst="rect">
-            <a:avLst/>
-          </a:prstGeom>
-          <a:noFill/>
-          <a:ln w="6350">
-            <a:solidFill>
-              <a:schemeClr val="bg1">
-                <a:lumMod val="85000"/>
-              </a:schemeClr>
-            </a:solidFill>
-          </a:ln>
-        </p:spPr>
-        <p:style>
-          <a:lnRef idx="2">
-            <a:schemeClr val="accent1">
-              <a:shade val="50000"/>
-            </a:schemeClr>
-          </a:lnRef>
-          <a:fillRef idx="1">
-            <a:schemeClr val="accent1"/>
-          </a:fillRef>
-          <a:effectRef idx="0">
-            <a:schemeClr val="accent1"/>
-          </a:effectRef>
-          <a:fontRef idx="minor">
-            <a:schemeClr val="lt1"/>
-          </a:fontRef>
-        </p:style>
-        <p:txBody>
-          <a:bodyPr rtlCol="0" anchor="ctr"/>
-          <a:lstStyle/>
-          <a:p>
-            <a:pPr algn="ctr"/>
-            <a:endParaRPr lang="en-GB"/>
-          </a:p>
-        </p:txBody>
-      </p:sp>
-      <p:cxnSp>
-        <p:nvCxnSpPr>
-          <p:cNvPr id="129" name="Straight Connector 128">
-            <a:extLst>
-              <a:ext uri="{FF2B5EF4-FFF2-40B4-BE49-F238E27FC236}">
-                <a16:creationId xmlns:a16="http://schemas.microsoft.com/office/drawing/2014/main" id="{720985E9-3FD9-4AC5-A937-A35B5C0EE3DD}"/>
-              </a:ext>
-            </a:extLst>
-          </p:cNvPr>
-          <p:cNvCxnSpPr>
-            <a:cxnSpLocks/>
-          </p:cNvCxnSpPr>
-          <p:nvPr/>
-        </p:nvCxnSpPr>
-        <p:spPr>
-          <a:xfrm flipH="1">
-            <a:off x="459954" y="1798197"/>
-            <a:ext cx="2557889" cy="0"/>
-          </a:xfrm>
-          <a:prstGeom prst="line">
-            <a:avLst/>
-          </a:prstGeom>
-          <a:ln w="3175">
-            <a:solidFill>
-              <a:schemeClr val="bg1">
-                <a:lumMod val="85000"/>
-              </a:schemeClr>
-            </a:solidFill>
-          </a:ln>
-        </p:spPr>
-        <p:style>
-          <a:lnRef idx="1">
-            <a:schemeClr val="accent1"/>
-          </a:lnRef>
-          <a:fillRef idx="0">
-            <a:schemeClr val="accent1"/>
-          </a:fillRef>
-          <a:effectRef idx="0">
-            <a:schemeClr val="accent1"/>
-          </a:effectRef>
-          <a:fontRef idx="minor">
-            <a:schemeClr val="tx1"/>
-          </a:fontRef>
-        </p:style>
-      </p:cxnSp>
-      <p:cxnSp>
-        <p:nvCxnSpPr>
-          <p:cNvPr id="130" name="Straight Connector 129">
-            <a:extLst>
-              <a:ext uri="{FF2B5EF4-FFF2-40B4-BE49-F238E27FC236}">
-                <a16:creationId xmlns:a16="http://schemas.microsoft.com/office/drawing/2014/main" id="{C271842B-5A19-4B4B-8CA9-3BEF69DE3995}"/>
-              </a:ext>
-            </a:extLst>
-          </p:cNvPr>
-          <p:cNvCxnSpPr>
-            <a:cxnSpLocks/>
-          </p:cNvCxnSpPr>
-          <p:nvPr/>
-        </p:nvCxnSpPr>
-        <p:spPr>
-          <a:xfrm flipH="1">
-            <a:off x="459954" y="1457592"/>
-            <a:ext cx="2557889" cy="0"/>
-          </a:xfrm>
-          <a:prstGeom prst="line">
-            <a:avLst/>
-          </a:prstGeom>
-          <a:ln w="3175">
-            <a:solidFill>
-              <a:schemeClr val="bg1">
-                <a:lumMod val="85000"/>
-              </a:schemeClr>
-            </a:solidFill>
-          </a:ln>
-        </p:spPr>
-        <p:style>
-          <a:lnRef idx="1">
-            <a:schemeClr val="accent1"/>
-          </a:lnRef>
-          <a:fillRef idx="0">
-            <a:schemeClr val="accent1"/>
-          </a:fillRef>
-          <a:effectRef idx="0">
-            <a:schemeClr val="accent1"/>
-          </a:effectRef>
-          <a:fontRef idx="minor">
-            <a:schemeClr val="tx1"/>
-          </a:fontRef>
-        </p:style>
-      </p:cxnSp>
-      <p:cxnSp>
-        <p:nvCxnSpPr>
-          <p:cNvPr id="131" name="Straight Connector 130">
-            <a:extLst>
-              <a:ext uri="{FF2B5EF4-FFF2-40B4-BE49-F238E27FC236}">
-                <a16:creationId xmlns:a16="http://schemas.microsoft.com/office/drawing/2014/main" id="{3B78EF68-0462-4676-8BE2-F578098E6645}"/>
-              </a:ext>
-            </a:extLst>
-          </p:cNvPr>
-          <p:cNvCxnSpPr>
-            <a:cxnSpLocks/>
-          </p:cNvCxnSpPr>
-          <p:nvPr/>
-        </p:nvCxnSpPr>
-        <p:spPr>
-          <a:xfrm flipH="1">
-            <a:off x="459954" y="1116069"/>
-            <a:ext cx="2557889" cy="0"/>
-          </a:xfrm>
-          <a:prstGeom prst="line">
-            <a:avLst/>
-          </a:prstGeom>
-          <a:ln w="3175">
-            <a:solidFill>
-              <a:schemeClr val="bg1">
-                <a:lumMod val="85000"/>
-              </a:schemeClr>
-            </a:solidFill>
-          </a:ln>
-        </p:spPr>
-        <p:style>
-          <a:lnRef idx="1">
-            <a:schemeClr val="accent1"/>
-          </a:lnRef>
-          <a:fillRef idx="0">
-            <a:schemeClr val="accent1"/>
-          </a:fillRef>
-          <a:effectRef idx="0">
-            <a:schemeClr val="accent1"/>
-          </a:effectRef>
-          <a:fontRef idx="minor">
-            <a:schemeClr val="tx1"/>
-          </a:fontRef>
-        </p:style>
-      </p:cxnSp>
-      <p:cxnSp>
-        <p:nvCxnSpPr>
-          <p:cNvPr id="132" name="Straight Connector 131">
-            <a:extLst>
-              <a:ext uri="{FF2B5EF4-FFF2-40B4-BE49-F238E27FC236}">
-                <a16:creationId xmlns:a16="http://schemas.microsoft.com/office/drawing/2014/main" id="{34D9085C-5EF4-4A1C-810A-D63FD9359E76}"/>
-              </a:ext>
-            </a:extLst>
-          </p:cNvPr>
-          <p:cNvCxnSpPr>
-            <a:cxnSpLocks/>
-          </p:cNvCxnSpPr>
-          <p:nvPr/>
-        </p:nvCxnSpPr>
-        <p:spPr>
-          <a:xfrm flipH="1">
-            <a:off x="459954" y="772710"/>
-            <a:ext cx="2557889" cy="0"/>
-          </a:xfrm>
-          <a:prstGeom prst="line">
-            <a:avLst/>
-          </a:prstGeom>
-          <a:ln w="3175">
-            <a:solidFill>
-              <a:schemeClr val="bg1">
-                <a:lumMod val="85000"/>
-              </a:schemeClr>
-            </a:solidFill>
-          </a:ln>
-        </p:spPr>
-        <p:style>
-          <a:lnRef idx="1">
-            <a:schemeClr val="accent1"/>
-          </a:lnRef>
-          <a:fillRef idx="0">
-            <a:schemeClr val="accent1"/>
-          </a:fillRef>
-          <a:effectRef idx="0">
-            <a:schemeClr val="accent1"/>
-          </a:effectRef>
-          <a:fontRef idx="minor">
-            <a:schemeClr val="tx1"/>
-          </a:fontRef>
-        </p:style>
-      </p:cxnSp>
-      <p:cxnSp>
-        <p:nvCxnSpPr>
-          <p:cNvPr id="133" name="Straight Connector 132">
-            <a:extLst>
-              <a:ext uri="{FF2B5EF4-FFF2-40B4-BE49-F238E27FC236}">
-                <a16:creationId xmlns:a16="http://schemas.microsoft.com/office/drawing/2014/main" id="{918D9089-A0F9-4716-8941-1A5174365348}"/>
-              </a:ext>
-            </a:extLst>
-          </p:cNvPr>
-          <p:cNvCxnSpPr>
-            <a:cxnSpLocks/>
-          </p:cNvCxnSpPr>
-          <p:nvPr/>
-        </p:nvCxnSpPr>
-        <p:spPr>
-          <a:xfrm flipH="1">
-            <a:off x="418642" y="2137884"/>
-            <a:ext cx="2599199" cy="0"/>
-          </a:xfrm>
-          <a:prstGeom prst="line">
-            <a:avLst/>
-          </a:prstGeom>
-          <a:ln w="19050">
-            <a:solidFill>
-              <a:schemeClr val="accent2">
-                <a:lumMod val="75000"/>
-              </a:schemeClr>
-            </a:solidFill>
-          </a:ln>
-        </p:spPr>
-        <p:style>
-          <a:lnRef idx="1">
-            <a:schemeClr val="accent1"/>
-          </a:lnRef>
-          <a:fillRef idx="0">
-            <a:schemeClr val="accent1"/>
-          </a:fillRef>
-          <a:effectRef idx="0">
-            <a:schemeClr val="accent1"/>
-          </a:effectRef>
-          <a:fontRef idx="minor">
-            <a:schemeClr val="tx1"/>
-          </a:fontRef>
-        </p:style>
-      </p:cxnSp>
-      <p:sp>
-        <p:nvSpPr>
-          <p:cNvPr id="88" name="TextBox 87">
-            <a:extLst>
-              <a:ext uri="{FF2B5EF4-FFF2-40B4-BE49-F238E27FC236}">
-                <a16:creationId xmlns:a16="http://schemas.microsoft.com/office/drawing/2014/main" id="{6B46E34C-7AEE-46D7-9232-D2BE0C957E6E}"/>
-              </a:ext>
-            </a:extLst>
-          </p:cNvPr>
-          <p:cNvSpPr txBox="1"/>
-          <p:nvPr/>
-        </p:nvSpPr>
-        <p:spPr>
-          <a:xfrm>
-            <a:off x="1795630" y="2055807"/>
-            <a:ext cx="1152000" cy="338554"/>
+            <a:off x="1954500" y="2191388"/>
+            <a:ext cx="1152000" cy="215444"/>
           </a:xfrm>
           <a:prstGeom prst="rect">
             <a:avLst/>
@@ -7026,32 +4499,17 @@
             <a:pPr algn="ctr"/>
             <a:r>
               <a:rPr lang="en-GB" sz="800" dirty="0"/>
-              <a:t>85</a:t>
-            </a:r>
-            <a:r>
-              <a:rPr lang="en-GB" sz="800" baseline="30000" dirty="0"/>
-              <a:t>th</a:t>
-            </a:r>
-            <a:r>
-              <a:rPr lang="en-GB" sz="800" dirty="0"/>
-              <a:t> percentile</a:t>
-            </a:r>
-          </a:p>
-          <a:p>
-            <a:pPr algn="ctr"/>
-            <a:r>
-              <a:rPr lang="en-GB" sz="800" dirty="0"/>
-              <a:t>(tp &gt;= 9.419 mm/12h)</a:t>
-            </a:r>
-          </a:p>
-        </p:txBody>
-      </p:sp>
-      <p:sp>
-        <p:nvSpPr>
-          <p:cNvPr id="134" name="TextBox 133">
+              <a:t>tp &gt;= 9.419 mm/12h</a:t>
+            </a:r>
+          </a:p>
+        </p:txBody>
+      </p:sp>
+      <p:sp>
+        <p:nvSpPr>
+          <p:cNvPr id="28" name="TextBox 27">
             <a:extLst>
               <a:ext uri="{FF2B5EF4-FFF2-40B4-BE49-F238E27FC236}">
-                <a16:creationId xmlns:a16="http://schemas.microsoft.com/office/drawing/2014/main" id="{7E134258-FBD3-4275-B9A4-D69865C2A1A2}"/>
+                <a16:creationId xmlns:a16="http://schemas.microsoft.com/office/drawing/2014/main" id="{1B6DC95C-2A65-4E12-B9B5-6FA072B768AD}"/>
               </a:ext>
             </a:extLst>
           </p:cNvPr>
@@ -7059,9 +4517,9 @@
           <p:nvPr/>
         </p:nvSpPr>
         <p:spPr>
-          <a:xfrm>
-            <a:off x="368078" y="1957336"/>
-            <a:ext cx="537872" cy="215444"/>
+          <a:xfrm rot="16200000">
+            <a:off x="-636861" y="3667697"/>
+            <a:ext cx="1966466" cy="215444"/>
           </a:xfrm>
           <a:prstGeom prst="rect">
             <a:avLst/>
@@ -7074,15 +4532,98 @@
           </a:bodyPr>
           <a:lstStyle/>
           <a:p>
-            <a:r>
-              <a:rPr lang="en-GB" sz="800" b="1" dirty="0">
-                <a:solidFill>
-                  <a:schemeClr val="accent2">
-                    <a:lumMod val="75000"/>
-                  </a:schemeClr>
-                </a:solidFill>
-              </a:rPr>
-              <a:t>No Skill</a:t>
+            <a:pPr algn="ctr"/>
+            <a:r>
+              <a:rPr lang="en-GB" sz="800" dirty="0"/>
+              <a:t>Area under the ROC</a:t>
+            </a:r>
+          </a:p>
+        </p:txBody>
+      </p:sp>
+      <p:sp>
+        <p:nvSpPr>
+          <p:cNvPr id="29" name="TextBox 28">
+            <a:extLst>
+              <a:ext uri="{FF2B5EF4-FFF2-40B4-BE49-F238E27FC236}">
+                <a16:creationId xmlns:a16="http://schemas.microsoft.com/office/drawing/2014/main" id="{7E9D24DC-2D99-4FC8-9293-BBA859DAD20B}"/>
+              </a:ext>
+            </a:extLst>
+          </p:cNvPr>
+          <p:cNvSpPr txBox="1"/>
+          <p:nvPr/>
+        </p:nvSpPr>
+        <p:spPr>
+          <a:xfrm rot="16200000">
+            <a:off x="-856004" y="1351107"/>
+            <a:ext cx="1966466" cy="246221"/>
+          </a:xfrm>
+          <a:prstGeom prst="rect">
+            <a:avLst/>
+          </a:prstGeom>
+          <a:noFill/>
+        </p:spPr>
+        <p:txBody>
+          <a:bodyPr wrap="square" rtlCol="0">
+            <a:spAutoFit/>
+          </a:bodyPr>
+          <a:lstStyle/>
+          <a:p>
+            <a:pPr algn="ctr"/>
+            <a:r>
+              <a:rPr lang="en-GB" sz="1000" b="1" dirty="0"/>
+              <a:t>85</a:t>
+            </a:r>
+            <a:r>
+              <a:rPr lang="en-GB" sz="1000" b="1" baseline="30000" dirty="0"/>
+              <a:t>th</a:t>
+            </a:r>
+            <a:r>
+              <a:rPr lang="en-GB" sz="1000" b="1" dirty="0"/>
+              <a:t> percentile</a:t>
+            </a:r>
+          </a:p>
+        </p:txBody>
+      </p:sp>
+      <p:sp>
+        <p:nvSpPr>
+          <p:cNvPr id="30" name="TextBox 29">
+            <a:extLst>
+              <a:ext uri="{FF2B5EF4-FFF2-40B4-BE49-F238E27FC236}">
+                <a16:creationId xmlns:a16="http://schemas.microsoft.com/office/drawing/2014/main" id="{98873132-B7AF-401D-96F8-984F7D17D771}"/>
+              </a:ext>
+            </a:extLst>
+          </p:cNvPr>
+          <p:cNvSpPr txBox="1"/>
+          <p:nvPr/>
+        </p:nvSpPr>
+        <p:spPr>
+          <a:xfrm rot="16200000">
+            <a:off x="-856004" y="3652309"/>
+            <a:ext cx="1966466" cy="246221"/>
+          </a:xfrm>
+          <a:prstGeom prst="rect">
+            <a:avLst/>
+          </a:prstGeom>
+          <a:noFill/>
+        </p:spPr>
+        <p:txBody>
+          <a:bodyPr wrap="square" rtlCol="0">
+            <a:spAutoFit/>
+          </a:bodyPr>
+          <a:lstStyle/>
+          <a:p>
+            <a:pPr algn="ctr"/>
+            <a:r>
+              <a:rPr lang="en-GB" sz="1000" b="1" dirty="0"/>
+              <a:t>99</a:t>
+            </a:r>
+            <a:r>
+              <a:rPr lang="en-GB" sz="1000" b="1" baseline="30000" dirty="0"/>
+              <a:t>th</a:t>
+            </a:r>
+            <a:r>
+              <a:rPr lang="en-GB" sz="1000" b="1" dirty="0"/>
+              <a:t> percentile</a:t>
             </a:r>
           </a:p>
         </p:txBody>
@@ -7090,7 +4631,7 @@
     </p:spTree>
     <p:extLst>
       <p:ext uri="{BB962C8B-B14F-4D97-AF65-F5344CB8AC3E}">
-        <p14:creationId xmlns:p14="http://schemas.microsoft.com/office/powerpoint/2010/main" val="4285056876"/>
+        <p14:creationId xmlns:p14="http://schemas.microsoft.com/office/powerpoint/2010/main" val="1489261767"/>
       </p:ext>
     </p:extLst>
   </p:cSld>

--- a/Manuscript/Figures/AURC_EFFCI06.pptx
+++ b/Manuscript/Figures/AURC_EFFCI06.pptx
@@ -6,6 +6,7 @@
   </p:sldMasterIdLst>
   <p:sldIdLst>
     <p:sldId id="259" r:id="rId2"/>
+    <p:sldId id="260" r:id="rId3"/>
   </p:sldIdLst>
   <p:sldSz cx="6119813" cy="5400675"/>
   <p:notesSz cx="6858000" cy="9144000"/>
@@ -115,7 +116,7 @@
 <file path=ppt/revisionInfo.xml><?xml version="1.0" encoding="utf-8"?>
 <p1510:revInfo xmlns:a="http://schemas.openxmlformats.org/drawingml/2006/main" xmlns:r="http://schemas.openxmlformats.org/officeDocument/2006/relationships" xmlns:p1510="http://schemas.microsoft.com/office/powerpoint/2015/10/main">
   <p1510:revLst>
-    <p1510:client id="{AEACF5B8-E1B8-484D-AA65-19A39BABB57B}" v="36" dt="2022-01-19T05:12:37.086"/>
+    <p1510:client id="{AEACF5B8-E1B8-484D-AA65-19A39BABB57B}" v="39" dt="2022-01-19T06:45:10.832"/>
   </p1510:revLst>
 </p1510:revInfo>
 </file>
@@ -125,12 +126,12 @@
   <pc:docChgLst>
     <pc:chgData name="Fatima Pillosu" userId="a6295d4dc9e22643" providerId="LiveId" clId="{AEACF5B8-E1B8-484D-AA65-19A39BABB57B}"/>
     <pc:docChg chg="undo redo custSel addSld delSld modSld">
-      <pc:chgData name="Fatima Pillosu" userId="a6295d4dc9e22643" providerId="LiveId" clId="{AEACF5B8-E1B8-484D-AA65-19A39BABB57B}" dt="2022-01-19T05:15:05.951" v="812" actId="20577"/>
+      <pc:chgData name="Fatima Pillosu" userId="a6295d4dc9e22643" providerId="LiveId" clId="{AEACF5B8-E1B8-484D-AA65-19A39BABB57B}" dt="2022-01-19T06:47:17.686" v="895" actId="1038"/>
       <pc:docMkLst>
         <pc:docMk/>
       </pc:docMkLst>
       <pc:sldChg chg="addSp delSp modSp mod">
-        <pc:chgData name="Fatima Pillosu" userId="a6295d4dc9e22643" providerId="LiveId" clId="{AEACF5B8-E1B8-484D-AA65-19A39BABB57B}" dt="2022-01-19T05:15:05.951" v="812" actId="20577"/>
+        <pc:chgData name="Fatima Pillosu" userId="a6295d4dc9e22643" providerId="LiveId" clId="{AEACF5B8-E1B8-484D-AA65-19A39BABB57B}" dt="2022-01-19T06:47:17.686" v="895" actId="1038"/>
         <pc:sldMkLst>
           <pc:docMk/>
           <pc:sldMk cId="1489261767" sldId="259"/>
@@ -168,31 +169,39 @@
           </ac:spMkLst>
         </pc:spChg>
         <pc:spChg chg="add mod">
-          <ac:chgData name="Fatima Pillosu" userId="a6295d4dc9e22643" providerId="LiveId" clId="{AEACF5B8-E1B8-484D-AA65-19A39BABB57B}" dt="2022-01-19T05:15:00.113" v="803" actId="1037"/>
+          <ac:chgData name="Fatima Pillosu" userId="a6295d4dc9e22643" providerId="LiveId" clId="{AEACF5B8-E1B8-484D-AA65-19A39BABB57B}" dt="2022-01-19T06:47:04.685" v="893" actId="1037"/>
+          <ac:spMkLst>
+            <pc:docMk/>
+            <pc:sldMk cId="1489261767" sldId="259"/>
+            <ac:spMk id="14" creationId="{B10ECE7D-1D46-4A4A-A5E3-EDF4B65ACA38}"/>
+          </ac:spMkLst>
+        </pc:spChg>
+        <pc:spChg chg="add del mod">
+          <ac:chgData name="Fatima Pillosu" userId="a6295d4dc9e22643" providerId="LiveId" clId="{AEACF5B8-E1B8-484D-AA65-19A39BABB57B}" dt="2022-01-19T06:42:45.039" v="843" actId="478"/>
           <ac:spMkLst>
             <pc:docMk/>
             <pc:sldMk cId="1489261767" sldId="259"/>
             <ac:spMk id="24" creationId="{8EED52F0-3C91-4E2A-9B21-9611DD4ADB49}"/>
           </ac:spMkLst>
         </pc:spChg>
-        <pc:spChg chg="add mod">
-          <ac:chgData name="Fatima Pillosu" userId="a6295d4dc9e22643" providerId="LiveId" clId="{AEACF5B8-E1B8-484D-AA65-19A39BABB57B}" dt="2022-01-19T05:15:00.113" v="803" actId="1037"/>
+        <pc:spChg chg="add del mod">
+          <ac:chgData name="Fatima Pillosu" userId="a6295d4dc9e22643" providerId="LiveId" clId="{AEACF5B8-E1B8-484D-AA65-19A39BABB57B}" dt="2022-01-19T06:42:45.039" v="843" actId="478"/>
           <ac:spMkLst>
             <pc:docMk/>
             <pc:sldMk cId="1489261767" sldId="259"/>
             <ac:spMk id="25" creationId="{989CC310-3A85-4936-8D93-1EDBE70B42CA}"/>
           </ac:spMkLst>
         </pc:spChg>
-        <pc:spChg chg="add mod">
-          <ac:chgData name="Fatima Pillosu" userId="a6295d4dc9e22643" providerId="LiveId" clId="{AEACF5B8-E1B8-484D-AA65-19A39BABB57B}" dt="2022-01-19T05:15:00.113" v="803" actId="1037"/>
+        <pc:spChg chg="add del mod">
+          <ac:chgData name="Fatima Pillosu" userId="a6295d4dc9e22643" providerId="LiveId" clId="{AEACF5B8-E1B8-484D-AA65-19A39BABB57B}" dt="2022-01-19T06:42:45.039" v="843" actId="478"/>
           <ac:spMkLst>
             <pc:docMk/>
             <pc:sldMk cId="1489261767" sldId="259"/>
             <ac:spMk id="26" creationId="{3A5A59EC-905F-4773-9E33-4910A6BDE60B}"/>
           </ac:spMkLst>
         </pc:spChg>
-        <pc:spChg chg="add mod">
-          <ac:chgData name="Fatima Pillosu" userId="a6295d4dc9e22643" providerId="LiveId" clId="{AEACF5B8-E1B8-484D-AA65-19A39BABB57B}" dt="2022-01-19T05:15:00.113" v="803" actId="1037"/>
+        <pc:spChg chg="add del mod">
+          <ac:chgData name="Fatima Pillosu" userId="a6295d4dc9e22643" providerId="LiveId" clId="{AEACF5B8-E1B8-484D-AA65-19A39BABB57B}" dt="2022-01-19T06:42:39.596" v="842" actId="478"/>
           <ac:spMkLst>
             <pc:docMk/>
             <pc:sldMk cId="1489261767" sldId="259"/>
@@ -223,6 +232,14 @@
             <ac:spMk id="30" creationId="{98873132-B7AF-401D-96F8-984F7D17D771}"/>
           </ac:spMkLst>
         </pc:spChg>
+        <pc:spChg chg="add mod">
+          <ac:chgData name="Fatima Pillosu" userId="a6295d4dc9e22643" providerId="LiveId" clId="{AEACF5B8-E1B8-484D-AA65-19A39BABB57B}" dt="2022-01-19T06:47:17.686" v="895" actId="1038"/>
+          <ac:spMkLst>
+            <pc:docMk/>
+            <pc:sldMk cId="1489261767" sldId="259"/>
+            <ac:spMk id="31" creationId="{0D213BC1-D79D-4039-A257-B02AC42826B4}"/>
+          </ac:spMkLst>
+        </pc:spChg>
         <pc:spChg chg="del mod">
           <ac:chgData name="Fatima Pillosu" userId="a6295d4dc9e22643" providerId="LiveId" clId="{AEACF5B8-E1B8-484D-AA65-19A39BABB57B}" dt="2022-01-18T15:49:48.420" v="351" actId="21"/>
           <ac:spMkLst>
@@ -312,7 +329,7 @@
           </ac:spMkLst>
         </pc:spChg>
         <pc:spChg chg="add mod">
-          <ac:chgData name="Fatima Pillosu" userId="a6295d4dc9e22643" providerId="LiveId" clId="{AEACF5B8-E1B8-484D-AA65-19A39BABB57B}" dt="2022-01-19T05:15:00.113" v="803" actId="1037"/>
+          <ac:chgData name="Fatima Pillosu" userId="a6295d4dc9e22643" providerId="LiveId" clId="{AEACF5B8-E1B8-484D-AA65-19A39BABB57B}" dt="2022-01-19T06:43:43.244" v="852" actId="14100"/>
           <ac:spMkLst>
             <pc:docMk/>
             <pc:sldMk cId="1489261767" sldId="259"/>
@@ -328,7 +345,7 @@
           </ac:spMkLst>
         </pc:spChg>
         <pc:spChg chg="add mod">
-          <ac:chgData name="Fatima Pillosu" userId="a6295d4dc9e22643" providerId="LiveId" clId="{AEACF5B8-E1B8-484D-AA65-19A39BABB57B}" dt="2022-01-19T05:15:00.113" v="803" actId="1037"/>
+          <ac:chgData name="Fatima Pillosu" userId="a6295d4dc9e22643" providerId="LiveId" clId="{AEACF5B8-E1B8-484D-AA65-19A39BABB57B}" dt="2022-01-19T06:43:34.877" v="850" actId="14100"/>
           <ac:spMkLst>
             <pc:docMk/>
             <pc:sldMk cId="1489261767" sldId="259"/>
@@ -463,6 +480,14 @@
             <ac:spMk id="161" creationId="{91D08E8B-4E44-4400-9BC5-3BD9EF49592E}"/>
           </ac:spMkLst>
         </pc:spChg>
+        <pc:picChg chg="add mod modCrop">
+          <ac:chgData name="Fatima Pillosu" userId="a6295d4dc9e22643" providerId="LiveId" clId="{AEACF5B8-E1B8-484D-AA65-19A39BABB57B}" dt="2022-01-19T06:44:59.619" v="863" actId="1076"/>
+          <ac:picMkLst>
+            <pc:docMk/>
+            <pc:sldMk cId="1489261767" sldId="259"/>
+            <ac:picMk id="3" creationId="{31EDC471-8F26-45F9-8195-9F4871E92678}"/>
+          </ac:picMkLst>
+        </pc:picChg>
         <pc:picChg chg="add del mod modCrop">
           <ac:chgData name="Fatima Pillosu" userId="a6295d4dc9e22643" providerId="LiveId" clId="{AEACF5B8-E1B8-484D-AA65-19A39BABB57B}" dt="2022-01-19T05:03:16.088" v="637" actId="478"/>
           <ac:picMkLst>
@@ -471,8 +496,8 @@
             <ac:picMk id="3" creationId="{AA2AE781-3369-4FEB-9AFD-D06BB5047BFC}"/>
           </ac:picMkLst>
         </pc:picChg>
-        <pc:picChg chg="add mod modCrop">
-          <ac:chgData name="Fatima Pillosu" userId="a6295d4dc9e22643" providerId="LiveId" clId="{AEACF5B8-E1B8-484D-AA65-19A39BABB57B}" dt="2022-01-19T05:15:00.113" v="803" actId="1037"/>
+        <pc:picChg chg="add del mod modCrop">
+          <ac:chgData name="Fatima Pillosu" userId="a6295d4dc9e22643" providerId="LiveId" clId="{AEACF5B8-E1B8-484D-AA65-19A39BABB57B}" dt="2022-01-19T06:42:38.622" v="841" actId="478"/>
           <ac:picMkLst>
             <pc:docMk/>
             <pc:sldMk cId="1489261767" sldId="259"/>
@@ -487,6 +512,14 @@
             <ac:picMk id="5" creationId="{647CB8AE-FCBA-4B1B-8002-42FD30E3A189}"/>
           </ac:picMkLst>
         </pc:picChg>
+        <pc:picChg chg="add mod modCrop">
+          <ac:chgData name="Fatima Pillosu" userId="a6295d4dc9e22643" providerId="LiveId" clId="{AEACF5B8-E1B8-484D-AA65-19A39BABB57B}" dt="2022-01-19T06:43:05.825" v="846" actId="1076"/>
+          <ac:picMkLst>
+            <pc:docMk/>
+            <pc:sldMk cId="1489261767" sldId="259"/>
+            <ac:picMk id="6" creationId="{C9E139CE-4C20-4001-BEC3-ACB691DA2EAB}"/>
+          </ac:picMkLst>
+        </pc:picChg>
         <pc:picChg chg="add del mod modCrop">
           <ac:chgData name="Fatima Pillosu" userId="a6295d4dc9e22643" providerId="LiveId" clId="{AEACF5B8-E1B8-484D-AA65-19A39BABB57B}" dt="2022-01-19T05:03:17.835" v="640" actId="478"/>
           <ac:picMkLst>
@@ -495,12 +528,20 @@
             <ac:picMk id="7" creationId="{C5D75D13-E7EE-4CAA-8EE6-75C55E3EABCC}"/>
           </ac:picMkLst>
         </pc:picChg>
+        <pc:picChg chg="add del mod modCrop">
+          <ac:chgData name="Fatima Pillosu" userId="a6295d4dc9e22643" providerId="LiveId" clId="{AEACF5B8-E1B8-484D-AA65-19A39BABB57B}" dt="2022-01-19T06:42:45.039" v="843" actId="478"/>
+          <ac:picMkLst>
+            <pc:docMk/>
+            <pc:sldMk cId="1489261767" sldId="259"/>
+            <ac:picMk id="8" creationId="{F5FE749A-6756-492A-BFBF-75B353B54313}"/>
+          </ac:picMkLst>
+        </pc:picChg>
         <pc:picChg chg="add mod modCrop">
-          <ac:chgData name="Fatima Pillosu" userId="a6295d4dc9e22643" providerId="LiveId" clId="{AEACF5B8-E1B8-484D-AA65-19A39BABB57B}" dt="2022-01-19T05:15:00.113" v="803" actId="1037"/>
+          <ac:chgData name="Fatima Pillosu" userId="a6295d4dc9e22643" providerId="LiveId" clId="{AEACF5B8-E1B8-484D-AA65-19A39BABB57B}" dt="2022-01-19T06:43:19.449" v="848" actId="1076"/>
           <ac:picMkLst>
             <pc:docMk/>
             <pc:sldMk cId="1489261767" sldId="259"/>
-            <ac:picMk id="8" creationId="{F5FE749A-6756-492A-BFBF-75B353B54313}"/>
+            <ac:picMk id="9" creationId="{4CFB7DB8-BDE4-4C3F-9871-6CB85E9BC2EF}"/>
           </ac:picMkLst>
         </pc:picChg>
         <pc:picChg chg="add del mod modCrop">
@@ -511,8 +552,8 @@
             <ac:picMk id="9" creationId="{9D6BA245-8585-4D56-B1A9-2CA927A6C293}"/>
           </ac:picMkLst>
         </pc:picChg>
-        <pc:picChg chg="add mod modCrop">
-          <ac:chgData name="Fatima Pillosu" userId="a6295d4dc9e22643" providerId="LiveId" clId="{AEACF5B8-E1B8-484D-AA65-19A39BABB57B}" dt="2022-01-19T05:15:00.113" v="803" actId="1037"/>
+        <pc:picChg chg="add del mod modCrop">
+          <ac:chgData name="Fatima Pillosu" userId="a6295d4dc9e22643" providerId="LiveId" clId="{AEACF5B8-E1B8-484D-AA65-19A39BABB57B}" dt="2022-01-19T06:42:45.039" v="843" actId="478"/>
           <ac:picMkLst>
             <pc:docMk/>
             <pc:sldMk cId="1489261767" sldId="259"/>
@@ -520,7 +561,15 @@
           </ac:picMkLst>
         </pc:picChg>
         <pc:picChg chg="add mod modCrop">
-          <ac:chgData name="Fatima Pillosu" userId="a6295d4dc9e22643" providerId="LiveId" clId="{AEACF5B8-E1B8-484D-AA65-19A39BABB57B}" dt="2022-01-19T05:15:00.113" v="803" actId="1037"/>
+          <ac:chgData name="Fatima Pillosu" userId="a6295d4dc9e22643" providerId="LiveId" clId="{AEACF5B8-E1B8-484D-AA65-19A39BABB57B}" dt="2022-01-19T06:42:53.038" v="844" actId="1076"/>
+          <ac:picMkLst>
+            <pc:docMk/>
+            <pc:sldMk cId="1489261767" sldId="259"/>
+            <ac:picMk id="12" creationId="{8A69F0C2-AA0A-4D93-86C9-8BC74905DDA8}"/>
+          </ac:picMkLst>
+        </pc:picChg>
+        <pc:picChg chg="add del mod modCrop">
+          <ac:chgData name="Fatima Pillosu" userId="a6295d4dc9e22643" providerId="LiveId" clId="{AEACF5B8-E1B8-484D-AA65-19A39BABB57B}" dt="2022-01-19T06:42:45.039" v="843" actId="478"/>
           <ac:picMkLst>
             <pc:docMk/>
             <pc:sldMk cId="1489261767" sldId="259"/>
@@ -975,6 +1024,13 @@
             <ac:cxnSpMk id="133" creationId="{918D9089-A0F9-4716-8941-1A5174365348}"/>
           </ac:cxnSpMkLst>
         </pc:cxnChg>
+      </pc:sldChg>
+      <pc:sldChg chg="add">
+        <pc:chgData name="Fatima Pillosu" userId="a6295d4dc9e22643" providerId="LiveId" clId="{AEACF5B8-E1B8-484D-AA65-19A39BABB57B}" dt="2022-01-19T06:42:34.931" v="840" actId="2890"/>
+        <pc:sldMkLst>
+          <pc:docMk/>
+          <pc:sldMk cId="1512648315" sldId="260"/>
+        </pc:sldMkLst>
       </pc:sldChg>
       <pc:sldChg chg="del">
         <pc:chgData name="Fatima Pillosu" userId="a6295d4dc9e22643" providerId="LiveId" clId="{AEACF5B8-E1B8-484D-AA65-19A39BABB57B}" dt="2022-01-18T15:23:47.476" v="0" actId="47"/>
@@ -3904,8 +3960,8 @@
         </p:nvSpPr>
         <p:spPr>
           <a:xfrm>
-            <a:off x="628650" y="271033"/>
-            <a:ext cx="2539436" cy="246221"/>
+            <a:off x="687736" y="271033"/>
+            <a:ext cx="2542730" cy="246221"/>
           </a:xfrm>
           <a:prstGeom prst="rect">
             <a:avLst/>
@@ -3940,8 +3996,8 @@
         </p:nvSpPr>
         <p:spPr>
           <a:xfrm>
-            <a:off x="3505200" y="271033"/>
-            <a:ext cx="2524034" cy="246221"/>
+            <a:off x="3546396" y="271033"/>
+            <a:ext cx="2542730" cy="246221"/>
           </a:xfrm>
           <a:prstGeom prst="rect">
             <a:avLst/>
@@ -4192,6 +4248,708 @@
           </a:p>
         </p:txBody>
       </p:sp>
+      <p:sp>
+        <p:nvSpPr>
+          <p:cNvPr id="28" name="TextBox 27">
+            <a:extLst>
+              <a:ext uri="{FF2B5EF4-FFF2-40B4-BE49-F238E27FC236}">
+                <a16:creationId xmlns:a16="http://schemas.microsoft.com/office/drawing/2014/main" id="{1B6DC95C-2A65-4E12-B9B5-6FA072B768AD}"/>
+              </a:ext>
+            </a:extLst>
+          </p:cNvPr>
+          <p:cNvSpPr txBox="1"/>
+          <p:nvPr/>
+        </p:nvSpPr>
+        <p:spPr>
+          <a:xfrm rot="16200000">
+            <a:off x="-636861" y="3667697"/>
+            <a:ext cx="1966466" cy="215444"/>
+          </a:xfrm>
+          <a:prstGeom prst="rect">
+            <a:avLst/>
+          </a:prstGeom>
+          <a:noFill/>
+        </p:spPr>
+        <p:txBody>
+          <a:bodyPr wrap="square" rtlCol="0">
+            <a:spAutoFit/>
+          </a:bodyPr>
+          <a:lstStyle/>
+          <a:p>
+            <a:pPr algn="ctr"/>
+            <a:r>
+              <a:rPr lang="en-GB" sz="800" dirty="0"/>
+              <a:t>Area under the ROC</a:t>
+            </a:r>
+          </a:p>
+        </p:txBody>
+      </p:sp>
+      <p:sp>
+        <p:nvSpPr>
+          <p:cNvPr id="29" name="TextBox 28">
+            <a:extLst>
+              <a:ext uri="{FF2B5EF4-FFF2-40B4-BE49-F238E27FC236}">
+                <a16:creationId xmlns:a16="http://schemas.microsoft.com/office/drawing/2014/main" id="{7E9D24DC-2D99-4FC8-9293-BBA859DAD20B}"/>
+              </a:ext>
+            </a:extLst>
+          </p:cNvPr>
+          <p:cNvSpPr txBox="1"/>
+          <p:nvPr/>
+        </p:nvSpPr>
+        <p:spPr>
+          <a:xfrm rot="16200000">
+            <a:off x="-856004" y="1351107"/>
+            <a:ext cx="1966466" cy="246221"/>
+          </a:xfrm>
+          <a:prstGeom prst="rect">
+            <a:avLst/>
+          </a:prstGeom>
+          <a:noFill/>
+        </p:spPr>
+        <p:txBody>
+          <a:bodyPr wrap="square" rtlCol="0">
+            <a:spAutoFit/>
+          </a:bodyPr>
+          <a:lstStyle/>
+          <a:p>
+            <a:pPr algn="ctr"/>
+            <a:r>
+              <a:rPr lang="en-GB" sz="1000" b="1" dirty="0"/>
+              <a:t>85</a:t>
+            </a:r>
+            <a:r>
+              <a:rPr lang="en-GB" sz="1000" b="1" baseline="30000" dirty="0"/>
+              <a:t>th</a:t>
+            </a:r>
+            <a:r>
+              <a:rPr lang="en-GB" sz="1000" b="1" dirty="0"/>
+              <a:t> percentile</a:t>
+            </a:r>
+          </a:p>
+        </p:txBody>
+      </p:sp>
+      <p:sp>
+        <p:nvSpPr>
+          <p:cNvPr id="30" name="TextBox 29">
+            <a:extLst>
+              <a:ext uri="{FF2B5EF4-FFF2-40B4-BE49-F238E27FC236}">
+                <a16:creationId xmlns:a16="http://schemas.microsoft.com/office/drawing/2014/main" id="{98873132-B7AF-401D-96F8-984F7D17D771}"/>
+              </a:ext>
+            </a:extLst>
+          </p:cNvPr>
+          <p:cNvSpPr txBox="1"/>
+          <p:nvPr/>
+        </p:nvSpPr>
+        <p:spPr>
+          <a:xfrm rot="16200000">
+            <a:off x="-856004" y="3652309"/>
+            <a:ext cx="1966466" cy="246221"/>
+          </a:xfrm>
+          <a:prstGeom prst="rect">
+            <a:avLst/>
+          </a:prstGeom>
+          <a:noFill/>
+        </p:spPr>
+        <p:txBody>
+          <a:bodyPr wrap="square" rtlCol="0">
+            <a:spAutoFit/>
+          </a:bodyPr>
+          <a:lstStyle/>
+          <a:p>
+            <a:pPr algn="ctr"/>
+            <a:r>
+              <a:rPr lang="en-GB" sz="1000" b="1" dirty="0"/>
+              <a:t>99</a:t>
+            </a:r>
+            <a:r>
+              <a:rPr lang="en-GB" sz="1000" b="1" baseline="30000" dirty="0"/>
+              <a:t>th</a:t>
+            </a:r>
+            <a:r>
+              <a:rPr lang="en-GB" sz="1000" b="1" dirty="0"/>
+              <a:t> percentile</a:t>
+            </a:r>
+          </a:p>
+        </p:txBody>
+      </p:sp>
+      <p:pic>
+        <p:nvPicPr>
+          <p:cNvPr id="3" name="Picture 2" descr="Chart, line chart&#10;&#10;Description automatically generated">
+            <a:extLst>
+              <a:ext uri="{FF2B5EF4-FFF2-40B4-BE49-F238E27FC236}">
+                <a16:creationId xmlns:a16="http://schemas.microsoft.com/office/drawing/2014/main" id="{31EDC471-8F26-45F9-8195-9F4871E92678}"/>
+              </a:ext>
+            </a:extLst>
+          </p:cNvPr>
+          <p:cNvPicPr>
+            <a:picLocks noChangeAspect="1"/>
+          </p:cNvPicPr>
+          <p:nvPr/>
+        </p:nvPicPr>
+        <p:blipFill rotWithShape="1">
+          <a:blip r:embed="rId2">
+            <a:extLst>
+              <a:ext uri="{28A0092B-C50C-407E-A947-70E740481C1C}">
+                <a14:useLocalDpi xmlns:a14="http://schemas.microsoft.com/office/drawing/2010/main" val="0"/>
+              </a:ext>
+            </a:extLst>
+          </a:blip>
+          <a:srcRect l="6115" t="5383" r="8815" b="10695"/>
+          <a:stretch/>
+        </p:blipFill>
+        <p:spPr>
+          <a:xfrm>
+            <a:off x="474203" y="509399"/>
+            <a:ext cx="2756263" cy="2038554"/>
+          </a:xfrm>
+          <a:prstGeom prst="rect">
+            <a:avLst/>
+          </a:prstGeom>
+        </p:spPr>
+      </p:pic>
+      <p:pic>
+        <p:nvPicPr>
+          <p:cNvPr id="6" name="Picture 5" descr="Chart&#10;&#10;Description automatically generated">
+            <a:extLst>
+              <a:ext uri="{FF2B5EF4-FFF2-40B4-BE49-F238E27FC236}">
+                <a16:creationId xmlns:a16="http://schemas.microsoft.com/office/drawing/2014/main" id="{C9E139CE-4C20-4001-BEC3-ACB691DA2EAB}"/>
+              </a:ext>
+            </a:extLst>
+          </p:cNvPr>
+          <p:cNvPicPr>
+            <a:picLocks noChangeAspect="1"/>
+          </p:cNvPicPr>
+          <p:nvPr/>
+        </p:nvPicPr>
+        <p:blipFill rotWithShape="1">
+          <a:blip r:embed="rId3">
+            <a:extLst>
+              <a:ext uri="{28A0092B-C50C-407E-A947-70E740481C1C}">
+                <a14:useLocalDpi xmlns:a14="http://schemas.microsoft.com/office/drawing/2010/main" val="0"/>
+              </a:ext>
+            </a:extLst>
+          </a:blip>
+          <a:srcRect l="6518" t="5381" r="8816"/>
+          <a:stretch/>
+        </p:blipFill>
+        <p:spPr>
+          <a:xfrm>
+            <a:off x="3345927" y="509399"/>
+            <a:ext cx="2743200" cy="2298358"/>
+          </a:xfrm>
+          <a:prstGeom prst="rect">
+            <a:avLst/>
+          </a:prstGeom>
+        </p:spPr>
+      </p:pic>
+      <p:pic>
+        <p:nvPicPr>
+          <p:cNvPr id="9" name="Picture 8" descr="Chart&#10;&#10;Description automatically generated">
+            <a:extLst>
+              <a:ext uri="{FF2B5EF4-FFF2-40B4-BE49-F238E27FC236}">
+                <a16:creationId xmlns:a16="http://schemas.microsoft.com/office/drawing/2014/main" id="{4CFB7DB8-BDE4-4C3F-9871-6CB85E9BC2EF}"/>
+              </a:ext>
+            </a:extLst>
+          </p:cNvPr>
+          <p:cNvPicPr>
+            <a:picLocks noChangeAspect="1"/>
+          </p:cNvPicPr>
+          <p:nvPr/>
+        </p:nvPicPr>
+        <p:blipFill rotWithShape="1">
+          <a:blip r:embed="rId4">
+            <a:extLst>
+              <a:ext uri="{28A0092B-C50C-407E-A947-70E740481C1C}">
+                <a14:useLocalDpi xmlns:a14="http://schemas.microsoft.com/office/drawing/2010/main" val="0"/>
+              </a:ext>
+            </a:extLst>
+          </a:blip>
+          <a:srcRect l="6518" t="5381" r="8816"/>
+          <a:stretch/>
+        </p:blipFill>
+        <p:spPr>
+          <a:xfrm>
+            <a:off x="491096" y="2792186"/>
+            <a:ext cx="2743200" cy="2298358"/>
+          </a:xfrm>
+          <a:prstGeom prst="rect">
+            <a:avLst/>
+          </a:prstGeom>
+        </p:spPr>
+      </p:pic>
+      <p:pic>
+        <p:nvPicPr>
+          <p:cNvPr id="12" name="Picture 11" descr="Chart, histogram&#10;&#10;Description automatically generated">
+            <a:extLst>
+              <a:ext uri="{FF2B5EF4-FFF2-40B4-BE49-F238E27FC236}">
+                <a16:creationId xmlns:a16="http://schemas.microsoft.com/office/drawing/2014/main" id="{8A69F0C2-AA0A-4D93-86C9-8BC74905DDA8}"/>
+              </a:ext>
+            </a:extLst>
+          </p:cNvPr>
+          <p:cNvPicPr>
+            <a:picLocks noChangeAspect="1"/>
+          </p:cNvPicPr>
+          <p:nvPr/>
+        </p:nvPicPr>
+        <p:blipFill rotWithShape="1">
+          <a:blip r:embed="rId5">
+            <a:extLst>
+              <a:ext uri="{28A0092B-C50C-407E-A947-70E740481C1C}">
+                <a14:useLocalDpi xmlns:a14="http://schemas.microsoft.com/office/drawing/2010/main" val="0"/>
+              </a:ext>
+            </a:extLst>
+          </a:blip>
+          <a:srcRect l="6518" t="5381" r="8816"/>
+          <a:stretch/>
+        </p:blipFill>
+        <p:spPr>
+          <a:xfrm>
+            <a:off x="3372495" y="2792186"/>
+            <a:ext cx="2743200" cy="2298358"/>
+          </a:xfrm>
+          <a:prstGeom prst="rect">
+            <a:avLst/>
+          </a:prstGeom>
+        </p:spPr>
+      </p:pic>
+      <p:sp>
+        <p:nvSpPr>
+          <p:cNvPr id="14" name="TextBox 13">
+            <a:extLst>
+              <a:ext uri="{FF2B5EF4-FFF2-40B4-BE49-F238E27FC236}">
+                <a16:creationId xmlns:a16="http://schemas.microsoft.com/office/drawing/2014/main" id="{B10ECE7D-1D46-4A4A-A5E3-EDF4B65ACA38}"/>
+              </a:ext>
+            </a:extLst>
+          </p:cNvPr>
+          <p:cNvSpPr txBox="1"/>
+          <p:nvPr/>
+        </p:nvSpPr>
+        <p:spPr>
+          <a:xfrm>
+            <a:off x="608970" y="2519210"/>
+            <a:ext cx="307777" cy="215444"/>
+          </a:xfrm>
+          <a:prstGeom prst="rect">
+            <a:avLst/>
+          </a:prstGeom>
+          <a:noFill/>
+        </p:spPr>
+        <p:txBody>
+          <a:bodyPr vert="vert270" wrap="square" rtlCol="0">
+            <a:spAutoFit/>
+          </a:bodyPr>
+          <a:lstStyle/>
+          <a:p>
+            <a:r>
+              <a:rPr lang="en-GB" sz="800" dirty="0"/>
+              <a:t>18</a:t>
+            </a:r>
+          </a:p>
+        </p:txBody>
+      </p:sp>
+      <p:sp>
+        <p:nvSpPr>
+          <p:cNvPr id="31" name="TextBox 30">
+            <a:extLst>
+              <a:ext uri="{FF2B5EF4-FFF2-40B4-BE49-F238E27FC236}">
+                <a16:creationId xmlns:a16="http://schemas.microsoft.com/office/drawing/2014/main" id="{0D213BC1-D79D-4039-A257-B02AC42826B4}"/>
+              </a:ext>
+            </a:extLst>
+          </p:cNvPr>
+          <p:cNvSpPr txBox="1"/>
+          <p:nvPr/>
+        </p:nvSpPr>
+        <p:spPr>
+          <a:xfrm>
+            <a:off x="744885" y="2519210"/>
+            <a:ext cx="307777" cy="215444"/>
+          </a:xfrm>
+          <a:prstGeom prst="rect">
+            <a:avLst/>
+          </a:prstGeom>
+          <a:noFill/>
+        </p:spPr>
+        <p:txBody>
+          <a:bodyPr vert="vert270" wrap="square" rtlCol="0">
+            <a:spAutoFit/>
+          </a:bodyPr>
+          <a:lstStyle/>
+          <a:p>
+            <a:r>
+              <a:rPr lang="en-GB" sz="800" dirty="0"/>
+              <a:t>30</a:t>
+            </a:r>
+          </a:p>
+        </p:txBody>
+      </p:sp>
+    </p:spTree>
+    <p:extLst>
+      <p:ext uri="{BB962C8B-B14F-4D97-AF65-F5344CB8AC3E}">
+        <p14:creationId xmlns:p14="http://schemas.microsoft.com/office/powerpoint/2010/main" val="1489261767"/>
+      </p:ext>
+    </p:extLst>
+  </p:cSld>
+  <p:clrMapOvr>
+    <a:masterClrMapping/>
+  </p:clrMapOvr>
+</p:sld>
+</file>
+
+<file path=ppt/slides/slide2.xml><?xml version="1.0" encoding="utf-8"?>
+<p:sld xmlns:a="http://schemas.openxmlformats.org/drawingml/2006/main" xmlns:r="http://schemas.openxmlformats.org/officeDocument/2006/relationships" xmlns:p="http://schemas.openxmlformats.org/presentationml/2006/main">
+  <p:cSld>
+    <p:spTree>
+      <p:nvGrpSpPr>
+        <p:cNvPr id="1" name=""/>
+        <p:cNvGrpSpPr/>
+        <p:nvPr/>
+      </p:nvGrpSpPr>
+      <p:grpSpPr>
+        <a:xfrm>
+          <a:off x="0" y="0"/>
+          <a:ext cx="0" cy="0"/>
+          <a:chOff x="0" y="0"/>
+          <a:chExt cx="0" cy="0"/>
+        </a:xfrm>
+      </p:grpSpPr>
+      <p:sp>
+        <p:nvSpPr>
+          <p:cNvPr id="59" name="TextBox 58">
+            <a:extLst>
+              <a:ext uri="{FF2B5EF4-FFF2-40B4-BE49-F238E27FC236}">
+                <a16:creationId xmlns:a16="http://schemas.microsoft.com/office/drawing/2014/main" id="{EDB8C1D3-804C-4636-B781-F3F8431A369B}"/>
+              </a:ext>
+            </a:extLst>
+          </p:cNvPr>
+          <p:cNvSpPr txBox="1"/>
+          <p:nvPr/>
+        </p:nvSpPr>
+        <p:spPr>
+          <a:xfrm>
+            <a:off x="3505199" y="5029497"/>
+            <a:ext cx="2520583" cy="215444"/>
+          </a:xfrm>
+          <a:prstGeom prst="rect">
+            <a:avLst/>
+          </a:prstGeom>
+          <a:noFill/>
+        </p:spPr>
+        <p:txBody>
+          <a:bodyPr wrap="square" rtlCol="0">
+            <a:spAutoFit/>
+          </a:bodyPr>
+          <a:lstStyle/>
+          <a:p>
+            <a:pPr algn="ctr"/>
+            <a:r>
+              <a:rPr lang="en-GB" sz="800" dirty="0"/>
+              <a:t>Steps at the end of 12 hourly accumulation periods</a:t>
+            </a:r>
+          </a:p>
+        </p:txBody>
+      </p:sp>
+      <p:sp>
+        <p:nvSpPr>
+          <p:cNvPr id="67" name="TextBox 66">
+            <a:extLst>
+              <a:ext uri="{FF2B5EF4-FFF2-40B4-BE49-F238E27FC236}">
+                <a16:creationId xmlns:a16="http://schemas.microsoft.com/office/drawing/2014/main" id="{589ABFA2-7EBB-4EB0-AA6D-EF1322D81885}"/>
+              </a:ext>
+            </a:extLst>
+          </p:cNvPr>
+          <p:cNvSpPr txBox="1"/>
+          <p:nvPr/>
+        </p:nvSpPr>
+        <p:spPr>
+          <a:xfrm>
+            <a:off x="628650" y="271033"/>
+            <a:ext cx="2539436" cy="246221"/>
+          </a:xfrm>
+          <a:prstGeom prst="rect">
+            <a:avLst/>
+          </a:prstGeom>
+          <a:noFill/>
+        </p:spPr>
+        <p:txBody>
+          <a:bodyPr wrap="square" rtlCol="0">
+            <a:spAutoFit/>
+          </a:bodyPr>
+          <a:lstStyle/>
+          <a:p>
+            <a:pPr algn="ctr"/>
+            <a:r>
+              <a:rPr lang="en-GB" sz="1000" b="1" dirty="0"/>
+              <a:t>“La Costa”</a:t>
+            </a:r>
+          </a:p>
+        </p:txBody>
+      </p:sp>
+      <p:sp>
+        <p:nvSpPr>
+          <p:cNvPr id="69" name="TextBox 68">
+            <a:extLst>
+              <a:ext uri="{FF2B5EF4-FFF2-40B4-BE49-F238E27FC236}">
+                <a16:creationId xmlns:a16="http://schemas.microsoft.com/office/drawing/2014/main" id="{B2688E76-5FD0-4F52-A97A-E43BF1D1D85D}"/>
+              </a:ext>
+            </a:extLst>
+          </p:cNvPr>
+          <p:cNvSpPr txBox="1"/>
+          <p:nvPr/>
+        </p:nvSpPr>
+        <p:spPr>
+          <a:xfrm>
+            <a:off x="3505200" y="271033"/>
+            <a:ext cx="2524034" cy="246221"/>
+          </a:xfrm>
+          <a:prstGeom prst="rect">
+            <a:avLst/>
+          </a:prstGeom>
+          <a:noFill/>
+        </p:spPr>
+        <p:txBody>
+          <a:bodyPr wrap="square" rtlCol="0">
+            <a:spAutoFit/>
+          </a:bodyPr>
+          <a:lstStyle/>
+          <a:p>
+            <a:pPr algn="ctr"/>
+            <a:r>
+              <a:rPr lang="en-GB" sz="1000" b="1" dirty="0"/>
+              <a:t>“La Sierra”</a:t>
+            </a:r>
+          </a:p>
+        </p:txBody>
+      </p:sp>
+      <p:cxnSp>
+        <p:nvCxnSpPr>
+          <p:cNvPr id="81" name="Straight Connector 80">
+            <a:extLst>
+              <a:ext uri="{FF2B5EF4-FFF2-40B4-BE49-F238E27FC236}">
+                <a16:creationId xmlns:a16="http://schemas.microsoft.com/office/drawing/2014/main" id="{377C66FD-529A-4A29-AA0C-66E0F4A85000}"/>
+              </a:ext>
+            </a:extLst>
+          </p:cNvPr>
+          <p:cNvCxnSpPr>
+            <a:cxnSpLocks/>
+          </p:cNvCxnSpPr>
+          <p:nvPr/>
+        </p:nvCxnSpPr>
+        <p:spPr>
+          <a:xfrm>
+            <a:off x="3234770" y="228596"/>
+            <a:ext cx="540000" cy="0"/>
+          </a:xfrm>
+          <a:prstGeom prst="line">
+            <a:avLst/>
+          </a:prstGeom>
+          <a:ln w="38100">
+            <a:solidFill>
+              <a:srgbClr val="0000FF"/>
+            </a:solidFill>
+          </a:ln>
+        </p:spPr>
+        <p:style>
+          <a:lnRef idx="1">
+            <a:schemeClr val="accent1"/>
+          </a:lnRef>
+          <a:fillRef idx="0">
+            <a:schemeClr val="accent1"/>
+          </a:fillRef>
+          <a:effectRef idx="0">
+            <a:schemeClr val="accent1"/>
+          </a:effectRef>
+          <a:fontRef idx="minor">
+            <a:schemeClr val="tx1"/>
+          </a:fontRef>
+        </p:style>
+      </p:cxnSp>
+      <p:cxnSp>
+        <p:nvCxnSpPr>
+          <p:cNvPr id="82" name="Straight Connector 81">
+            <a:extLst>
+              <a:ext uri="{FF2B5EF4-FFF2-40B4-BE49-F238E27FC236}">
+                <a16:creationId xmlns:a16="http://schemas.microsoft.com/office/drawing/2014/main" id="{090D61E3-A960-46E0-A7D3-BA34DFF9F090}"/>
+              </a:ext>
+            </a:extLst>
+          </p:cNvPr>
+          <p:cNvCxnSpPr>
+            <a:cxnSpLocks/>
+          </p:cNvCxnSpPr>
+          <p:nvPr/>
+        </p:nvCxnSpPr>
+        <p:spPr>
+          <a:xfrm>
+            <a:off x="2489523" y="228596"/>
+            <a:ext cx="540000" cy="0"/>
+          </a:xfrm>
+          <a:prstGeom prst="line">
+            <a:avLst/>
+          </a:prstGeom>
+          <a:ln w="38100">
+            <a:solidFill>
+              <a:srgbClr val="FF0000"/>
+            </a:solidFill>
+          </a:ln>
+        </p:spPr>
+        <p:style>
+          <a:lnRef idx="1">
+            <a:schemeClr val="accent1"/>
+          </a:lnRef>
+          <a:fillRef idx="0">
+            <a:schemeClr val="accent1"/>
+          </a:fillRef>
+          <a:effectRef idx="0">
+            <a:schemeClr val="accent1"/>
+          </a:effectRef>
+          <a:fontRef idx="minor">
+            <a:schemeClr val="tx1"/>
+          </a:fontRef>
+        </p:style>
+      </p:cxnSp>
+      <p:sp>
+        <p:nvSpPr>
+          <p:cNvPr id="83" name="TextBox 82">
+            <a:extLst>
+              <a:ext uri="{FF2B5EF4-FFF2-40B4-BE49-F238E27FC236}">
+                <a16:creationId xmlns:a16="http://schemas.microsoft.com/office/drawing/2014/main" id="{E87050D7-461D-4FA8-AAAA-B2927D17BF36}"/>
+              </a:ext>
+            </a:extLst>
+          </p:cNvPr>
+          <p:cNvSpPr txBox="1"/>
+          <p:nvPr/>
+        </p:nvSpPr>
+        <p:spPr>
+          <a:xfrm>
+            <a:off x="2520975" y="-17770"/>
+            <a:ext cx="477097" cy="246366"/>
+          </a:xfrm>
+          <a:prstGeom prst="rect">
+            <a:avLst/>
+          </a:prstGeom>
+          <a:noFill/>
+        </p:spPr>
+        <p:txBody>
+          <a:bodyPr wrap="square" rtlCol="0">
+            <a:spAutoFit/>
+          </a:bodyPr>
+          <a:lstStyle/>
+          <a:p>
+            <a:pPr algn="ctr"/>
+            <a:r>
+              <a:rPr lang="en-GB" sz="1000" dirty="0"/>
+              <a:t>ENS</a:t>
+            </a:r>
+          </a:p>
+        </p:txBody>
+      </p:sp>
+      <p:sp>
+        <p:nvSpPr>
+          <p:cNvPr id="84" name="TextBox 83">
+            <a:extLst>
+              <a:ext uri="{FF2B5EF4-FFF2-40B4-BE49-F238E27FC236}">
+                <a16:creationId xmlns:a16="http://schemas.microsoft.com/office/drawing/2014/main" id="{DCA229DB-8991-4C74-A0F1-F0C1F1931148}"/>
+              </a:ext>
+            </a:extLst>
+          </p:cNvPr>
+          <p:cNvSpPr txBox="1"/>
+          <p:nvPr/>
+        </p:nvSpPr>
+        <p:spPr>
+          <a:xfrm>
+            <a:off x="3176230" y="-17770"/>
+            <a:ext cx="657080" cy="246221"/>
+          </a:xfrm>
+          <a:prstGeom prst="rect">
+            <a:avLst/>
+          </a:prstGeom>
+          <a:noFill/>
+        </p:spPr>
+        <p:txBody>
+          <a:bodyPr wrap="square" rtlCol="0">
+            <a:spAutoFit/>
+          </a:bodyPr>
+          <a:lstStyle/>
+          <a:p>
+            <a:pPr algn="ctr"/>
+            <a:r>
+              <a:rPr lang="en-GB" sz="1000" dirty="0"/>
+              <a:t>ecPoint</a:t>
+            </a:r>
+          </a:p>
+        </p:txBody>
+      </p:sp>
+      <p:sp>
+        <p:nvSpPr>
+          <p:cNvPr id="89" name="TextBox 88">
+            <a:extLst>
+              <a:ext uri="{FF2B5EF4-FFF2-40B4-BE49-F238E27FC236}">
+                <a16:creationId xmlns:a16="http://schemas.microsoft.com/office/drawing/2014/main" id="{B39140BE-A13C-4AE0-A6FD-6EE6FEB5AC74}"/>
+              </a:ext>
+            </a:extLst>
+          </p:cNvPr>
+          <p:cNvSpPr txBox="1"/>
+          <p:nvPr/>
+        </p:nvSpPr>
+        <p:spPr>
+          <a:xfrm>
+            <a:off x="628650" y="5033057"/>
+            <a:ext cx="2520583" cy="215444"/>
+          </a:xfrm>
+          <a:prstGeom prst="rect">
+            <a:avLst/>
+          </a:prstGeom>
+          <a:noFill/>
+        </p:spPr>
+        <p:txBody>
+          <a:bodyPr wrap="square" rtlCol="0">
+            <a:spAutoFit/>
+          </a:bodyPr>
+          <a:lstStyle/>
+          <a:p>
+            <a:pPr algn="ctr"/>
+            <a:r>
+              <a:rPr lang="en-GB" sz="800" dirty="0"/>
+              <a:t>Steps at the end of 12 hourly accumulation periods</a:t>
+            </a:r>
+          </a:p>
+        </p:txBody>
+      </p:sp>
+      <p:sp>
+        <p:nvSpPr>
+          <p:cNvPr id="74" name="TextBox 73">
+            <a:extLst>
+              <a:ext uri="{FF2B5EF4-FFF2-40B4-BE49-F238E27FC236}">
+                <a16:creationId xmlns:a16="http://schemas.microsoft.com/office/drawing/2014/main" id="{731D2FA9-E557-41FD-8400-9864995A64F0}"/>
+              </a:ext>
+            </a:extLst>
+          </p:cNvPr>
+          <p:cNvSpPr txBox="1"/>
+          <p:nvPr/>
+        </p:nvSpPr>
+        <p:spPr>
+          <a:xfrm rot="16200000">
+            <a:off x="-636861" y="1366495"/>
+            <a:ext cx="1966466" cy="215444"/>
+          </a:xfrm>
+          <a:prstGeom prst="rect">
+            <a:avLst/>
+          </a:prstGeom>
+          <a:noFill/>
+        </p:spPr>
+        <p:txBody>
+          <a:bodyPr wrap="square" rtlCol="0">
+            <a:spAutoFit/>
+          </a:bodyPr>
+          <a:lstStyle/>
+          <a:p>
+            <a:pPr algn="ctr"/>
+            <a:r>
+              <a:rPr lang="en-GB" sz="800" dirty="0"/>
+              <a:t>Area under the ROC</a:t>
+            </a:r>
+          </a:p>
+        </p:txBody>
+      </p:sp>
       <p:pic>
         <p:nvPicPr>
           <p:cNvPr id="4" name="Picture 3" descr="Chart, histogram&#10;&#10;Description automatically generated">
@@ -4628,10 +5386,150 @@
           </a:p>
         </p:txBody>
       </p:sp>
+      <p:pic>
+        <p:nvPicPr>
+          <p:cNvPr id="3" name="Picture 2" descr="Chart, line chart&#10;&#10;Description automatically generated">
+            <a:extLst>
+              <a:ext uri="{FF2B5EF4-FFF2-40B4-BE49-F238E27FC236}">
+                <a16:creationId xmlns:a16="http://schemas.microsoft.com/office/drawing/2014/main" id="{31EDC471-8F26-45F9-8195-9F4871E92678}"/>
+              </a:ext>
+            </a:extLst>
+          </p:cNvPr>
+          <p:cNvPicPr>
+            <a:picLocks noChangeAspect="1"/>
+          </p:cNvPicPr>
+          <p:nvPr/>
+        </p:nvPicPr>
+        <p:blipFill rotWithShape="1">
+          <a:blip r:embed="rId6">
+            <a:extLst>
+              <a:ext uri="{28A0092B-C50C-407E-A947-70E740481C1C}">
+                <a14:useLocalDpi xmlns:a14="http://schemas.microsoft.com/office/drawing/2010/main" val="0"/>
+              </a:ext>
+            </a:extLst>
+          </a:blip>
+          <a:srcRect l="6115" t="5381" r="8815"/>
+          <a:stretch/>
+        </p:blipFill>
+        <p:spPr>
+          <a:xfrm>
+            <a:off x="-4471597" y="876835"/>
+            <a:ext cx="2756263" cy="2298359"/>
+          </a:xfrm>
+          <a:prstGeom prst="rect">
+            <a:avLst/>
+          </a:prstGeom>
+        </p:spPr>
+      </p:pic>
+      <p:pic>
+        <p:nvPicPr>
+          <p:cNvPr id="6" name="Picture 5" descr="Chart&#10;&#10;Description automatically generated">
+            <a:extLst>
+              <a:ext uri="{FF2B5EF4-FFF2-40B4-BE49-F238E27FC236}">
+                <a16:creationId xmlns:a16="http://schemas.microsoft.com/office/drawing/2014/main" id="{C9E139CE-4C20-4001-BEC3-ACB691DA2EAB}"/>
+              </a:ext>
+            </a:extLst>
+          </p:cNvPr>
+          <p:cNvPicPr>
+            <a:picLocks noChangeAspect="1"/>
+          </p:cNvPicPr>
+          <p:nvPr/>
+        </p:nvPicPr>
+        <p:blipFill rotWithShape="1">
+          <a:blip r:embed="rId7">
+            <a:extLst>
+              <a:ext uri="{28A0092B-C50C-407E-A947-70E740481C1C}">
+                <a14:useLocalDpi xmlns:a14="http://schemas.microsoft.com/office/drawing/2010/main" val="0"/>
+              </a:ext>
+            </a:extLst>
+          </a:blip>
+          <a:srcRect l="6518" t="5381" r="8816"/>
+          <a:stretch/>
+        </p:blipFill>
+        <p:spPr>
+          <a:xfrm>
+            <a:off x="-4458534" y="876837"/>
+            <a:ext cx="2743200" cy="2298358"/>
+          </a:xfrm>
+          <a:prstGeom prst="rect">
+            <a:avLst/>
+          </a:prstGeom>
+        </p:spPr>
+      </p:pic>
+      <p:pic>
+        <p:nvPicPr>
+          <p:cNvPr id="9" name="Picture 8" descr="Chart&#10;&#10;Description automatically generated">
+            <a:extLst>
+              <a:ext uri="{FF2B5EF4-FFF2-40B4-BE49-F238E27FC236}">
+                <a16:creationId xmlns:a16="http://schemas.microsoft.com/office/drawing/2014/main" id="{4CFB7DB8-BDE4-4C3F-9871-6CB85E9BC2EF}"/>
+              </a:ext>
+            </a:extLst>
+          </p:cNvPr>
+          <p:cNvPicPr>
+            <a:picLocks noChangeAspect="1"/>
+          </p:cNvPicPr>
+          <p:nvPr/>
+        </p:nvPicPr>
+        <p:blipFill rotWithShape="1">
+          <a:blip r:embed="rId8">
+            <a:extLst>
+              <a:ext uri="{28A0092B-C50C-407E-A947-70E740481C1C}">
+                <a14:useLocalDpi xmlns:a14="http://schemas.microsoft.com/office/drawing/2010/main" val="0"/>
+              </a:ext>
+            </a:extLst>
+          </a:blip>
+          <a:srcRect l="6518" t="5381" r="8816"/>
+          <a:stretch/>
+        </p:blipFill>
+        <p:spPr>
+          <a:xfrm>
+            <a:off x="-4458534" y="876837"/>
+            <a:ext cx="2743200" cy="2298358"/>
+          </a:xfrm>
+          <a:prstGeom prst="rect">
+            <a:avLst/>
+          </a:prstGeom>
+        </p:spPr>
+      </p:pic>
+      <p:pic>
+        <p:nvPicPr>
+          <p:cNvPr id="12" name="Picture 11" descr="Chart, histogram&#10;&#10;Description automatically generated">
+            <a:extLst>
+              <a:ext uri="{FF2B5EF4-FFF2-40B4-BE49-F238E27FC236}">
+                <a16:creationId xmlns:a16="http://schemas.microsoft.com/office/drawing/2014/main" id="{8A69F0C2-AA0A-4D93-86C9-8BC74905DDA8}"/>
+              </a:ext>
+            </a:extLst>
+          </p:cNvPr>
+          <p:cNvPicPr>
+            <a:picLocks noChangeAspect="1"/>
+          </p:cNvPicPr>
+          <p:nvPr/>
+        </p:nvPicPr>
+        <p:blipFill rotWithShape="1">
+          <a:blip r:embed="rId9">
+            <a:extLst>
+              <a:ext uri="{28A0092B-C50C-407E-A947-70E740481C1C}">
+                <a14:useLocalDpi xmlns:a14="http://schemas.microsoft.com/office/drawing/2010/main" val="0"/>
+              </a:ext>
+            </a:extLst>
+          </a:blip>
+          <a:srcRect l="6518" t="5381" r="8816"/>
+          <a:stretch/>
+        </p:blipFill>
+        <p:spPr>
+          <a:xfrm>
+            <a:off x="-4458534" y="876837"/>
+            <a:ext cx="2743200" cy="2298358"/>
+          </a:xfrm>
+          <a:prstGeom prst="rect">
+            <a:avLst/>
+          </a:prstGeom>
+        </p:spPr>
+      </p:pic>
     </p:spTree>
     <p:extLst>
       <p:ext uri="{BB962C8B-B14F-4D97-AF65-F5344CB8AC3E}">
-        <p14:creationId xmlns:p14="http://schemas.microsoft.com/office/powerpoint/2010/main" val="1489261767"/>
+        <p14:creationId xmlns:p14="http://schemas.microsoft.com/office/powerpoint/2010/main" val="1512648315"/>
       </p:ext>
     </p:extLst>
   </p:cSld>
